--- a/Documentacion/PlanteamientoProblema/Diseño funcional y modelos.pptx
+++ b/Documentacion/PlanteamientoProblema/Diseño funcional y modelos.pptx
@@ -8,15 +8,17 @@
   <p:sldIdLst>
     <p:sldId id="256" r:id="rId3"/>
     <p:sldId id="257" r:id="rId4"/>
-    <p:sldId id="258" r:id="rId5"/>
-    <p:sldId id="259" r:id="rId6"/>
-    <p:sldId id="260" r:id="rId7"/>
-    <p:sldId id="263" r:id="rId8"/>
-    <p:sldId id="264" r:id="rId9"/>
-    <p:sldId id="265" r:id="rId10"/>
-    <p:sldId id="266" r:id="rId11"/>
-    <p:sldId id="261" r:id="rId12"/>
-    <p:sldId id="262" r:id="rId13"/>
+    <p:sldId id="267" r:id="rId5"/>
+    <p:sldId id="268" r:id="rId6"/>
+    <p:sldId id="258" r:id="rId7"/>
+    <p:sldId id="259" r:id="rId8"/>
+    <p:sldId id="260" r:id="rId9"/>
+    <p:sldId id="263" r:id="rId10"/>
+    <p:sldId id="264" r:id="rId11"/>
+    <p:sldId id="265" r:id="rId12"/>
+    <p:sldId id="266" r:id="rId13"/>
+    <p:sldId id="261" r:id="rId14"/>
+    <p:sldId id="262" r:id="rId15"/>
   </p:sldIdLst>
   <p:sldSz cx="12192000" cy="6858000"/>
   <p:notesSz cx="7559675" cy="10691813"/>
@@ -115,6 +117,11 @@
       </a:defRPr>
     </a:lvl9pPr>
   </p:defaultTextStyle>
+  <p:extLst>
+    <p:ext uri="{EFAFB233-063F-42B5-8137-9DF3F51BA10A}">
+      <p15:sldGuideLst xmlns:p15="http://schemas.microsoft.com/office/powerpoint/2012/main"/>
+    </p:ext>
+  </p:extLst>
 </p:presentation>
 </file>
 
@@ -3216,7 +3223,7 @@
                 </a:solidFill>
                 <a:latin typeface="Calibri"/>
               </a:rPr>
-              <a:t>17/01/2021</a:t>
+              <a:t>10/02/2021</a:t>
             </a:fld>
             <a:endParaRPr lang="es-ES" sz="1200" b="0" strike="noStrike" spc="-1">
               <a:latin typeface="Times New Roman"/>
@@ -4026,7 +4033,7 @@
                 </a:solidFill>
                 <a:latin typeface="Calibri"/>
               </a:rPr>
-              <a:t>17/01/2021</a:t>
+              <a:t>10/02/2021</a:t>
             </a:fld>
             <a:endParaRPr lang="es-ES" sz="1200" b="0" strike="noStrike" spc="-1">
               <a:latin typeface="Times New Roman"/>
@@ -4569,14 +4576,14 @@
       </p:grpSpPr>
       <p:sp>
         <p:nvSpPr>
-          <p:cNvPr id="158" name="TextShape 1"/>
+          <p:cNvPr id="169" name="TextShape 1"/>
           <p:cNvSpPr txBox="1"/>
           <p:nvPr/>
         </p:nvSpPr>
         <p:spPr>
           <a:xfrm>
-            <a:off x="1924920" y="124200"/>
-            <a:ext cx="10515240" cy="1325160"/>
+            <a:off x="838080" y="365040"/>
+            <a:ext cx="10515240" cy="392040"/>
           </a:xfrm>
           <a:prstGeom prst="rect">
             <a:avLst/>
@@ -4587,24 +4594,26 @@
           </a:ln>
         </p:spPr>
         <p:txBody>
-          <a:bodyPr anchor="ctr"/>
+          <a:bodyPr anchor="ctr">
+            <a:normAutofit fontScale="92500" lnSpcReduction="20000"/>
+          </a:bodyPr>
           <a:lstStyle/>
           <a:p>
-            <a:pPr>
+            <a:pPr algn="ctr">
               <a:lnSpc>
                 <a:spcPct val="90000"/>
               </a:lnSpc>
             </a:pPr>
             <a:r>
-              <a:rPr lang="es-ES" sz="4400" b="0" strike="noStrike" spc="-1">
+              <a:rPr lang="es-ES" sz="2800" b="1" strike="noStrike" spc="-1">
                 <a:solidFill>
                   <a:srgbClr val="000000"/>
                 </a:solidFill>
-                <a:latin typeface="LM Roman 10"/>
+                <a:latin typeface="Calibri Light"/>
               </a:rPr>
-              <a:t>Python optimization algorithm </a:t>
+              <a:t>RESTRICCIONES OBLIGATORIAS</a:t>
             </a:r>
-            <a:endParaRPr lang="es-ES" sz="4400" b="0" strike="noStrike" spc="-1">
+            <a:endParaRPr lang="es-ES" sz="2800" b="0" strike="noStrike" spc="-1">
               <a:solidFill>
                 <a:srgbClr val="000000"/>
               </a:solidFill>
@@ -4615,19 +4624,24 @@
       </p:sp>
       <p:sp>
         <p:nvSpPr>
-          <p:cNvPr id="159" name="TextShape 2"/>
+          <p:cNvPr id="171" name="TextShape 3"/>
           <p:cNvSpPr txBox="1"/>
           <p:nvPr/>
         </p:nvSpPr>
         <p:spPr>
           <a:xfrm>
-            <a:off x="838080" y="1343880"/>
-            <a:ext cx="10515240" cy="5069880"/>
-          </a:xfrm>
-          <a:prstGeom prst="rect">
-            <a:avLst/>
-          </a:prstGeom>
-          <a:noFill/>
+            <a:off x="1139921" y="1125822"/>
+            <a:ext cx="10515240" cy="4350960"/>
+          </a:xfrm>
+          <a:prstGeom prst="rect">
+            <a:avLst/>
+          </a:prstGeom>
+          <a:blipFill rotWithShape="0">
+            <a:blip r:embed="rId2"/>
+            <a:stretch>
+              <a:fillRect/>
+            </a:stretch>
+          </a:blipFill>
           <a:ln>
             <a:noFill/>
           </a:ln>
@@ -4636,7 +4650,7 @@
           <a:bodyPr/>
           <a:lstStyle/>
           <a:p>
-            <a:pPr marL="228600" indent="-228240">
+            <a:pPr marL="360">
               <a:lnSpc>
                 <a:spcPct val="90000"/>
               </a:lnSpc>
@@ -4646,191 +4660,14 @@
               <a:buClr>
                 <a:srgbClr val="000000"/>
               </a:buClr>
-              <a:buFont typeface="Arial"/>
-              <a:buChar char="•"/>
             </a:pPr>
             <a:r>
-              <a:rPr lang="es-ES" sz="2800" b="1" u="sng" strike="noStrike" spc="-1">
-                <a:solidFill>
-                  <a:srgbClr val="0563C1"/>
-                </a:solidFill>
-                <a:uFillTx/>
-                <a:latin typeface="LM Roman 10"/>
-                <a:hlinkClick r:id="rId2"/>
+              <a:rPr lang="es-ES" sz="2800" b="0" strike="noStrike" spc="-1" dirty="0">
+                <a:latin typeface="Calibri"/>
               </a:rPr>
-              <a:t>Librería: </a:t>
+              <a:t> </a:t>
             </a:r>
-            <a:r>
-              <a:rPr lang="es-ES" sz="2800" b="1" u="sng" strike="noStrike" spc="-1">
-                <a:solidFill>
-                  <a:srgbClr val="0563C1"/>
-                </a:solidFill>
-                <a:uFillTx/>
-                <a:latin typeface="LM Roman 10"/>
-                <a:hlinkClick r:id="rId2"/>
-              </a:rPr>
-              <a:t>mlrose</a:t>
-            </a:r>
-            <a:endParaRPr lang="es-ES" sz="2800" b="0" strike="noStrike" spc="-1">
-              <a:solidFill>
-                <a:srgbClr val="000000"/>
-              </a:solidFill>
-              <a:latin typeface="Calibri"/>
-            </a:endParaRPr>
-          </a:p>
-          <a:p>
-            <a:pPr marL="228600" indent="-228240">
-              <a:lnSpc>
-                <a:spcPct val="90000"/>
-              </a:lnSpc>
-              <a:spcBef>
-                <a:spcPts val="1001"/>
-              </a:spcBef>
-              <a:buClr>
-                <a:srgbClr val="000000"/>
-              </a:buClr>
-              <a:buFont typeface="Arial"/>
-              <a:buChar char="•"/>
-            </a:pPr>
-            <a:r>
-              <a:rPr lang="es-ES" sz="2800" b="0" u="sng" strike="noStrike" spc="-1">
-                <a:solidFill>
-                  <a:srgbClr val="0563C1"/>
-                </a:solidFill>
-                <a:uFillTx/>
-                <a:latin typeface="LM Roman 10"/>
-                <a:hlinkClick r:id="rId2"/>
-              </a:rPr>
-              <a:t>https://towardsdatascience.com/getting-started-with-randomized-optimization-in-python-f7df46babff0</a:t>
-            </a:r>
-            <a:endParaRPr lang="es-ES" sz="2800" b="0" strike="noStrike" spc="-1">
-              <a:solidFill>
-                <a:srgbClr val="000000"/>
-              </a:solidFill>
-              <a:latin typeface="Calibri"/>
-            </a:endParaRPr>
-          </a:p>
-          <a:p>
-            <a:pPr marL="228600" indent="-228240">
-              <a:lnSpc>
-                <a:spcPct val="90000"/>
-              </a:lnSpc>
-              <a:spcBef>
-                <a:spcPts val="1001"/>
-              </a:spcBef>
-              <a:buClr>
-                <a:srgbClr val="000000"/>
-              </a:buClr>
-              <a:buFont typeface="Arial"/>
-              <a:buChar char="•"/>
-            </a:pPr>
-            <a:r>
-              <a:rPr lang="es-ES" sz="2800" b="0" u="sng" strike="noStrike" spc="-1">
-                <a:solidFill>
-                  <a:srgbClr val="0563C1"/>
-                </a:solidFill>
-                <a:uFillTx/>
-                <a:latin typeface="LM Roman 10"/>
-                <a:hlinkClick r:id="rId3"/>
-              </a:rPr>
-              <a:t>https://towardsdatascience.com/solving-travelling-salesperson-problems-with-python-5de7e883d847</a:t>
-            </a:r>
-            <a:endParaRPr lang="es-ES" sz="2800" b="0" strike="noStrike" spc="-1">
-              <a:solidFill>
-                <a:srgbClr val="000000"/>
-              </a:solidFill>
-              <a:latin typeface="Calibri"/>
-            </a:endParaRPr>
-          </a:p>
-          <a:p>
-            <a:pPr marL="228600" indent="-228240">
-              <a:lnSpc>
-                <a:spcPct val="90000"/>
-              </a:lnSpc>
-              <a:spcBef>
-                <a:spcPts val="1001"/>
-              </a:spcBef>
-              <a:buClr>
-                <a:srgbClr val="000000"/>
-              </a:buClr>
-              <a:buFont typeface="Arial"/>
-              <a:buChar char="•"/>
-            </a:pPr>
-            <a:r>
-              <a:rPr lang="es-ES" sz="2800" b="1" u="sng" strike="noStrike" spc="-1">
-                <a:solidFill>
-                  <a:srgbClr val="000000"/>
-                </a:solidFill>
-                <a:uFillTx/>
-                <a:latin typeface="LM Roman 10"/>
-              </a:rPr>
-              <a:t>Librería: scipy.optimize</a:t>
-            </a:r>
-            <a:endParaRPr lang="es-ES" sz="2800" b="0" strike="noStrike" spc="-1">
-              <a:solidFill>
-                <a:srgbClr val="000000"/>
-              </a:solidFill>
-              <a:latin typeface="Calibri"/>
-            </a:endParaRPr>
-          </a:p>
-          <a:p>
-            <a:pPr marL="228600" indent="-228240">
-              <a:lnSpc>
-                <a:spcPct val="90000"/>
-              </a:lnSpc>
-              <a:spcBef>
-                <a:spcPts val="1001"/>
-              </a:spcBef>
-              <a:buClr>
-                <a:srgbClr val="000000"/>
-              </a:buClr>
-              <a:buFont typeface="Arial"/>
-              <a:buChar char="•"/>
-            </a:pPr>
-            <a:r>
-              <a:rPr lang="es-ES" sz="2800" b="0" u="sng" strike="noStrike" spc="-1">
-                <a:solidFill>
-                  <a:srgbClr val="0563C1"/>
-                </a:solidFill>
-                <a:uFillTx/>
-                <a:latin typeface="LM Roman 10"/>
-                <a:hlinkClick r:id="rId4"/>
-              </a:rPr>
-              <a:t>https://docs.scipy.org/doc/scipy/reference/tutorial/optimize.html</a:t>
-            </a:r>
-            <a:endParaRPr lang="es-ES" sz="2800" b="0" strike="noStrike" spc="-1">
-              <a:solidFill>
-                <a:srgbClr val="000000"/>
-              </a:solidFill>
-              <a:latin typeface="Calibri"/>
-            </a:endParaRPr>
-          </a:p>
-          <a:p>
-            <a:pPr>
-              <a:lnSpc>
-                <a:spcPct val="90000"/>
-              </a:lnSpc>
-              <a:spcBef>
-                <a:spcPts val="1001"/>
-              </a:spcBef>
-            </a:pPr>
-            <a:endParaRPr lang="es-ES" sz="2800" b="0" strike="noStrike" spc="-1">
-              <a:solidFill>
-                <a:srgbClr val="000000"/>
-              </a:solidFill>
-              <a:latin typeface="Calibri"/>
-            </a:endParaRPr>
-          </a:p>
-          <a:p>
-            <a:pPr>
-              <a:lnSpc>
-                <a:spcPct val="90000"/>
-              </a:lnSpc>
-              <a:spcBef>
-                <a:spcPts val="1001"/>
-              </a:spcBef>
-            </a:pPr>
-            <a:endParaRPr lang="es-ES" sz="2800" b="0" strike="noStrike" spc="-1">
+            <a:endParaRPr lang="es-ES" sz="2800" b="0" strike="noStrike" spc="-1" dirty="0">
               <a:solidFill>
                 <a:srgbClr val="000000"/>
               </a:solidFill>
@@ -4893,14 +4730,14 @@
       </p:grpSpPr>
       <p:sp>
         <p:nvSpPr>
-          <p:cNvPr id="160" name="TextShape 1"/>
+          <p:cNvPr id="172" name="TextShape 1"/>
           <p:cNvSpPr txBox="1"/>
           <p:nvPr/>
         </p:nvSpPr>
         <p:spPr>
           <a:xfrm>
-            <a:off x="838080" y="1627560"/>
-            <a:ext cx="10515240" cy="4630320"/>
+            <a:off x="838080" y="365040"/>
+            <a:ext cx="10515240" cy="405360"/>
           </a:xfrm>
           <a:prstGeom prst="rect">
             <a:avLst/>
@@ -4911,9 +4748,335 @@
           </a:ln>
         </p:spPr>
         <p:txBody>
-          <a:bodyPr>
-            <a:normAutofit/>
+          <a:bodyPr anchor="ctr">
+            <a:normAutofit lnSpcReduction="10000"/>
           </a:bodyPr>
+          <a:lstStyle/>
+          <a:p>
+            <a:pPr algn="ctr">
+              <a:lnSpc>
+                <a:spcPct val="90000"/>
+              </a:lnSpc>
+            </a:pPr>
+            <a:r>
+              <a:rPr lang="es-ES" sz="2400" b="1" strike="noStrike" spc="-1">
+                <a:solidFill>
+                  <a:srgbClr val="000000"/>
+                </a:solidFill>
+                <a:latin typeface="Calibri Light"/>
+              </a:rPr>
+              <a:t>DATOS USUARIO</a:t>
+            </a:r>
+            <a:endParaRPr lang="es-ES" sz="2400" b="0" strike="noStrike" spc="-1">
+              <a:solidFill>
+                <a:srgbClr val="000000"/>
+              </a:solidFill>
+              <a:latin typeface="Calibri"/>
+            </a:endParaRPr>
+          </a:p>
+        </p:txBody>
+      </p:sp>
+      <p:sp>
+        <p:nvSpPr>
+          <p:cNvPr id="173" name="TextShape 2"/>
+          <p:cNvSpPr txBox="1"/>
+          <p:nvPr/>
+        </p:nvSpPr>
+        <p:spPr>
+          <a:xfrm>
+            <a:off x="733680" y="1028880"/>
+            <a:ext cx="10515240" cy="4350960"/>
+          </a:xfrm>
+          <a:prstGeom prst="rect">
+            <a:avLst/>
+          </a:prstGeom>
+          <a:noFill/>
+          <a:ln>
+            <a:noFill/>
+          </a:ln>
+        </p:spPr>
+        <p:txBody>
+          <a:bodyPr/>
+          <a:lstStyle/>
+          <a:p>
+            <a:pPr>
+              <a:lnSpc>
+                <a:spcPct val="90000"/>
+              </a:lnSpc>
+              <a:spcBef>
+                <a:spcPts val="1001"/>
+              </a:spcBef>
+            </a:pPr>
+            <a:r>
+              <a:rPr lang="es-ES" sz="2800" b="0" strike="noStrike" spc="-1">
+                <a:solidFill>
+                  <a:srgbClr val="000000"/>
+                </a:solidFill>
+                <a:latin typeface="Calibri"/>
+              </a:rPr>
+              <a:t>A partir de la info que nos proporcione el usuario, calcular la autonomía real del coche. Dependerá de:</a:t>
+            </a:r>
+          </a:p>
+          <a:p>
+            <a:pPr marL="228600" indent="-228240">
+              <a:lnSpc>
+                <a:spcPct val="90000"/>
+              </a:lnSpc>
+              <a:spcBef>
+                <a:spcPts val="1001"/>
+              </a:spcBef>
+              <a:buClr>
+                <a:srgbClr val="000000"/>
+              </a:buClr>
+              <a:buFont typeface="Wingdings" charset="2"/>
+              <a:buChar char=""/>
+            </a:pPr>
+            <a:r>
+              <a:rPr lang="es-ES" sz="2800" b="0" strike="noStrike" spc="-1">
+                <a:solidFill>
+                  <a:srgbClr val="000000"/>
+                </a:solidFill>
+                <a:latin typeface="Calibri"/>
+              </a:rPr>
+              <a:t> El tipo de coche</a:t>
+            </a:r>
+          </a:p>
+          <a:p>
+            <a:pPr marL="228600" indent="-228240">
+              <a:lnSpc>
+                <a:spcPct val="90000"/>
+              </a:lnSpc>
+              <a:spcBef>
+                <a:spcPts val="1001"/>
+              </a:spcBef>
+              <a:buClr>
+                <a:srgbClr val="000000"/>
+              </a:buClr>
+              <a:buFont typeface="Wingdings" charset="2"/>
+              <a:buChar char=""/>
+            </a:pPr>
+            <a:r>
+              <a:rPr lang="es-ES" sz="2800" b="0" strike="noStrike" spc="-1">
+                <a:solidFill>
+                  <a:srgbClr val="000000"/>
+                </a:solidFill>
+                <a:latin typeface="Calibri"/>
+              </a:rPr>
+              <a:t> Velocidad media</a:t>
+            </a:r>
+          </a:p>
+          <a:p>
+            <a:pPr marL="228600" indent="-228240">
+              <a:lnSpc>
+                <a:spcPct val="90000"/>
+              </a:lnSpc>
+              <a:spcBef>
+                <a:spcPts val="1001"/>
+              </a:spcBef>
+              <a:buClr>
+                <a:srgbClr val="000000"/>
+              </a:buClr>
+              <a:buFont typeface="Wingdings" charset="2"/>
+              <a:buChar char=""/>
+            </a:pPr>
+            <a:r>
+              <a:rPr lang="es-ES" sz="2800" b="0" strike="noStrike" spc="-1">
+                <a:solidFill>
+                  <a:srgbClr val="000000"/>
+                </a:solidFill>
+                <a:latin typeface="Calibri"/>
+              </a:rPr>
+              <a:t> Carga del coche</a:t>
+            </a:r>
+          </a:p>
+          <a:p>
+            <a:pPr marL="228600" indent="-228240">
+              <a:lnSpc>
+                <a:spcPct val="90000"/>
+              </a:lnSpc>
+              <a:spcBef>
+                <a:spcPts val="1001"/>
+              </a:spcBef>
+              <a:buClr>
+                <a:srgbClr val="000000"/>
+              </a:buClr>
+              <a:buFont typeface="Wingdings" charset="2"/>
+              <a:buChar char=""/>
+            </a:pPr>
+            <a:r>
+              <a:rPr lang="es-ES" sz="2800" b="0" strike="noStrike" spc="-1">
+                <a:solidFill>
+                  <a:srgbClr val="000000"/>
+                </a:solidFill>
+                <a:latin typeface="Calibri"/>
+              </a:rPr>
+              <a:t> ¿Clima?</a:t>
+            </a:r>
+          </a:p>
+          <a:p>
+            <a:pPr marL="228600" indent="-228240">
+              <a:lnSpc>
+                <a:spcPct val="90000"/>
+              </a:lnSpc>
+              <a:spcBef>
+                <a:spcPts val="1001"/>
+              </a:spcBef>
+              <a:buClr>
+                <a:srgbClr val="000000"/>
+              </a:buClr>
+              <a:buFont typeface="Wingdings" charset="2"/>
+              <a:buChar char=""/>
+            </a:pPr>
+            <a:r>
+              <a:rPr lang="es-ES" sz="2800" b="0" strike="noStrike" spc="-1">
+                <a:solidFill>
+                  <a:srgbClr val="000000"/>
+                </a:solidFill>
+                <a:latin typeface="Calibri"/>
+              </a:rPr>
+              <a:t> ¿Algo más…?</a:t>
+            </a:r>
+          </a:p>
+          <a:p>
+            <a:pPr algn="ctr">
+              <a:lnSpc>
+                <a:spcPct val="90000"/>
+              </a:lnSpc>
+              <a:spcBef>
+                <a:spcPts val="1001"/>
+              </a:spcBef>
+            </a:pPr>
+            <a:r>
+              <a:rPr lang="es-ES" sz="2800" b="0" strike="noStrike" spc="-1">
+                <a:solidFill>
+                  <a:srgbClr val="000000"/>
+                </a:solidFill>
+                <a:latin typeface="Calibri"/>
+              </a:rPr>
+              <a:t>¿Cómo lo ponderamos?</a:t>
+            </a:r>
+          </a:p>
+        </p:txBody>
+      </p:sp>
+    </p:spTree>
+  </p:cSld>
+  <p:clrMapOvr>
+    <a:masterClrMapping/>
+  </p:clrMapOvr>
+  <p:timing>
+    <p:tnLst>
+      <p:par>
+        <p:cTn id="1" dur="indefinite" restart="never" nodeType="tmRoot">
+          <p:childTnLst>
+            <p:seq>
+              <p:cTn id="2" dur="indefinite" nodeType="mainSeq"/>
+              <p:prevCondLst>
+                <p:cond evt="onPrev" delay="0">
+                  <p:tgtEl>
+                    <p:sldTgt/>
+                  </p:tgtEl>
+                </p:cond>
+              </p:prevCondLst>
+              <p:nextCondLst>
+                <p:cond evt="onNext" delay="0">
+                  <p:tgtEl>
+                    <p:sldTgt/>
+                  </p:tgtEl>
+                </p:cond>
+              </p:nextCondLst>
+            </p:seq>
+          </p:childTnLst>
+        </p:cTn>
+      </p:par>
+    </p:tnLst>
+  </p:timing>
+</p:sld>
+</file>
+
+<file path=ppt/slides/slide12.xml><?xml version="1.0" encoding="utf-8"?>
+<p:sld xmlns:a="http://schemas.openxmlformats.org/drawingml/2006/main" xmlns:r="http://schemas.openxmlformats.org/officeDocument/2006/relationships" xmlns:p="http://schemas.openxmlformats.org/presentationml/2006/main">
+  <p:cSld>
+    <p:spTree>
+      <p:nvGrpSpPr>
+        <p:cNvPr id="1" name=""/>
+        <p:cNvGrpSpPr/>
+        <p:nvPr/>
+      </p:nvGrpSpPr>
+      <p:grpSpPr>
+        <a:xfrm>
+          <a:off x="0" y="0"/>
+          <a:ext cx="0" cy="0"/>
+          <a:chOff x="0" y="0"/>
+          <a:chExt cx="0" cy="0"/>
+        </a:xfrm>
+      </p:grpSpPr>
+      <p:sp>
+        <p:nvSpPr>
+          <p:cNvPr id="158" name="TextShape 1"/>
+          <p:cNvSpPr txBox="1"/>
+          <p:nvPr/>
+        </p:nvSpPr>
+        <p:spPr>
+          <a:xfrm>
+            <a:off x="1924920" y="124200"/>
+            <a:ext cx="10515240" cy="1325160"/>
+          </a:xfrm>
+          <a:prstGeom prst="rect">
+            <a:avLst/>
+          </a:prstGeom>
+          <a:noFill/>
+          <a:ln>
+            <a:noFill/>
+          </a:ln>
+        </p:spPr>
+        <p:txBody>
+          <a:bodyPr anchor="ctr"/>
+          <a:lstStyle/>
+          <a:p>
+            <a:pPr>
+              <a:lnSpc>
+                <a:spcPct val="90000"/>
+              </a:lnSpc>
+            </a:pPr>
+            <a:r>
+              <a:rPr lang="es-ES" sz="4400" b="0" strike="noStrike" spc="-1">
+                <a:solidFill>
+                  <a:srgbClr val="000000"/>
+                </a:solidFill>
+                <a:latin typeface="LM Roman 10"/>
+              </a:rPr>
+              <a:t>Python optimization algorithm </a:t>
+            </a:r>
+            <a:endParaRPr lang="es-ES" sz="4400" b="0" strike="noStrike" spc="-1">
+              <a:solidFill>
+                <a:srgbClr val="000000"/>
+              </a:solidFill>
+              <a:latin typeface="Calibri"/>
+            </a:endParaRPr>
+          </a:p>
+        </p:txBody>
+      </p:sp>
+      <p:sp>
+        <p:nvSpPr>
+          <p:cNvPr id="159" name="TextShape 2"/>
+          <p:cNvSpPr txBox="1"/>
+          <p:nvPr/>
+        </p:nvSpPr>
+        <p:spPr>
+          <a:xfrm>
+            <a:off x="838080" y="1343880"/>
+            <a:ext cx="10515240" cy="5069880"/>
+          </a:xfrm>
+          <a:prstGeom prst="rect">
+            <a:avLst/>
+          </a:prstGeom>
+          <a:noFill/>
+          <a:ln>
+            <a:noFill/>
+          </a:ln>
+        </p:spPr>
+        <p:txBody>
+          <a:bodyPr/>
           <a:lstStyle/>
           <a:p>
             <a:pPr marL="228600" indent="-228240">
@@ -4938,8 +5101,266 @@
                 <a:latin typeface="LM Roman 10"/>
                 <a:hlinkClick r:id="rId2"/>
               </a:rPr>
-              <a:t>EDA Librería: pandas, </a:t>
+              <a:t>Librería: mlrose</a:t>
             </a:r>
+            <a:endParaRPr lang="es-ES" sz="2800" b="0" strike="noStrike" spc="-1">
+              <a:solidFill>
+                <a:srgbClr val="000000"/>
+              </a:solidFill>
+              <a:latin typeface="Calibri"/>
+            </a:endParaRPr>
+          </a:p>
+          <a:p>
+            <a:pPr marL="228600" indent="-228240">
+              <a:lnSpc>
+                <a:spcPct val="90000"/>
+              </a:lnSpc>
+              <a:spcBef>
+                <a:spcPts val="1001"/>
+              </a:spcBef>
+              <a:buClr>
+                <a:srgbClr val="000000"/>
+              </a:buClr>
+              <a:buFont typeface="Arial"/>
+              <a:buChar char="•"/>
+            </a:pPr>
+            <a:r>
+              <a:rPr lang="es-ES" sz="2800" b="0" u="sng" strike="noStrike" spc="-1">
+                <a:solidFill>
+                  <a:srgbClr val="0563C1"/>
+                </a:solidFill>
+                <a:uFillTx/>
+                <a:latin typeface="LM Roman 10"/>
+                <a:hlinkClick r:id="rId2"/>
+              </a:rPr>
+              <a:t>https://towardsdatascience.com/getting-started-with-randomized-optimization-in-python-f7df46babff0</a:t>
+            </a:r>
+            <a:endParaRPr lang="es-ES" sz="2800" b="0" strike="noStrike" spc="-1">
+              <a:solidFill>
+                <a:srgbClr val="000000"/>
+              </a:solidFill>
+              <a:latin typeface="Calibri"/>
+            </a:endParaRPr>
+          </a:p>
+          <a:p>
+            <a:pPr marL="228600" indent="-228240">
+              <a:lnSpc>
+                <a:spcPct val="90000"/>
+              </a:lnSpc>
+              <a:spcBef>
+                <a:spcPts val="1001"/>
+              </a:spcBef>
+              <a:buClr>
+                <a:srgbClr val="000000"/>
+              </a:buClr>
+              <a:buFont typeface="Arial"/>
+              <a:buChar char="•"/>
+            </a:pPr>
+            <a:r>
+              <a:rPr lang="es-ES" sz="2800" b="0" u="sng" strike="noStrike" spc="-1">
+                <a:solidFill>
+                  <a:srgbClr val="0563C1"/>
+                </a:solidFill>
+                <a:uFillTx/>
+                <a:latin typeface="LM Roman 10"/>
+                <a:hlinkClick r:id="rId3"/>
+              </a:rPr>
+              <a:t>https://towardsdatascience.com/solving-travelling-salesperson-problems-with-python-5de7e883d847</a:t>
+            </a:r>
+            <a:endParaRPr lang="es-ES" sz="2800" b="0" strike="noStrike" spc="-1">
+              <a:solidFill>
+                <a:srgbClr val="000000"/>
+              </a:solidFill>
+              <a:latin typeface="Calibri"/>
+            </a:endParaRPr>
+          </a:p>
+          <a:p>
+            <a:pPr marL="228600" indent="-228240">
+              <a:lnSpc>
+                <a:spcPct val="90000"/>
+              </a:lnSpc>
+              <a:spcBef>
+                <a:spcPts val="1001"/>
+              </a:spcBef>
+              <a:buClr>
+                <a:srgbClr val="000000"/>
+              </a:buClr>
+              <a:buFont typeface="Arial"/>
+              <a:buChar char="•"/>
+            </a:pPr>
+            <a:r>
+              <a:rPr lang="es-ES" sz="2800" b="1" u="sng" strike="noStrike" spc="-1">
+                <a:solidFill>
+                  <a:srgbClr val="000000"/>
+                </a:solidFill>
+                <a:uFillTx/>
+                <a:latin typeface="LM Roman 10"/>
+              </a:rPr>
+              <a:t>Librería: scipy.optimize</a:t>
+            </a:r>
+            <a:endParaRPr lang="es-ES" sz="2800" b="0" strike="noStrike" spc="-1">
+              <a:solidFill>
+                <a:srgbClr val="000000"/>
+              </a:solidFill>
+              <a:latin typeface="Calibri"/>
+            </a:endParaRPr>
+          </a:p>
+          <a:p>
+            <a:pPr marL="228600" indent="-228240">
+              <a:lnSpc>
+                <a:spcPct val="90000"/>
+              </a:lnSpc>
+              <a:spcBef>
+                <a:spcPts val="1001"/>
+              </a:spcBef>
+              <a:buClr>
+                <a:srgbClr val="000000"/>
+              </a:buClr>
+              <a:buFont typeface="Arial"/>
+              <a:buChar char="•"/>
+            </a:pPr>
+            <a:r>
+              <a:rPr lang="es-ES" sz="2800" b="0" u="sng" strike="noStrike" spc="-1">
+                <a:solidFill>
+                  <a:srgbClr val="0563C1"/>
+                </a:solidFill>
+                <a:uFillTx/>
+                <a:latin typeface="LM Roman 10"/>
+                <a:hlinkClick r:id="rId4"/>
+              </a:rPr>
+              <a:t>https://docs.scipy.org/doc/scipy/reference/tutorial/optimize.html</a:t>
+            </a:r>
+            <a:endParaRPr lang="es-ES" sz="2800" b="0" strike="noStrike" spc="-1">
+              <a:solidFill>
+                <a:srgbClr val="000000"/>
+              </a:solidFill>
+              <a:latin typeface="Calibri"/>
+            </a:endParaRPr>
+          </a:p>
+          <a:p>
+            <a:pPr>
+              <a:lnSpc>
+                <a:spcPct val="90000"/>
+              </a:lnSpc>
+              <a:spcBef>
+                <a:spcPts val="1001"/>
+              </a:spcBef>
+            </a:pPr>
+            <a:endParaRPr lang="es-ES" sz="2800" b="0" strike="noStrike" spc="-1">
+              <a:solidFill>
+                <a:srgbClr val="000000"/>
+              </a:solidFill>
+              <a:latin typeface="Calibri"/>
+            </a:endParaRPr>
+          </a:p>
+          <a:p>
+            <a:pPr>
+              <a:lnSpc>
+                <a:spcPct val="90000"/>
+              </a:lnSpc>
+              <a:spcBef>
+                <a:spcPts val="1001"/>
+              </a:spcBef>
+            </a:pPr>
+            <a:endParaRPr lang="es-ES" sz="2800" b="0" strike="noStrike" spc="-1">
+              <a:solidFill>
+                <a:srgbClr val="000000"/>
+              </a:solidFill>
+              <a:latin typeface="Calibri"/>
+            </a:endParaRPr>
+          </a:p>
+        </p:txBody>
+      </p:sp>
+    </p:spTree>
+  </p:cSld>
+  <p:clrMapOvr>
+    <a:masterClrMapping/>
+  </p:clrMapOvr>
+  <p:timing>
+    <p:tnLst>
+      <p:par>
+        <p:cTn id="1" dur="indefinite" restart="never" nodeType="tmRoot">
+          <p:childTnLst>
+            <p:seq>
+              <p:cTn id="2" dur="indefinite" nodeType="mainSeq"/>
+              <p:prevCondLst>
+                <p:cond evt="onPrev" delay="0">
+                  <p:tgtEl>
+                    <p:sldTgt/>
+                  </p:tgtEl>
+                </p:cond>
+              </p:prevCondLst>
+              <p:nextCondLst>
+                <p:cond evt="onNext" delay="0">
+                  <p:tgtEl>
+                    <p:sldTgt/>
+                  </p:tgtEl>
+                </p:cond>
+              </p:nextCondLst>
+            </p:seq>
+          </p:childTnLst>
+        </p:cTn>
+      </p:par>
+    </p:tnLst>
+  </p:timing>
+</p:sld>
+</file>
+
+<file path=ppt/slides/slide13.xml><?xml version="1.0" encoding="utf-8"?>
+<p:sld xmlns:a="http://schemas.openxmlformats.org/drawingml/2006/main" xmlns:r="http://schemas.openxmlformats.org/officeDocument/2006/relationships" xmlns:p="http://schemas.openxmlformats.org/presentationml/2006/main">
+  <p:cSld>
+    <p:spTree>
+      <p:nvGrpSpPr>
+        <p:cNvPr id="1" name=""/>
+        <p:cNvGrpSpPr/>
+        <p:nvPr/>
+      </p:nvGrpSpPr>
+      <p:grpSpPr>
+        <a:xfrm>
+          <a:off x="0" y="0"/>
+          <a:ext cx="0" cy="0"/>
+          <a:chOff x="0" y="0"/>
+          <a:chExt cx="0" cy="0"/>
+        </a:xfrm>
+      </p:grpSpPr>
+      <p:sp>
+        <p:nvSpPr>
+          <p:cNvPr id="160" name="TextShape 1"/>
+          <p:cNvSpPr txBox="1"/>
+          <p:nvPr/>
+        </p:nvSpPr>
+        <p:spPr>
+          <a:xfrm>
+            <a:off x="838080" y="1627560"/>
+            <a:ext cx="10515240" cy="4630320"/>
+          </a:xfrm>
+          <a:prstGeom prst="rect">
+            <a:avLst/>
+          </a:prstGeom>
+          <a:noFill/>
+          <a:ln>
+            <a:noFill/>
+          </a:ln>
+        </p:spPr>
+        <p:txBody>
+          <a:bodyPr>
+            <a:normAutofit lnSpcReduction="10000"/>
+          </a:bodyPr>
+          <a:lstStyle/>
+          <a:p>
+            <a:pPr marL="228600" indent="-228240">
+              <a:lnSpc>
+                <a:spcPct val="90000"/>
+              </a:lnSpc>
+              <a:spcBef>
+                <a:spcPts val="1001"/>
+              </a:spcBef>
+              <a:buClr>
+                <a:srgbClr val="000000"/>
+              </a:buClr>
+              <a:buFont typeface="Arial"/>
+              <a:buChar char="•"/>
+            </a:pPr>
             <a:r>
               <a:rPr lang="es-ES" sz="2800" b="1" u="sng" strike="noStrike" spc="-1">
                 <a:solidFill>
@@ -4949,29 +5370,7 @@
                 <a:latin typeface="LM Roman 10"/>
                 <a:hlinkClick r:id="rId2"/>
               </a:rPr>
-              <a:t>matplotlib</a:t>
-            </a:r>
-            <a:r>
-              <a:rPr lang="es-ES" sz="2800" b="1" u="sng" strike="noStrike" spc="-1">
-                <a:solidFill>
-                  <a:srgbClr val="0563C1"/>
-                </a:solidFill>
-                <a:uFillTx/>
-                <a:latin typeface="LM Roman 10"/>
-                <a:hlinkClick r:id="rId2"/>
-              </a:rPr>
-              <a:t>, </a:t>
-            </a:r>
-            <a:r>
-              <a:rPr lang="es-ES" sz="2800" b="1" u="sng" strike="noStrike" spc="-1">
-                <a:solidFill>
-                  <a:srgbClr val="0563C1"/>
-                </a:solidFill>
-                <a:uFillTx/>
-                <a:latin typeface="LM Roman 10"/>
-                <a:hlinkClick r:id="rId2"/>
-              </a:rPr>
-              <a:t>seaborn</a:t>
+              <a:t>EDA Librería: pandas, matplotlib, seaborn</a:t>
             </a:r>
             <a:endParaRPr lang="es-ES" sz="2800" b="0" strike="noStrike" spc="-1">
               <a:solidFill>
@@ -5519,7 +5918,7 @@
               </a:lnSpc>
             </a:pPr>
             <a:r>
-              <a:rPr lang="es-ES" sz="1800" b="0" strike="noStrike" spc="-1">
+              <a:rPr lang="es-ES" sz="1800" b="0" strike="noStrike" spc="-1" dirty="0">
                 <a:solidFill>
                   <a:srgbClr val="000000"/>
                 </a:solidFill>
@@ -5527,7 +5926,7 @@
               </a:rPr>
               <a:t>Datos del usuario</a:t>
             </a:r>
-            <a:endParaRPr lang="es-ES" sz="1800" b="0" strike="noStrike" spc="-1">
+            <a:endParaRPr lang="es-ES" sz="1800" b="0" strike="noStrike" spc="-1" dirty="0">
               <a:latin typeface="Arial"/>
             </a:endParaRPr>
           </a:p>
@@ -6270,14 +6669,14 @@
       </p:grpSpPr>
       <p:sp>
         <p:nvSpPr>
-          <p:cNvPr id="108" name="TextShape 1"/>
+          <p:cNvPr id="85" name="TextShape 2"/>
           <p:cNvSpPr txBox="1"/>
           <p:nvPr/>
         </p:nvSpPr>
         <p:spPr>
           <a:xfrm>
-            <a:off x="4745160" y="192960"/>
-            <a:ext cx="2701440" cy="813960"/>
+            <a:off x="2817360" y="135720"/>
+            <a:ext cx="6676920" cy="813960"/>
           </a:xfrm>
           <a:prstGeom prst="rect">
             <a:avLst/>
@@ -6288,7 +6687,9 @@
           </a:ln>
         </p:spPr>
         <p:txBody>
-          <a:bodyPr anchor="ctr"/>
+          <a:bodyPr anchor="ctr">
+            <a:normAutofit/>
+          </a:bodyPr>
           <a:lstStyle/>
           <a:p>
             <a:pPr>
@@ -6297,115 +6698,28 @@
               </a:lnSpc>
             </a:pPr>
             <a:r>
-              <a:rPr lang="es-ES" sz="4400" b="0" strike="noStrike" spc="-1">
+              <a:rPr lang="es-ES" sz="4400" b="0" strike="noStrike" spc="-1" dirty="0">
                 <a:solidFill>
                   <a:srgbClr val="000000"/>
                 </a:solidFill>
-                <a:latin typeface="LM Roman 10"/>
+                <a:latin typeface="Calibri" panose="020F0502020204030204" pitchFamily="34" charset="0"/>
+                <a:cs typeface="Calibri" panose="020F0502020204030204" pitchFamily="34" charset="0"/>
               </a:rPr>
-              <a:t>Input</a:t>
+              <a:t>Diseño funcional de la app</a:t>
             </a:r>
-            <a:endParaRPr lang="es-ES" sz="4400" b="0" strike="noStrike" spc="-1">
-              <a:solidFill>
-                <a:srgbClr val="000000"/>
-              </a:solidFill>
-              <a:latin typeface="Calibri"/>
-            </a:endParaRPr>
           </a:p>
         </p:txBody>
       </p:sp>
       <p:sp>
         <p:nvSpPr>
-          <p:cNvPr id="109" name="CustomShape 2"/>
+          <p:cNvPr id="96" name="CustomShape 10"/>
           <p:cNvSpPr/>
           <p:nvPr/>
         </p:nvSpPr>
         <p:spPr>
           <a:xfrm>
-            <a:off x="2451600" y="1391400"/>
-            <a:ext cx="8348400" cy="5031000"/>
-          </a:xfrm>
-          <a:prstGeom prst="rect">
-            <a:avLst/>
-          </a:prstGeom>
-          <a:noFill/>
-          <a:ln w="38160">
-            <a:solidFill>
-              <a:schemeClr val="tx1"/>
-            </a:solidFill>
-          </a:ln>
-        </p:spPr>
-        <p:style>
-          <a:lnRef idx="2">
-            <a:schemeClr val="accent1">
-              <a:shade val="50000"/>
-            </a:schemeClr>
-          </a:lnRef>
-          <a:fillRef idx="1">
-            <a:schemeClr val="accent1"/>
-          </a:fillRef>
-          <a:effectRef idx="0">
-            <a:schemeClr val="accent1"/>
-          </a:effectRef>
-          <a:fontRef idx="minor"/>
-        </p:style>
-      </p:sp>
-      <p:sp>
-        <p:nvSpPr>
-          <p:cNvPr id="110" name="CustomShape 3"/>
-          <p:cNvSpPr/>
-          <p:nvPr/>
-        </p:nvSpPr>
-        <p:spPr>
-          <a:xfrm>
-            <a:off x="380880" y="4179960"/>
-            <a:ext cx="2070360" cy="360"/>
-          </a:xfrm>
-          <a:custGeom>
-            <a:avLst/>
-            <a:gdLst/>
-            <a:ahLst/>
-            <a:cxnLst/>
-            <a:rect l="l" t="t" r="r" b="b"/>
-            <a:pathLst>
-              <a:path w="21600" h="21600">
-                <a:moveTo>
-                  <a:pt x="0" y="0"/>
-                </a:moveTo>
-                <a:lnTo>
-                  <a:pt x="21600" y="21600"/>
-                </a:lnTo>
-              </a:path>
-            </a:pathLst>
-          </a:custGeom>
-          <a:noFill/>
-          <a:ln w="38160">
-            <a:tailEnd type="triangle" w="med" len="med"/>
-          </a:ln>
-        </p:spPr>
-        <p:style>
-          <a:lnRef idx="1">
-            <a:schemeClr val="dk1"/>
-          </a:lnRef>
-          <a:fillRef idx="0">
-            <a:schemeClr val="dk1"/>
-          </a:fillRef>
-          <a:effectRef idx="0">
-            <a:schemeClr val="dk1"/>
-          </a:effectRef>
-          <a:fontRef idx="minor"/>
-        </p:style>
-      </p:sp>
-      <p:sp>
-        <p:nvSpPr>
-          <p:cNvPr id="111" name="CustomShape 4"/>
-          <p:cNvSpPr/>
-          <p:nvPr/>
-        </p:nvSpPr>
-        <p:spPr>
-          <a:xfrm>
-            <a:off x="151920" y="3227760"/>
-            <a:ext cx="2570400" cy="913320"/>
+            <a:off x="1788840" y="6715523"/>
+            <a:ext cx="1028520" cy="913320"/>
           </a:xfrm>
           <a:prstGeom prst="rect">
             <a:avLst/>
@@ -6437,664 +6751,1459 @@
               </a:lnSpc>
             </a:pPr>
             <a:r>
-              <a:rPr lang="es-ES" sz="1800" b="0" strike="noStrike" spc="-1">
+              <a:rPr lang="es-ES" sz="1800" b="0" strike="noStrike" spc="-1" dirty="0">
                 <a:solidFill>
                   <a:srgbClr val="000000"/>
                 </a:solidFill>
                 <a:latin typeface="LM Roman 10"/>
               </a:rPr>
-              <a:t>Datos del usuario:</a:t>
+              <a:t>Datos de la BBDD</a:t>
             </a:r>
-            <a:endParaRPr lang="es-ES" sz="1800" b="0" strike="noStrike" spc="-1">
+            <a:endParaRPr lang="es-ES" sz="1800" b="0" strike="noStrike" spc="-1" dirty="0">
               <a:latin typeface="Arial"/>
             </a:endParaRPr>
           </a:p>
-          <a:p>
-            <a:pPr marL="285840" indent="-285480">
-              <a:lnSpc>
-                <a:spcPct val="100000"/>
-              </a:lnSpc>
-              <a:buClr>
-                <a:srgbClr val="000000"/>
-              </a:buClr>
-              <a:buFont typeface="StarSymbol"/>
-              <a:buChar char="-"/>
-            </a:pPr>
-            <a:r>
-              <a:rPr lang="es-ES" sz="1800" b="0" strike="noStrike" spc="-1">
+        </p:txBody>
+      </p:sp>
+      <p:grpSp>
+        <p:nvGrpSpPr>
+          <p:cNvPr id="18" name="Grupo 17">
+            <a:extLst>
+              <a:ext uri="{FF2B5EF4-FFF2-40B4-BE49-F238E27FC236}">
+                <a16:creationId xmlns:a16="http://schemas.microsoft.com/office/drawing/2014/main" id="{59B2C459-8B4B-4E61-962B-DAEE5896DD5C}"/>
+              </a:ext>
+            </a:extLst>
+          </p:cNvPr>
+          <p:cNvGrpSpPr/>
+          <p:nvPr/>
+        </p:nvGrpSpPr>
+        <p:grpSpPr>
+          <a:xfrm>
+            <a:off x="288209" y="773047"/>
+            <a:ext cx="11735222" cy="5767503"/>
+            <a:chOff x="308997" y="730844"/>
+            <a:chExt cx="11735222" cy="5767503"/>
+          </a:xfrm>
+        </p:grpSpPr>
+        <p:grpSp>
+          <p:nvGrpSpPr>
+            <p:cNvPr id="15" name="Grupo 14">
+              <a:extLst>
+                <a:ext uri="{FF2B5EF4-FFF2-40B4-BE49-F238E27FC236}">
+                  <a16:creationId xmlns:a16="http://schemas.microsoft.com/office/drawing/2014/main" id="{3A797BFB-BBD9-4602-8BD8-C576D7F4C3B0}"/>
+                </a:ext>
+              </a:extLst>
+            </p:cNvPr>
+            <p:cNvGrpSpPr/>
+            <p:nvPr/>
+          </p:nvGrpSpPr>
+          <p:grpSpPr>
+            <a:xfrm>
+              <a:off x="308997" y="730844"/>
+              <a:ext cx="11735222" cy="5767503"/>
+              <a:chOff x="295361" y="846887"/>
+              <a:chExt cx="11735222" cy="5767503"/>
+            </a:xfrm>
+          </p:grpSpPr>
+          <p:sp>
+            <p:nvSpPr>
+              <p:cNvPr id="7" name="Rectángulo: esquinas redondeadas 6">
+                <a:extLst>
+                  <a:ext uri="{FF2B5EF4-FFF2-40B4-BE49-F238E27FC236}">
+                    <a16:creationId xmlns:a16="http://schemas.microsoft.com/office/drawing/2014/main" id="{6459C63A-1C7C-4F43-8AAA-E90498C72F0C}"/>
+                  </a:ext>
+                </a:extLst>
+              </p:cNvPr>
+              <p:cNvSpPr/>
+              <p:nvPr/>
+            </p:nvSpPr>
+            <p:spPr>
+              <a:xfrm>
+                <a:off x="3592720" y="3926490"/>
+                <a:ext cx="4698941" cy="2484036"/>
+              </a:xfrm>
+              <a:prstGeom prst="roundRect">
+                <a:avLst/>
+              </a:prstGeom>
+              <a:noFill/>
+              <a:ln w="28575">
                 <a:solidFill>
-                  <a:srgbClr val="000000"/>
+                  <a:schemeClr val="tx1"/>
                 </a:solidFill>
-                <a:latin typeface="LM Roman 10"/>
-              </a:rPr>
-              <a:t>Origen y Destino</a:t>
-            </a:r>
-            <a:endParaRPr lang="es-ES" sz="1800" b="0" strike="noStrike" spc="-1">
-              <a:latin typeface="Arial"/>
-            </a:endParaRPr>
-          </a:p>
-          <a:p>
-            <a:pPr marL="285840" indent="-285480">
-              <a:lnSpc>
-                <a:spcPct val="100000"/>
-              </a:lnSpc>
-              <a:buClr>
-                <a:srgbClr val="000000"/>
-              </a:buClr>
-              <a:buFont typeface="StarSymbol"/>
-              <a:buChar char="-"/>
-            </a:pPr>
-            <a:r>
-              <a:rPr lang="es-ES" sz="1800" b="0" strike="noStrike" spc="-1">
+              </a:ln>
+            </p:spPr>
+            <p:style>
+              <a:lnRef idx="2">
+                <a:schemeClr val="accent1">
+                  <a:shade val="50000"/>
+                </a:schemeClr>
+              </a:lnRef>
+              <a:fillRef idx="1">
+                <a:schemeClr val="accent1"/>
+              </a:fillRef>
+              <a:effectRef idx="0">
+                <a:schemeClr val="accent1"/>
+              </a:effectRef>
+              <a:fontRef idx="minor">
+                <a:schemeClr val="lt1"/>
+              </a:fontRef>
+            </p:style>
+            <p:txBody>
+              <a:bodyPr rtlCol="0" anchor="ctr"/>
+              <a:lstStyle/>
+              <a:p>
+                <a:pPr algn="ctr"/>
+                <a:endParaRPr lang="es-ES"/>
+              </a:p>
+            </p:txBody>
+          </p:sp>
+          <p:sp>
+            <p:nvSpPr>
+              <p:cNvPr id="86" name="CustomShape 3"/>
+              <p:cNvSpPr/>
+              <p:nvPr/>
+            </p:nvSpPr>
+            <p:spPr>
+              <a:xfrm>
+                <a:off x="1161495" y="1564560"/>
+                <a:ext cx="1440000" cy="1440000"/>
+              </a:xfrm>
+              <a:prstGeom prst="roundRect">
+                <a:avLst/>
+              </a:prstGeom>
+              <a:solidFill>
+                <a:schemeClr val="accent5"/>
+              </a:solidFill>
+              <a:ln w="38160">
                 <a:solidFill>
-                  <a:srgbClr val="000000"/>
+                  <a:schemeClr val="tx1"/>
                 </a:solidFill>
-                <a:latin typeface="LM Roman 10"/>
-              </a:rPr>
-              <a:t>Modelo del coche</a:t>
-            </a:r>
-            <a:endParaRPr lang="es-ES" sz="1800" b="0" strike="noStrike" spc="-1">
-              <a:latin typeface="Arial"/>
-            </a:endParaRPr>
-          </a:p>
-        </p:txBody>
-      </p:sp>
-      <p:sp>
-        <p:nvSpPr>
-          <p:cNvPr id="112" name="CustomShape 5"/>
-          <p:cNvSpPr/>
-          <p:nvPr/>
-        </p:nvSpPr>
-        <p:spPr>
-          <a:xfrm>
-            <a:off x="2930760" y="1492560"/>
-            <a:ext cx="7557120" cy="1163160"/>
-          </a:xfrm>
-          <a:prstGeom prst="rect">
-            <a:avLst/>
-          </a:prstGeom>
-          <a:noFill/>
-          <a:ln w="38160">
+              </a:ln>
+            </p:spPr>
+            <p:style>
+              <a:lnRef idx="2">
+                <a:schemeClr val="accent1">
+                  <a:shade val="50000"/>
+                </a:schemeClr>
+              </a:lnRef>
+              <a:fillRef idx="1">
+                <a:schemeClr val="accent1"/>
+              </a:fillRef>
+              <a:effectRef idx="0">
+                <a:schemeClr val="accent1"/>
+              </a:effectRef>
+              <a:fontRef idx="minor"/>
+            </p:style>
+            <p:txBody>
+              <a:bodyPr lIns="90000" tIns="45000" rIns="90000" bIns="45000" anchor="ctr"/>
+              <a:lstStyle/>
+              <a:p>
+                <a:pPr algn="ctr">
+                  <a:lnSpc>
+                    <a:spcPct val="100000"/>
+                  </a:lnSpc>
+                </a:pPr>
+                <a:r>
+                  <a:rPr lang="es-ES" sz="1800" b="1" strike="noStrike" spc="-1">
+                    <a:solidFill>
+                      <a:srgbClr val="000000"/>
+                    </a:solidFill>
+                    <a:latin typeface="Calibri"/>
+                  </a:rPr>
+                  <a:t>INPUT</a:t>
+                </a:r>
+                <a:endParaRPr lang="es-ES" sz="1800" b="0" strike="noStrike" spc="-1">
+                  <a:latin typeface="Arial"/>
+                </a:endParaRPr>
+              </a:p>
+            </p:txBody>
+          </p:sp>
+          <p:sp>
+            <p:nvSpPr>
+              <p:cNvPr id="87" name="CustomShape 4"/>
+              <p:cNvSpPr/>
+              <p:nvPr/>
+            </p:nvSpPr>
+            <p:spPr>
+              <a:xfrm>
+                <a:off x="4086752" y="4460295"/>
+                <a:ext cx="1440000" cy="1440000"/>
+              </a:xfrm>
+              <a:prstGeom prst="roundRect">
+                <a:avLst/>
+              </a:prstGeom>
+              <a:solidFill>
+                <a:schemeClr val="accent5"/>
+              </a:solidFill>
+              <a:ln w="38160">
+                <a:solidFill>
+                  <a:schemeClr val="tx1"/>
+                </a:solidFill>
+              </a:ln>
+            </p:spPr>
+            <p:style>
+              <a:lnRef idx="2">
+                <a:schemeClr val="accent1">
+                  <a:shade val="50000"/>
+                </a:schemeClr>
+              </a:lnRef>
+              <a:fillRef idx="1">
+                <a:schemeClr val="accent1"/>
+              </a:fillRef>
+              <a:effectRef idx="0">
+                <a:schemeClr val="accent1"/>
+              </a:effectRef>
+              <a:fontRef idx="minor"/>
+            </p:style>
+            <p:txBody>
+              <a:bodyPr lIns="90000" tIns="45000" rIns="90000" bIns="45000" anchor="ctr"/>
+              <a:lstStyle/>
+              <a:p>
+                <a:pPr algn="ctr">
+                  <a:lnSpc>
+                    <a:spcPct val="100000"/>
+                  </a:lnSpc>
+                </a:pPr>
+                <a:r>
+                  <a:rPr lang="es-ES" sz="1800" b="1" strike="noStrike" spc="-1" dirty="0">
+                    <a:solidFill>
+                      <a:srgbClr val="000000"/>
+                    </a:solidFill>
+                    <a:latin typeface="Calibri"/>
+                  </a:rPr>
+                  <a:t>MODELO</a:t>
+                </a:r>
+                <a:endParaRPr lang="es-ES" sz="1800" b="0" strike="noStrike" spc="-1" dirty="0">
+                  <a:latin typeface="Arial"/>
+                </a:endParaRPr>
+              </a:p>
+            </p:txBody>
+          </p:sp>
+          <p:sp>
+            <p:nvSpPr>
+              <p:cNvPr id="88" name="CustomShape 5"/>
+              <p:cNvSpPr/>
+              <p:nvPr/>
+            </p:nvSpPr>
+            <p:spPr>
+              <a:xfrm>
+                <a:off x="1709319" y="4731854"/>
+                <a:ext cx="2028578" cy="639000"/>
+              </a:xfrm>
+              <a:prstGeom prst="rect">
+                <a:avLst/>
+              </a:prstGeom>
+              <a:noFill/>
+              <a:ln>
+                <a:noFill/>
+              </a:ln>
+            </p:spPr>
+            <p:style>
+              <a:lnRef idx="0">
+                <a:scrgbClr r="0" g="0" b="0"/>
+              </a:lnRef>
+              <a:fillRef idx="0">
+                <a:scrgbClr r="0" g="0" b="0"/>
+              </a:fillRef>
+              <a:effectRef idx="0">
+                <a:scrgbClr r="0" g="0" b="0"/>
+              </a:effectRef>
+              <a:fontRef idx="minor"/>
+            </p:style>
+            <p:txBody>
+              <a:bodyPr lIns="90000" tIns="45000" rIns="90000" bIns="45000"/>
+              <a:lstStyle/>
+              <a:p>
+                <a:pPr>
+                  <a:lnSpc>
+                    <a:spcPct val="100000"/>
+                  </a:lnSpc>
+                </a:pPr>
+                <a:r>
+                  <a:rPr lang="es-ES" sz="1800" b="0" strike="noStrike" spc="-1" dirty="0">
+                    <a:solidFill>
+                      <a:srgbClr val="000000"/>
+                    </a:solidFill>
+                    <a:latin typeface="Calibri" panose="020F0502020204030204" pitchFamily="34" charset="0"/>
+                    <a:cs typeface="Calibri" panose="020F0502020204030204" pitchFamily="34" charset="0"/>
+                  </a:rPr>
+                  <a:t>Datos del usuario</a:t>
+                </a:r>
+                <a:endParaRPr lang="es-ES" sz="1800" b="0" strike="noStrike" spc="-1" dirty="0">
+                  <a:latin typeface="Calibri" panose="020F0502020204030204" pitchFamily="34" charset="0"/>
+                  <a:cs typeface="Calibri" panose="020F0502020204030204" pitchFamily="34" charset="0"/>
+                </a:endParaRPr>
+              </a:p>
+            </p:txBody>
+          </p:sp>
+          <p:pic>
+            <p:nvPicPr>
+              <p:cNvPr id="92" name="Imagen 59"/>
+              <p:cNvPicPr/>
+              <p:nvPr/>
+            </p:nvPicPr>
+            <p:blipFill>
+              <a:blip r:embed="rId2"/>
+              <a:stretch/>
+            </p:blipFill>
+            <p:spPr>
+              <a:xfrm>
+                <a:off x="385079" y="4402767"/>
+                <a:ext cx="1440000" cy="1440000"/>
+              </a:xfrm>
+              <a:prstGeom prst="rect">
+                <a:avLst/>
+              </a:prstGeom>
+              <a:ln>
+                <a:noFill/>
+              </a:ln>
+            </p:spPr>
+          </p:pic>
+          <p:sp>
+            <p:nvSpPr>
+              <p:cNvPr id="93" name="CustomShape 7"/>
+              <p:cNvSpPr/>
+              <p:nvPr/>
+            </p:nvSpPr>
+            <p:spPr>
+              <a:xfrm>
+                <a:off x="6176940" y="4462609"/>
+                <a:ext cx="1440000" cy="1440000"/>
+              </a:xfrm>
+              <a:prstGeom prst="roundRect">
+                <a:avLst/>
+              </a:prstGeom>
+              <a:solidFill>
+                <a:schemeClr val="accent5"/>
+              </a:solidFill>
+              <a:ln w="38160">
+                <a:solidFill>
+                  <a:schemeClr val="tx1"/>
+                </a:solidFill>
+              </a:ln>
+            </p:spPr>
+            <p:style>
+              <a:lnRef idx="2">
+                <a:schemeClr val="accent1">
+                  <a:shade val="50000"/>
+                </a:schemeClr>
+              </a:lnRef>
+              <a:fillRef idx="1">
+                <a:schemeClr val="accent1"/>
+              </a:fillRef>
+              <a:effectRef idx="0">
+                <a:schemeClr val="accent1"/>
+              </a:effectRef>
+              <a:fontRef idx="minor"/>
+            </p:style>
+            <p:txBody>
+              <a:bodyPr lIns="90000" tIns="45000" rIns="90000" bIns="45000" anchor="ctr"/>
+              <a:lstStyle/>
+              <a:p>
+                <a:pPr algn="ctr">
+                  <a:lnSpc>
+                    <a:spcPct val="100000"/>
+                  </a:lnSpc>
+                </a:pPr>
+                <a:r>
+                  <a:rPr lang="es-ES" sz="1800" b="1" strike="noStrike" spc="-1">
+                    <a:solidFill>
+                      <a:srgbClr val="000000"/>
+                    </a:solidFill>
+                    <a:latin typeface="Calibri"/>
+                  </a:rPr>
+                  <a:t>OUTPUT</a:t>
+                </a:r>
+                <a:endParaRPr lang="es-ES" sz="1800" b="0" strike="noStrike" spc="-1">
+                  <a:latin typeface="Arial"/>
+                </a:endParaRPr>
+              </a:p>
+            </p:txBody>
+          </p:sp>
+          <p:pic>
+            <p:nvPicPr>
+              <p:cNvPr id="100" name="Imagen 117"/>
+              <p:cNvPicPr/>
+              <p:nvPr/>
+            </p:nvPicPr>
+            <p:blipFill>
+              <a:blip r:embed="rId3"/>
+              <a:stretch/>
+            </p:blipFill>
+            <p:spPr>
+              <a:xfrm>
+                <a:off x="8822014" y="1564560"/>
+                <a:ext cx="1440000" cy="1440000"/>
+              </a:xfrm>
+              <a:prstGeom prst="rect">
+                <a:avLst/>
+              </a:prstGeom>
+              <a:ln>
+                <a:noFill/>
+              </a:ln>
+            </p:spPr>
+          </p:pic>
+          <p:sp>
+            <p:nvSpPr>
+              <p:cNvPr id="103" name="CustomShape 14"/>
+              <p:cNvSpPr/>
+              <p:nvPr/>
+            </p:nvSpPr>
+            <p:spPr>
+              <a:xfrm>
+                <a:off x="6766671" y="1878557"/>
+                <a:ext cx="1682116" cy="638280"/>
+              </a:xfrm>
+              <a:prstGeom prst="rect">
+                <a:avLst/>
+              </a:prstGeom>
+              <a:noFill/>
+              <a:ln>
+                <a:noFill/>
+              </a:ln>
+            </p:spPr>
+            <p:style>
+              <a:lnRef idx="0">
+                <a:scrgbClr r="0" g="0" b="0"/>
+              </a:lnRef>
+              <a:fillRef idx="0">
+                <a:scrgbClr r="0" g="0" b="0"/>
+              </a:fillRef>
+              <a:effectRef idx="0">
+                <a:scrgbClr r="0" g="0" b="0"/>
+              </a:effectRef>
+              <a:fontRef idx="minor"/>
+            </p:style>
+            <p:txBody>
+              <a:bodyPr lIns="90000" tIns="45000" rIns="90000" bIns="45000"/>
+              <a:lstStyle/>
+              <a:p>
+                <a:pPr>
+                  <a:lnSpc>
+                    <a:spcPct val="100000"/>
+                  </a:lnSpc>
+                </a:pPr>
+                <a:r>
+                  <a:rPr lang="es-ES" sz="1800" b="0" strike="noStrike" spc="-1" dirty="0">
+                    <a:solidFill>
+                      <a:srgbClr val="000000"/>
+                    </a:solidFill>
+                    <a:latin typeface="Calibri" panose="020F0502020204030204" pitchFamily="34" charset="0"/>
+                    <a:cs typeface="Calibri" panose="020F0502020204030204" pitchFamily="34" charset="0"/>
+                  </a:rPr>
+                  <a:t>Monitorización</a:t>
+                </a:r>
+                <a:endParaRPr lang="es-ES" sz="1800" b="0" strike="noStrike" spc="-1" dirty="0">
+                  <a:latin typeface="Calibri" panose="020F0502020204030204" pitchFamily="34" charset="0"/>
+                  <a:cs typeface="Calibri" panose="020F0502020204030204" pitchFamily="34" charset="0"/>
+                </a:endParaRPr>
+              </a:p>
+            </p:txBody>
+          </p:sp>
+          <p:pic>
+            <p:nvPicPr>
+              <p:cNvPr id="106" name="Imagen 150"/>
+              <p:cNvPicPr/>
+              <p:nvPr/>
+            </p:nvPicPr>
+            <p:blipFill>
+              <a:blip r:embed="rId4"/>
+              <a:stretch/>
+            </p:blipFill>
+            <p:spPr>
+              <a:xfrm>
+                <a:off x="10261399" y="4397031"/>
+                <a:ext cx="1440000" cy="1440000"/>
+              </a:xfrm>
+              <a:prstGeom prst="rect">
+                <a:avLst/>
+              </a:prstGeom>
+              <a:ln>
+                <a:noFill/>
+              </a:ln>
+            </p:spPr>
+          </p:pic>
+          <p:sp>
+            <p:nvSpPr>
+              <p:cNvPr id="107" name="CustomShape 16"/>
+              <p:cNvSpPr/>
+              <p:nvPr/>
+            </p:nvSpPr>
+            <p:spPr>
+              <a:xfrm>
+                <a:off x="8593949" y="4742705"/>
+                <a:ext cx="2086029" cy="639000"/>
+              </a:xfrm>
+              <a:prstGeom prst="rect">
+                <a:avLst/>
+              </a:prstGeom>
+              <a:noFill/>
+              <a:ln>
+                <a:noFill/>
+              </a:ln>
+            </p:spPr>
+            <p:style>
+              <a:lnRef idx="0">
+                <a:scrgbClr r="0" g="0" b="0"/>
+              </a:lnRef>
+              <a:fillRef idx="0">
+                <a:scrgbClr r="0" g="0" b="0"/>
+              </a:fillRef>
+              <a:effectRef idx="0">
+                <a:scrgbClr r="0" g="0" b="0"/>
+              </a:effectRef>
+              <a:fontRef idx="minor"/>
+            </p:style>
+            <p:txBody>
+              <a:bodyPr lIns="90000" tIns="45000" rIns="90000" bIns="45000"/>
+              <a:lstStyle/>
+              <a:p>
+                <a:pPr>
+                  <a:lnSpc>
+                    <a:spcPct val="100000"/>
+                  </a:lnSpc>
+                </a:pPr>
+                <a:r>
+                  <a:rPr lang="es-ES" sz="1800" b="0" strike="noStrike" spc="-1" dirty="0">
+                    <a:solidFill>
+                      <a:srgbClr val="000000"/>
+                    </a:solidFill>
+                    <a:latin typeface="Calibri" panose="020F0502020204030204" pitchFamily="34" charset="0"/>
+                    <a:cs typeface="Calibri" panose="020F0502020204030204" pitchFamily="34" charset="0"/>
+                  </a:rPr>
+                  <a:t>Salida al usuario</a:t>
+                </a:r>
+                <a:endParaRPr lang="es-ES" sz="1800" b="0" strike="noStrike" spc="-1" dirty="0">
+                  <a:latin typeface="Calibri" panose="020F0502020204030204" pitchFamily="34" charset="0"/>
+                  <a:cs typeface="Calibri" panose="020F0502020204030204" pitchFamily="34" charset="0"/>
+                </a:endParaRPr>
+              </a:p>
+            </p:txBody>
+          </p:sp>
+          <p:pic>
+            <p:nvPicPr>
+              <p:cNvPr id="3" name="Imagen 2">
+                <a:extLst>
+                  <a:ext uri="{FF2B5EF4-FFF2-40B4-BE49-F238E27FC236}">
+                    <a16:creationId xmlns:a16="http://schemas.microsoft.com/office/drawing/2014/main" id="{FD0ECB24-9615-4AB0-A712-265077C941F3}"/>
+                  </a:ext>
+                </a:extLst>
+              </p:cNvPr>
+              <p:cNvPicPr>
+                <a:picLocks noChangeAspect="1"/>
+              </p:cNvPicPr>
+              <p:nvPr/>
+            </p:nvPicPr>
+            <p:blipFill>
+              <a:blip r:embed="rId5">
+                <a:extLst>
+                  <a:ext uri="{28A0092B-C50C-407E-A947-70E740481C1C}">
+                    <a14:useLocalDpi xmlns:a14="http://schemas.microsoft.com/office/drawing/2010/main" val="0"/>
+                  </a:ext>
+                </a:extLst>
+              </a:blip>
+              <a:stretch>
+                <a:fillRect/>
+              </a:stretch>
+            </p:blipFill>
+            <p:spPr>
+              <a:xfrm>
+                <a:off x="4860090" y="1432800"/>
+                <a:ext cx="1440000" cy="1440000"/>
+              </a:xfrm>
+              <a:prstGeom prst="rect">
+                <a:avLst/>
+              </a:prstGeom>
+            </p:spPr>
+          </p:pic>
+          <p:pic>
+            <p:nvPicPr>
+              <p:cNvPr id="5" name="Imagen 4">
+                <a:extLst>
+                  <a:ext uri="{FF2B5EF4-FFF2-40B4-BE49-F238E27FC236}">
+                    <a16:creationId xmlns:a16="http://schemas.microsoft.com/office/drawing/2014/main" id="{76842278-E4DF-4289-944B-4B69B3725288}"/>
+                  </a:ext>
+                </a:extLst>
+              </p:cNvPr>
+              <p:cNvPicPr>
+                <a:picLocks noChangeAspect="1"/>
+              </p:cNvPicPr>
+              <p:nvPr/>
+            </p:nvPicPr>
+            <p:blipFill>
+              <a:blip r:embed="rId6">
+                <a:extLst>
+                  <a:ext uri="{28A0092B-C50C-407E-A947-70E740481C1C}">
+                    <a14:useLocalDpi xmlns:a14="http://schemas.microsoft.com/office/drawing/2010/main" val="0"/>
+                  </a:ext>
+                </a:extLst>
+              </a:blip>
+              <a:stretch>
+                <a:fillRect/>
+              </a:stretch>
+            </p:blipFill>
+            <p:spPr>
+              <a:xfrm>
+                <a:off x="3825112" y="5401667"/>
+                <a:ext cx="813961" cy="813961"/>
+              </a:xfrm>
+              <a:prstGeom prst="rect">
+                <a:avLst/>
+              </a:prstGeom>
+            </p:spPr>
+          </p:pic>
+          <p:pic>
+            <p:nvPicPr>
+              <p:cNvPr id="30" name="Imagen 29">
+                <a:extLst>
+                  <a:ext uri="{FF2B5EF4-FFF2-40B4-BE49-F238E27FC236}">
+                    <a16:creationId xmlns:a16="http://schemas.microsoft.com/office/drawing/2014/main" id="{7AAF65BE-E768-487C-8F43-DF06E78FC428}"/>
+                  </a:ext>
+                </a:extLst>
+              </p:cNvPr>
+              <p:cNvPicPr>
+                <a:picLocks noChangeAspect="1"/>
+              </p:cNvPicPr>
+              <p:nvPr/>
+            </p:nvPicPr>
+            <p:blipFill>
+              <a:blip r:embed="rId6">
+                <a:extLst>
+                  <a:ext uri="{28A0092B-C50C-407E-A947-70E740481C1C}">
+                    <a14:useLocalDpi xmlns:a14="http://schemas.microsoft.com/office/drawing/2010/main" val="0"/>
+                  </a:ext>
+                </a:extLst>
+              </a:blip>
+              <a:stretch>
+                <a:fillRect/>
+              </a:stretch>
+            </p:blipFill>
+            <p:spPr>
+              <a:xfrm>
+                <a:off x="5893109" y="5406488"/>
+                <a:ext cx="813961" cy="813961"/>
+              </a:xfrm>
+              <a:prstGeom prst="rect">
+                <a:avLst/>
+              </a:prstGeom>
+            </p:spPr>
+          </p:pic>
+          <p:sp>
+            <p:nvSpPr>
+              <p:cNvPr id="6" name="Flecha: hacia abajo 5">
+                <a:extLst>
+                  <a:ext uri="{FF2B5EF4-FFF2-40B4-BE49-F238E27FC236}">
+                    <a16:creationId xmlns:a16="http://schemas.microsoft.com/office/drawing/2014/main" id="{61E361BB-CA80-4228-A962-BBBD8A2C73E5}"/>
+                  </a:ext>
+                </a:extLst>
+              </p:cNvPr>
+              <p:cNvSpPr/>
+              <p:nvPr/>
+            </p:nvSpPr>
+            <p:spPr>
+              <a:xfrm rot="16200000">
+                <a:off x="3649793" y="1389620"/>
+                <a:ext cx="162000" cy="1736749"/>
+              </a:xfrm>
+              <a:prstGeom prst="downArrow">
+                <a:avLst/>
+              </a:prstGeom>
+              <a:solidFill>
+                <a:srgbClr val="00B050"/>
+              </a:solidFill>
+              <a:ln>
+                <a:solidFill>
+                  <a:schemeClr val="tx1"/>
+                </a:solidFill>
+              </a:ln>
+            </p:spPr>
+            <p:style>
+              <a:lnRef idx="2">
+                <a:schemeClr val="accent1">
+                  <a:shade val="50000"/>
+                </a:schemeClr>
+              </a:lnRef>
+              <a:fillRef idx="1">
+                <a:schemeClr val="accent1"/>
+              </a:fillRef>
+              <a:effectRef idx="0">
+                <a:schemeClr val="accent1"/>
+              </a:effectRef>
+              <a:fontRef idx="minor">
+                <a:schemeClr val="lt1"/>
+              </a:fontRef>
+            </p:style>
+            <p:txBody>
+              <a:bodyPr rtlCol="0" anchor="ctr"/>
+              <a:lstStyle/>
+              <a:p>
+                <a:pPr algn="ctr"/>
+                <a:endParaRPr lang="es-ES"/>
+              </a:p>
+            </p:txBody>
+          </p:sp>
+          <p:sp>
+            <p:nvSpPr>
+              <p:cNvPr id="33" name="Flecha: hacia abajo 32">
+                <a:extLst>
+                  <a:ext uri="{FF2B5EF4-FFF2-40B4-BE49-F238E27FC236}">
+                    <a16:creationId xmlns:a16="http://schemas.microsoft.com/office/drawing/2014/main" id="{5C14E67F-47F1-4DD4-BCD1-BAD1CF5AE345}"/>
+                  </a:ext>
+                </a:extLst>
+              </p:cNvPr>
+              <p:cNvSpPr/>
+              <p:nvPr/>
+            </p:nvSpPr>
+            <p:spPr>
+              <a:xfrm rot="16200000">
+                <a:off x="7519510" y="1389620"/>
+                <a:ext cx="162000" cy="1736749"/>
+              </a:xfrm>
+              <a:prstGeom prst="downArrow">
+                <a:avLst/>
+              </a:prstGeom>
+              <a:solidFill>
+                <a:srgbClr val="00B050"/>
+              </a:solidFill>
+              <a:ln>
+                <a:solidFill>
+                  <a:schemeClr val="tx1"/>
+                </a:solidFill>
+              </a:ln>
+            </p:spPr>
+            <p:style>
+              <a:lnRef idx="2">
+                <a:schemeClr val="accent1">
+                  <a:shade val="50000"/>
+                </a:schemeClr>
+              </a:lnRef>
+              <a:fillRef idx="1">
+                <a:schemeClr val="accent1"/>
+              </a:fillRef>
+              <a:effectRef idx="0">
+                <a:schemeClr val="accent1"/>
+              </a:effectRef>
+              <a:fontRef idx="minor">
+                <a:schemeClr val="lt1"/>
+              </a:fontRef>
+            </p:style>
+            <p:txBody>
+              <a:bodyPr rtlCol="0" anchor="ctr"/>
+              <a:lstStyle/>
+              <a:p>
+                <a:pPr algn="ctr"/>
+                <a:endParaRPr lang="es-ES"/>
+              </a:p>
+            </p:txBody>
+          </p:sp>
+          <p:sp>
+            <p:nvSpPr>
+              <p:cNvPr id="34" name="Flecha: hacia abajo 33">
+                <a:extLst>
+                  <a:ext uri="{FF2B5EF4-FFF2-40B4-BE49-F238E27FC236}">
+                    <a16:creationId xmlns:a16="http://schemas.microsoft.com/office/drawing/2014/main" id="{31B0B9A6-551E-457F-8162-7F0F999159D7}"/>
+                  </a:ext>
+                </a:extLst>
+              </p:cNvPr>
+              <p:cNvSpPr/>
+              <p:nvPr/>
+            </p:nvSpPr>
+            <p:spPr>
+              <a:xfrm>
+                <a:off x="5057672" y="2948035"/>
+                <a:ext cx="162000" cy="900000"/>
+              </a:xfrm>
+              <a:prstGeom prst="downArrow">
+                <a:avLst/>
+              </a:prstGeom>
+              <a:solidFill>
+                <a:srgbClr val="00B050"/>
+              </a:solidFill>
+              <a:ln>
+                <a:solidFill>
+                  <a:schemeClr val="tx1"/>
+                </a:solidFill>
+              </a:ln>
+            </p:spPr>
+            <p:style>
+              <a:lnRef idx="2">
+                <a:schemeClr val="accent1">
+                  <a:shade val="50000"/>
+                </a:schemeClr>
+              </a:lnRef>
+              <a:fillRef idx="1">
+                <a:schemeClr val="accent1"/>
+              </a:fillRef>
+              <a:effectRef idx="0">
+                <a:schemeClr val="accent1"/>
+              </a:effectRef>
+              <a:fontRef idx="minor">
+                <a:schemeClr val="lt1"/>
+              </a:fontRef>
+            </p:style>
+            <p:txBody>
+              <a:bodyPr rtlCol="0" anchor="ctr"/>
+              <a:lstStyle/>
+              <a:p>
+                <a:pPr algn="ctr"/>
+                <a:endParaRPr lang="es-ES"/>
+              </a:p>
+            </p:txBody>
+          </p:sp>
+          <p:grpSp>
+            <p:nvGrpSpPr>
+              <p:cNvPr id="12" name="Grupo 11">
+                <a:extLst>
+                  <a:ext uri="{FF2B5EF4-FFF2-40B4-BE49-F238E27FC236}">
+                    <a16:creationId xmlns:a16="http://schemas.microsoft.com/office/drawing/2014/main" id="{7BD405D4-A5A7-4E65-8C14-320D2BD568B7}"/>
+                  </a:ext>
+                </a:extLst>
+              </p:cNvPr>
+              <p:cNvGrpSpPr/>
+              <p:nvPr/>
+            </p:nvGrpSpPr>
+            <p:grpSpPr>
+              <a:xfrm>
+                <a:off x="7709702" y="3677765"/>
+                <a:ext cx="752388" cy="831069"/>
+                <a:chOff x="7696651" y="2540093"/>
+                <a:chExt cx="788081" cy="976368"/>
+              </a:xfrm>
+              <a:solidFill>
+                <a:schemeClr val="bg1"/>
+              </a:solidFill>
+            </p:grpSpPr>
+            <p:sp>
+              <p:nvSpPr>
+                <p:cNvPr id="8" name="Rectángulo: esquinas redondeadas 7">
+                  <a:extLst>
+                    <a:ext uri="{FF2B5EF4-FFF2-40B4-BE49-F238E27FC236}">
+                      <a16:creationId xmlns:a16="http://schemas.microsoft.com/office/drawing/2014/main" id="{7FD3A6A0-DB66-402E-8F33-DD9B5046C966}"/>
+                    </a:ext>
+                  </a:extLst>
+                </p:cNvPr>
+                <p:cNvSpPr/>
+                <p:nvPr/>
+              </p:nvSpPr>
+              <p:spPr>
+                <a:xfrm>
+                  <a:off x="7696651" y="2540093"/>
+                  <a:ext cx="788081" cy="976368"/>
+                </a:xfrm>
+                <a:prstGeom prst="roundRect">
+                  <a:avLst/>
+                </a:prstGeom>
+                <a:grpFill/>
+                <a:ln w="28575">
+                  <a:solidFill>
+                    <a:schemeClr val="tx1"/>
+                  </a:solidFill>
+                </a:ln>
+              </p:spPr>
+              <p:style>
+                <a:lnRef idx="2">
+                  <a:schemeClr val="accent1">
+                    <a:shade val="50000"/>
+                  </a:schemeClr>
+                </a:lnRef>
+                <a:fillRef idx="1">
+                  <a:schemeClr val="accent1"/>
+                </a:fillRef>
+                <a:effectRef idx="0">
+                  <a:schemeClr val="accent1"/>
+                </a:effectRef>
+                <a:fontRef idx="minor">
+                  <a:schemeClr val="lt1"/>
+                </a:fontRef>
+              </p:style>
+              <p:txBody>
+                <a:bodyPr rtlCol="0" anchor="ctr"/>
+                <a:lstStyle/>
+                <a:p>
+                  <a:pPr algn="ctr"/>
+                  <a:endParaRPr lang="es-ES"/>
+                </a:p>
+              </p:txBody>
+            </p:sp>
+            <p:pic>
+              <p:nvPicPr>
+                <p:cNvPr id="11" name="Imagen 10">
+                  <a:extLst>
+                    <a:ext uri="{FF2B5EF4-FFF2-40B4-BE49-F238E27FC236}">
+                      <a16:creationId xmlns:a16="http://schemas.microsoft.com/office/drawing/2014/main" id="{911C9B03-E53E-46F2-B6D8-2AF9B771E43E}"/>
+                    </a:ext>
+                  </a:extLst>
+                </p:cNvPr>
+                <p:cNvPicPr>
+                  <a:picLocks noChangeAspect="1"/>
+                </p:cNvPicPr>
+                <p:nvPr/>
+              </p:nvPicPr>
+              <p:blipFill rotWithShape="1">
+                <a:blip r:embed="rId7">
+                  <a:extLst>
+                    <a:ext uri="{28A0092B-C50C-407E-A947-70E740481C1C}">
+                      <a14:useLocalDpi xmlns:a14="http://schemas.microsoft.com/office/drawing/2010/main" val="0"/>
+                    </a:ext>
+                  </a:extLst>
+                </a:blip>
+                <a:srcRect l="14144" r="8392"/>
+                <a:stretch/>
+              </p:blipFill>
+              <p:spPr>
+                <a:xfrm>
+                  <a:off x="7808243" y="2628946"/>
+                  <a:ext cx="623368" cy="759944"/>
+                </a:xfrm>
+                <a:prstGeom prst="rect">
+                  <a:avLst/>
+                </a:prstGeom>
+                <a:grpFill/>
+              </p:spPr>
+            </p:pic>
+          </p:grpSp>
+          <p:sp>
+            <p:nvSpPr>
+              <p:cNvPr id="41" name="Flecha: hacia abajo 40">
+                <a:extLst>
+                  <a:ext uri="{FF2B5EF4-FFF2-40B4-BE49-F238E27FC236}">
+                    <a16:creationId xmlns:a16="http://schemas.microsoft.com/office/drawing/2014/main" id="{98DF43B4-2855-45D3-BE1D-C84112BD30A0}"/>
+                  </a:ext>
+                </a:extLst>
+              </p:cNvPr>
+              <p:cNvSpPr/>
+              <p:nvPr/>
+            </p:nvSpPr>
+            <p:spPr>
+              <a:xfrm rot="10800000">
+                <a:off x="5986792" y="2928573"/>
+                <a:ext cx="162000" cy="900000"/>
+              </a:xfrm>
+              <a:prstGeom prst="downArrow">
+                <a:avLst/>
+              </a:prstGeom>
+              <a:solidFill>
+                <a:srgbClr val="00B050"/>
+              </a:solidFill>
+              <a:ln>
+                <a:solidFill>
+                  <a:schemeClr val="tx1"/>
+                </a:solidFill>
+              </a:ln>
+            </p:spPr>
+            <p:style>
+              <a:lnRef idx="2">
+                <a:schemeClr val="accent1">
+                  <a:shade val="50000"/>
+                </a:schemeClr>
+              </a:lnRef>
+              <a:fillRef idx="1">
+                <a:schemeClr val="accent1"/>
+              </a:fillRef>
+              <a:effectRef idx="0">
+                <a:schemeClr val="accent1"/>
+              </a:effectRef>
+              <a:fontRef idx="minor">
+                <a:schemeClr val="lt1"/>
+              </a:fontRef>
+            </p:style>
+            <p:txBody>
+              <a:bodyPr rtlCol="0" anchor="ctr"/>
+              <a:lstStyle/>
+              <a:p>
+                <a:pPr algn="ctr"/>
+                <a:endParaRPr lang="es-ES"/>
+              </a:p>
+            </p:txBody>
+          </p:sp>
+          <p:sp>
+            <p:nvSpPr>
+              <p:cNvPr id="42" name="Flecha: hacia abajo 41">
+                <a:extLst>
+                  <a:ext uri="{FF2B5EF4-FFF2-40B4-BE49-F238E27FC236}">
+                    <a16:creationId xmlns:a16="http://schemas.microsoft.com/office/drawing/2014/main" id="{F0A34B5A-FF15-4141-A9B1-24C87A8C1FF7}"/>
+                  </a:ext>
+                </a:extLst>
+              </p:cNvPr>
+              <p:cNvSpPr/>
+              <p:nvPr/>
+            </p:nvSpPr>
+            <p:spPr>
+              <a:xfrm rot="16200000">
+                <a:off x="2554730" y="4249433"/>
+                <a:ext cx="162000" cy="1735200"/>
+              </a:xfrm>
+              <a:prstGeom prst="downArrow">
+                <a:avLst/>
+              </a:prstGeom>
+              <a:solidFill>
+                <a:srgbClr val="00B050"/>
+              </a:solidFill>
+              <a:ln>
+                <a:solidFill>
+                  <a:schemeClr val="tx1"/>
+                </a:solidFill>
+              </a:ln>
+            </p:spPr>
+            <p:style>
+              <a:lnRef idx="2">
+                <a:schemeClr val="accent1">
+                  <a:shade val="50000"/>
+                </a:schemeClr>
+              </a:lnRef>
+              <a:fillRef idx="1">
+                <a:schemeClr val="accent1"/>
+              </a:fillRef>
+              <a:effectRef idx="0">
+                <a:schemeClr val="accent1"/>
+              </a:effectRef>
+              <a:fontRef idx="minor">
+                <a:schemeClr val="lt1"/>
+              </a:fontRef>
+            </p:style>
+            <p:txBody>
+              <a:bodyPr rtlCol="0" anchor="ctr"/>
+              <a:lstStyle/>
+              <a:p>
+                <a:pPr algn="ctr"/>
+                <a:endParaRPr lang="es-ES"/>
+              </a:p>
+            </p:txBody>
+          </p:sp>
+          <p:sp>
+            <p:nvSpPr>
+              <p:cNvPr id="43" name="Flecha: hacia abajo 42">
+                <a:extLst>
+                  <a:ext uri="{FF2B5EF4-FFF2-40B4-BE49-F238E27FC236}">
+                    <a16:creationId xmlns:a16="http://schemas.microsoft.com/office/drawing/2014/main" id="{F8F0668D-B5B1-4E18-AC13-67247EBD54B4}"/>
+                  </a:ext>
+                </a:extLst>
+              </p:cNvPr>
+              <p:cNvSpPr/>
+              <p:nvPr/>
+            </p:nvSpPr>
+            <p:spPr>
+              <a:xfrm rot="16200000">
+                <a:off x="9429090" y="4249432"/>
+                <a:ext cx="162000" cy="1735200"/>
+              </a:xfrm>
+              <a:prstGeom prst="downArrow">
+                <a:avLst/>
+              </a:prstGeom>
+              <a:solidFill>
+                <a:srgbClr val="00B050"/>
+              </a:solidFill>
+              <a:ln>
+                <a:solidFill>
+                  <a:schemeClr val="tx1"/>
+                </a:solidFill>
+              </a:ln>
+            </p:spPr>
+            <p:style>
+              <a:lnRef idx="2">
+                <a:schemeClr val="accent1">
+                  <a:shade val="50000"/>
+                </a:schemeClr>
+              </a:lnRef>
+              <a:fillRef idx="1">
+                <a:schemeClr val="accent1"/>
+              </a:fillRef>
+              <a:effectRef idx="0">
+                <a:schemeClr val="accent1"/>
+              </a:effectRef>
+              <a:fontRef idx="minor">
+                <a:schemeClr val="lt1"/>
+              </a:fontRef>
+            </p:style>
+            <p:txBody>
+              <a:bodyPr rtlCol="0" anchor="ctr"/>
+              <a:lstStyle/>
+              <a:p>
+                <a:pPr algn="ctr"/>
+                <a:endParaRPr lang="es-ES"/>
+              </a:p>
+            </p:txBody>
+          </p:sp>
+          <p:sp>
+            <p:nvSpPr>
+              <p:cNvPr id="13" name="Rectángulo: esquinas redondeadas 12">
+                <a:extLst>
+                  <a:ext uri="{FF2B5EF4-FFF2-40B4-BE49-F238E27FC236}">
+                    <a16:creationId xmlns:a16="http://schemas.microsoft.com/office/drawing/2014/main" id="{36EA8EE5-5579-4FFE-BCDC-4F76631C4813}"/>
+                  </a:ext>
+                </a:extLst>
+              </p:cNvPr>
+              <p:cNvSpPr/>
+              <p:nvPr/>
+            </p:nvSpPr>
+            <p:spPr>
+              <a:xfrm>
+                <a:off x="295361" y="1152944"/>
+                <a:ext cx="11544861" cy="5461446"/>
+              </a:xfrm>
+              <a:prstGeom prst="roundRect">
+                <a:avLst/>
+              </a:prstGeom>
+              <a:noFill/>
+              <a:ln w="28575">
+                <a:solidFill>
+                  <a:schemeClr val="accent1"/>
+                </a:solidFill>
+              </a:ln>
+            </p:spPr>
+            <p:style>
+              <a:lnRef idx="2">
+                <a:schemeClr val="accent1">
+                  <a:shade val="50000"/>
+                </a:schemeClr>
+              </a:lnRef>
+              <a:fillRef idx="1">
+                <a:schemeClr val="accent1"/>
+              </a:fillRef>
+              <a:effectRef idx="0">
+                <a:schemeClr val="accent1"/>
+              </a:effectRef>
+              <a:fontRef idx="minor">
+                <a:schemeClr val="lt1"/>
+              </a:fontRef>
+            </p:style>
+            <p:txBody>
+              <a:bodyPr rtlCol="0" anchor="ctr"/>
+              <a:lstStyle/>
+              <a:p>
+                <a:pPr algn="ctr"/>
+                <a:endParaRPr lang="es-ES"/>
+              </a:p>
+            </p:txBody>
+          </p:sp>
+          <p:sp>
+            <p:nvSpPr>
+              <p:cNvPr id="14" name="Rectángulo: esquinas redondeadas 13">
+                <a:extLst>
+                  <a:ext uri="{FF2B5EF4-FFF2-40B4-BE49-F238E27FC236}">
+                    <a16:creationId xmlns:a16="http://schemas.microsoft.com/office/drawing/2014/main" id="{E1540931-E823-4E1D-98B5-75F17DB3045F}"/>
+                  </a:ext>
+                </a:extLst>
+              </p:cNvPr>
+              <p:cNvSpPr/>
+              <p:nvPr/>
+            </p:nvSpPr>
+            <p:spPr>
+              <a:xfrm>
+                <a:off x="10833097" y="846887"/>
+                <a:ext cx="1197486" cy="1048697"/>
+              </a:xfrm>
+              <a:prstGeom prst="roundRect">
+                <a:avLst/>
+              </a:prstGeom>
+              <a:solidFill>
+                <a:schemeClr val="bg1"/>
+              </a:solidFill>
+              <a:ln w="28575">
+                <a:solidFill>
+                  <a:srgbClr val="0070C0"/>
+                </a:solidFill>
+              </a:ln>
+            </p:spPr>
+            <p:style>
+              <a:lnRef idx="2">
+                <a:schemeClr val="accent1">
+                  <a:shade val="50000"/>
+                </a:schemeClr>
+              </a:lnRef>
+              <a:fillRef idx="1">
+                <a:schemeClr val="accent1"/>
+              </a:fillRef>
+              <a:effectRef idx="0">
+                <a:schemeClr val="accent1"/>
+              </a:effectRef>
+              <a:fontRef idx="minor">
+                <a:schemeClr val="lt1"/>
+              </a:fontRef>
+            </p:style>
+            <p:txBody>
+              <a:bodyPr rtlCol="0" anchor="ctr"/>
+              <a:lstStyle/>
+              <a:p>
+                <a:pPr algn="ctr"/>
+                <a:endParaRPr lang="es-ES"/>
+              </a:p>
+            </p:txBody>
+          </p:sp>
+          <p:pic>
+            <p:nvPicPr>
+              <p:cNvPr id="99" name="Imagen 115"/>
+              <p:cNvPicPr/>
+              <p:nvPr/>
+            </p:nvPicPr>
+            <p:blipFill>
+              <a:blip r:embed="rId8"/>
+              <a:stretch/>
+            </p:blipFill>
+            <p:spPr>
+              <a:xfrm>
+                <a:off x="10973939" y="935768"/>
+                <a:ext cx="895428" cy="864229"/>
+              </a:xfrm>
+              <a:prstGeom prst="rect">
+                <a:avLst/>
+              </a:prstGeom>
+              <a:ln>
+                <a:noFill/>
+              </a:ln>
+            </p:spPr>
+          </p:pic>
+          <p:sp>
+            <p:nvSpPr>
+              <p:cNvPr id="46" name="CustomShape 5">
+                <a:extLst>
+                  <a:ext uri="{FF2B5EF4-FFF2-40B4-BE49-F238E27FC236}">
+                    <a16:creationId xmlns:a16="http://schemas.microsoft.com/office/drawing/2014/main" id="{B3A74A63-BD1A-484C-B622-1DA902E22A93}"/>
+                  </a:ext>
+                </a:extLst>
+              </p:cNvPr>
+              <p:cNvSpPr/>
+              <p:nvPr/>
+            </p:nvSpPr>
+            <p:spPr>
+              <a:xfrm>
+                <a:off x="2891120" y="1871087"/>
+                <a:ext cx="1574511" cy="639000"/>
+              </a:xfrm>
+              <a:prstGeom prst="rect">
+                <a:avLst/>
+              </a:prstGeom>
+              <a:noFill/>
+              <a:ln>
+                <a:noFill/>
+              </a:ln>
+            </p:spPr>
+            <p:style>
+              <a:lnRef idx="0">
+                <a:scrgbClr r="0" g="0" b="0"/>
+              </a:lnRef>
+              <a:fillRef idx="0">
+                <a:scrgbClr r="0" g="0" b="0"/>
+              </a:fillRef>
+              <a:effectRef idx="0">
+                <a:scrgbClr r="0" g="0" b="0"/>
+              </a:effectRef>
+              <a:fontRef idx="minor"/>
+            </p:style>
+            <p:txBody>
+              <a:bodyPr lIns="90000" tIns="45000" rIns="90000" bIns="45000"/>
+              <a:lstStyle/>
+              <a:p>
+                <a:pPr>
+                  <a:lnSpc>
+                    <a:spcPct val="100000"/>
+                  </a:lnSpc>
+                </a:pPr>
+                <a:r>
+                  <a:rPr lang="es-ES" sz="1800" b="0" strike="noStrike" spc="-1" dirty="0">
+                    <a:solidFill>
+                      <a:srgbClr val="000000"/>
+                    </a:solidFill>
+                    <a:latin typeface="Calibri" panose="020F0502020204030204" pitchFamily="34" charset="0"/>
+                    <a:cs typeface="Calibri" panose="020F0502020204030204" pitchFamily="34" charset="0"/>
+                  </a:rPr>
+                  <a:t>Carga de datos</a:t>
+                </a:r>
+                <a:endParaRPr lang="es-ES" sz="1800" b="0" strike="noStrike" spc="-1" dirty="0">
+                  <a:latin typeface="Calibri" panose="020F0502020204030204" pitchFamily="34" charset="0"/>
+                  <a:cs typeface="Calibri" panose="020F0502020204030204" pitchFamily="34" charset="0"/>
+                </a:endParaRPr>
+              </a:p>
+            </p:txBody>
+          </p:sp>
+          <p:pic>
+            <p:nvPicPr>
+              <p:cNvPr id="47" name="Imagen 46">
+                <a:extLst>
+                  <a:ext uri="{FF2B5EF4-FFF2-40B4-BE49-F238E27FC236}">
+                    <a16:creationId xmlns:a16="http://schemas.microsoft.com/office/drawing/2014/main" id="{37F07DD6-FE1F-4BF9-983F-A86615DCC235}"/>
+                  </a:ext>
+                </a:extLst>
+              </p:cNvPr>
+              <p:cNvPicPr>
+                <a:picLocks noChangeAspect="1"/>
+              </p:cNvPicPr>
+              <p:nvPr/>
+            </p:nvPicPr>
+            <p:blipFill>
+              <a:blip r:embed="rId6">
+                <a:extLst>
+                  <a:ext uri="{28A0092B-C50C-407E-A947-70E740481C1C}">
+                    <a14:useLocalDpi xmlns:a14="http://schemas.microsoft.com/office/drawing/2010/main" val="0"/>
+                  </a:ext>
+                </a:extLst>
+              </a:blip>
+              <a:stretch>
+                <a:fillRect/>
+              </a:stretch>
+            </p:blipFill>
+            <p:spPr>
+              <a:xfrm>
+                <a:off x="850638" y="2534062"/>
+                <a:ext cx="813961" cy="813961"/>
+              </a:xfrm>
+              <a:prstGeom prst="rect">
+                <a:avLst/>
+              </a:prstGeom>
+            </p:spPr>
+          </p:pic>
+          <p:sp>
+            <p:nvSpPr>
+              <p:cNvPr id="48" name="Flecha: hacia abajo 47">
+                <a:extLst>
+                  <a:ext uri="{FF2B5EF4-FFF2-40B4-BE49-F238E27FC236}">
+                    <a16:creationId xmlns:a16="http://schemas.microsoft.com/office/drawing/2014/main" id="{1C234E7C-8215-40AC-9A6A-259D166945B7}"/>
+                  </a:ext>
+                </a:extLst>
+              </p:cNvPr>
+              <p:cNvSpPr/>
+              <p:nvPr/>
+            </p:nvSpPr>
+            <p:spPr>
+              <a:xfrm rot="17627593">
+                <a:off x="8531065" y="1691356"/>
+                <a:ext cx="162000" cy="3600000"/>
+              </a:xfrm>
+              <a:prstGeom prst="downArrow">
+                <a:avLst/>
+              </a:prstGeom>
+              <a:solidFill>
+                <a:srgbClr val="00B050"/>
+              </a:solidFill>
+              <a:ln>
+                <a:solidFill>
+                  <a:schemeClr val="tx1"/>
+                </a:solidFill>
+              </a:ln>
+            </p:spPr>
+            <p:style>
+              <a:lnRef idx="2">
+                <a:schemeClr val="accent1">
+                  <a:shade val="50000"/>
+                </a:schemeClr>
+              </a:lnRef>
+              <a:fillRef idx="1">
+                <a:schemeClr val="accent1"/>
+              </a:fillRef>
+              <a:effectRef idx="0">
+                <a:schemeClr val="accent1"/>
+              </a:effectRef>
+              <a:fontRef idx="minor">
+                <a:schemeClr val="lt1"/>
+              </a:fontRef>
+            </p:style>
+            <p:txBody>
+              <a:bodyPr rtlCol="0" anchor="ctr"/>
+              <a:lstStyle/>
+              <a:p>
+                <a:pPr algn="ctr"/>
+                <a:endParaRPr lang="es-ES"/>
+              </a:p>
+            </p:txBody>
+          </p:sp>
+        </p:grpSp>
+        <p:sp>
+          <p:nvSpPr>
+            <p:cNvPr id="52" name="Rectángulo: esquinas redondeadas 51">
+              <a:extLst>
+                <a:ext uri="{FF2B5EF4-FFF2-40B4-BE49-F238E27FC236}">
+                  <a16:creationId xmlns:a16="http://schemas.microsoft.com/office/drawing/2014/main" id="{87740272-E3A8-45D4-B3CF-F8C536C57175}"/>
+                </a:ext>
+              </a:extLst>
+            </p:cNvPr>
+            <p:cNvSpPr/>
+            <p:nvPr/>
+          </p:nvSpPr>
+          <p:spPr>
+            <a:xfrm>
+              <a:off x="9935592" y="2405848"/>
+              <a:ext cx="743028" cy="745205"/>
+            </a:xfrm>
+            <a:prstGeom prst="roundRect">
+              <a:avLst/>
+            </a:prstGeom>
             <a:solidFill>
-              <a:schemeClr val="tx1"/>
+              <a:schemeClr val="bg1"/>
             </a:solidFill>
-          </a:ln>
-        </p:spPr>
-        <p:style>
-          <a:lnRef idx="2">
-            <a:schemeClr val="accent1">
-              <a:shade val="50000"/>
-            </a:schemeClr>
-          </a:lnRef>
-          <a:fillRef idx="1">
-            <a:schemeClr val="accent1"/>
-          </a:fillRef>
-          <a:effectRef idx="0">
-            <a:schemeClr val="accent1"/>
-          </a:effectRef>
-          <a:fontRef idx="minor"/>
-        </p:style>
-      </p:sp>
-      <p:sp>
-        <p:nvSpPr>
-          <p:cNvPr id="113" name="CustomShape 6"/>
-          <p:cNvSpPr/>
-          <p:nvPr/>
-        </p:nvSpPr>
-        <p:spPr>
-          <a:xfrm>
-            <a:off x="5361120" y="1461240"/>
-            <a:ext cx="2696760" cy="1461960"/>
-          </a:xfrm>
-          <a:prstGeom prst="rect">
-            <a:avLst/>
-          </a:prstGeom>
-          <a:noFill/>
-          <a:ln>
-            <a:noFill/>
-          </a:ln>
-        </p:spPr>
-        <p:style>
-          <a:lnRef idx="0">
-            <a:scrgbClr r="0" g="0" b="0"/>
-          </a:lnRef>
-          <a:fillRef idx="0">
-            <a:scrgbClr r="0" g="0" b="0"/>
-          </a:fillRef>
-          <a:effectRef idx="0">
-            <a:scrgbClr r="0" g="0" b="0"/>
-          </a:effectRef>
-          <a:fontRef idx="minor"/>
-        </p:style>
-        <p:txBody>
-          <a:bodyPr lIns="90000" tIns="45000" rIns="90000" bIns="45000"/>
-          <a:lstStyle/>
-          <a:p>
-            <a:pPr>
-              <a:lnSpc>
-                <a:spcPct val="100000"/>
-              </a:lnSpc>
-            </a:pPr>
-            <a:r>
-              <a:rPr lang="es-ES" sz="1800" b="1" i="1" strike="noStrike" spc="-1">
-                <a:solidFill>
-                  <a:srgbClr val="000000"/>
-                </a:solidFill>
-                <a:latin typeface="LM Roman 10"/>
-              </a:rPr>
-              <a:t>Coche </a:t>
-            </a:r>
-            <a:r>
-              <a:rPr lang="es-ES" sz="1800" b="0" strike="noStrike" spc="-1">
-                <a:solidFill>
-                  <a:srgbClr val="000000"/>
-                </a:solidFill>
-                <a:latin typeface="LM Roman 10"/>
-              </a:rPr>
-              <a:t>para obtener:</a:t>
-            </a:r>
-            <a:endParaRPr lang="es-ES" sz="1800" b="0" strike="noStrike" spc="-1">
-              <a:latin typeface="Arial"/>
-            </a:endParaRPr>
-          </a:p>
-          <a:p>
-            <a:pPr marL="285840" indent="-285480">
-              <a:lnSpc>
-                <a:spcPct val="100000"/>
-              </a:lnSpc>
-              <a:buClr>
-                <a:srgbClr val="000000"/>
-              </a:buClr>
-              <a:buFont typeface="StarSymbol"/>
-              <a:buChar char="-"/>
-            </a:pPr>
-            <a:r>
-              <a:rPr lang="es-ES" sz="1800" b="0" strike="noStrike" spc="-1">
-                <a:solidFill>
-                  <a:srgbClr val="000000"/>
-                </a:solidFill>
-                <a:latin typeface="LM Roman 10"/>
-              </a:rPr>
-              <a:t>Autonomía</a:t>
-            </a:r>
-            <a:endParaRPr lang="es-ES" sz="1800" b="0" strike="noStrike" spc="-1">
-              <a:latin typeface="Arial"/>
-            </a:endParaRPr>
-          </a:p>
-          <a:p>
-            <a:pPr marL="285840" indent="-285480">
-              <a:lnSpc>
-                <a:spcPct val="100000"/>
-              </a:lnSpc>
-              <a:buClr>
-                <a:srgbClr val="000000"/>
-              </a:buClr>
-              <a:buFont typeface="StarSymbol"/>
-              <a:buChar char="-"/>
-            </a:pPr>
-            <a:r>
-              <a:rPr lang="es-ES" sz="1800" b="0" strike="noStrike" spc="-1">
-                <a:solidFill>
-                  <a:srgbClr val="000000"/>
-                </a:solidFill>
-                <a:latin typeface="LM Roman 10"/>
-              </a:rPr>
-              <a:t>Velocidad de carga</a:t>
-            </a:r>
-            <a:endParaRPr lang="es-ES" sz="1800" b="0" strike="noStrike" spc="-1">
-              <a:latin typeface="Arial"/>
-            </a:endParaRPr>
-          </a:p>
-          <a:p>
-            <a:pPr marL="285840" indent="-285480">
-              <a:lnSpc>
-                <a:spcPct val="100000"/>
-              </a:lnSpc>
-              <a:buClr>
-                <a:srgbClr val="000000"/>
-              </a:buClr>
-              <a:buFont typeface="StarSymbol"/>
-              <a:buChar char="-"/>
-            </a:pPr>
-            <a:r>
-              <a:rPr lang="es-ES" sz="1800" b="0" strike="noStrike" spc="-1">
-                <a:solidFill>
-                  <a:srgbClr val="000000"/>
-                </a:solidFill>
-                <a:latin typeface="LM Roman 10"/>
-              </a:rPr>
-              <a:t>Velocidad máxima</a:t>
-            </a:r>
-            <a:endParaRPr lang="es-ES" sz="1800" b="0" strike="noStrike" spc="-1">
-              <a:latin typeface="Arial"/>
-            </a:endParaRPr>
-          </a:p>
-          <a:p>
-            <a:pPr>
-              <a:lnSpc>
-                <a:spcPct val="100000"/>
-              </a:lnSpc>
-            </a:pPr>
-            <a:endParaRPr lang="es-ES" sz="1800" b="0" strike="noStrike" spc="-1">
-              <a:latin typeface="Arial"/>
-            </a:endParaRPr>
-          </a:p>
-        </p:txBody>
-      </p:sp>
-      <p:sp>
-        <p:nvSpPr>
-          <p:cNvPr id="114" name="CustomShape 7"/>
-          <p:cNvSpPr/>
-          <p:nvPr/>
-        </p:nvSpPr>
-        <p:spPr>
-          <a:xfrm>
-            <a:off x="2930760" y="2744640"/>
-            <a:ext cx="7557120" cy="1051200"/>
-          </a:xfrm>
-          <a:prstGeom prst="rect">
-            <a:avLst/>
-          </a:prstGeom>
-          <a:noFill/>
-          <a:ln w="38160">
-            <a:solidFill>
-              <a:schemeClr val="tx1"/>
-            </a:solidFill>
-          </a:ln>
-        </p:spPr>
-        <p:style>
-          <a:lnRef idx="2">
-            <a:schemeClr val="accent1">
-              <a:shade val="50000"/>
-            </a:schemeClr>
-          </a:lnRef>
-          <a:fillRef idx="1">
-            <a:schemeClr val="accent1"/>
-          </a:fillRef>
-          <a:effectRef idx="0">
-            <a:schemeClr val="accent1"/>
-          </a:effectRef>
-          <a:fontRef idx="minor"/>
-        </p:style>
-      </p:sp>
-      <p:sp>
-        <p:nvSpPr>
-          <p:cNvPr id="115" name="CustomShape 8"/>
-          <p:cNvSpPr/>
-          <p:nvPr/>
-        </p:nvSpPr>
-        <p:spPr>
-          <a:xfrm>
-            <a:off x="4804200" y="2824560"/>
-            <a:ext cx="4456800" cy="913320"/>
-          </a:xfrm>
-          <a:prstGeom prst="rect">
-            <a:avLst/>
-          </a:prstGeom>
-          <a:noFill/>
-          <a:ln>
-            <a:noFill/>
-          </a:ln>
-        </p:spPr>
-        <p:style>
-          <a:lnRef idx="0">
-            <a:scrgbClr r="0" g="0" b="0"/>
-          </a:lnRef>
-          <a:fillRef idx="0">
-            <a:scrgbClr r="0" g="0" b="0"/>
-          </a:fillRef>
-          <a:effectRef idx="0">
-            <a:scrgbClr r="0" g="0" b="0"/>
-          </a:effectRef>
-          <a:fontRef idx="minor"/>
-        </p:style>
-        <p:txBody>
-          <a:bodyPr lIns="90000" tIns="45000" rIns="90000" bIns="45000"/>
-          <a:lstStyle/>
-          <a:p>
-            <a:pPr>
-              <a:lnSpc>
-                <a:spcPct val="100000"/>
-              </a:lnSpc>
-            </a:pPr>
-            <a:r>
-              <a:rPr lang="es-ES" sz="1800" b="1" i="1" strike="noStrike" spc="-1">
-                <a:solidFill>
-                  <a:srgbClr val="000000"/>
-                </a:solidFill>
-                <a:latin typeface="LM Roman 10"/>
-              </a:rPr>
-              <a:t>Puntos de recarga (GMAPI) </a:t>
-            </a:r>
-            <a:endParaRPr lang="es-ES" sz="1800" b="0" strike="noStrike" spc="-1">
-              <a:latin typeface="Arial"/>
-            </a:endParaRPr>
-          </a:p>
-          <a:p>
-            <a:pPr>
-              <a:lnSpc>
-                <a:spcPct val="100000"/>
-              </a:lnSpc>
-            </a:pPr>
-            <a:r>
-              <a:rPr lang="es-ES" sz="1800" b="1" i="1" strike="noStrike" spc="-1">
-                <a:solidFill>
-                  <a:srgbClr val="000000"/>
-                </a:solidFill>
-                <a:latin typeface="LM Roman 10"/>
-              </a:rPr>
-              <a:t>- </a:t>
-            </a:r>
-            <a:r>
-              <a:rPr lang="es-ES" sz="1800" b="0" strike="noStrike" spc="-1">
-                <a:solidFill>
-                  <a:srgbClr val="000000"/>
-                </a:solidFill>
-                <a:latin typeface="LM Roman 10"/>
-              </a:rPr>
-              <a:t>Nombre, dirección, coordenadas</a:t>
-            </a:r>
-            <a:endParaRPr lang="es-ES" sz="1800" b="0" strike="noStrike" spc="-1">
-              <a:latin typeface="Arial"/>
-            </a:endParaRPr>
-          </a:p>
-          <a:p>
-            <a:pPr>
-              <a:lnSpc>
-                <a:spcPct val="100000"/>
-              </a:lnSpc>
-            </a:pPr>
-            <a:endParaRPr lang="es-ES" sz="1800" b="0" strike="noStrike" spc="-1">
-              <a:latin typeface="Arial"/>
-            </a:endParaRPr>
-          </a:p>
-        </p:txBody>
-      </p:sp>
-      <p:sp>
-        <p:nvSpPr>
-          <p:cNvPr id="116" name="CustomShape 9"/>
-          <p:cNvSpPr/>
-          <p:nvPr/>
-        </p:nvSpPr>
-        <p:spPr>
-          <a:xfrm>
-            <a:off x="10800360" y="3944880"/>
-            <a:ext cx="1258560" cy="360"/>
-          </a:xfrm>
-          <a:custGeom>
-            <a:avLst/>
-            <a:gdLst/>
-            <a:ahLst/>
-            <a:cxnLst/>
-            <a:rect l="l" t="t" r="r" b="b"/>
-            <a:pathLst>
-              <a:path w="21600" h="21600">
-                <a:moveTo>
-                  <a:pt x="0" y="0"/>
-                </a:moveTo>
-                <a:lnTo>
-                  <a:pt x="21600" y="21600"/>
-                </a:lnTo>
-              </a:path>
-            </a:pathLst>
-          </a:custGeom>
-          <a:noFill/>
-          <a:ln w="38160">
-            <a:tailEnd type="triangle" w="med" len="med"/>
-          </a:ln>
-        </p:spPr>
-        <p:style>
-          <a:lnRef idx="1">
-            <a:schemeClr val="dk1"/>
-          </a:lnRef>
-          <a:fillRef idx="0">
-            <a:schemeClr val="dk1"/>
-          </a:fillRef>
-          <a:effectRef idx="0">
-            <a:schemeClr val="dk1"/>
-          </a:effectRef>
-          <a:fontRef idx="minor"/>
-        </p:style>
-      </p:sp>
-      <p:sp>
-        <p:nvSpPr>
-          <p:cNvPr id="117" name="CustomShape 10"/>
-          <p:cNvSpPr/>
-          <p:nvPr/>
-        </p:nvSpPr>
-        <p:spPr>
-          <a:xfrm>
-            <a:off x="4804200" y="3894480"/>
-            <a:ext cx="4670280" cy="913320"/>
-          </a:xfrm>
-          <a:prstGeom prst="rect">
-            <a:avLst/>
-          </a:prstGeom>
-          <a:noFill/>
-          <a:ln>
-            <a:noFill/>
-          </a:ln>
-        </p:spPr>
-        <p:style>
-          <a:lnRef idx="0">
-            <a:scrgbClr r="0" g="0" b="0"/>
-          </a:lnRef>
-          <a:fillRef idx="0">
-            <a:scrgbClr r="0" g="0" b="0"/>
-          </a:fillRef>
-          <a:effectRef idx="0">
-            <a:scrgbClr r="0" g="0" b="0"/>
-          </a:effectRef>
-          <a:fontRef idx="minor"/>
-        </p:style>
-        <p:txBody>
-          <a:bodyPr lIns="90000" tIns="45000" rIns="90000" bIns="45000"/>
-          <a:lstStyle/>
-          <a:p>
-            <a:pPr>
-              <a:lnSpc>
-                <a:spcPct val="100000"/>
-              </a:lnSpc>
-            </a:pPr>
-            <a:r>
-              <a:rPr lang="es-ES" sz="1800" b="1" i="1" strike="noStrike" spc="-1">
-                <a:solidFill>
-                  <a:srgbClr val="000000"/>
-                </a:solidFill>
-                <a:latin typeface="LM Roman 10"/>
-              </a:rPr>
-              <a:t>Opciones Origen/Destino (desplegable) (GMAPI) </a:t>
-            </a:r>
-            <a:endParaRPr lang="es-ES" sz="1800" b="0" strike="noStrike" spc="-1">
-              <a:latin typeface="Arial"/>
-            </a:endParaRPr>
-          </a:p>
-          <a:p>
-            <a:pPr>
-              <a:lnSpc>
-                <a:spcPct val="100000"/>
-              </a:lnSpc>
-            </a:pPr>
-            <a:r>
-              <a:rPr lang="es-ES" sz="1800" b="1" i="1" strike="noStrike" spc="-1">
-                <a:solidFill>
-                  <a:srgbClr val="000000"/>
-                </a:solidFill>
-                <a:latin typeface="LM Roman 10"/>
-              </a:rPr>
-              <a:t>- </a:t>
-            </a:r>
-            <a:r>
-              <a:rPr lang="es-ES" sz="1800" b="0" strike="noStrike" spc="-1">
-                <a:solidFill>
-                  <a:srgbClr val="000000"/>
-                </a:solidFill>
-                <a:latin typeface="LM Roman 10"/>
-              </a:rPr>
-              <a:t>Nombre, dirección, coordenadas</a:t>
-            </a:r>
-            <a:endParaRPr lang="es-ES" sz="1800" b="0" strike="noStrike" spc="-1">
-              <a:latin typeface="Arial"/>
-            </a:endParaRPr>
-          </a:p>
-        </p:txBody>
-      </p:sp>
-      <p:sp>
-        <p:nvSpPr>
-          <p:cNvPr id="118" name="CustomShape 11"/>
-          <p:cNvSpPr/>
-          <p:nvPr/>
-        </p:nvSpPr>
-        <p:spPr>
-          <a:xfrm>
-            <a:off x="2930760" y="3894840"/>
-            <a:ext cx="7557120" cy="1020960"/>
-          </a:xfrm>
-          <a:prstGeom prst="rect">
-            <a:avLst/>
-          </a:prstGeom>
-          <a:noFill/>
-          <a:ln w="38160">
-            <a:solidFill>
-              <a:srgbClr val="FF0000"/>
-            </a:solidFill>
-          </a:ln>
-        </p:spPr>
-        <p:style>
-          <a:lnRef idx="2">
-            <a:schemeClr val="accent1">
-              <a:shade val="50000"/>
-            </a:schemeClr>
-          </a:lnRef>
-          <a:fillRef idx="1">
-            <a:schemeClr val="accent1"/>
-          </a:fillRef>
-          <a:effectRef idx="0">
-            <a:schemeClr val="accent1"/>
-          </a:effectRef>
-          <a:fontRef idx="minor"/>
-        </p:style>
-      </p:sp>
-      <p:sp>
-        <p:nvSpPr>
-          <p:cNvPr id="119" name="CustomShape 12"/>
-          <p:cNvSpPr/>
-          <p:nvPr/>
-        </p:nvSpPr>
-        <p:spPr>
-          <a:xfrm>
-            <a:off x="2930760" y="5046480"/>
-            <a:ext cx="7557120" cy="1199880"/>
-          </a:xfrm>
-          <a:prstGeom prst="rect">
-            <a:avLst/>
-          </a:prstGeom>
-          <a:noFill/>
-          <a:ln w="38160">
-            <a:solidFill>
-              <a:srgbClr val="FF0000"/>
-            </a:solidFill>
-          </a:ln>
-        </p:spPr>
-        <p:style>
-          <a:lnRef idx="2">
-            <a:schemeClr val="accent1">
-              <a:shade val="50000"/>
-            </a:schemeClr>
-          </a:lnRef>
-          <a:fillRef idx="1">
-            <a:schemeClr val="accent1"/>
-          </a:fillRef>
-          <a:effectRef idx="0">
-            <a:schemeClr val="accent1"/>
-          </a:effectRef>
-          <a:fontRef idx="minor"/>
-        </p:style>
-      </p:sp>
-      <p:sp>
-        <p:nvSpPr>
-          <p:cNvPr id="120" name="CustomShape 13"/>
-          <p:cNvSpPr/>
-          <p:nvPr/>
-        </p:nvSpPr>
-        <p:spPr>
-          <a:xfrm>
-            <a:off x="4745160" y="5109480"/>
-            <a:ext cx="4670280" cy="639000"/>
-          </a:xfrm>
-          <a:prstGeom prst="rect">
-            <a:avLst/>
-          </a:prstGeom>
-          <a:noFill/>
-          <a:ln>
-            <a:noFill/>
-          </a:ln>
-        </p:spPr>
-        <p:style>
-          <a:lnRef idx="0">
-            <a:scrgbClr r="0" g="0" b="0"/>
-          </a:lnRef>
-          <a:fillRef idx="0">
-            <a:scrgbClr r="0" g="0" b="0"/>
-          </a:fillRef>
-          <a:effectRef idx="0">
-            <a:scrgbClr r="0" g="0" b="0"/>
-          </a:effectRef>
-          <a:fontRef idx="minor"/>
-        </p:style>
-        <p:txBody>
-          <a:bodyPr lIns="90000" tIns="45000" rIns="90000" bIns="45000"/>
-          <a:lstStyle/>
-          <a:p>
-            <a:pPr>
-              <a:lnSpc>
-                <a:spcPct val="100000"/>
-              </a:lnSpc>
-            </a:pPr>
-            <a:r>
-              <a:rPr lang="es-ES" sz="1800" b="1" i="1" strike="noStrike" spc="-1">
-                <a:solidFill>
-                  <a:srgbClr val="000000"/>
-                </a:solidFill>
-                <a:latin typeface="LM Roman 10"/>
-              </a:rPr>
-              <a:t>Gasolineras de España </a:t>
-            </a:r>
-            <a:endParaRPr lang="es-ES" sz="1800" b="0" strike="noStrike" spc="-1">
-              <a:latin typeface="Arial"/>
-            </a:endParaRPr>
-          </a:p>
-          <a:p>
-            <a:pPr>
-              <a:lnSpc>
-                <a:spcPct val="100000"/>
-              </a:lnSpc>
-            </a:pPr>
-            <a:r>
-              <a:rPr lang="es-ES" sz="1800" b="1" i="1" strike="noStrike" spc="-1">
-                <a:solidFill>
-                  <a:srgbClr val="000000"/>
-                </a:solidFill>
-                <a:latin typeface="LM Roman 10"/>
-              </a:rPr>
-              <a:t>- </a:t>
-            </a:r>
-            <a:r>
-              <a:rPr lang="es-ES" sz="1800" b="0" strike="noStrike" spc="-1">
-                <a:solidFill>
-                  <a:srgbClr val="000000"/>
-                </a:solidFill>
-                <a:latin typeface="LM Roman 10"/>
-              </a:rPr>
-              <a:t>Nombre, dirección, coordenadas, ??</a:t>
-            </a:r>
-            <a:endParaRPr lang="es-ES" sz="1800" b="0" strike="noStrike" spc="-1">
-              <a:latin typeface="Arial"/>
-            </a:endParaRPr>
-          </a:p>
-        </p:txBody>
-      </p:sp>
+            <a:ln w="28575">
+              <a:solidFill>
+                <a:schemeClr val="tx1"/>
+              </a:solidFill>
+            </a:ln>
+          </p:spPr>
+          <p:style>
+            <a:lnRef idx="2">
+              <a:schemeClr val="accent1">
+                <a:shade val="50000"/>
+              </a:schemeClr>
+            </a:lnRef>
+            <a:fillRef idx="1">
+              <a:schemeClr val="accent1"/>
+            </a:fillRef>
+            <a:effectRef idx="0">
+              <a:schemeClr val="accent1"/>
+            </a:effectRef>
+            <a:fontRef idx="minor">
+              <a:schemeClr val="lt1"/>
+            </a:fontRef>
+          </p:style>
+          <p:txBody>
+            <a:bodyPr rtlCol="0" anchor="ctr"/>
+            <a:lstStyle/>
+            <a:p>
+              <a:pPr algn="ctr"/>
+              <a:endParaRPr lang="es-ES"/>
+            </a:p>
+          </p:txBody>
+        </p:sp>
+        <p:pic>
+          <p:nvPicPr>
+            <p:cNvPr id="17" name="Imagen 16">
+              <a:extLst>
+                <a:ext uri="{FF2B5EF4-FFF2-40B4-BE49-F238E27FC236}">
+                  <a16:creationId xmlns:a16="http://schemas.microsoft.com/office/drawing/2014/main" id="{87AF606A-83ED-4890-9340-D2B620EC4034}"/>
+                </a:ext>
+              </a:extLst>
+            </p:cNvPr>
+            <p:cNvPicPr>
+              <a:picLocks noChangeAspect="1"/>
+            </p:cNvPicPr>
+            <p:nvPr/>
+          </p:nvPicPr>
+          <p:blipFill>
+            <a:blip r:embed="rId9">
+              <a:extLst>
+                <a:ext uri="{28A0092B-C50C-407E-A947-70E740481C1C}">
+                  <a14:useLocalDpi xmlns:a14="http://schemas.microsoft.com/office/drawing/2010/main" val="0"/>
+                </a:ext>
+              </a:extLst>
+            </a:blip>
+            <a:stretch>
+              <a:fillRect/>
+            </a:stretch>
+          </p:blipFill>
+          <p:spPr>
+            <a:xfrm>
+              <a:off x="9995619" y="2449101"/>
+              <a:ext cx="597753" cy="609708"/>
+            </a:xfrm>
+            <a:prstGeom prst="rect">
+              <a:avLst/>
+            </a:prstGeom>
+          </p:spPr>
+        </p:pic>
+      </p:grpSp>
     </p:spTree>
+    <p:extLst>
+      <p:ext uri="{BB962C8B-B14F-4D97-AF65-F5344CB8AC3E}">
+        <p14:creationId xmlns:p14="http://schemas.microsoft.com/office/powerpoint/2010/main" val="2937661181"/>
+      </p:ext>
+    </p:extLst>
   </p:cSld>
   <p:clrMapOvr>
     <a:masterClrMapping/>
@@ -7146,16 +8255,1655 @@
           <a:chExt cx="0" cy="0"/>
         </a:xfrm>
       </p:grpSpPr>
-      <p:sp>
-        <p:nvSpPr>
-          <p:cNvPr id="121" name="TextShape 1"/>
+      <p:grpSp>
+        <p:nvGrpSpPr>
+          <p:cNvPr id="40" name="Grupo 39">
+            <a:extLst>
+              <a:ext uri="{FF2B5EF4-FFF2-40B4-BE49-F238E27FC236}">
+                <a16:creationId xmlns:a16="http://schemas.microsoft.com/office/drawing/2014/main" id="{78807D07-B26C-4BD0-92AB-D9FF01EDEFC6}"/>
+              </a:ext>
+            </a:extLst>
+          </p:cNvPr>
+          <p:cNvGrpSpPr/>
+          <p:nvPr/>
+        </p:nvGrpSpPr>
+        <p:grpSpPr>
+          <a:xfrm>
+            <a:off x="517331" y="1162975"/>
+            <a:ext cx="12105200" cy="5370990"/>
+            <a:chOff x="517331" y="1162975"/>
+            <a:chExt cx="12105200" cy="5370990"/>
+          </a:xfrm>
+        </p:grpSpPr>
+        <p:grpSp>
+          <p:nvGrpSpPr>
+            <p:cNvPr id="41" name="Grupo 40">
+              <a:extLst>
+                <a:ext uri="{FF2B5EF4-FFF2-40B4-BE49-F238E27FC236}">
+                  <a16:creationId xmlns:a16="http://schemas.microsoft.com/office/drawing/2014/main" id="{E73CDB16-B394-4B54-864B-C934562EEFBD}"/>
+                </a:ext>
+              </a:extLst>
+            </p:cNvPr>
+            <p:cNvGrpSpPr/>
+            <p:nvPr/>
+          </p:nvGrpSpPr>
+          <p:grpSpPr>
+            <a:xfrm>
+              <a:off x="8398854" y="1781554"/>
+              <a:ext cx="4223677" cy="2066916"/>
+              <a:chOff x="4109956" y="1299233"/>
+              <a:chExt cx="4223677" cy="2066916"/>
+            </a:xfrm>
+          </p:grpSpPr>
+          <p:pic>
+            <p:nvPicPr>
+              <p:cNvPr id="78" name="Imagen 77" descr="Imagen que contiene Logotipo&#10;&#10;Descripción generada automáticamente">
+                <a:extLst>
+                  <a:ext uri="{FF2B5EF4-FFF2-40B4-BE49-F238E27FC236}">
+                    <a16:creationId xmlns:a16="http://schemas.microsoft.com/office/drawing/2014/main" id="{0C2A7C1B-AA7B-4EF9-9C0A-00ABBCDDE3FF}"/>
+                  </a:ext>
+                </a:extLst>
+              </p:cNvPr>
+              <p:cNvPicPr>
+                <a:picLocks noChangeAspect="1"/>
+              </p:cNvPicPr>
+              <p:nvPr/>
+            </p:nvPicPr>
+            <p:blipFill>
+              <a:blip r:embed="rId2">
+                <a:extLst>
+                  <a:ext uri="{28A0092B-C50C-407E-A947-70E740481C1C}">
+                    <a14:useLocalDpi xmlns:a14="http://schemas.microsoft.com/office/drawing/2010/main" val="0"/>
+                  </a:ext>
+                </a:extLst>
+              </a:blip>
+              <a:stretch>
+                <a:fillRect/>
+              </a:stretch>
+            </p:blipFill>
+            <p:spPr>
+              <a:xfrm>
+                <a:off x="4109956" y="1371635"/>
+                <a:ext cx="4223677" cy="1994514"/>
+              </a:xfrm>
+              <a:prstGeom prst="rect">
+                <a:avLst/>
+              </a:prstGeom>
+            </p:spPr>
+          </p:pic>
+          <p:grpSp>
+            <p:nvGrpSpPr>
+              <p:cNvPr id="79" name="Grupo 78">
+                <a:extLst>
+                  <a:ext uri="{FF2B5EF4-FFF2-40B4-BE49-F238E27FC236}">
+                    <a16:creationId xmlns:a16="http://schemas.microsoft.com/office/drawing/2014/main" id="{3A4D0B89-3F6A-4046-AF80-8295C8F74F25}"/>
+                  </a:ext>
+                </a:extLst>
+              </p:cNvPr>
+              <p:cNvGrpSpPr/>
+              <p:nvPr/>
+            </p:nvGrpSpPr>
+            <p:grpSpPr>
+              <a:xfrm>
+                <a:off x="5076155" y="1299233"/>
+                <a:ext cx="2133600" cy="1994514"/>
+                <a:chOff x="5076155" y="1299233"/>
+                <a:chExt cx="2133600" cy="1994514"/>
+              </a:xfrm>
+            </p:grpSpPr>
+            <p:sp>
+              <p:nvSpPr>
+                <p:cNvPr id="80" name="Rectángulo: esquinas redondeadas 79">
+                  <a:extLst>
+                    <a:ext uri="{FF2B5EF4-FFF2-40B4-BE49-F238E27FC236}">
+                      <a16:creationId xmlns:a16="http://schemas.microsoft.com/office/drawing/2014/main" id="{56A91E4C-42FF-4615-8C28-16B323B1FFC0}"/>
+                    </a:ext>
+                  </a:extLst>
+                </p:cNvPr>
+                <p:cNvSpPr/>
+                <p:nvPr/>
+              </p:nvSpPr>
+              <p:spPr>
+                <a:xfrm>
+                  <a:off x="5076155" y="1299233"/>
+                  <a:ext cx="2133600" cy="1994514"/>
+                </a:xfrm>
+                <a:prstGeom prst="roundRect">
+                  <a:avLst/>
+                </a:prstGeom>
+                <a:noFill/>
+                <a:ln w="38100">
+                  <a:solidFill>
+                    <a:srgbClr val="FCD859"/>
+                  </a:solidFill>
+                  <a:prstDash val="dash"/>
+                </a:ln>
+              </p:spPr>
+              <p:style>
+                <a:lnRef idx="2">
+                  <a:schemeClr val="accent1">
+                    <a:shade val="50000"/>
+                  </a:schemeClr>
+                </a:lnRef>
+                <a:fillRef idx="1">
+                  <a:schemeClr val="accent1"/>
+                </a:fillRef>
+                <a:effectRef idx="0">
+                  <a:schemeClr val="accent1"/>
+                </a:effectRef>
+                <a:fontRef idx="minor">
+                  <a:schemeClr val="lt1"/>
+                </a:fontRef>
+              </p:style>
+              <p:txBody>
+                <a:bodyPr rtlCol="0" anchor="ctr"/>
+                <a:lstStyle/>
+                <a:p>
+                  <a:pPr algn="ctr"/>
+                  <a:endParaRPr lang="es-ES"/>
+                </a:p>
+              </p:txBody>
+            </p:sp>
+            <p:cxnSp>
+              <p:nvCxnSpPr>
+                <p:cNvPr id="81" name="Conector recto 80">
+                  <a:extLst>
+                    <a:ext uri="{FF2B5EF4-FFF2-40B4-BE49-F238E27FC236}">
+                      <a16:creationId xmlns:a16="http://schemas.microsoft.com/office/drawing/2014/main" id="{25833A54-F14C-4E3E-845D-71B40DBF6C63}"/>
+                    </a:ext>
+                  </a:extLst>
+                </p:cNvPr>
+                <p:cNvCxnSpPr>
+                  <a:cxnSpLocks/>
+                </p:cNvCxnSpPr>
+                <p:nvPr/>
+              </p:nvCxnSpPr>
+              <p:spPr>
+                <a:xfrm>
+                  <a:off x="5417107" y="1299233"/>
+                  <a:ext cx="1494233" cy="0"/>
+                </a:xfrm>
+                <a:prstGeom prst="line">
+                  <a:avLst/>
+                </a:prstGeom>
+                <a:noFill/>
+                <a:ln w="38100">
+                  <a:solidFill>
+                    <a:srgbClr val="0F76A5"/>
+                  </a:solidFill>
+                  <a:prstDash val="dash"/>
+                </a:ln>
+              </p:spPr>
+              <p:style>
+                <a:lnRef idx="2">
+                  <a:schemeClr val="accent1">
+                    <a:shade val="50000"/>
+                  </a:schemeClr>
+                </a:lnRef>
+                <a:fillRef idx="1">
+                  <a:schemeClr val="accent1"/>
+                </a:fillRef>
+                <a:effectRef idx="0">
+                  <a:schemeClr val="accent1"/>
+                </a:effectRef>
+                <a:fontRef idx="minor">
+                  <a:schemeClr val="lt1"/>
+                </a:fontRef>
+              </p:style>
+            </p:cxnSp>
+            <p:cxnSp>
+              <p:nvCxnSpPr>
+                <p:cNvPr id="82" name="Conector recto 81">
+                  <a:extLst>
+                    <a:ext uri="{FF2B5EF4-FFF2-40B4-BE49-F238E27FC236}">
+                      <a16:creationId xmlns:a16="http://schemas.microsoft.com/office/drawing/2014/main" id="{79895F0D-91F8-4634-9D0E-513E856BE96D}"/>
+                    </a:ext>
+                  </a:extLst>
+                </p:cNvPr>
+                <p:cNvCxnSpPr>
+                  <a:cxnSpLocks/>
+                </p:cNvCxnSpPr>
+                <p:nvPr/>
+              </p:nvCxnSpPr>
+              <p:spPr>
+                <a:xfrm>
+                  <a:off x="5491532" y="3293747"/>
+                  <a:ext cx="1412188" cy="0"/>
+                </a:xfrm>
+                <a:prstGeom prst="line">
+                  <a:avLst/>
+                </a:prstGeom>
+                <a:noFill/>
+                <a:ln w="38100">
+                  <a:solidFill>
+                    <a:srgbClr val="0F76A5"/>
+                  </a:solidFill>
+                  <a:prstDash val="dash"/>
+                </a:ln>
+              </p:spPr>
+              <p:style>
+                <a:lnRef idx="2">
+                  <a:schemeClr val="accent1">
+                    <a:shade val="50000"/>
+                  </a:schemeClr>
+                </a:lnRef>
+                <a:fillRef idx="1">
+                  <a:schemeClr val="accent1"/>
+                </a:fillRef>
+                <a:effectRef idx="0">
+                  <a:schemeClr val="accent1"/>
+                </a:effectRef>
+                <a:fontRef idx="minor">
+                  <a:schemeClr val="lt1"/>
+                </a:fontRef>
+              </p:style>
+            </p:cxnSp>
+          </p:grpSp>
+        </p:grpSp>
+        <p:grpSp>
+          <p:nvGrpSpPr>
+            <p:cNvPr id="42" name="Grupo 41">
+              <a:extLst>
+                <a:ext uri="{FF2B5EF4-FFF2-40B4-BE49-F238E27FC236}">
+                  <a16:creationId xmlns:a16="http://schemas.microsoft.com/office/drawing/2014/main" id="{FC3CBBE9-E715-4AC3-B41B-1DDAC6CF0A21}"/>
+                </a:ext>
+              </a:extLst>
+            </p:cNvPr>
+            <p:cNvGrpSpPr/>
+            <p:nvPr/>
+          </p:nvGrpSpPr>
+          <p:grpSpPr>
+            <a:xfrm>
+              <a:off x="517331" y="1162975"/>
+              <a:ext cx="11336785" cy="5370990"/>
+              <a:chOff x="517331" y="1162975"/>
+              <a:chExt cx="11336785" cy="5370990"/>
+            </a:xfrm>
+          </p:grpSpPr>
+          <p:grpSp>
+            <p:nvGrpSpPr>
+              <p:cNvPr id="43" name="Grupo 42">
+                <a:extLst>
+                  <a:ext uri="{FF2B5EF4-FFF2-40B4-BE49-F238E27FC236}">
+                    <a16:creationId xmlns:a16="http://schemas.microsoft.com/office/drawing/2014/main" id="{A6CF1452-8CA9-4440-813C-C64238AD6215}"/>
+                  </a:ext>
+                </a:extLst>
+              </p:cNvPr>
+              <p:cNvGrpSpPr/>
+              <p:nvPr/>
+            </p:nvGrpSpPr>
+            <p:grpSpPr>
+              <a:xfrm>
+                <a:off x="948818" y="1537447"/>
+                <a:ext cx="2764433" cy="1517299"/>
+                <a:chOff x="1187880" y="1878497"/>
+                <a:chExt cx="2764433" cy="1517299"/>
+              </a:xfrm>
+            </p:grpSpPr>
+            <p:pic>
+              <p:nvPicPr>
+                <p:cNvPr id="76" name="Imagen 75" descr="Imagen que contiene Icono&#10;&#10;Descripción generada automáticamente">
+                  <a:extLst>
+                    <a:ext uri="{FF2B5EF4-FFF2-40B4-BE49-F238E27FC236}">
+                      <a16:creationId xmlns:a16="http://schemas.microsoft.com/office/drawing/2014/main" id="{C017717E-9A66-4172-A83A-CDC3F6E1A8A8}"/>
+                    </a:ext>
+                  </a:extLst>
+                </p:cNvPr>
+                <p:cNvPicPr>
+                  <a:picLocks noChangeAspect="1"/>
+                </p:cNvPicPr>
+                <p:nvPr/>
+              </p:nvPicPr>
+              <p:blipFill>
+                <a:blip r:embed="rId3">
+                  <a:extLst>
+                    <a:ext uri="{28A0092B-C50C-407E-A947-70E740481C1C}">
+                      <a14:useLocalDpi xmlns:a14="http://schemas.microsoft.com/office/drawing/2010/main" val="0"/>
+                    </a:ext>
+                  </a:extLst>
+                </a:blip>
+                <a:stretch>
+                  <a:fillRect/>
+                </a:stretch>
+              </p:blipFill>
+              <p:spPr>
+                <a:xfrm>
+                  <a:off x="1187880" y="1878497"/>
+                  <a:ext cx="2696699" cy="1517299"/>
+                </a:xfrm>
+                <a:prstGeom prst="rect">
+                  <a:avLst/>
+                </a:prstGeom>
+              </p:spPr>
+            </p:pic>
+            <p:sp>
+              <p:nvSpPr>
+                <p:cNvPr id="77" name="Rectángulo: esquinas redondeadas 76">
+                  <a:extLst>
+                    <a:ext uri="{FF2B5EF4-FFF2-40B4-BE49-F238E27FC236}">
+                      <a16:creationId xmlns:a16="http://schemas.microsoft.com/office/drawing/2014/main" id="{8DD45F0E-43C0-478C-BF96-A6F9611DD9B8}"/>
+                    </a:ext>
+                  </a:extLst>
+                </p:cNvPr>
+                <p:cNvSpPr/>
+                <p:nvPr/>
+              </p:nvSpPr>
+              <p:spPr>
+                <a:xfrm>
+                  <a:off x="1189839" y="1936672"/>
+                  <a:ext cx="2762474" cy="1429031"/>
+                </a:xfrm>
+                <a:prstGeom prst="roundRect">
+                  <a:avLst/>
+                </a:prstGeom>
+                <a:noFill/>
+                <a:ln w="38100">
+                  <a:solidFill>
+                    <a:srgbClr val="053A68"/>
+                  </a:solidFill>
+                  <a:prstDash val="dash"/>
+                </a:ln>
+              </p:spPr>
+              <p:style>
+                <a:lnRef idx="2">
+                  <a:schemeClr val="accent1">
+                    <a:shade val="50000"/>
+                  </a:schemeClr>
+                </a:lnRef>
+                <a:fillRef idx="1">
+                  <a:schemeClr val="accent1"/>
+                </a:fillRef>
+                <a:effectRef idx="0">
+                  <a:schemeClr val="accent1"/>
+                </a:effectRef>
+                <a:fontRef idx="minor">
+                  <a:schemeClr val="lt1"/>
+                </a:fontRef>
+              </p:style>
+              <p:txBody>
+                <a:bodyPr rtlCol="0" anchor="ctr"/>
+                <a:lstStyle/>
+                <a:p>
+                  <a:pPr algn="ctr"/>
+                  <a:endParaRPr lang="es-ES"/>
+                </a:p>
+              </p:txBody>
+            </p:sp>
+          </p:grpSp>
+          <p:grpSp>
+            <p:nvGrpSpPr>
+              <p:cNvPr id="44" name="Grupo 43">
+                <a:extLst>
+                  <a:ext uri="{FF2B5EF4-FFF2-40B4-BE49-F238E27FC236}">
+                    <a16:creationId xmlns:a16="http://schemas.microsoft.com/office/drawing/2014/main" id="{794FF721-7D2D-4BC4-AF6D-ECA26C9194DC}"/>
+                  </a:ext>
+                </a:extLst>
+              </p:cNvPr>
+              <p:cNvGrpSpPr/>
+              <p:nvPr/>
+            </p:nvGrpSpPr>
+            <p:grpSpPr>
+              <a:xfrm>
+                <a:off x="1046769" y="4739802"/>
+                <a:ext cx="1737969" cy="1515071"/>
+                <a:chOff x="1360485" y="4583306"/>
+                <a:chExt cx="1737969" cy="1515071"/>
+              </a:xfrm>
+            </p:grpSpPr>
+            <p:pic>
+              <p:nvPicPr>
+                <p:cNvPr id="74" name="Imagen 73" descr="Icono&#10;&#10;Descripción generada automáticamente">
+                  <a:extLst>
+                    <a:ext uri="{FF2B5EF4-FFF2-40B4-BE49-F238E27FC236}">
+                      <a16:creationId xmlns:a16="http://schemas.microsoft.com/office/drawing/2014/main" id="{DA7AD31C-67A1-4AA9-B099-5DF586C5CE37}"/>
+                    </a:ext>
+                  </a:extLst>
+                </p:cNvPr>
+                <p:cNvPicPr>
+                  <a:picLocks noChangeAspect="1"/>
+                </p:cNvPicPr>
+                <p:nvPr/>
+              </p:nvPicPr>
+              <p:blipFill>
+                <a:blip r:embed="rId4">
+                  <a:extLst>
+                    <a:ext uri="{28A0092B-C50C-407E-A947-70E740481C1C}">
+                      <a14:useLocalDpi xmlns:a14="http://schemas.microsoft.com/office/drawing/2010/main" val="0"/>
+                    </a:ext>
+                  </a:extLst>
+                </a:blip>
+                <a:stretch>
+                  <a:fillRect/>
+                </a:stretch>
+              </p:blipFill>
+              <p:spPr>
+                <a:xfrm>
+                  <a:off x="1561453" y="4661011"/>
+                  <a:ext cx="1333000" cy="1359660"/>
+                </a:xfrm>
+                <a:prstGeom prst="rect">
+                  <a:avLst/>
+                </a:prstGeom>
+              </p:spPr>
+            </p:pic>
+            <p:sp>
+              <p:nvSpPr>
+                <p:cNvPr id="75" name="Rectángulo: esquinas redondeadas 74">
+                  <a:extLst>
+                    <a:ext uri="{FF2B5EF4-FFF2-40B4-BE49-F238E27FC236}">
+                      <a16:creationId xmlns:a16="http://schemas.microsoft.com/office/drawing/2014/main" id="{5992F602-8E19-4C3D-866B-A4A7B303A3C8}"/>
+                    </a:ext>
+                  </a:extLst>
+                </p:cNvPr>
+                <p:cNvSpPr/>
+                <p:nvPr/>
+              </p:nvSpPr>
+              <p:spPr>
+                <a:xfrm>
+                  <a:off x="1360485" y="4583306"/>
+                  <a:ext cx="1737969" cy="1515071"/>
+                </a:xfrm>
+                <a:prstGeom prst="roundRect">
+                  <a:avLst/>
+                </a:prstGeom>
+                <a:noFill/>
+                <a:ln w="38100">
+                  <a:solidFill>
+                    <a:srgbClr val="F59026"/>
+                  </a:solidFill>
+                  <a:prstDash val="dash"/>
+                </a:ln>
+              </p:spPr>
+              <p:style>
+                <a:lnRef idx="2">
+                  <a:schemeClr val="accent1">
+                    <a:shade val="50000"/>
+                  </a:schemeClr>
+                </a:lnRef>
+                <a:fillRef idx="1">
+                  <a:schemeClr val="accent1"/>
+                </a:fillRef>
+                <a:effectRef idx="0">
+                  <a:schemeClr val="accent1"/>
+                </a:effectRef>
+                <a:fontRef idx="minor">
+                  <a:schemeClr val="lt1"/>
+                </a:fontRef>
+              </p:style>
+              <p:txBody>
+                <a:bodyPr rtlCol="0" anchor="ctr"/>
+                <a:lstStyle/>
+                <a:p>
+                  <a:pPr algn="ctr"/>
+                  <a:endParaRPr lang="es-ES"/>
+                </a:p>
+              </p:txBody>
+            </p:sp>
+          </p:grpSp>
+          <p:grpSp>
+            <p:nvGrpSpPr>
+              <p:cNvPr id="45" name="Grupo 44">
+                <a:extLst>
+                  <a:ext uri="{FF2B5EF4-FFF2-40B4-BE49-F238E27FC236}">
+                    <a16:creationId xmlns:a16="http://schemas.microsoft.com/office/drawing/2014/main" id="{2AC6026E-C0E2-4FC9-A11B-C77693673FC1}"/>
+                  </a:ext>
+                </a:extLst>
+              </p:cNvPr>
+              <p:cNvGrpSpPr/>
+              <p:nvPr/>
+            </p:nvGrpSpPr>
+            <p:grpSpPr>
+              <a:xfrm>
+                <a:off x="6478616" y="1348459"/>
+                <a:ext cx="2366677" cy="1192584"/>
+                <a:chOff x="6598696" y="1548040"/>
+                <a:chExt cx="2366677" cy="1192584"/>
+              </a:xfrm>
+            </p:grpSpPr>
+            <p:pic>
+              <p:nvPicPr>
+                <p:cNvPr id="72" name="Imagen 71" descr="Logotipo&#10;&#10;Descripción generada automáticamente">
+                  <a:extLst>
+                    <a:ext uri="{FF2B5EF4-FFF2-40B4-BE49-F238E27FC236}">
+                      <a16:creationId xmlns:a16="http://schemas.microsoft.com/office/drawing/2014/main" id="{D6E6E68D-C92A-409E-BF2D-6804E707CCA6}"/>
+                    </a:ext>
+                  </a:extLst>
+                </p:cNvPr>
+                <p:cNvPicPr>
+                  <a:picLocks noChangeAspect="1"/>
+                </p:cNvPicPr>
+                <p:nvPr/>
+              </p:nvPicPr>
+              <p:blipFill>
+                <a:blip r:embed="rId5">
+                  <a:extLst>
+                    <a:ext uri="{28A0092B-C50C-407E-A947-70E740481C1C}">
+                      <a14:useLocalDpi xmlns:a14="http://schemas.microsoft.com/office/drawing/2010/main" val="0"/>
+                    </a:ext>
+                  </a:extLst>
+                </a:blip>
+                <a:stretch>
+                  <a:fillRect/>
+                </a:stretch>
+              </p:blipFill>
+              <p:spPr>
+                <a:xfrm>
+                  <a:off x="6626096" y="1548040"/>
+                  <a:ext cx="2311876" cy="1155938"/>
+                </a:xfrm>
+                <a:prstGeom prst="rect">
+                  <a:avLst/>
+                </a:prstGeom>
+              </p:spPr>
+            </p:pic>
+            <p:sp>
+              <p:nvSpPr>
+                <p:cNvPr id="73" name="Rectángulo: esquinas redondeadas 72">
+                  <a:extLst>
+                    <a:ext uri="{FF2B5EF4-FFF2-40B4-BE49-F238E27FC236}">
+                      <a16:creationId xmlns:a16="http://schemas.microsoft.com/office/drawing/2014/main" id="{7BF72A85-01BE-4F29-81EA-E30E5CB381CF}"/>
+                    </a:ext>
+                  </a:extLst>
+                </p:cNvPr>
+                <p:cNvSpPr/>
+                <p:nvPr/>
+              </p:nvSpPr>
+              <p:spPr>
+                <a:xfrm>
+                  <a:off x="6598696" y="1584686"/>
+                  <a:ext cx="2366677" cy="1155938"/>
+                </a:xfrm>
+                <a:prstGeom prst="roundRect">
+                  <a:avLst/>
+                </a:prstGeom>
+                <a:noFill/>
+                <a:ln w="38100">
+                  <a:solidFill>
+                    <a:srgbClr val="007ACC"/>
+                  </a:solidFill>
+                  <a:prstDash val="dash"/>
+                </a:ln>
+              </p:spPr>
+              <p:style>
+                <a:lnRef idx="2">
+                  <a:schemeClr val="accent1">
+                    <a:shade val="50000"/>
+                  </a:schemeClr>
+                </a:lnRef>
+                <a:fillRef idx="1">
+                  <a:schemeClr val="accent1"/>
+                </a:fillRef>
+                <a:effectRef idx="0">
+                  <a:schemeClr val="accent1"/>
+                </a:effectRef>
+                <a:fontRef idx="minor">
+                  <a:schemeClr val="lt1"/>
+                </a:fontRef>
+              </p:style>
+              <p:txBody>
+                <a:bodyPr rtlCol="0" anchor="ctr"/>
+                <a:lstStyle/>
+                <a:p>
+                  <a:pPr algn="ctr"/>
+                  <a:endParaRPr lang="es-ES"/>
+                </a:p>
+              </p:txBody>
+            </p:sp>
+          </p:grpSp>
+          <p:grpSp>
+            <p:nvGrpSpPr>
+              <p:cNvPr id="46" name="Grupo 45">
+                <a:extLst>
+                  <a:ext uri="{FF2B5EF4-FFF2-40B4-BE49-F238E27FC236}">
+                    <a16:creationId xmlns:a16="http://schemas.microsoft.com/office/drawing/2014/main" id="{5C2AA2EA-5819-44ED-B9DE-42D5A3515CD1}"/>
+                  </a:ext>
+                </a:extLst>
+              </p:cNvPr>
+              <p:cNvGrpSpPr/>
+              <p:nvPr/>
+            </p:nvGrpSpPr>
+            <p:grpSpPr>
+              <a:xfrm>
+                <a:off x="6018029" y="4452821"/>
+                <a:ext cx="2380825" cy="1876653"/>
+                <a:chOff x="6185724" y="4346552"/>
+                <a:chExt cx="2380825" cy="1876653"/>
+              </a:xfrm>
+            </p:grpSpPr>
+            <p:pic>
+              <p:nvPicPr>
+                <p:cNvPr id="70" name="Imagen 69" descr="Logotipo, nombre de la empresa&#10;&#10;Descripción generada automáticamente">
+                  <a:extLst>
+                    <a:ext uri="{FF2B5EF4-FFF2-40B4-BE49-F238E27FC236}">
+                      <a16:creationId xmlns:a16="http://schemas.microsoft.com/office/drawing/2014/main" id="{47BA1C30-A447-40D7-A9FB-520968EAC86D}"/>
+                    </a:ext>
+                  </a:extLst>
+                </p:cNvPr>
+                <p:cNvPicPr>
+                  <a:picLocks noChangeAspect="1"/>
+                </p:cNvPicPr>
+                <p:nvPr/>
+              </p:nvPicPr>
+              <p:blipFill>
+                <a:blip r:embed="rId6">
+                  <a:extLst>
+                    <a:ext uri="{28A0092B-C50C-407E-A947-70E740481C1C}">
+                      <a14:useLocalDpi xmlns:a14="http://schemas.microsoft.com/office/drawing/2010/main" val="0"/>
+                    </a:ext>
+                  </a:extLst>
+                </a:blip>
+                <a:stretch>
+                  <a:fillRect/>
+                </a:stretch>
+              </p:blipFill>
+              <p:spPr>
+                <a:xfrm>
+                  <a:off x="6185724" y="4548304"/>
+                  <a:ext cx="2380825" cy="1515071"/>
+                </a:xfrm>
+                <a:prstGeom prst="rect">
+                  <a:avLst/>
+                </a:prstGeom>
+              </p:spPr>
+            </p:pic>
+            <p:sp>
+              <p:nvSpPr>
+                <p:cNvPr id="71" name="Rectángulo: esquinas redondeadas 70">
+                  <a:extLst>
+                    <a:ext uri="{FF2B5EF4-FFF2-40B4-BE49-F238E27FC236}">
+                      <a16:creationId xmlns:a16="http://schemas.microsoft.com/office/drawing/2014/main" id="{3A4B6285-262F-42C7-A17E-AD45DAFA9585}"/>
+                    </a:ext>
+                  </a:extLst>
+                </p:cNvPr>
+                <p:cNvSpPr/>
+                <p:nvPr/>
+              </p:nvSpPr>
+              <p:spPr>
+                <a:xfrm>
+                  <a:off x="6321386" y="4346552"/>
+                  <a:ext cx="2190081" cy="1876653"/>
+                </a:xfrm>
+                <a:prstGeom prst="roundRect">
+                  <a:avLst/>
+                </a:prstGeom>
+                <a:noFill/>
+                <a:ln w="38100">
+                  <a:solidFill>
+                    <a:srgbClr val="3794AC"/>
+                  </a:solidFill>
+                  <a:prstDash val="dash"/>
+                </a:ln>
+              </p:spPr>
+              <p:style>
+                <a:lnRef idx="2">
+                  <a:schemeClr val="accent1">
+                    <a:shade val="50000"/>
+                  </a:schemeClr>
+                </a:lnRef>
+                <a:fillRef idx="1">
+                  <a:schemeClr val="accent1"/>
+                </a:fillRef>
+                <a:effectRef idx="0">
+                  <a:schemeClr val="accent1"/>
+                </a:effectRef>
+                <a:fontRef idx="minor">
+                  <a:schemeClr val="lt1"/>
+                </a:fontRef>
+              </p:style>
+              <p:txBody>
+                <a:bodyPr rtlCol="0" anchor="ctr"/>
+                <a:lstStyle/>
+                <a:p>
+                  <a:pPr algn="ctr"/>
+                  <a:endParaRPr lang="es-ES"/>
+                </a:p>
+              </p:txBody>
+            </p:sp>
+          </p:grpSp>
+          <p:grpSp>
+            <p:nvGrpSpPr>
+              <p:cNvPr id="47" name="Grupo 46">
+                <a:extLst>
+                  <a:ext uri="{FF2B5EF4-FFF2-40B4-BE49-F238E27FC236}">
+                    <a16:creationId xmlns:a16="http://schemas.microsoft.com/office/drawing/2014/main" id="{BC5BDC2D-8C85-48E4-9981-118E14D917E9}"/>
+                  </a:ext>
+                </a:extLst>
+              </p:cNvPr>
+              <p:cNvGrpSpPr/>
+              <p:nvPr/>
+            </p:nvGrpSpPr>
+            <p:grpSpPr>
+              <a:xfrm>
+                <a:off x="6769834" y="2964993"/>
+                <a:ext cx="2307856" cy="1322729"/>
+                <a:chOff x="6628106" y="2848941"/>
+                <a:chExt cx="2307856" cy="1322729"/>
+              </a:xfrm>
+            </p:grpSpPr>
+            <p:pic>
+              <p:nvPicPr>
+                <p:cNvPr id="68" name="Imagen 67" descr="Texto&#10;&#10;Descripción generada automáticamente">
+                  <a:extLst>
+                    <a:ext uri="{FF2B5EF4-FFF2-40B4-BE49-F238E27FC236}">
+                      <a16:creationId xmlns:a16="http://schemas.microsoft.com/office/drawing/2014/main" id="{61023C37-53FF-4DF1-A075-FA7E8FAB8C0C}"/>
+                    </a:ext>
+                  </a:extLst>
+                </p:cNvPr>
+                <p:cNvPicPr>
+                  <a:picLocks noChangeAspect="1"/>
+                </p:cNvPicPr>
+                <p:nvPr/>
+              </p:nvPicPr>
+              <p:blipFill>
+                <a:blip r:embed="rId7">
+                  <a:extLst>
+                    <a:ext uri="{28A0092B-C50C-407E-A947-70E740481C1C}">
+                      <a14:useLocalDpi xmlns:a14="http://schemas.microsoft.com/office/drawing/2010/main" val="0"/>
+                    </a:ext>
+                  </a:extLst>
+                </a:blip>
+                <a:stretch>
+                  <a:fillRect/>
+                </a:stretch>
+              </p:blipFill>
+              <p:spPr>
+                <a:xfrm>
+                  <a:off x="6727285" y="2943704"/>
+                  <a:ext cx="2109499" cy="1179971"/>
+                </a:xfrm>
+                <a:prstGeom prst="rect">
+                  <a:avLst/>
+                </a:prstGeom>
+              </p:spPr>
+            </p:pic>
+            <p:sp>
+              <p:nvSpPr>
+                <p:cNvPr id="69" name="Rectángulo: esquinas redondeadas 68">
+                  <a:extLst>
+                    <a:ext uri="{FF2B5EF4-FFF2-40B4-BE49-F238E27FC236}">
+                      <a16:creationId xmlns:a16="http://schemas.microsoft.com/office/drawing/2014/main" id="{1A323BEC-75A1-4BFE-A0F7-4233ECB0CA2D}"/>
+                    </a:ext>
+                  </a:extLst>
+                </p:cNvPr>
+                <p:cNvSpPr/>
+                <p:nvPr/>
+              </p:nvSpPr>
+              <p:spPr>
+                <a:xfrm>
+                  <a:off x="6628106" y="2848941"/>
+                  <a:ext cx="2307856" cy="1322729"/>
+                </a:xfrm>
+                <a:prstGeom prst="roundRect">
+                  <a:avLst/>
+                </a:prstGeom>
+                <a:noFill/>
+                <a:ln w="38100">
+                  <a:solidFill>
+                    <a:srgbClr val="4C4C4C"/>
+                  </a:solidFill>
+                  <a:prstDash val="dash"/>
+                </a:ln>
+              </p:spPr>
+              <p:style>
+                <a:lnRef idx="2">
+                  <a:schemeClr val="accent1">
+                    <a:shade val="50000"/>
+                  </a:schemeClr>
+                </a:lnRef>
+                <a:fillRef idx="1">
+                  <a:schemeClr val="accent1"/>
+                </a:fillRef>
+                <a:effectRef idx="0">
+                  <a:schemeClr val="accent1"/>
+                </a:effectRef>
+                <a:fontRef idx="minor">
+                  <a:schemeClr val="lt1"/>
+                </a:fontRef>
+              </p:style>
+              <p:txBody>
+                <a:bodyPr rtlCol="0" anchor="ctr"/>
+                <a:lstStyle/>
+                <a:p>
+                  <a:pPr algn="ctr"/>
+                  <a:endParaRPr lang="es-ES"/>
+                </a:p>
+              </p:txBody>
+            </p:sp>
+          </p:grpSp>
+          <p:grpSp>
+            <p:nvGrpSpPr>
+              <p:cNvPr id="48" name="Grupo 47">
+                <a:extLst>
+                  <a:ext uri="{FF2B5EF4-FFF2-40B4-BE49-F238E27FC236}">
+                    <a16:creationId xmlns:a16="http://schemas.microsoft.com/office/drawing/2014/main" id="{03B4FB99-EE5A-4965-9226-F2C1D9ED3C21}"/>
+                  </a:ext>
+                </a:extLst>
+              </p:cNvPr>
+              <p:cNvGrpSpPr/>
+              <p:nvPr/>
+            </p:nvGrpSpPr>
+            <p:grpSpPr>
+              <a:xfrm>
+                <a:off x="3715210" y="2100175"/>
+                <a:ext cx="3068967" cy="1973786"/>
+                <a:chOff x="3817536" y="2185221"/>
+                <a:chExt cx="3068967" cy="1973786"/>
+              </a:xfrm>
+            </p:grpSpPr>
+            <p:pic>
+              <p:nvPicPr>
+                <p:cNvPr id="66" name="Imagen 65">
+                  <a:extLst>
+                    <a:ext uri="{FF2B5EF4-FFF2-40B4-BE49-F238E27FC236}">
+                      <a16:creationId xmlns:a16="http://schemas.microsoft.com/office/drawing/2014/main" id="{0B54D307-EB45-4032-B74A-F18874BB42FD}"/>
+                    </a:ext>
+                  </a:extLst>
+                </p:cNvPr>
+                <p:cNvPicPr>
+                  <a:picLocks noChangeAspect="1"/>
+                </p:cNvPicPr>
+                <p:nvPr/>
+              </p:nvPicPr>
+              <p:blipFill>
+                <a:blip r:embed="rId8">
+                  <a:extLst>
+                    <a:ext uri="{28A0092B-C50C-407E-A947-70E740481C1C}">
+                      <a14:useLocalDpi xmlns:a14="http://schemas.microsoft.com/office/drawing/2010/main" val="0"/>
+                    </a:ext>
+                  </a:extLst>
+                </a:blip>
+                <a:stretch>
+                  <a:fillRect/>
+                </a:stretch>
+              </p:blipFill>
+              <p:spPr>
+                <a:xfrm>
+                  <a:off x="3817536" y="2270494"/>
+                  <a:ext cx="3068967" cy="1726294"/>
+                </a:xfrm>
+                <a:prstGeom prst="rect">
+                  <a:avLst/>
+                </a:prstGeom>
+              </p:spPr>
+            </p:pic>
+            <p:sp>
+              <p:nvSpPr>
+                <p:cNvPr id="67" name="Rectángulo: esquinas redondeadas 66">
+                  <a:extLst>
+                    <a:ext uri="{FF2B5EF4-FFF2-40B4-BE49-F238E27FC236}">
+                      <a16:creationId xmlns:a16="http://schemas.microsoft.com/office/drawing/2014/main" id="{A623E411-FFCA-4E37-AB0A-1D80D39A075A}"/>
+                    </a:ext>
+                  </a:extLst>
+                </p:cNvPr>
+                <p:cNvSpPr/>
+                <p:nvPr/>
+              </p:nvSpPr>
+              <p:spPr>
+                <a:xfrm>
+                  <a:off x="4280850" y="2185221"/>
+                  <a:ext cx="2113023" cy="1973786"/>
+                </a:xfrm>
+                <a:prstGeom prst="roundRect">
+                  <a:avLst/>
+                </a:prstGeom>
+                <a:noFill/>
+                <a:ln w="38100">
+                  <a:solidFill>
+                    <a:srgbClr val="000000"/>
+                  </a:solidFill>
+                  <a:prstDash val="dash"/>
+                </a:ln>
+              </p:spPr>
+              <p:style>
+                <a:lnRef idx="2">
+                  <a:schemeClr val="accent1">
+                    <a:shade val="50000"/>
+                  </a:schemeClr>
+                </a:lnRef>
+                <a:fillRef idx="1">
+                  <a:schemeClr val="accent1"/>
+                </a:fillRef>
+                <a:effectRef idx="0">
+                  <a:schemeClr val="accent1"/>
+                </a:effectRef>
+                <a:fontRef idx="minor">
+                  <a:schemeClr val="lt1"/>
+                </a:fontRef>
+              </p:style>
+              <p:txBody>
+                <a:bodyPr rtlCol="0" anchor="ctr"/>
+                <a:lstStyle/>
+                <a:p>
+                  <a:pPr algn="ctr"/>
+                  <a:endParaRPr lang="es-ES"/>
+                </a:p>
+              </p:txBody>
+            </p:sp>
+          </p:grpSp>
+          <p:grpSp>
+            <p:nvGrpSpPr>
+              <p:cNvPr id="49" name="Grupo 48">
+                <a:extLst>
+                  <a:ext uri="{FF2B5EF4-FFF2-40B4-BE49-F238E27FC236}">
+                    <a16:creationId xmlns:a16="http://schemas.microsoft.com/office/drawing/2014/main" id="{E1EB4AB3-2EE7-45E0-BC31-F4392800F5B3}"/>
+                  </a:ext>
+                </a:extLst>
+              </p:cNvPr>
+              <p:cNvGrpSpPr/>
+              <p:nvPr/>
+            </p:nvGrpSpPr>
+            <p:grpSpPr>
+              <a:xfrm>
+                <a:off x="858176" y="3462050"/>
+                <a:ext cx="3275480" cy="919870"/>
+                <a:chOff x="609602" y="2565406"/>
+                <a:chExt cx="3275480" cy="919870"/>
+              </a:xfrm>
+            </p:grpSpPr>
+            <p:pic>
+              <p:nvPicPr>
+                <p:cNvPr id="61" name="Imagen 60">
+                  <a:extLst>
+                    <a:ext uri="{FF2B5EF4-FFF2-40B4-BE49-F238E27FC236}">
+                      <a16:creationId xmlns:a16="http://schemas.microsoft.com/office/drawing/2014/main" id="{7E3EA895-E123-42F8-995B-7904784714F6}"/>
+                    </a:ext>
+                  </a:extLst>
+                </p:cNvPr>
+                <p:cNvPicPr>
+                  <a:picLocks noChangeAspect="1"/>
+                </p:cNvPicPr>
+                <p:nvPr/>
+              </p:nvPicPr>
+              <p:blipFill>
+                <a:blip r:embed="rId9">
+                  <a:extLst>
+                    <a:ext uri="{28A0092B-C50C-407E-A947-70E740481C1C}">
+                      <a14:useLocalDpi xmlns:a14="http://schemas.microsoft.com/office/drawing/2010/main" val="0"/>
+                    </a:ext>
+                  </a:extLst>
+                </a:blip>
+                <a:stretch>
+                  <a:fillRect/>
+                </a:stretch>
+              </p:blipFill>
+              <p:spPr>
+                <a:xfrm>
+                  <a:off x="710538" y="2838250"/>
+                  <a:ext cx="2897950" cy="446619"/>
+                </a:xfrm>
+                <a:prstGeom prst="rect">
+                  <a:avLst/>
+                </a:prstGeom>
+              </p:spPr>
+            </p:pic>
+            <p:sp>
+              <p:nvSpPr>
+                <p:cNvPr id="62" name="Rectángulo: esquinas redondeadas 61">
+                  <a:extLst>
+                    <a:ext uri="{FF2B5EF4-FFF2-40B4-BE49-F238E27FC236}">
+                      <a16:creationId xmlns:a16="http://schemas.microsoft.com/office/drawing/2014/main" id="{9988B881-4BD9-423E-89E2-9AF9917C4AB6}"/>
+                    </a:ext>
+                  </a:extLst>
+                </p:cNvPr>
+                <p:cNvSpPr/>
+                <p:nvPr/>
+              </p:nvSpPr>
+              <p:spPr>
+                <a:xfrm>
+                  <a:off x="609602" y="2674034"/>
+                  <a:ext cx="3145751" cy="754966"/>
+                </a:xfrm>
+                <a:prstGeom prst="roundRect">
+                  <a:avLst/>
+                </a:prstGeom>
+                <a:noFill/>
+                <a:ln w="38100">
+                  <a:solidFill>
+                    <a:srgbClr val="4285F4"/>
+                  </a:solidFill>
+                  <a:prstDash val="dash"/>
+                </a:ln>
+              </p:spPr>
+              <p:style>
+                <a:lnRef idx="2">
+                  <a:schemeClr val="accent1">
+                    <a:shade val="50000"/>
+                  </a:schemeClr>
+                </a:lnRef>
+                <a:fillRef idx="1">
+                  <a:schemeClr val="accent1"/>
+                </a:fillRef>
+                <a:effectRef idx="0">
+                  <a:schemeClr val="accent1"/>
+                </a:effectRef>
+                <a:fontRef idx="minor">
+                  <a:schemeClr val="lt1"/>
+                </a:fontRef>
+              </p:style>
+              <p:txBody>
+                <a:bodyPr rtlCol="0" anchor="ctr"/>
+                <a:lstStyle/>
+                <a:p>
+                  <a:pPr algn="ctr"/>
+                  <a:endParaRPr lang="es-ES"/>
+                </a:p>
+              </p:txBody>
+            </p:sp>
+            <p:cxnSp>
+              <p:nvCxnSpPr>
+                <p:cNvPr id="63" name="Conector recto 62">
+                  <a:extLst>
+                    <a:ext uri="{FF2B5EF4-FFF2-40B4-BE49-F238E27FC236}">
+                      <a16:creationId xmlns:a16="http://schemas.microsoft.com/office/drawing/2014/main" id="{66256B3B-047C-4D45-8D1F-48BD03EC8F94}"/>
+                    </a:ext>
+                  </a:extLst>
+                </p:cNvPr>
+                <p:cNvCxnSpPr>
+                  <a:cxnSpLocks/>
+                </p:cNvCxnSpPr>
+                <p:nvPr/>
+              </p:nvCxnSpPr>
+              <p:spPr>
+                <a:xfrm>
+                  <a:off x="803910" y="2674034"/>
+                  <a:ext cx="2830830" cy="0"/>
+                </a:xfrm>
+                <a:prstGeom prst="line">
+                  <a:avLst/>
+                </a:prstGeom>
+                <a:noFill/>
+                <a:ln w="38100">
+                  <a:solidFill>
+                    <a:srgbClr val="34A853"/>
+                  </a:solidFill>
+                  <a:prstDash val="dash"/>
+                </a:ln>
+              </p:spPr>
+              <p:style>
+                <a:lnRef idx="2">
+                  <a:schemeClr val="accent1">
+                    <a:shade val="50000"/>
+                  </a:schemeClr>
+                </a:lnRef>
+                <a:fillRef idx="1">
+                  <a:schemeClr val="accent1"/>
+                </a:fillRef>
+                <a:effectRef idx="0">
+                  <a:schemeClr val="accent1"/>
+                </a:effectRef>
+                <a:fontRef idx="minor">
+                  <a:schemeClr val="lt1"/>
+                </a:fontRef>
+              </p:style>
+            </p:cxnSp>
+            <p:cxnSp>
+              <p:nvCxnSpPr>
+                <p:cNvPr id="64" name="Conector recto 63">
+                  <a:extLst>
+                    <a:ext uri="{FF2B5EF4-FFF2-40B4-BE49-F238E27FC236}">
+                      <a16:creationId xmlns:a16="http://schemas.microsoft.com/office/drawing/2014/main" id="{1D65C0EA-4C96-4D3F-9BA9-FB1FC81FD8C8}"/>
+                    </a:ext>
+                  </a:extLst>
+                </p:cNvPr>
+                <p:cNvCxnSpPr>
+                  <a:cxnSpLocks/>
+                </p:cNvCxnSpPr>
+                <p:nvPr/>
+              </p:nvCxnSpPr>
+              <p:spPr>
+                <a:xfrm>
+                  <a:off x="798195" y="3429430"/>
+                  <a:ext cx="2830830" cy="0"/>
+                </a:xfrm>
+                <a:prstGeom prst="line">
+                  <a:avLst/>
+                </a:prstGeom>
+                <a:noFill/>
+                <a:ln w="38100">
+                  <a:solidFill>
+                    <a:srgbClr val="EA4335"/>
+                  </a:solidFill>
+                  <a:prstDash val="dash"/>
+                </a:ln>
+              </p:spPr>
+              <p:style>
+                <a:lnRef idx="2">
+                  <a:schemeClr val="accent1">
+                    <a:shade val="50000"/>
+                  </a:schemeClr>
+                </a:lnRef>
+                <a:fillRef idx="1">
+                  <a:schemeClr val="accent1"/>
+                </a:fillRef>
+                <a:effectRef idx="0">
+                  <a:schemeClr val="accent1"/>
+                </a:effectRef>
+                <a:fontRef idx="minor">
+                  <a:schemeClr val="lt1"/>
+                </a:fontRef>
+              </p:style>
+            </p:cxnSp>
+            <p:pic>
+              <p:nvPicPr>
+                <p:cNvPr id="65" name="Imagen 64">
+                  <a:extLst>
+                    <a:ext uri="{FF2B5EF4-FFF2-40B4-BE49-F238E27FC236}">
+                      <a16:creationId xmlns:a16="http://schemas.microsoft.com/office/drawing/2014/main" id="{2AB999F1-7844-431F-BD9B-9A308F2EA9BF}"/>
+                    </a:ext>
+                  </a:extLst>
+                </p:cNvPr>
+                <p:cNvPicPr>
+                  <a:picLocks noChangeAspect="1"/>
+                </p:cNvPicPr>
+                <p:nvPr/>
+              </p:nvPicPr>
+              <p:blipFill>
+                <a:blip r:embed="rId10">
+                  <a:clrChange>
+                    <a:clrFrom>
+                      <a:srgbClr val="FFFFFF"/>
+                    </a:clrFrom>
+                    <a:clrTo>
+                      <a:srgbClr val="FFFFFF">
+                        <a:alpha val="0"/>
+                      </a:srgbClr>
+                    </a:clrTo>
+                  </a:clrChange>
+                </a:blip>
+                <a:stretch>
+                  <a:fillRect/>
+                </a:stretch>
+              </p:blipFill>
+              <p:spPr>
+                <a:xfrm>
+                  <a:off x="3685777" y="2565406"/>
+                  <a:ext cx="199305" cy="919870"/>
+                </a:xfrm>
+                <a:prstGeom prst="rect">
+                  <a:avLst/>
+                </a:prstGeom>
+              </p:spPr>
+            </p:pic>
+          </p:grpSp>
+          <p:grpSp>
+            <p:nvGrpSpPr>
+              <p:cNvPr id="50" name="Grupo 49">
+                <a:extLst>
+                  <a:ext uri="{FF2B5EF4-FFF2-40B4-BE49-F238E27FC236}">
+                    <a16:creationId xmlns:a16="http://schemas.microsoft.com/office/drawing/2014/main" id="{8776F31F-BD4C-4842-B799-0A6A99E91059}"/>
+                  </a:ext>
+                </a:extLst>
+              </p:cNvPr>
+              <p:cNvGrpSpPr/>
+              <p:nvPr/>
+            </p:nvGrpSpPr>
+            <p:grpSpPr>
+              <a:xfrm>
+                <a:off x="3102093" y="4730786"/>
+                <a:ext cx="2774693" cy="1618930"/>
+                <a:chOff x="8807705" y="1413597"/>
+                <a:chExt cx="2774693" cy="1618930"/>
+              </a:xfrm>
+            </p:grpSpPr>
+            <p:pic>
+              <p:nvPicPr>
+                <p:cNvPr id="57" name="Imagen 56" descr="Logotipo&#10;&#10;Descripción generada automáticamente">
+                  <a:extLst>
+                    <a:ext uri="{FF2B5EF4-FFF2-40B4-BE49-F238E27FC236}">
+                      <a16:creationId xmlns:a16="http://schemas.microsoft.com/office/drawing/2014/main" id="{93ED5804-4E54-4B85-B59F-AE635921BA95}"/>
+                    </a:ext>
+                  </a:extLst>
+                </p:cNvPr>
+                <p:cNvPicPr>
+                  <a:picLocks noChangeAspect="1"/>
+                </p:cNvPicPr>
+                <p:nvPr/>
+              </p:nvPicPr>
+              <p:blipFill>
+                <a:blip r:embed="rId11">
+                  <a:extLst>
+                    <a:ext uri="{28A0092B-C50C-407E-A947-70E740481C1C}">
+                      <a14:useLocalDpi xmlns:a14="http://schemas.microsoft.com/office/drawing/2010/main" val="0"/>
+                    </a:ext>
+                  </a:extLst>
+                </a:blip>
+                <a:stretch>
+                  <a:fillRect/>
+                </a:stretch>
+              </p:blipFill>
+              <p:spPr>
+                <a:xfrm>
+                  <a:off x="8948948" y="1555991"/>
+                  <a:ext cx="2529878" cy="1313227"/>
+                </a:xfrm>
+                <a:prstGeom prst="rect">
+                  <a:avLst/>
+                </a:prstGeom>
+              </p:spPr>
+            </p:pic>
+            <p:sp>
+              <p:nvSpPr>
+                <p:cNvPr id="58" name="Rectángulo: esquinas redondeadas 57">
+                  <a:extLst>
+                    <a:ext uri="{FF2B5EF4-FFF2-40B4-BE49-F238E27FC236}">
+                      <a16:creationId xmlns:a16="http://schemas.microsoft.com/office/drawing/2014/main" id="{3A1B15CC-8E28-40A4-9FBA-1B96C9770B0F}"/>
+                    </a:ext>
+                  </a:extLst>
+                </p:cNvPr>
+                <p:cNvSpPr/>
+                <p:nvPr/>
+              </p:nvSpPr>
+              <p:spPr>
+                <a:xfrm>
+                  <a:off x="8807705" y="1413597"/>
+                  <a:ext cx="2774693" cy="1618930"/>
+                </a:xfrm>
+                <a:prstGeom prst="roundRect">
+                  <a:avLst/>
+                </a:prstGeom>
+                <a:noFill/>
+                <a:ln w="38100">
+                  <a:solidFill>
+                    <a:srgbClr val="DC8D27"/>
+                  </a:solidFill>
+                  <a:prstDash val="dash"/>
+                </a:ln>
+              </p:spPr>
+              <p:style>
+                <a:lnRef idx="2">
+                  <a:schemeClr val="accent1">
+                    <a:shade val="50000"/>
+                  </a:schemeClr>
+                </a:lnRef>
+                <a:fillRef idx="1">
+                  <a:schemeClr val="accent1"/>
+                </a:fillRef>
+                <a:effectRef idx="0">
+                  <a:schemeClr val="accent1"/>
+                </a:effectRef>
+                <a:fontRef idx="minor">
+                  <a:schemeClr val="lt1"/>
+                </a:fontRef>
+              </p:style>
+              <p:txBody>
+                <a:bodyPr rtlCol="0" anchor="ctr"/>
+                <a:lstStyle/>
+                <a:p>
+                  <a:pPr algn="ctr"/>
+                  <a:endParaRPr lang="es-ES"/>
+                </a:p>
+              </p:txBody>
+            </p:sp>
+            <p:cxnSp>
+              <p:nvCxnSpPr>
+                <p:cNvPr id="59" name="Conector recto 58">
+                  <a:extLst>
+                    <a:ext uri="{FF2B5EF4-FFF2-40B4-BE49-F238E27FC236}">
+                      <a16:creationId xmlns:a16="http://schemas.microsoft.com/office/drawing/2014/main" id="{9E65510F-5F0F-4E41-AB3E-345DE5BF5D91}"/>
+                    </a:ext>
+                  </a:extLst>
+                </p:cNvPr>
+                <p:cNvCxnSpPr>
+                  <a:cxnSpLocks/>
+                </p:cNvCxnSpPr>
+                <p:nvPr/>
+              </p:nvCxnSpPr>
+              <p:spPr>
+                <a:xfrm>
+                  <a:off x="9190734" y="1413597"/>
+                  <a:ext cx="2018286" cy="0"/>
+                </a:xfrm>
+                <a:prstGeom prst="line">
+                  <a:avLst/>
+                </a:prstGeom>
+                <a:noFill/>
+                <a:ln w="38100">
+                  <a:solidFill>
+                    <a:srgbClr val="017A9D"/>
+                  </a:solidFill>
+                  <a:prstDash val="dash"/>
+                </a:ln>
+              </p:spPr>
+              <p:style>
+                <a:lnRef idx="2">
+                  <a:schemeClr val="accent1">
+                    <a:shade val="50000"/>
+                  </a:schemeClr>
+                </a:lnRef>
+                <a:fillRef idx="1">
+                  <a:schemeClr val="accent1"/>
+                </a:fillRef>
+                <a:effectRef idx="0">
+                  <a:schemeClr val="accent1"/>
+                </a:effectRef>
+                <a:fontRef idx="minor">
+                  <a:schemeClr val="lt1"/>
+                </a:fontRef>
+              </p:style>
+            </p:cxnSp>
+            <p:cxnSp>
+              <p:nvCxnSpPr>
+                <p:cNvPr id="60" name="Conector recto 59">
+                  <a:extLst>
+                    <a:ext uri="{FF2B5EF4-FFF2-40B4-BE49-F238E27FC236}">
+                      <a16:creationId xmlns:a16="http://schemas.microsoft.com/office/drawing/2014/main" id="{69338770-D55E-44E7-B7A2-DD13D27B3DA7}"/>
+                    </a:ext>
+                  </a:extLst>
+                </p:cNvPr>
+                <p:cNvCxnSpPr>
+                  <a:cxnSpLocks/>
+                </p:cNvCxnSpPr>
+                <p:nvPr/>
+              </p:nvCxnSpPr>
+              <p:spPr>
+                <a:xfrm>
+                  <a:off x="9076434" y="3032527"/>
+                  <a:ext cx="2236726" cy="0"/>
+                </a:xfrm>
+                <a:prstGeom prst="line">
+                  <a:avLst/>
+                </a:prstGeom>
+                <a:noFill/>
+                <a:ln w="38100">
+                  <a:solidFill>
+                    <a:srgbClr val="017A9D"/>
+                  </a:solidFill>
+                  <a:prstDash val="dash"/>
+                </a:ln>
+              </p:spPr>
+              <p:style>
+                <a:lnRef idx="2">
+                  <a:schemeClr val="accent1">
+                    <a:shade val="50000"/>
+                  </a:schemeClr>
+                </a:lnRef>
+                <a:fillRef idx="1">
+                  <a:schemeClr val="accent1"/>
+                </a:fillRef>
+                <a:effectRef idx="0">
+                  <a:schemeClr val="accent1"/>
+                </a:effectRef>
+                <a:fontRef idx="minor">
+                  <a:schemeClr val="lt1"/>
+                </a:fontRef>
+              </p:style>
+            </p:cxnSp>
+          </p:grpSp>
+          <p:grpSp>
+            <p:nvGrpSpPr>
+              <p:cNvPr id="51" name="Grupo 50">
+                <a:extLst>
+                  <a:ext uri="{FF2B5EF4-FFF2-40B4-BE49-F238E27FC236}">
+                    <a16:creationId xmlns:a16="http://schemas.microsoft.com/office/drawing/2014/main" id="{1B7E7FA6-984A-4DF4-AACD-A1F0DB43B197}"/>
+                  </a:ext>
+                </a:extLst>
+              </p:cNvPr>
+              <p:cNvGrpSpPr/>
+              <p:nvPr/>
+            </p:nvGrpSpPr>
+            <p:grpSpPr>
+              <a:xfrm>
+                <a:off x="8861546" y="4515698"/>
+                <a:ext cx="2529878" cy="1739175"/>
+                <a:chOff x="8948948" y="3684505"/>
+                <a:chExt cx="2529878" cy="1739175"/>
+              </a:xfrm>
+            </p:grpSpPr>
+            <p:pic>
+              <p:nvPicPr>
+                <p:cNvPr id="53" name="Imagen 52" descr="Interfaz de usuario gráfica, Aplicación, Chat o mensaje de texto&#10;&#10;Descripción generada automáticamente">
+                  <a:extLst>
+                    <a:ext uri="{FF2B5EF4-FFF2-40B4-BE49-F238E27FC236}">
+                      <a16:creationId xmlns:a16="http://schemas.microsoft.com/office/drawing/2014/main" id="{7D23A86D-1672-4A4F-AE14-43692A07272E}"/>
+                    </a:ext>
+                  </a:extLst>
+                </p:cNvPr>
+                <p:cNvPicPr>
+                  <a:picLocks noChangeAspect="1"/>
+                </p:cNvPicPr>
+                <p:nvPr/>
+              </p:nvPicPr>
+              <p:blipFill>
+                <a:blip r:embed="rId12">
+                  <a:extLst>
+                    <a:ext uri="{28A0092B-C50C-407E-A947-70E740481C1C}">
+                      <a14:useLocalDpi xmlns:a14="http://schemas.microsoft.com/office/drawing/2010/main" val="0"/>
+                    </a:ext>
+                  </a:extLst>
+                </a:blip>
+                <a:stretch>
+                  <a:fillRect/>
+                </a:stretch>
+              </p:blipFill>
+              <p:spPr>
+                <a:xfrm>
+                  <a:off x="9020239" y="3796440"/>
+                  <a:ext cx="2387297" cy="1375462"/>
+                </a:xfrm>
+                <a:prstGeom prst="rect">
+                  <a:avLst/>
+                </a:prstGeom>
+              </p:spPr>
+            </p:pic>
+            <p:sp>
+              <p:nvSpPr>
+                <p:cNvPr id="54" name="Rectángulo: esquinas redondeadas 53">
+                  <a:extLst>
+                    <a:ext uri="{FF2B5EF4-FFF2-40B4-BE49-F238E27FC236}">
+                      <a16:creationId xmlns:a16="http://schemas.microsoft.com/office/drawing/2014/main" id="{23B45B0E-1D8E-489D-AEDD-90C09A377D72}"/>
+                    </a:ext>
+                  </a:extLst>
+                </p:cNvPr>
+                <p:cNvSpPr/>
+                <p:nvPr/>
+              </p:nvSpPr>
+              <p:spPr>
+                <a:xfrm>
+                  <a:off x="8948948" y="3684505"/>
+                  <a:ext cx="2529878" cy="1738940"/>
+                </a:xfrm>
+                <a:prstGeom prst="roundRect">
+                  <a:avLst/>
+                </a:prstGeom>
+                <a:noFill/>
+                <a:ln w="38100">
+                  <a:solidFill>
+                    <a:srgbClr val="66B3FF"/>
+                  </a:solidFill>
+                  <a:prstDash val="dash"/>
+                </a:ln>
+              </p:spPr>
+              <p:style>
+                <a:lnRef idx="2">
+                  <a:schemeClr val="accent1">
+                    <a:shade val="50000"/>
+                  </a:schemeClr>
+                </a:lnRef>
+                <a:fillRef idx="1">
+                  <a:schemeClr val="accent1"/>
+                </a:fillRef>
+                <a:effectRef idx="0">
+                  <a:schemeClr val="accent1"/>
+                </a:effectRef>
+                <a:fontRef idx="minor">
+                  <a:schemeClr val="lt1"/>
+                </a:fontRef>
+              </p:style>
+              <p:txBody>
+                <a:bodyPr rtlCol="0" anchor="ctr"/>
+                <a:lstStyle/>
+                <a:p>
+                  <a:pPr algn="ctr"/>
+                  <a:endParaRPr lang="es-ES"/>
+                </a:p>
+              </p:txBody>
+            </p:sp>
+            <p:cxnSp>
+              <p:nvCxnSpPr>
+                <p:cNvPr id="55" name="Conector recto 54">
+                  <a:extLst>
+                    <a:ext uri="{FF2B5EF4-FFF2-40B4-BE49-F238E27FC236}">
+                      <a16:creationId xmlns:a16="http://schemas.microsoft.com/office/drawing/2014/main" id="{83CB7C1F-7B69-4379-9ACE-B3F7D55CA24A}"/>
+                    </a:ext>
+                  </a:extLst>
+                </p:cNvPr>
+                <p:cNvCxnSpPr>
+                  <a:cxnSpLocks/>
+                </p:cNvCxnSpPr>
+                <p:nvPr/>
+              </p:nvCxnSpPr>
+              <p:spPr>
+                <a:xfrm>
+                  <a:off x="9316390" y="3684505"/>
+                  <a:ext cx="1761185" cy="0"/>
+                </a:xfrm>
+                <a:prstGeom prst="line">
+                  <a:avLst/>
+                </a:prstGeom>
+                <a:noFill/>
+                <a:ln w="38100">
+                  <a:solidFill>
+                    <a:srgbClr val="000000"/>
+                  </a:solidFill>
+                  <a:prstDash val="dash"/>
+                </a:ln>
+              </p:spPr>
+              <p:style>
+                <a:lnRef idx="2">
+                  <a:schemeClr val="accent1">
+                    <a:shade val="50000"/>
+                  </a:schemeClr>
+                </a:lnRef>
+                <a:fillRef idx="1">
+                  <a:schemeClr val="accent1"/>
+                </a:fillRef>
+                <a:effectRef idx="0">
+                  <a:schemeClr val="accent1"/>
+                </a:effectRef>
+                <a:fontRef idx="minor">
+                  <a:schemeClr val="lt1"/>
+                </a:fontRef>
+              </p:style>
+            </p:cxnSp>
+            <p:cxnSp>
+              <p:nvCxnSpPr>
+                <p:cNvPr id="56" name="Conector recto 55">
+                  <a:extLst>
+                    <a:ext uri="{FF2B5EF4-FFF2-40B4-BE49-F238E27FC236}">
+                      <a16:creationId xmlns:a16="http://schemas.microsoft.com/office/drawing/2014/main" id="{4548847C-6B7D-4D1D-A805-44049B0FCCF3}"/>
+                    </a:ext>
+                  </a:extLst>
+                </p:cNvPr>
+                <p:cNvCxnSpPr>
+                  <a:cxnSpLocks/>
+                </p:cNvCxnSpPr>
+                <p:nvPr/>
+              </p:nvCxnSpPr>
+              <p:spPr>
+                <a:xfrm>
+                  <a:off x="9374810" y="5423680"/>
+                  <a:ext cx="1761185" cy="0"/>
+                </a:xfrm>
+                <a:prstGeom prst="line">
+                  <a:avLst/>
+                </a:prstGeom>
+                <a:noFill/>
+                <a:ln w="38100">
+                  <a:solidFill>
+                    <a:srgbClr val="000000"/>
+                  </a:solidFill>
+                  <a:prstDash val="dash"/>
+                </a:ln>
+              </p:spPr>
+              <p:style>
+                <a:lnRef idx="2">
+                  <a:schemeClr val="accent1">
+                    <a:shade val="50000"/>
+                  </a:schemeClr>
+                </a:lnRef>
+                <a:fillRef idx="1">
+                  <a:schemeClr val="accent1"/>
+                </a:fillRef>
+                <a:effectRef idx="0">
+                  <a:schemeClr val="accent1"/>
+                </a:effectRef>
+                <a:fontRef idx="minor">
+                  <a:schemeClr val="lt1"/>
+                </a:fontRef>
+              </p:style>
+            </p:cxnSp>
+          </p:grpSp>
+          <p:sp>
+            <p:nvSpPr>
+              <p:cNvPr id="52" name="Rectángulo: esquinas redondeadas 51">
+                <a:extLst>
+                  <a:ext uri="{FF2B5EF4-FFF2-40B4-BE49-F238E27FC236}">
+                    <a16:creationId xmlns:a16="http://schemas.microsoft.com/office/drawing/2014/main" id="{33507F2F-4CCD-4F6D-9345-1878E7F03CDD}"/>
+                  </a:ext>
+                </a:extLst>
+              </p:cNvPr>
+              <p:cNvSpPr/>
+              <p:nvPr/>
+            </p:nvSpPr>
+            <p:spPr>
+              <a:xfrm>
+                <a:off x="517331" y="1162975"/>
+                <a:ext cx="11336785" cy="5370990"/>
+              </a:xfrm>
+              <a:prstGeom prst="roundRect">
+                <a:avLst/>
+              </a:prstGeom>
+              <a:noFill/>
+              <a:ln w="38100">
+                <a:solidFill>
+                  <a:srgbClr val="053A68"/>
+                </a:solidFill>
+                <a:prstDash val="sysDot"/>
+              </a:ln>
+            </p:spPr>
+            <p:style>
+              <a:lnRef idx="2">
+                <a:schemeClr val="accent1">
+                  <a:shade val="50000"/>
+                </a:schemeClr>
+              </a:lnRef>
+              <a:fillRef idx="1">
+                <a:schemeClr val="accent1"/>
+              </a:fillRef>
+              <a:effectRef idx="0">
+                <a:schemeClr val="accent1"/>
+              </a:effectRef>
+              <a:fontRef idx="minor">
+                <a:schemeClr val="lt1"/>
+              </a:fontRef>
+            </p:style>
+            <p:txBody>
+              <a:bodyPr rtlCol="0" anchor="ctr"/>
+              <a:lstStyle/>
+              <a:p>
+                <a:pPr algn="ctr"/>
+                <a:endParaRPr lang="es-ES"/>
+              </a:p>
+            </p:txBody>
+          </p:sp>
+        </p:grpSp>
+      </p:grpSp>
+      <p:sp>
+        <p:nvSpPr>
+          <p:cNvPr id="83" name="TextShape 2">
+            <a:extLst>
+              <a:ext uri="{FF2B5EF4-FFF2-40B4-BE49-F238E27FC236}">
+                <a16:creationId xmlns:a16="http://schemas.microsoft.com/office/drawing/2014/main" id="{F8A957A8-4A3A-470F-9471-D650EC57AA5E}"/>
+              </a:ext>
+            </a:extLst>
+          </p:cNvPr>
           <p:cNvSpPr txBox="1"/>
           <p:nvPr/>
         </p:nvSpPr>
         <p:spPr>
           <a:xfrm>
-            <a:off x="4712040" y="352080"/>
-            <a:ext cx="2767680" cy="813960"/>
+            <a:off x="2817360" y="135720"/>
+            <a:ext cx="6676920" cy="813960"/>
           </a:xfrm>
           <a:prstGeom prst="rect">
             <a:avLst/>
@@ -7166,7 +9914,9 @@
           </a:ln>
         </p:spPr>
         <p:txBody>
-          <a:bodyPr anchor="ctr"/>
+          <a:bodyPr anchor="ctr">
+            <a:normAutofit/>
+          </a:bodyPr>
           <a:lstStyle/>
           <a:p>
             <a:pPr>
@@ -7175,1157 +9925,28 @@
               </a:lnSpc>
             </a:pPr>
             <a:r>
-              <a:rPr lang="es-ES" sz="4400" b="0" strike="noStrike" spc="-1">
+              <a:rPr lang="es-ES" sz="4400" b="0" strike="noStrike" spc="-1" dirty="0">
                 <a:solidFill>
                   <a:srgbClr val="000000"/>
                 </a:solidFill>
-                <a:latin typeface="LM Roman 10"/>
+                <a:latin typeface="Calibri" panose="020F0502020204030204" pitchFamily="34" charset="0"/>
+                <a:cs typeface="Calibri" panose="020F0502020204030204" pitchFamily="34" charset="0"/>
               </a:rPr>
-              <a:t>Modelo</a:t>
+              <a:t>Herramientas utilizadas </a:t>
             </a:r>
-            <a:endParaRPr lang="es-ES" sz="4400" b="0" strike="noStrike" spc="-1">
-              <a:solidFill>
-                <a:srgbClr val="000000"/>
-              </a:solidFill>
-              <a:latin typeface="Calibri"/>
-            </a:endParaRPr>
           </a:p>
         </p:txBody>
       </p:sp>
-      <p:sp>
-        <p:nvSpPr>
-          <p:cNvPr id="122" name="CustomShape 2"/>
-          <p:cNvSpPr/>
-          <p:nvPr/>
-        </p:nvSpPr>
-        <p:spPr>
-          <a:xfrm>
-            <a:off x="1409400" y="1404720"/>
-            <a:ext cx="9672120" cy="4956120"/>
-          </a:xfrm>
-          <a:prstGeom prst="rect">
-            <a:avLst/>
-          </a:prstGeom>
-          <a:noFill/>
-          <a:ln w="38160">
-            <a:solidFill>
-              <a:schemeClr val="tx1"/>
-            </a:solidFill>
-          </a:ln>
-        </p:spPr>
-        <p:style>
-          <a:lnRef idx="2">
-            <a:schemeClr val="accent1">
-              <a:shade val="50000"/>
-            </a:schemeClr>
-          </a:lnRef>
-          <a:fillRef idx="1">
-            <a:schemeClr val="accent1"/>
-          </a:fillRef>
-          <a:effectRef idx="0">
-            <a:schemeClr val="accent1"/>
-          </a:effectRef>
-          <a:fontRef idx="minor"/>
-        </p:style>
-      </p:sp>
-      <p:sp>
-        <p:nvSpPr>
-          <p:cNvPr id="123" name="CustomShape 3"/>
-          <p:cNvSpPr/>
-          <p:nvPr/>
-        </p:nvSpPr>
-        <p:spPr>
-          <a:xfrm>
-            <a:off x="4591440" y="2823120"/>
-            <a:ext cx="1601280" cy="2245680"/>
-          </a:xfrm>
-          <a:prstGeom prst="rect">
-            <a:avLst/>
-          </a:prstGeom>
-          <a:noFill/>
-          <a:ln w="38160">
-            <a:solidFill>
-              <a:schemeClr val="tx1"/>
-            </a:solidFill>
-          </a:ln>
-        </p:spPr>
-        <p:style>
-          <a:lnRef idx="2">
-            <a:schemeClr val="accent1">
-              <a:shade val="50000"/>
-            </a:schemeClr>
-          </a:lnRef>
-          <a:fillRef idx="1">
-            <a:schemeClr val="accent1"/>
-          </a:fillRef>
-          <a:effectRef idx="0">
-            <a:schemeClr val="accent1"/>
-          </a:effectRef>
-          <a:fontRef idx="minor"/>
-        </p:style>
-      </p:sp>
-      <p:sp>
-        <p:nvSpPr>
-          <p:cNvPr id="124" name="CustomShape 4"/>
-          <p:cNvSpPr/>
-          <p:nvPr/>
-        </p:nvSpPr>
-        <p:spPr>
-          <a:xfrm>
-            <a:off x="6755760" y="2906280"/>
-            <a:ext cx="1666440" cy="2284200"/>
-          </a:xfrm>
-          <a:prstGeom prst="rect">
-            <a:avLst/>
-          </a:prstGeom>
-          <a:noFill/>
-          <a:ln>
-            <a:noFill/>
-          </a:ln>
-        </p:spPr>
-        <p:style>
-          <a:lnRef idx="0">
-            <a:scrgbClr r="0" g="0" b="0"/>
-          </a:lnRef>
-          <a:fillRef idx="0">
-            <a:scrgbClr r="0" g="0" b="0"/>
-          </a:fillRef>
-          <a:effectRef idx="0">
-            <a:scrgbClr r="0" g="0" b="0"/>
-          </a:effectRef>
-          <a:fontRef idx="minor"/>
-        </p:style>
-        <p:txBody>
-          <a:bodyPr lIns="90000" tIns="45000" rIns="90000" bIns="45000"/>
-          <a:lstStyle/>
-          <a:p>
-            <a:pPr>
-              <a:lnSpc>
-                <a:spcPct val="100000"/>
-              </a:lnSpc>
-            </a:pPr>
-            <a:r>
-              <a:rPr lang="es-ES" sz="1800" b="0" strike="noStrike" spc="-1">
-                <a:solidFill>
-                  <a:srgbClr val="000000"/>
-                </a:solidFill>
-                <a:latin typeface="LM Roman 10"/>
-              </a:rPr>
-              <a:t>Definir la función </a:t>
-            </a:r>
-            <a:endParaRPr lang="es-ES" sz="1800" b="0" strike="noStrike" spc="-1">
-              <a:latin typeface="Arial"/>
-            </a:endParaRPr>
-          </a:p>
-          <a:p>
-            <a:pPr>
-              <a:lnSpc>
-                <a:spcPct val="100000"/>
-              </a:lnSpc>
-            </a:pPr>
-            <a:r>
-              <a:rPr lang="es-ES" sz="1800" b="0" strike="noStrike" spc="-1">
-                <a:solidFill>
-                  <a:srgbClr val="000000"/>
-                </a:solidFill>
-                <a:latin typeface="LM Roman 10"/>
-              </a:rPr>
-              <a:t>Objetivo (aka fitness</a:t>
-            </a:r>
-            <a:endParaRPr lang="es-ES" sz="1800" b="0" strike="noStrike" spc="-1">
-              <a:latin typeface="Arial"/>
-            </a:endParaRPr>
-          </a:p>
-          <a:p>
-            <a:pPr>
-              <a:lnSpc>
-                <a:spcPct val="100000"/>
-              </a:lnSpc>
-            </a:pPr>
-            <a:r>
-              <a:rPr lang="es-ES" sz="1800" b="0" strike="noStrike" spc="-1">
-                <a:solidFill>
-                  <a:srgbClr val="000000"/>
-                </a:solidFill>
-                <a:latin typeface="LM Roman 10"/>
-              </a:rPr>
-              <a:t>Function) y las </a:t>
-            </a:r>
-            <a:endParaRPr lang="es-ES" sz="1800" b="0" strike="noStrike" spc="-1">
-              <a:latin typeface="Arial"/>
-            </a:endParaRPr>
-          </a:p>
-          <a:p>
-            <a:pPr>
-              <a:lnSpc>
-                <a:spcPct val="100000"/>
-              </a:lnSpc>
-            </a:pPr>
-            <a:r>
-              <a:rPr lang="es-ES" sz="1800" b="0" strike="noStrike" spc="-1">
-                <a:solidFill>
-                  <a:srgbClr val="000000"/>
-                </a:solidFill>
-                <a:latin typeface="LM Roman 10"/>
-              </a:rPr>
-              <a:t>Restricciones.</a:t>
-            </a:r>
-            <a:endParaRPr lang="es-ES" sz="1800" b="0" strike="noStrike" spc="-1">
-              <a:latin typeface="Arial"/>
-            </a:endParaRPr>
-          </a:p>
-        </p:txBody>
-      </p:sp>
-      <p:sp>
-        <p:nvSpPr>
-          <p:cNvPr id="125" name="CustomShape 5"/>
-          <p:cNvSpPr/>
-          <p:nvPr/>
-        </p:nvSpPr>
-        <p:spPr>
-          <a:xfrm>
-            <a:off x="285120" y="3882960"/>
-            <a:ext cx="1123920" cy="360"/>
-          </a:xfrm>
-          <a:custGeom>
-            <a:avLst/>
-            <a:gdLst/>
-            <a:ahLst/>
-            <a:cxnLst/>
-            <a:rect l="l" t="t" r="r" b="b"/>
-            <a:pathLst>
-              <a:path w="21600" h="21600">
-                <a:moveTo>
-                  <a:pt x="0" y="0"/>
-                </a:moveTo>
-                <a:lnTo>
-                  <a:pt x="21600" y="21600"/>
-                </a:lnTo>
-              </a:path>
-            </a:pathLst>
-          </a:custGeom>
-          <a:noFill/>
-          <a:ln w="38160">
-            <a:tailEnd type="triangle" w="med" len="med"/>
-          </a:ln>
-        </p:spPr>
-        <p:style>
-          <a:lnRef idx="1">
-            <a:schemeClr val="dk1"/>
-          </a:lnRef>
-          <a:fillRef idx="0">
-            <a:schemeClr val="dk1"/>
-          </a:fillRef>
-          <a:effectRef idx="0">
-            <a:schemeClr val="dk1"/>
-          </a:effectRef>
-          <a:fontRef idx="minor"/>
-        </p:style>
-      </p:sp>
-      <p:sp>
-        <p:nvSpPr>
-          <p:cNvPr id="126" name="CustomShape 6"/>
-          <p:cNvSpPr/>
-          <p:nvPr/>
-        </p:nvSpPr>
-        <p:spPr>
-          <a:xfrm>
-            <a:off x="4102200" y="2055600"/>
-            <a:ext cx="6579720" cy="3489480"/>
-          </a:xfrm>
-          <a:prstGeom prst="rect">
-            <a:avLst/>
-          </a:prstGeom>
-          <a:noFill/>
-          <a:ln w="38160">
-            <a:solidFill>
-              <a:schemeClr val="tx1"/>
-            </a:solidFill>
-          </a:ln>
-        </p:spPr>
-        <p:style>
-          <a:lnRef idx="2">
-            <a:schemeClr val="accent1">
-              <a:shade val="50000"/>
-            </a:schemeClr>
-          </a:lnRef>
-          <a:fillRef idx="1">
-            <a:schemeClr val="accent1"/>
-          </a:fillRef>
-          <a:effectRef idx="0">
-            <a:schemeClr val="accent1"/>
-          </a:effectRef>
-          <a:fontRef idx="minor"/>
-        </p:style>
-      </p:sp>
-      <p:sp>
-        <p:nvSpPr>
-          <p:cNvPr id="127" name="CustomShape 7"/>
-          <p:cNvSpPr/>
-          <p:nvPr/>
-        </p:nvSpPr>
-        <p:spPr>
-          <a:xfrm>
-            <a:off x="4677840" y="2231280"/>
-            <a:ext cx="5844240" cy="364680"/>
-          </a:xfrm>
-          <a:prstGeom prst="rect">
-            <a:avLst/>
-          </a:prstGeom>
-          <a:noFill/>
-          <a:ln>
-            <a:noFill/>
-          </a:ln>
-        </p:spPr>
-        <p:style>
-          <a:lnRef idx="0">
-            <a:scrgbClr r="0" g="0" b="0"/>
-          </a:lnRef>
-          <a:fillRef idx="0">
-            <a:scrgbClr r="0" g="0" b="0"/>
-          </a:fillRef>
-          <a:effectRef idx="0">
-            <a:scrgbClr r="0" g="0" b="0"/>
-          </a:effectRef>
-          <a:fontRef idx="minor"/>
-        </p:style>
-        <p:txBody>
-          <a:bodyPr wrap="none" lIns="90000" tIns="45000" rIns="90000" bIns="45000"/>
-          <a:lstStyle/>
-          <a:p>
-            <a:pPr>
-              <a:lnSpc>
-                <a:spcPct val="100000"/>
-              </a:lnSpc>
-            </a:pPr>
-            <a:r>
-              <a:rPr lang="es-ES" sz="1800" b="0" strike="noStrike" spc="-1">
-                <a:solidFill>
-                  <a:srgbClr val="000000"/>
-                </a:solidFill>
-                <a:latin typeface="LM Roman 10"/>
-              </a:rPr>
-              <a:t>Modelo optimización ruta -&gt; Problema del viajero</a:t>
-            </a:r>
-            <a:endParaRPr lang="es-ES" sz="1800" b="0" strike="noStrike" spc="-1">
-              <a:latin typeface="Arial"/>
-            </a:endParaRPr>
-          </a:p>
-        </p:txBody>
-      </p:sp>
-      <p:sp>
-        <p:nvSpPr>
-          <p:cNvPr id="128" name="CustomShape 8"/>
-          <p:cNvSpPr/>
-          <p:nvPr/>
-        </p:nvSpPr>
-        <p:spPr>
-          <a:xfrm>
-            <a:off x="1641960" y="2055600"/>
-            <a:ext cx="1393560" cy="3489480"/>
-          </a:xfrm>
-          <a:prstGeom prst="rect">
-            <a:avLst/>
-          </a:prstGeom>
-          <a:noFill/>
-          <a:ln w="38160">
-            <a:solidFill>
-              <a:schemeClr val="tx1"/>
-            </a:solidFill>
-          </a:ln>
-        </p:spPr>
-        <p:style>
-          <a:lnRef idx="2">
-            <a:schemeClr val="accent1">
-              <a:shade val="50000"/>
-            </a:schemeClr>
-          </a:lnRef>
-          <a:fillRef idx="1">
-            <a:schemeClr val="accent1"/>
-          </a:fillRef>
-          <a:effectRef idx="0">
-            <a:schemeClr val="accent1"/>
-          </a:effectRef>
-          <a:fontRef idx="minor"/>
-        </p:style>
-      </p:sp>
-      <p:sp>
-        <p:nvSpPr>
-          <p:cNvPr id="129" name="CustomShape 9"/>
-          <p:cNvSpPr/>
-          <p:nvPr/>
-        </p:nvSpPr>
-        <p:spPr>
-          <a:xfrm>
-            <a:off x="1712520" y="2116080"/>
-            <a:ext cx="1329480" cy="3930120"/>
-          </a:xfrm>
-          <a:prstGeom prst="rect">
-            <a:avLst/>
-          </a:prstGeom>
-          <a:noFill/>
-          <a:ln>
-            <a:noFill/>
-          </a:ln>
-        </p:spPr>
-        <p:style>
-          <a:lnRef idx="0">
-            <a:scrgbClr r="0" g="0" b="0"/>
-          </a:lnRef>
-          <a:fillRef idx="0">
-            <a:scrgbClr r="0" g="0" b="0"/>
-          </a:fillRef>
-          <a:effectRef idx="0">
-            <a:scrgbClr r="0" g="0" b="0"/>
-          </a:effectRef>
-          <a:fontRef idx="minor"/>
-        </p:style>
-        <p:txBody>
-          <a:bodyPr lIns="90000" tIns="45000" rIns="90000" bIns="45000"/>
-          <a:lstStyle/>
-          <a:p>
-            <a:pPr>
-              <a:lnSpc>
-                <a:spcPct val="100000"/>
-              </a:lnSpc>
-            </a:pPr>
-            <a:r>
-              <a:rPr lang="es-ES" sz="1800" b="0" strike="noStrike" spc="-1">
-                <a:solidFill>
-                  <a:srgbClr val="000000"/>
-                </a:solidFill>
-                <a:latin typeface="LM Roman 10"/>
-              </a:rPr>
-              <a:t>Predicción modelo ML puntos de recarga: predecir cuales son los puntos de recarga adicionales que convendría instalar.</a:t>
-            </a:r>
-            <a:endParaRPr lang="es-ES" sz="1800" b="0" strike="noStrike" spc="-1">
-              <a:latin typeface="Arial"/>
-            </a:endParaRPr>
-          </a:p>
-        </p:txBody>
-      </p:sp>
-      <p:sp>
-        <p:nvSpPr>
-          <p:cNvPr id="130" name="CustomShape 10"/>
-          <p:cNvSpPr/>
-          <p:nvPr/>
-        </p:nvSpPr>
-        <p:spPr>
-          <a:xfrm>
-            <a:off x="6682320" y="2820960"/>
-            <a:ext cx="1666440" cy="2247840"/>
-          </a:xfrm>
-          <a:prstGeom prst="rect">
-            <a:avLst/>
-          </a:prstGeom>
-          <a:noFill/>
-          <a:ln w="38160">
-            <a:solidFill>
-              <a:schemeClr val="tx1"/>
-            </a:solidFill>
-          </a:ln>
-        </p:spPr>
-        <p:style>
-          <a:lnRef idx="2">
-            <a:schemeClr val="accent1">
-              <a:shade val="50000"/>
-            </a:schemeClr>
-          </a:lnRef>
-          <a:fillRef idx="1">
-            <a:schemeClr val="accent1"/>
-          </a:fillRef>
-          <a:effectRef idx="0">
-            <a:schemeClr val="accent1"/>
-          </a:effectRef>
-          <a:fontRef idx="minor"/>
-        </p:style>
-      </p:sp>
-      <p:sp>
-        <p:nvSpPr>
-          <p:cNvPr id="131" name="CustomShape 11"/>
-          <p:cNvSpPr/>
-          <p:nvPr/>
-        </p:nvSpPr>
-        <p:spPr>
-          <a:xfrm>
-            <a:off x="8783280" y="2823120"/>
-            <a:ext cx="1666440" cy="2245680"/>
-          </a:xfrm>
-          <a:prstGeom prst="rect">
-            <a:avLst/>
-          </a:prstGeom>
-          <a:noFill/>
-          <a:ln w="38160">
-            <a:solidFill>
-              <a:schemeClr val="tx1"/>
-            </a:solidFill>
-          </a:ln>
-        </p:spPr>
-        <p:style>
-          <a:lnRef idx="2">
-            <a:schemeClr val="accent1">
-              <a:shade val="50000"/>
-            </a:schemeClr>
-          </a:lnRef>
-          <a:fillRef idx="1">
-            <a:schemeClr val="accent1"/>
-          </a:fillRef>
-          <a:effectRef idx="0">
-            <a:schemeClr val="accent1"/>
-          </a:effectRef>
-          <a:fontRef idx="minor"/>
-        </p:style>
-      </p:sp>
-      <p:sp>
-        <p:nvSpPr>
-          <p:cNvPr id="132" name="CustomShape 12"/>
-          <p:cNvSpPr/>
-          <p:nvPr/>
-        </p:nvSpPr>
-        <p:spPr>
-          <a:xfrm>
-            <a:off x="11081880" y="2708280"/>
-            <a:ext cx="947520" cy="360"/>
-          </a:xfrm>
-          <a:custGeom>
-            <a:avLst/>
-            <a:gdLst/>
-            <a:ahLst/>
-            <a:cxnLst/>
-            <a:rect l="l" t="t" r="r" b="b"/>
-            <a:pathLst>
-              <a:path w="21600" h="21600">
-                <a:moveTo>
-                  <a:pt x="0" y="0"/>
-                </a:moveTo>
-                <a:lnTo>
-                  <a:pt x="21600" y="21600"/>
-                </a:lnTo>
-              </a:path>
-            </a:pathLst>
-          </a:custGeom>
-          <a:noFill/>
-          <a:ln w="38160">
-            <a:solidFill>
-              <a:srgbClr val="FF0000"/>
-            </a:solidFill>
-            <a:tailEnd type="triangle" w="med" len="med"/>
-          </a:ln>
-        </p:spPr>
-        <p:style>
-          <a:lnRef idx="1">
-            <a:schemeClr val="dk1"/>
-          </a:lnRef>
-          <a:fillRef idx="0">
-            <a:schemeClr val="dk1"/>
-          </a:fillRef>
-          <a:effectRef idx="0">
-            <a:schemeClr val="dk1"/>
-          </a:effectRef>
-          <a:fontRef idx="minor"/>
-        </p:style>
-      </p:sp>
-      <p:sp>
-        <p:nvSpPr>
-          <p:cNvPr id="133" name="CustomShape 13"/>
-          <p:cNvSpPr/>
-          <p:nvPr/>
-        </p:nvSpPr>
-        <p:spPr>
-          <a:xfrm>
-            <a:off x="3039120" y="2906280"/>
-            <a:ext cx="1062720" cy="22680"/>
-          </a:xfrm>
-          <a:custGeom>
-            <a:avLst/>
-            <a:gdLst/>
-            <a:ahLst/>
-            <a:cxnLst/>
-            <a:rect l="l" t="t" r="r" b="b"/>
-            <a:pathLst>
-              <a:path w="21600" h="21600">
-                <a:moveTo>
-                  <a:pt x="0" y="0"/>
-                </a:moveTo>
-                <a:lnTo>
-                  <a:pt x="21600" y="21600"/>
-                </a:lnTo>
-              </a:path>
-            </a:pathLst>
-          </a:custGeom>
-          <a:noFill/>
-          <a:ln w="38160">
-            <a:solidFill>
-              <a:srgbClr val="FF0000"/>
-            </a:solidFill>
-            <a:tailEnd type="triangle" w="med" len="med"/>
-          </a:ln>
-        </p:spPr>
-        <p:style>
-          <a:lnRef idx="1">
-            <a:schemeClr val="dk1"/>
-          </a:lnRef>
-          <a:fillRef idx="0">
-            <a:schemeClr val="dk1"/>
-          </a:fillRef>
-          <a:effectRef idx="0">
-            <a:schemeClr val="dk1"/>
-          </a:effectRef>
-          <a:fontRef idx="minor"/>
-        </p:style>
-      </p:sp>
-      <p:sp>
-        <p:nvSpPr>
-          <p:cNvPr id="134" name="CustomShape 14"/>
-          <p:cNvSpPr/>
-          <p:nvPr/>
-        </p:nvSpPr>
-        <p:spPr>
-          <a:xfrm>
-            <a:off x="3042360" y="4530240"/>
-            <a:ext cx="1059480" cy="360"/>
-          </a:xfrm>
-          <a:custGeom>
-            <a:avLst/>
-            <a:gdLst/>
-            <a:ahLst/>
-            <a:cxnLst/>
-            <a:rect l="l" t="t" r="r" b="b"/>
-            <a:pathLst>
-              <a:path w="21600" h="21600">
-                <a:moveTo>
-                  <a:pt x="0" y="0"/>
-                </a:moveTo>
-                <a:lnTo>
-                  <a:pt x="21600" y="21600"/>
-                </a:lnTo>
-              </a:path>
-            </a:pathLst>
-          </a:custGeom>
-          <a:noFill/>
-          <a:ln w="38160">
-            <a:solidFill>
-              <a:srgbClr val="00B0F0"/>
-            </a:solidFill>
-            <a:tailEnd type="triangle" w="med" len="med"/>
-          </a:ln>
-        </p:spPr>
-        <p:style>
-          <a:lnRef idx="1">
-            <a:schemeClr val="dk1"/>
-          </a:lnRef>
-          <a:fillRef idx="0">
-            <a:schemeClr val="dk1"/>
-          </a:fillRef>
-          <a:effectRef idx="0">
-            <a:schemeClr val="dk1"/>
-          </a:effectRef>
-          <a:fontRef idx="minor"/>
-        </p:style>
-      </p:sp>
-      <p:sp>
-        <p:nvSpPr>
-          <p:cNvPr id="135" name="CustomShape 15"/>
-          <p:cNvSpPr/>
-          <p:nvPr/>
-        </p:nvSpPr>
-        <p:spPr>
-          <a:xfrm>
-            <a:off x="8868960" y="2929320"/>
-            <a:ext cx="1666440" cy="2010600"/>
-          </a:xfrm>
-          <a:prstGeom prst="rect">
-            <a:avLst/>
-          </a:prstGeom>
-          <a:noFill/>
-          <a:ln>
-            <a:noFill/>
-          </a:ln>
-        </p:spPr>
-        <p:style>
-          <a:lnRef idx="0">
-            <a:scrgbClr r="0" g="0" b="0"/>
-          </a:lnRef>
-          <a:fillRef idx="0">
-            <a:scrgbClr r="0" g="0" b="0"/>
-          </a:fillRef>
-          <a:effectRef idx="0">
-            <a:scrgbClr r="0" g="0" b="0"/>
-          </a:effectRef>
-          <a:fontRef idx="minor"/>
-        </p:style>
-        <p:txBody>
-          <a:bodyPr lIns="90000" tIns="45000" rIns="90000" bIns="45000"/>
-          <a:lstStyle/>
-          <a:p>
-            <a:pPr>
-              <a:lnSpc>
-                <a:spcPct val="100000"/>
-              </a:lnSpc>
-            </a:pPr>
-            <a:r>
-              <a:rPr lang="es-ES" sz="1800" b="0" strike="noStrike" spc="-1">
-                <a:solidFill>
-                  <a:srgbClr val="000000"/>
-                </a:solidFill>
-                <a:latin typeface="LM Roman 10"/>
-              </a:rPr>
-              <a:t>Aplicar el modelo de optimización al problema definido y obtener ruta deseada.</a:t>
-            </a:r>
-            <a:endParaRPr lang="es-ES" sz="1800" b="0" strike="noStrike" spc="-1">
-              <a:latin typeface="Arial"/>
-            </a:endParaRPr>
-          </a:p>
-        </p:txBody>
-      </p:sp>
-      <p:sp>
-        <p:nvSpPr>
-          <p:cNvPr id="136" name="CustomShape 16"/>
-          <p:cNvSpPr/>
-          <p:nvPr/>
-        </p:nvSpPr>
-        <p:spPr>
-          <a:xfrm>
-            <a:off x="4591440" y="2946960"/>
-            <a:ext cx="1601280" cy="2558520"/>
-          </a:xfrm>
-          <a:prstGeom prst="rect">
-            <a:avLst/>
-          </a:prstGeom>
-          <a:noFill/>
-          <a:ln>
-            <a:noFill/>
-          </a:ln>
-        </p:spPr>
-        <p:style>
-          <a:lnRef idx="0">
-            <a:scrgbClr r="0" g="0" b="0"/>
-          </a:lnRef>
-          <a:fillRef idx="0">
-            <a:scrgbClr r="0" g="0" b="0"/>
-          </a:fillRef>
-          <a:effectRef idx="0">
-            <a:scrgbClr r="0" g="0" b="0"/>
-          </a:effectRef>
-          <a:fontRef idx="minor"/>
-        </p:style>
-        <p:txBody>
-          <a:bodyPr lIns="90000" tIns="45000" rIns="90000" bIns="45000"/>
-          <a:lstStyle/>
-          <a:p>
-            <a:pPr>
-              <a:lnSpc>
-                <a:spcPct val="100000"/>
-              </a:lnSpc>
-            </a:pPr>
-            <a:r>
-              <a:rPr lang="es-ES" sz="1800" b="0" strike="noStrike" spc="-1">
-                <a:solidFill>
-                  <a:srgbClr val="000000"/>
-                </a:solidFill>
-                <a:latin typeface="LM Roman 10"/>
-              </a:rPr>
-              <a:t>Transformar las variables para adecuarlas al problema de optimización.</a:t>
-            </a:r>
-            <a:endParaRPr lang="es-ES" sz="1800" b="0" strike="noStrike" spc="-1">
-              <a:latin typeface="Arial"/>
-            </a:endParaRPr>
-          </a:p>
-        </p:txBody>
-      </p:sp>
-      <p:sp>
-        <p:nvSpPr>
-          <p:cNvPr id="137" name="CustomShape 17"/>
-          <p:cNvSpPr/>
-          <p:nvPr/>
-        </p:nvSpPr>
-        <p:spPr>
-          <a:xfrm>
-            <a:off x="11081880" y="4861440"/>
-            <a:ext cx="947520" cy="360"/>
-          </a:xfrm>
-          <a:custGeom>
-            <a:avLst/>
-            <a:gdLst/>
-            <a:ahLst/>
-            <a:cxnLst/>
-            <a:rect l="l" t="t" r="r" b="b"/>
-            <a:pathLst>
-              <a:path w="21600" h="21600">
-                <a:moveTo>
-                  <a:pt x="0" y="0"/>
-                </a:moveTo>
-                <a:lnTo>
-                  <a:pt x="21600" y="21600"/>
-                </a:lnTo>
-              </a:path>
-            </a:pathLst>
-          </a:custGeom>
-          <a:noFill/>
-          <a:ln w="38160">
-            <a:solidFill>
-              <a:srgbClr val="00B0F0"/>
-            </a:solidFill>
-            <a:tailEnd type="triangle" w="med" len="med"/>
-          </a:ln>
-        </p:spPr>
-        <p:style>
-          <a:lnRef idx="1">
-            <a:schemeClr val="dk1"/>
-          </a:lnRef>
-          <a:fillRef idx="0">
-            <a:schemeClr val="dk1"/>
-          </a:fillRef>
-          <a:effectRef idx="0">
-            <a:schemeClr val="dk1"/>
-          </a:effectRef>
-          <a:fontRef idx="minor"/>
-        </p:style>
-      </p:sp>
-      <p:sp>
-        <p:nvSpPr>
-          <p:cNvPr id="138" name="CustomShape 18"/>
-          <p:cNvSpPr/>
-          <p:nvPr/>
-        </p:nvSpPr>
-        <p:spPr>
-          <a:xfrm>
-            <a:off x="3112560" y="2242080"/>
-            <a:ext cx="886320" cy="577080"/>
-          </a:xfrm>
-          <a:prstGeom prst="rect">
-            <a:avLst/>
-          </a:prstGeom>
-          <a:noFill/>
-          <a:ln>
-            <a:noFill/>
-          </a:ln>
-        </p:spPr>
-        <p:style>
-          <a:lnRef idx="0">
-            <a:scrgbClr r="0" g="0" b="0"/>
-          </a:lnRef>
-          <a:fillRef idx="0">
-            <a:scrgbClr r="0" g="0" b="0"/>
-          </a:fillRef>
-          <a:effectRef idx="0">
-            <a:scrgbClr r="0" g="0" b="0"/>
-          </a:effectRef>
-          <a:fontRef idx="minor"/>
-        </p:style>
-        <p:txBody>
-          <a:bodyPr lIns="90000" tIns="45000" rIns="90000" bIns="45000"/>
-          <a:lstStyle/>
-          <a:p>
-            <a:pPr>
-              <a:lnSpc>
-                <a:spcPct val="100000"/>
-              </a:lnSpc>
-            </a:pPr>
-            <a:r>
-              <a:rPr lang="es-ES" sz="1600" b="0" strike="noStrike" spc="-1">
-                <a:solidFill>
-                  <a:srgbClr val="FF0000"/>
-                </a:solidFill>
-                <a:latin typeface="LM Roman 10"/>
-              </a:rPr>
-              <a:t>Puntos reales</a:t>
-            </a:r>
-            <a:endParaRPr lang="es-ES" sz="1600" b="0" strike="noStrike" spc="-1">
-              <a:latin typeface="Arial"/>
-            </a:endParaRPr>
-          </a:p>
-        </p:txBody>
-      </p:sp>
-      <p:sp>
-        <p:nvSpPr>
-          <p:cNvPr id="139" name="CustomShape 19"/>
-          <p:cNvSpPr/>
-          <p:nvPr/>
-        </p:nvSpPr>
-        <p:spPr>
-          <a:xfrm>
-            <a:off x="3077640" y="3575520"/>
-            <a:ext cx="1030680" cy="1063080"/>
-          </a:xfrm>
-          <a:prstGeom prst="rect">
-            <a:avLst/>
-          </a:prstGeom>
-          <a:noFill/>
-          <a:ln>
-            <a:noFill/>
-          </a:ln>
-        </p:spPr>
-        <p:style>
-          <a:lnRef idx="0">
-            <a:scrgbClr r="0" g="0" b="0"/>
-          </a:lnRef>
-          <a:fillRef idx="0">
-            <a:scrgbClr r="0" g="0" b="0"/>
-          </a:fillRef>
-          <a:effectRef idx="0">
-            <a:scrgbClr r="0" g="0" b="0"/>
-          </a:effectRef>
-          <a:fontRef idx="minor"/>
-        </p:style>
-        <p:txBody>
-          <a:bodyPr lIns="90000" tIns="45000" rIns="90000" bIns="45000"/>
-          <a:lstStyle/>
-          <a:p>
-            <a:pPr>
-              <a:lnSpc>
-                <a:spcPct val="100000"/>
-              </a:lnSpc>
-            </a:pPr>
-            <a:r>
-              <a:rPr lang="es-ES" sz="1600" b="0" strike="noStrike" spc="-1">
-                <a:solidFill>
-                  <a:srgbClr val="00B0F0"/>
-                </a:solidFill>
-                <a:latin typeface="LM Roman 10"/>
-              </a:rPr>
-              <a:t>Puntos reales + predichos</a:t>
-            </a:r>
-            <a:endParaRPr lang="es-ES" sz="1600" b="0" strike="noStrike" spc="-1">
-              <a:latin typeface="Arial"/>
-            </a:endParaRPr>
-          </a:p>
-        </p:txBody>
-      </p:sp>
-      <p:sp>
-        <p:nvSpPr>
-          <p:cNvPr id="140" name="CustomShape 20"/>
-          <p:cNvSpPr/>
-          <p:nvPr/>
-        </p:nvSpPr>
-        <p:spPr>
-          <a:xfrm>
-            <a:off x="11116800" y="3926160"/>
-            <a:ext cx="1030680" cy="1063080"/>
-          </a:xfrm>
-          <a:prstGeom prst="rect">
-            <a:avLst/>
-          </a:prstGeom>
-          <a:noFill/>
-          <a:ln>
-            <a:noFill/>
-          </a:ln>
-        </p:spPr>
-        <p:style>
-          <a:lnRef idx="0">
-            <a:scrgbClr r="0" g="0" b="0"/>
-          </a:lnRef>
-          <a:fillRef idx="0">
-            <a:scrgbClr r="0" g="0" b="0"/>
-          </a:fillRef>
-          <a:effectRef idx="0">
-            <a:scrgbClr r="0" g="0" b="0"/>
-          </a:effectRef>
-          <a:fontRef idx="minor"/>
-        </p:style>
-        <p:txBody>
-          <a:bodyPr lIns="90000" tIns="45000" rIns="90000" bIns="45000"/>
-          <a:lstStyle/>
-          <a:p>
-            <a:pPr>
-              <a:lnSpc>
-                <a:spcPct val="100000"/>
-              </a:lnSpc>
-            </a:pPr>
-            <a:r>
-              <a:rPr lang="es-ES" sz="1600" b="0" strike="noStrike" spc="-1">
-                <a:solidFill>
-                  <a:srgbClr val="00B0F0"/>
-                </a:solidFill>
-                <a:latin typeface="LM Roman 10"/>
-              </a:rPr>
-              <a:t>Puntos reales + predichos</a:t>
-            </a:r>
-            <a:endParaRPr lang="es-ES" sz="1600" b="0" strike="noStrike" spc="-1">
-              <a:latin typeface="Arial"/>
-            </a:endParaRPr>
-          </a:p>
-        </p:txBody>
-      </p:sp>
-      <p:sp>
-        <p:nvSpPr>
-          <p:cNvPr id="141" name="CustomShape 21"/>
-          <p:cNvSpPr/>
-          <p:nvPr/>
-        </p:nvSpPr>
-        <p:spPr>
-          <a:xfrm>
-            <a:off x="11189160" y="1277280"/>
-            <a:ext cx="886320" cy="1307160"/>
-          </a:xfrm>
-          <a:prstGeom prst="rect">
-            <a:avLst/>
-          </a:prstGeom>
-          <a:noFill/>
-          <a:ln>
-            <a:noFill/>
-          </a:ln>
-        </p:spPr>
-        <p:style>
-          <a:lnRef idx="0">
-            <a:scrgbClr r="0" g="0" b="0"/>
-          </a:lnRef>
-          <a:fillRef idx="0">
-            <a:scrgbClr r="0" g="0" b="0"/>
-          </a:fillRef>
-          <a:effectRef idx="0">
-            <a:scrgbClr r="0" g="0" b="0"/>
-          </a:effectRef>
-          <a:fontRef idx="minor"/>
-        </p:style>
-        <p:txBody>
-          <a:bodyPr lIns="90000" tIns="45000" rIns="90000" bIns="45000"/>
-          <a:lstStyle/>
-          <a:p>
-            <a:pPr>
-              <a:lnSpc>
-                <a:spcPct val="100000"/>
-              </a:lnSpc>
-            </a:pPr>
-            <a:r>
-              <a:rPr lang="es-ES" sz="1600" b="0" strike="noStrike" spc="-1">
-                <a:solidFill>
-                  <a:srgbClr val="FF0000"/>
-                </a:solidFill>
-                <a:latin typeface="LM Roman 10"/>
-              </a:rPr>
-              <a:t>Ruta óptima con puntos reales</a:t>
-            </a:r>
-            <a:endParaRPr lang="es-ES" sz="1600" b="0" strike="noStrike" spc="-1">
-              <a:latin typeface="Arial"/>
-            </a:endParaRPr>
-          </a:p>
-        </p:txBody>
-      </p:sp>
-      <p:sp>
-        <p:nvSpPr>
-          <p:cNvPr id="142" name="CustomShape 22"/>
-          <p:cNvSpPr/>
-          <p:nvPr/>
-        </p:nvSpPr>
-        <p:spPr>
-          <a:xfrm>
-            <a:off x="6193080" y="3944880"/>
-            <a:ext cx="488880" cy="360"/>
-          </a:xfrm>
-          <a:custGeom>
-            <a:avLst/>
-            <a:gdLst/>
-            <a:ahLst/>
-            <a:cxnLst/>
-            <a:rect l="l" t="t" r="r" b="b"/>
-            <a:pathLst>
-              <a:path w="21600" h="21600">
-                <a:moveTo>
-                  <a:pt x="0" y="0"/>
-                </a:moveTo>
-                <a:lnTo>
-                  <a:pt x="21600" y="21600"/>
-                </a:lnTo>
-              </a:path>
-            </a:pathLst>
-          </a:custGeom>
-          <a:noFill/>
-          <a:ln w="38160">
-            <a:tailEnd type="triangle" w="med" len="med"/>
-          </a:ln>
-        </p:spPr>
-        <p:style>
-          <a:lnRef idx="1">
-            <a:schemeClr val="dk1"/>
-          </a:lnRef>
-          <a:fillRef idx="0">
-            <a:schemeClr val="dk1"/>
-          </a:fillRef>
-          <a:effectRef idx="0">
-            <a:schemeClr val="dk1"/>
-          </a:effectRef>
-          <a:fontRef idx="minor"/>
-        </p:style>
-      </p:sp>
-      <p:sp>
-        <p:nvSpPr>
-          <p:cNvPr id="143" name="CustomShape 23"/>
-          <p:cNvSpPr/>
-          <p:nvPr/>
-        </p:nvSpPr>
-        <p:spPr>
-          <a:xfrm>
-            <a:off x="8349480" y="3944880"/>
-            <a:ext cx="433800" cy="720"/>
-          </a:xfrm>
-          <a:custGeom>
-            <a:avLst/>
-            <a:gdLst/>
-            <a:ahLst/>
-            <a:cxnLst/>
-            <a:rect l="l" t="t" r="r" b="b"/>
-            <a:pathLst>
-              <a:path w="21600" h="21600">
-                <a:moveTo>
-                  <a:pt x="0" y="0"/>
-                </a:moveTo>
-                <a:lnTo>
-                  <a:pt x="21600" y="21600"/>
-                </a:lnTo>
-              </a:path>
-            </a:pathLst>
-          </a:custGeom>
-          <a:noFill/>
-          <a:ln w="38160">
-            <a:tailEnd type="triangle" w="med" len="med"/>
-          </a:ln>
-        </p:spPr>
-        <p:style>
-          <a:lnRef idx="1">
-            <a:schemeClr val="dk1"/>
-          </a:lnRef>
-          <a:fillRef idx="0">
-            <a:schemeClr val="dk1"/>
-          </a:fillRef>
-          <a:effectRef idx="0">
-            <a:schemeClr val="dk1"/>
-          </a:effectRef>
-          <a:fontRef idx="minor"/>
-        </p:style>
-      </p:sp>
     </p:spTree>
+    <p:extLst>
+      <p:ext uri="{BB962C8B-B14F-4D97-AF65-F5344CB8AC3E}">
+        <p14:creationId xmlns:p14="http://schemas.microsoft.com/office/powerpoint/2010/main" val="3401243116"/>
+      </p:ext>
+    </p:extLst>
   </p:cSld>
   <p:clrMapOvr>
     <a:masterClrMapping/>
   </p:clrMapOvr>
-  <p:timing>
-    <p:tnLst>
-      <p:par>
-        <p:cTn id="1" dur="indefinite" restart="never" nodeType="tmRoot">
-          <p:childTnLst>
-            <p:seq>
-              <p:cTn id="2" dur="indefinite" nodeType="mainSeq"/>
-              <p:prevCondLst>
-                <p:cond evt="onPrev" delay="0">
-                  <p:tgtEl>
-                    <p:sldTgt/>
-                  </p:tgtEl>
-                </p:cond>
-              </p:prevCondLst>
-              <p:nextCondLst>
-                <p:cond evt="onNext" delay="0">
-                  <p:tgtEl>
-                    <p:sldTgt/>
-                  </p:tgtEl>
-                </p:cond>
-              </p:nextCondLst>
-            </p:seq>
-          </p:childTnLst>
-        </p:cTn>
-      </p:par>
-    </p:tnLst>
-  </p:timing>
 </p:sld>
 </file>
 
@@ -8348,14 +9969,14 @@
       </p:grpSpPr>
       <p:sp>
         <p:nvSpPr>
-          <p:cNvPr id="144" name="TextShape 1"/>
+          <p:cNvPr id="108" name="TextShape 1"/>
           <p:cNvSpPr txBox="1"/>
           <p:nvPr/>
         </p:nvSpPr>
         <p:spPr>
           <a:xfrm>
-            <a:off x="4492800" y="229680"/>
-            <a:ext cx="2385720" cy="813960"/>
+            <a:off x="4745160" y="192960"/>
+            <a:ext cx="2701440" cy="813960"/>
           </a:xfrm>
           <a:prstGeom prst="rect">
             <a:avLst/>
@@ -8381,7 +10002,7 @@
                 </a:solidFill>
                 <a:latin typeface="LM Roman 10"/>
               </a:rPr>
-              <a:t>Output</a:t>
+              <a:t>Input</a:t>
             </a:r>
             <a:endParaRPr lang="es-ES" sz="4400" b="0" strike="noStrike" spc="-1">
               <a:solidFill>
@@ -8394,14 +10015,14 @@
       </p:sp>
       <p:sp>
         <p:nvSpPr>
-          <p:cNvPr id="145" name="CustomShape 2"/>
+          <p:cNvPr id="109" name="CustomShape 2"/>
           <p:cNvSpPr/>
           <p:nvPr/>
         </p:nvSpPr>
         <p:spPr>
           <a:xfrm>
-            <a:off x="1921680" y="1231920"/>
-            <a:ext cx="7448400" cy="4925160"/>
+            <a:off x="2451600" y="1391400"/>
+            <a:ext cx="8348400" cy="5031000"/>
           </a:xfrm>
           <a:prstGeom prst="rect">
             <a:avLst/>
@@ -8430,413 +10051,14 @@
       </p:sp>
       <p:sp>
         <p:nvSpPr>
-          <p:cNvPr id="146" name="CustomShape 3"/>
+          <p:cNvPr id="110" name="CustomShape 3"/>
           <p:cNvSpPr/>
           <p:nvPr/>
         </p:nvSpPr>
         <p:spPr>
           <a:xfrm>
-            <a:off x="3362760" y="1539360"/>
-            <a:ext cx="4245120" cy="1473120"/>
-          </a:xfrm>
-          <a:prstGeom prst="rect">
-            <a:avLst/>
-          </a:prstGeom>
-          <a:noFill/>
-          <a:ln w="38160">
-            <a:solidFill>
-              <a:schemeClr val="tx1"/>
-            </a:solidFill>
-          </a:ln>
-        </p:spPr>
-        <p:style>
-          <a:lnRef idx="2">
-            <a:schemeClr val="accent1">
-              <a:shade val="50000"/>
-            </a:schemeClr>
-          </a:lnRef>
-          <a:fillRef idx="1">
-            <a:schemeClr val="accent1"/>
-          </a:fillRef>
-          <a:effectRef idx="0">
-            <a:schemeClr val="accent1"/>
-          </a:effectRef>
-          <a:fontRef idx="minor"/>
-        </p:style>
-      </p:sp>
-      <p:sp>
-        <p:nvSpPr>
-          <p:cNvPr id="147" name="CustomShape 4"/>
-          <p:cNvSpPr/>
-          <p:nvPr/>
-        </p:nvSpPr>
-        <p:spPr>
-          <a:xfrm>
-            <a:off x="973440" y="2901240"/>
-            <a:ext cx="947520" cy="360"/>
-          </a:xfrm>
-          <a:custGeom>
-            <a:avLst/>
-            <a:gdLst/>
-            <a:ahLst/>
-            <a:cxnLst/>
-            <a:rect l="l" t="t" r="r" b="b"/>
-            <a:pathLst>
-              <a:path w="21600" h="21600">
-                <a:moveTo>
-                  <a:pt x="0" y="0"/>
-                </a:moveTo>
-                <a:lnTo>
-                  <a:pt x="21600" y="21600"/>
-                </a:lnTo>
-              </a:path>
-            </a:pathLst>
-          </a:custGeom>
-          <a:noFill/>
-          <a:ln w="38160">
-            <a:solidFill>
-              <a:srgbClr val="FF0000"/>
-            </a:solidFill>
-            <a:tailEnd type="triangle" w="med" len="med"/>
-          </a:ln>
-        </p:spPr>
-        <p:style>
-          <a:lnRef idx="1">
-            <a:schemeClr val="dk1"/>
-          </a:lnRef>
-          <a:fillRef idx="0">
-            <a:schemeClr val="dk1"/>
-          </a:fillRef>
-          <a:effectRef idx="0">
-            <a:schemeClr val="dk1"/>
-          </a:effectRef>
-          <a:fontRef idx="minor"/>
-        </p:style>
-      </p:sp>
-      <p:sp>
-        <p:nvSpPr>
-          <p:cNvPr id="148" name="CustomShape 5"/>
-          <p:cNvSpPr/>
-          <p:nvPr/>
-        </p:nvSpPr>
-        <p:spPr>
-          <a:xfrm>
-            <a:off x="973440" y="4676760"/>
-            <a:ext cx="947520" cy="360"/>
-          </a:xfrm>
-          <a:custGeom>
-            <a:avLst/>
-            <a:gdLst/>
-            <a:ahLst/>
-            <a:cxnLst/>
-            <a:rect l="l" t="t" r="r" b="b"/>
-            <a:pathLst>
-              <a:path w="21600" h="21600">
-                <a:moveTo>
-                  <a:pt x="0" y="0"/>
-                </a:moveTo>
-                <a:lnTo>
-                  <a:pt x="21600" y="21600"/>
-                </a:lnTo>
-              </a:path>
-            </a:pathLst>
-          </a:custGeom>
-          <a:noFill/>
-          <a:ln w="38160">
-            <a:solidFill>
-              <a:srgbClr val="00B0F0"/>
-            </a:solidFill>
-            <a:tailEnd type="triangle" w="med" len="med"/>
-          </a:ln>
-        </p:spPr>
-        <p:style>
-          <a:lnRef idx="1">
-            <a:schemeClr val="dk1"/>
-          </a:lnRef>
-          <a:fillRef idx="0">
-            <a:schemeClr val="dk1"/>
-          </a:fillRef>
-          <a:effectRef idx="0">
-            <a:schemeClr val="dk1"/>
-          </a:effectRef>
-          <a:fontRef idx="minor"/>
-        </p:style>
-      </p:sp>
-      <p:sp>
-        <p:nvSpPr>
-          <p:cNvPr id="149" name="CustomShape 6"/>
-          <p:cNvSpPr/>
-          <p:nvPr/>
-        </p:nvSpPr>
-        <p:spPr>
-          <a:xfrm>
-            <a:off x="1034640" y="1483920"/>
-            <a:ext cx="886320" cy="1307160"/>
-          </a:xfrm>
-          <a:prstGeom prst="rect">
-            <a:avLst/>
-          </a:prstGeom>
-          <a:noFill/>
-          <a:ln>
-            <a:noFill/>
-          </a:ln>
-        </p:spPr>
-        <p:style>
-          <a:lnRef idx="0">
-            <a:scrgbClr r="0" g="0" b="0"/>
-          </a:lnRef>
-          <a:fillRef idx="0">
-            <a:scrgbClr r="0" g="0" b="0"/>
-          </a:fillRef>
-          <a:effectRef idx="0">
-            <a:scrgbClr r="0" g="0" b="0"/>
-          </a:effectRef>
-          <a:fontRef idx="minor"/>
-        </p:style>
-        <p:txBody>
-          <a:bodyPr lIns="90000" tIns="45000" rIns="90000" bIns="45000"/>
-          <a:lstStyle/>
-          <a:p>
-            <a:pPr>
-              <a:lnSpc>
-                <a:spcPct val="100000"/>
-              </a:lnSpc>
-            </a:pPr>
-            <a:r>
-              <a:rPr lang="es-ES" sz="1600" b="0" strike="noStrike" spc="-1">
-                <a:solidFill>
-                  <a:srgbClr val="FF0000"/>
-                </a:solidFill>
-                <a:latin typeface="LM Roman 10"/>
-              </a:rPr>
-              <a:t>Ruta óptima con puntos reales</a:t>
-            </a:r>
-            <a:endParaRPr lang="es-ES" sz="1600" b="0" strike="noStrike" spc="-1">
-              <a:latin typeface="Arial"/>
-            </a:endParaRPr>
-          </a:p>
-        </p:txBody>
-      </p:sp>
-      <p:sp>
-        <p:nvSpPr>
-          <p:cNvPr id="150" name="CustomShape 7"/>
-          <p:cNvSpPr/>
-          <p:nvPr/>
-        </p:nvSpPr>
-        <p:spPr>
-          <a:xfrm>
-            <a:off x="890640" y="3751920"/>
-            <a:ext cx="1030680" cy="1063080"/>
-          </a:xfrm>
-          <a:prstGeom prst="rect">
-            <a:avLst/>
-          </a:prstGeom>
-          <a:noFill/>
-          <a:ln>
-            <a:noFill/>
-          </a:ln>
-        </p:spPr>
-        <p:style>
-          <a:lnRef idx="0">
-            <a:scrgbClr r="0" g="0" b="0"/>
-          </a:lnRef>
-          <a:fillRef idx="0">
-            <a:scrgbClr r="0" g="0" b="0"/>
-          </a:fillRef>
-          <a:effectRef idx="0">
-            <a:scrgbClr r="0" g="0" b="0"/>
-          </a:effectRef>
-          <a:fontRef idx="minor"/>
-        </p:style>
-        <p:txBody>
-          <a:bodyPr lIns="90000" tIns="45000" rIns="90000" bIns="45000"/>
-          <a:lstStyle/>
-          <a:p>
-            <a:pPr>
-              <a:lnSpc>
-                <a:spcPct val="100000"/>
-              </a:lnSpc>
-            </a:pPr>
-            <a:r>
-              <a:rPr lang="es-ES" sz="1600" b="0" strike="noStrike" spc="-1">
-                <a:solidFill>
-                  <a:srgbClr val="00B0F0"/>
-                </a:solidFill>
-                <a:latin typeface="LM Roman 10"/>
-              </a:rPr>
-              <a:t>Puntos reales + predichos</a:t>
-            </a:r>
-            <a:endParaRPr lang="es-ES" sz="1600" b="0" strike="noStrike" spc="-1">
-              <a:latin typeface="Arial"/>
-            </a:endParaRPr>
-          </a:p>
-        </p:txBody>
-      </p:sp>
-      <p:sp>
-        <p:nvSpPr>
-          <p:cNvPr id="151" name="CustomShape 8"/>
-          <p:cNvSpPr/>
-          <p:nvPr/>
-        </p:nvSpPr>
-        <p:spPr>
-          <a:xfrm>
-            <a:off x="3629520" y="1953000"/>
-            <a:ext cx="3492360" cy="912600"/>
-          </a:xfrm>
-          <a:prstGeom prst="rect">
-            <a:avLst/>
-          </a:prstGeom>
-          <a:noFill/>
-          <a:ln>
-            <a:noFill/>
-          </a:ln>
-        </p:spPr>
-        <p:style>
-          <a:lnRef idx="0">
-            <a:scrgbClr r="0" g="0" b="0"/>
-          </a:lnRef>
-          <a:fillRef idx="0">
-            <a:scrgbClr r="0" g="0" b="0"/>
-          </a:fillRef>
-          <a:effectRef idx="0">
-            <a:scrgbClr r="0" g="0" b="0"/>
-          </a:effectRef>
-          <a:fontRef idx="minor"/>
-        </p:style>
-        <p:txBody>
-          <a:bodyPr lIns="90000" tIns="45000" rIns="90000" bIns="45000"/>
-          <a:lstStyle/>
-          <a:p>
-            <a:pPr>
-              <a:lnSpc>
-                <a:spcPct val="100000"/>
-              </a:lnSpc>
-            </a:pPr>
-            <a:r>
-              <a:rPr lang="es-ES" sz="1800" b="0" strike="noStrike" spc="-1">
-                <a:solidFill>
-                  <a:srgbClr val="000000"/>
-                </a:solidFill>
-                <a:latin typeface="LM Roman 10"/>
-              </a:rPr>
-              <a:t>Comparación de rutas y volcado de datos de salida al usuario</a:t>
-            </a:r>
-            <a:endParaRPr lang="es-ES" sz="1800" b="0" strike="noStrike" spc="-1">
-              <a:latin typeface="Arial"/>
-            </a:endParaRPr>
-          </a:p>
-        </p:txBody>
-      </p:sp>
-      <p:sp>
-        <p:nvSpPr>
-          <p:cNvPr id="152" name="CustomShape 9"/>
-          <p:cNvSpPr/>
-          <p:nvPr/>
-        </p:nvSpPr>
-        <p:spPr>
-          <a:xfrm>
-            <a:off x="3607560" y="4259520"/>
-            <a:ext cx="3755520" cy="639000"/>
-          </a:xfrm>
-          <a:prstGeom prst="rect">
-            <a:avLst/>
-          </a:prstGeom>
-          <a:noFill/>
-          <a:ln>
-            <a:noFill/>
-          </a:ln>
-        </p:spPr>
-        <p:style>
-          <a:lnRef idx="0">
-            <a:scrgbClr r="0" g="0" b="0"/>
-          </a:lnRef>
-          <a:fillRef idx="0">
-            <a:scrgbClr r="0" g="0" b="0"/>
-          </a:fillRef>
-          <a:effectRef idx="0">
-            <a:scrgbClr r="0" g="0" b="0"/>
-          </a:effectRef>
-          <a:fontRef idx="minor"/>
-        </p:style>
-        <p:txBody>
-          <a:bodyPr lIns="90000" tIns="45000" rIns="90000" bIns="45000"/>
-          <a:lstStyle/>
-          <a:p>
-            <a:pPr>
-              <a:lnSpc>
-                <a:spcPct val="100000"/>
-              </a:lnSpc>
-            </a:pPr>
-            <a:r>
-              <a:rPr lang="es-ES" sz="1800" b="0" strike="noStrike" spc="-1">
-                <a:solidFill>
-                  <a:srgbClr val="000000"/>
-                </a:solidFill>
-                <a:latin typeface="LM Roman 10"/>
-              </a:rPr>
-              <a:t>Volcado de datos (queries) a la </a:t>
-            </a:r>
-            <a:r>
-              <a:rPr lang="es-ES" sz="1800" b="1" i="1" strike="noStrike" spc="-1">
-                <a:solidFill>
-                  <a:srgbClr val="000000"/>
-                </a:solidFill>
-                <a:latin typeface="LM Roman 10"/>
-              </a:rPr>
-              <a:t>BBDD de monitorización</a:t>
-            </a:r>
-            <a:endParaRPr lang="es-ES" sz="1800" b="0" strike="noStrike" spc="-1">
-              <a:latin typeface="Arial"/>
-            </a:endParaRPr>
-          </a:p>
-        </p:txBody>
-      </p:sp>
-      <p:sp>
-        <p:nvSpPr>
-          <p:cNvPr id="153" name="CustomShape 10"/>
-          <p:cNvSpPr/>
-          <p:nvPr/>
-        </p:nvSpPr>
-        <p:spPr>
-          <a:xfrm>
-            <a:off x="3362760" y="3940200"/>
-            <a:ext cx="4245120" cy="1473120"/>
-          </a:xfrm>
-          <a:prstGeom prst="rect">
-            <a:avLst/>
-          </a:prstGeom>
-          <a:noFill/>
-          <a:ln w="38160">
-            <a:solidFill>
-              <a:schemeClr val="tx1"/>
-            </a:solidFill>
-          </a:ln>
-        </p:spPr>
-        <p:style>
-          <a:lnRef idx="2">
-            <a:schemeClr val="accent1">
-              <a:shade val="50000"/>
-            </a:schemeClr>
-          </a:lnRef>
-          <a:fillRef idx="1">
-            <a:schemeClr val="accent1"/>
-          </a:fillRef>
-          <a:effectRef idx="0">
-            <a:schemeClr val="accent1"/>
-          </a:effectRef>
-          <a:fontRef idx="minor"/>
-        </p:style>
-      </p:sp>
-      <p:sp>
-        <p:nvSpPr>
-          <p:cNvPr id="154" name="CustomShape 11"/>
-          <p:cNvSpPr/>
-          <p:nvPr/>
-        </p:nvSpPr>
-        <p:spPr>
-          <a:xfrm>
-            <a:off x="9370440" y="2950560"/>
-            <a:ext cx="1734480" cy="360"/>
+            <a:off x="380880" y="4179960"/>
+            <a:ext cx="2070360" cy="360"/>
           </a:xfrm>
           <a:custGeom>
             <a:avLst/>
@@ -8875,14 +10097,428 @@
       </p:sp>
       <p:sp>
         <p:nvSpPr>
-          <p:cNvPr id="155" name="CustomShape 12"/>
+          <p:cNvPr id="111" name="CustomShape 4"/>
           <p:cNvSpPr/>
           <p:nvPr/>
         </p:nvSpPr>
         <p:spPr>
           <a:xfrm>
-            <a:off x="9370440" y="4650480"/>
-            <a:ext cx="1734480" cy="360"/>
+            <a:off x="151920" y="3227760"/>
+            <a:ext cx="2570400" cy="913320"/>
+          </a:xfrm>
+          <a:prstGeom prst="rect">
+            <a:avLst/>
+          </a:prstGeom>
+          <a:noFill/>
+          <a:ln>
+            <a:noFill/>
+          </a:ln>
+        </p:spPr>
+        <p:style>
+          <a:lnRef idx="0">
+            <a:scrgbClr r="0" g="0" b="0"/>
+          </a:lnRef>
+          <a:fillRef idx="0">
+            <a:scrgbClr r="0" g="0" b="0"/>
+          </a:fillRef>
+          <a:effectRef idx="0">
+            <a:scrgbClr r="0" g="0" b="0"/>
+          </a:effectRef>
+          <a:fontRef idx="minor"/>
+        </p:style>
+        <p:txBody>
+          <a:bodyPr lIns="90000" tIns="45000" rIns="90000" bIns="45000"/>
+          <a:lstStyle/>
+          <a:p>
+            <a:pPr>
+              <a:lnSpc>
+                <a:spcPct val="100000"/>
+              </a:lnSpc>
+            </a:pPr>
+            <a:r>
+              <a:rPr lang="es-ES" sz="1800" b="0" strike="noStrike" spc="-1">
+                <a:solidFill>
+                  <a:srgbClr val="000000"/>
+                </a:solidFill>
+                <a:latin typeface="LM Roman 10"/>
+              </a:rPr>
+              <a:t>Datos del usuario:</a:t>
+            </a:r>
+            <a:endParaRPr lang="es-ES" sz="1800" b="0" strike="noStrike" spc="-1">
+              <a:latin typeface="Arial"/>
+            </a:endParaRPr>
+          </a:p>
+          <a:p>
+            <a:pPr marL="285840" indent="-285480">
+              <a:lnSpc>
+                <a:spcPct val="100000"/>
+              </a:lnSpc>
+              <a:buClr>
+                <a:srgbClr val="000000"/>
+              </a:buClr>
+              <a:buFont typeface="StarSymbol"/>
+              <a:buChar char="-"/>
+            </a:pPr>
+            <a:r>
+              <a:rPr lang="es-ES" sz="1800" b="0" strike="noStrike" spc="-1">
+                <a:solidFill>
+                  <a:srgbClr val="000000"/>
+                </a:solidFill>
+                <a:latin typeface="LM Roman 10"/>
+              </a:rPr>
+              <a:t>Origen y Destino</a:t>
+            </a:r>
+            <a:endParaRPr lang="es-ES" sz="1800" b="0" strike="noStrike" spc="-1">
+              <a:latin typeface="Arial"/>
+            </a:endParaRPr>
+          </a:p>
+          <a:p>
+            <a:pPr marL="285840" indent="-285480">
+              <a:lnSpc>
+                <a:spcPct val="100000"/>
+              </a:lnSpc>
+              <a:buClr>
+                <a:srgbClr val="000000"/>
+              </a:buClr>
+              <a:buFont typeface="StarSymbol"/>
+              <a:buChar char="-"/>
+            </a:pPr>
+            <a:r>
+              <a:rPr lang="es-ES" sz="1800" b="0" strike="noStrike" spc="-1">
+                <a:solidFill>
+                  <a:srgbClr val="000000"/>
+                </a:solidFill>
+                <a:latin typeface="LM Roman 10"/>
+              </a:rPr>
+              <a:t>Modelo del coche</a:t>
+            </a:r>
+            <a:endParaRPr lang="es-ES" sz="1800" b="0" strike="noStrike" spc="-1">
+              <a:latin typeface="Arial"/>
+            </a:endParaRPr>
+          </a:p>
+        </p:txBody>
+      </p:sp>
+      <p:sp>
+        <p:nvSpPr>
+          <p:cNvPr id="112" name="CustomShape 5"/>
+          <p:cNvSpPr/>
+          <p:nvPr/>
+        </p:nvSpPr>
+        <p:spPr>
+          <a:xfrm>
+            <a:off x="2930760" y="1492560"/>
+            <a:ext cx="7557120" cy="1163160"/>
+          </a:xfrm>
+          <a:prstGeom prst="rect">
+            <a:avLst/>
+          </a:prstGeom>
+          <a:noFill/>
+          <a:ln w="38160">
+            <a:solidFill>
+              <a:schemeClr val="tx1"/>
+            </a:solidFill>
+          </a:ln>
+        </p:spPr>
+        <p:style>
+          <a:lnRef idx="2">
+            <a:schemeClr val="accent1">
+              <a:shade val="50000"/>
+            </a:schemeClr>
+          </a:lnRef>
+          <a:fillRef idx="1">
+            <a:schemeClr val="accent1"/>
+          </a:fillRef>
+          <a:effectRef idx="0">
+            <a:schemeClr val="accent1"/>
+          </a:effectRef>
+          <a:fontRef idx="minor"/>
+        </p:style>
+      </p:sp>
+      <p:sp>
+        <p:nvSpPr>
+          <p:cNvPr id="113" name="CustomShape 6"/>
+          <p:cNvSpPr/>
+          <p:nvPr/>
+        </p:nvSpPr>
+        <p:spPr>
+          <a:xfrm>
+            <a:off x="5361120" y="1461240"/>
+            <a:ext cx="2696760" cy="1461960"/>
+          </a:xfrm>
+          <a:prstGeom prst="rect">
+            <a:avLst/>
+          </a:prstGeom>
+          <a:noFill/>
+          <a:ln>
+            <a:noFill/>
+          </a:ln>
+        </p:spPr>
+        <p:style>
+          <a:lnRef idx="0">
+            <a:scrgbClr r="0" g="0" b="0"/>
+          </a:lnRef>
+          <a:fillRef idx="0">
+            <a:scrgbClr r="0" g="0" b="0"/>
+          </a:fillRef>
+          <a:effectRef idx="0">
+            <a:scrgbClr r="0" g="0" b="0"/>
+          </a:effectRef>
+          <a:fontRef idx="minor"/>
+        </p:style>
+        <p:txBody>
+          <a:bodyPr lIns="90000" tIns="45000" rIns="90000" bIns="45000"/>
+          <a:lstStyle/>
+          <a:p>
+            <a:pPr>
+              <a:lnSpc>
+                <a:spcPct val="100000"/>
+              </a:lnSpc>
+            </a:pPr>
+            <a:r>
+              <a:rPr lang="es-ES" sz="1800" b="1" i="1" strike="noStrike" spc="-1">
+                <a:solidFill>
+                  <a:srgbClr val="000000"/>
+                </a:solidFill>
+                <a:latin typeface="LM Roman 10"/>
+              </a:rPr>
+              <a:t>Coche </a:t>
+            </a:r>
+            <a:r>
+              <a:rPr lang="es-ES" sz="1800" b="0" strike="noStrike" spc="-1">
+                <a:solidFill>
+                  <a:srgbClr val="000000"/>
+                </a:solidFill>
+                <a:latin typeface="LM Roman 10"/>
+              </a:rPr>
+              <a:t>para obtener:</a:t>
+            </a:r>
+            <a:endParaRPr lang="es-ES" sz="1800" b="0" strike="noStrike" spc="-1">
+              <a:latin typeface="Arial"/>
+            </a:endParaRPr>
+          </a:p>
+          <a:p>
+            <a:pPr marL="285840" indent="-285480">
+              <a:lnSpc>
+                <a:spcPct val="100000"/>
+              </a:lnSpc>
+              <a:buClr>
+                <a:srgbClr val="000000"/>
+              </a:buClr>
+              <a:buFont typeface="StarSymbol"/>
+              <a:buChar char="-"/>
+            </a:pPr>
+            <a:r>
+              <a:rPr lang="es-ES" sz="1800" b="0" strike="noStrike" spc="-1">
+                <a:solidFill>
+                  <a:srgbClr val="000000"/>
+                </a:solidFill>
+                <a:latin typeface="LM Roman 10"/>
+              </a:rPr>
+              <a:t>Autonomía</a:t>
+            </a:r>
+            <a:endParaRPr lang="es-ES" sz="1800" b="0" strike="noStrike" spc="-1">
+              <a:latin typeface="Arial"/>
+            </a:endParaRPr>
+          </a:p>
+          <a:p>
+            <a:pPr marL="285840" indent="-285480">
+              <a:lnSpc>
+                <a:spcPct val="100000"/>
+              </a:lnSpc>
+              <a:buClr>
+                <a:srgbClr val="000000"/>
+              </a:buClr>
+              <a:buFont typeface="StarSymbol"/>
+              <a:buChar char="-"/>
+            </a:pPr>
+            <a:r>
+              <a:rPr lang="es-ES" sz="1800" b="0" strike="noStrike" spc="-1">
+                <a:solidFill>
+                  <a:srgbClr val="000000"/>
+                </a:solidFill>
+                <a:latin typeface="LM Roman 10"/>
+              </a:rPr>
+              <a:t>Velocidad de carga</a:t>
+            </a:r>
+            <a:endParaRPr lang="es-ES" sz="1800" b="0" strike="noStrike" spc="-1">
+              <a:latin typeface="Arial"/>
+            </a:endParaRPr>
+          </a:p>
+          <a:p>
+            <a:pPr marL="285840" indent="-285480">
+              <a:lnSpc>
+                <a:spcPct val="100000"/>
+              </a:lnSpc>
+              <a:buClr>
+                <a:srgbClr val="000000"/>
+              </a:buClr>
+              <a:buFont typeface="StarSymbol"/>
+              <a:buChar char="-"/>
+            </a:pPr>
+            <a:r>
+              <a:rPr lang="es-ES" sz="1800" b="0" strike="noStrike" spc="-1">
+                <a:solidFill>
+                  <a:srgbClr val="000000"/>
+                </a:solidFill>
+                <a:latin typeface="LM Roman 10"/>
+              </a:rPr>
+              <a:t>Velocidad máxima</a:t>
+            </a:r>
+            <a:endParaRPr lang="es-ES" sz="1800" b="0" strike="noStrike" spc="-1">
+              <a:latin typeface="Arial"/>
+            </a:endParaRPr>
+          </a:p>
+          <a:p>
+            <a:pPr>
+              <a:lnSpc>
+                <a:spcPct val="100000"/>
+              </a:lnSpc>
+            </a:pPr>
+            <a:endParaRPr lang="es-ES" sz="1800" b="0" strike="noStrike" spc="-1">
+              <a:latin typeface="Arial"/>
+            </a:endParaRPr>
+          </a:p>
+        </p:txBody>
+      </p:sp>
+      <p:sp>
+        <p:nvSpPr>
+          <p:cNvPr id="114" name="CustomShape 7"/>
+          <p:cNvSpPr/>
+          <p:nvPr/>
+        </p:nvSpPr>
+        <p:spPr>
+          <a:xfrm>
+            <a:off x="2930760" y="2744640"/>
+            <a:ext cx="7557120" cy="1051200"/>
+          </a:xfrm>
+          <a:prstGeom prst="rect">
+            <a:avLst/>
+          </a:prstGeom>
+          <a:noFill/>
+          <a:ln w="38160">
+            <a:solidFill>
+              <a:schemeClr val="tx1"/>
+            </a:solidFill>
+          </a:ln>
+        </p:spPr>
+        <p:style>
+          <a:lnRef idx="2">
+            <a:schemeClr val="accent1">
+              <a:shade val="50000"/>
+            </a:schemeClr>
+          </a:lnRef>
+          <a:fillRef idx="1">
+            <a:schemeClr val="accent1"/>
+          </a:fillRef>
+          <a:effectRef idx="0">
+            <a:schemeClr val="accent1"/>
+          </a:effectRef>
+          <a:fontRef idx="minor"/>
+        </p:style>
+      </p:sp>
+      <p:sp>
+        <p:nvSpPr>
+          <p:cNvPr id="115" name="CustomShape 8"/>
+          <p:cNvSpPr/>
+          <p:nvPr/>
+        </p:nvSpPr>
+        <p:spPr>
+          <a:xfrm>
+            <a:off x="4804200" y="2824560"/>
+            <a:ext cx="4456800" cy="913320"/>
+          </a:xfrm>
+          <a:prstGeom prst="rect">
+            <a:avLst/>
+          </a:prstGeom>
+          <a:noFill/>
+          <a:ln>
+            <a:noFill/>
+          </a:ln>
+        </p:spPr>
+        <p:style>
+          <a:lnRef idx="0">
+            <a:scrgbClr r="0" g="0" b="0"/>
+          </a:lnRef>
+          <a:fillRef idx="0">
+            <a:scrgbClr r="0" g="0" b="0"/>
+          </a:fillRef>
+          <a:effectRef idx="0">
+            <a:scrgbClr r="0" g="0" b="0"/>
+          </a:effectRef>
+          <a:fontRef idx="minor"/>
+        </p:style>
+        <p:txBody>
+          <a:bodyPr lIns="90000" tIns="45000" rIns="90000" bIns="45000"/>
+          <a:lstStyle/>
+          <a:p>
+            <a:pPr>
+              <a:lnSpc>
+                <a:spcPct val="100000"/>
+              </a:lnSpc>
+            </a:pPr>
+            <a:r>
+              <a:rPr lang="es-ES" sz="1800" b="1" i="1" strike="noStrike" spc="-1">
+                <a:solidFill>
+                  <a:srgbClr val="000000"/>
+                </a:solidFill>
+                <a:latin typeface="LM Roman 10"/>
+              </a:rPr>
+              <a:t>Puntos de recarga (GMAPI) </a:t>
+            </a:r>
+            <a:endParaRPr lang="es-ES" sz="1800" b="0" strike="noStrike" spc="-1">
+              <a:latin typeface="Arial"/>
+            </a:endParaRPr>
+          </a:p>
+          <a:p>
+            <a:pPr>
+              <a:lnSpc>
+                <a:spcPct val="100000"/>
+              </a:lnSpc>
+            </a:pPr>
+            <a:r>
+              <a:rPr lang="es-ES" sz="1800" b="1" i="1" strike="noStrike" spc="-1">
+                <a:solidFill>
+                  <a:srgbClr val="000000"/>
+                </a:solidFill>
+                <a:latin typeface="LM Roman 10"/>
+              </a:rPr>
+              <a:t>- </a:t>
+            </a:r>
+            <a:r>
+              <a:rPr lang="es-ES" sz="1800" b="0" strike="noStrike" spc="-1">
+                <a:solidFill>
+                  <a:srgbClr val="000000"/>
+                </a:solidFill>
+                <a:latin typeface="LM Roman 10"/>
+              </a:rPr>
+              <a:t>Nombre, dirección, coordenadas</a:t>
+            </a:r>
+            <a:endParaRPr lang="es-ES" sz="1800" b="0" strike="noStrike" spc="-1">
+              <a:latin typeface="Arial"/>
+            </a:endParaRPr>
+          </a:p>
+          <a:p>
+            <a:pPr>
+              <a:lnSpc>
+                <a:spcPct val="100000"/>
+              </a:lnSpc>
+            </a:pPr>
+            <a:endParaRPr lang="es-ES" sz="1800" b="0" strike="noStrike" spc="-1">
+              <a:latin typeface="Arial"/>
+            </a:endParaRPr>
+          </a:p>
+        </p:txBody>
+      </p:sp>
+      <p:sp>
+        <p:nvSpPr>
+          <p:cNvPr id="116" name="CustomShape 9"/>
+          <p:cNvSpPr/>
+          <p:nvPr/>
+        </p:nvSpPr>
+        <p:spPr>
+          <a:xfrm>
+            <a:off x="10800360" y="3944880"/>
+            <a:ext cx="1258560" cy="360"/>
           </a:xfrm>
           <a:custGeom>
             <a:avLst/>
@@ -8921,14 +10557,14 @@
       </p:sp>
       <p:sp>
         <p:nvSpPr>
-          <p:cNvPr id="156" name="CustomShape 13"/>
+          <p:cNvPr id="117" name="CustomShape 10"/>
           <p:cNvSpPr/>
           <p:nvPr/>
         </p:nvSpPr>
         <p:spPr>
           <a:xfrm>
-            <a:off x="9398160" y="2444760"/>
-            <a:ext cx="1884600" cy="638280"/>
+            <a:off x="4804200" y="3894480"/>
+            <a:ext cx="4670280" cy="913320"/>
           </a:xfrm>
           <a:prstGeom prst="rect">
             <a:avLst/>
@@ -8960,13 +10596,41 @@
               </a:lnSpc>
             </a:pPr>
             <a:r>
+              <a:rPr lang="es-ES" sz="1800" b="1" i="1" strike="noStrike" spc="-1">
+                <a:solidFill>
+                  <a:srgbClr val="000000"/>
+                </a:solidFill>
+                <a:latin typeface="LM Roman 10"/>
+              </a:rPr>
+              <a:t>Opciones Origen/Destino (desplegable) (GMAPI) </a:t>
+            </a:r>
+            <a:endParaRPr lang="es-ES" sz="1800" b="0" strike="noStrike" spc="-1">
+              <a:latin typeface="Arial"/>
+            </a:endParaRPr>
+          </a:p>
+          <a:p>
+            <a:pPr>
+              <a:lnSpc>
+                <a:spcPct val="100000"/>
+              </a:lnSpc>
+            </a:pPr>
+            <a:r>
+              <a:rPr lang="es-ES" sz="1800" b="1" i="1" strike="noStrike" spc="-1">
+                <a:solidFill>
+                  <a:srgbClr val="000000"/>
+                </a:solidFill>
+                <a:latin typeface="LM Roman 10"/>
+              </a:rPr>
+              <a:t>- </a:t>
+            </a:r>
+            <a:r>
               <a:rPr lang="es-ES" sz="1800" b="0" strike="noStrike" spc="-1">
                 <a:solidFill>
                   <a:srgbClr val="000000"/>
                 </a:solidFill>
                 <a:latin typeface="LM Roman 10"/>
               </a:rPr>
-              <a:t>Salida al usuario</a:t>
+              <a:t>Nombre, dirección, coordenadas</a:t>
             </a:r>
             <a:endParaRPr lang="es-ES" sz="1800" b="0" strike="noStrike" spc="-1">
               <a:latin typeface="Arial"/>
@@ -8976,14 +10640,86 @@
       </p:sp>
       <p:sp>
         <p:nvSpPr>
-          <p:cNvPr id="157" name="CustomShape 14"/>
+          <p:cNvPr id="118" name="CustomShape 11"/>
           <p:cNvSpPr/>
           <p:nvPr/>
         </p:nvSpPr>
         <p:spPr>
           <a:xfrm>
-            <a:off x="9398160" y="3907440"/>
-            <a:ext cx="1706760" cy="912600"/>
+            <a:off x="2930760" y="3894840"/>
+            <a:ext cx="7557120" cy="1020960"/>
+          </a:xfrm>
+          <a:prstGeom prst="rect">
+            <a:avLst/>
+          </a:prstGeom>
+          <a:noFill/>
+          <a:ln w="38160">
+            <a:solidFill>
+              <a:srgbClr val="FF0000"/>
+            </a:solidFill>
+          </a:ln>
+        </p:spPr>
+        <p:style>
+          <a:lnRef idx="2">
+            <a:schemeClr val="accent1">
+              <a:shade val="50000"/>
+            </a:schemeClr>
+          </a:lnRef>
+          <a:fillRef idx="1">
+            <a:schemeClr val="accent1"/>
+          </a:fillRef>
+          <a:effectRef idx="0">
+            <a:schemeClr val="accent1"/>
+          </a:effectRef>
+          <a:fontRef idx="minor"/>
+        </p:style>
+      </p:sp>
+      <p:sp>
+        <p:nvSpPr>
+          <p:cNvPr id="119" name="CustomShape 12"/>
+          <p:cNvSpPr/>
+          <p:nvPr/>
+        </p:nvSpPr>
+        <p:spPr>
+          <a:xfrm>
+            <a:off x="2930760" y="5046480"/>
+            <a:ext cx="7557120" cy="1199880"/>
+          </a:xfrm>
+          <a:prstGeom prst="rect">
+            <a:avLst/>
+          </a:prstGeom>
+          <a:noFill/>
+          <a:ln w="38160">
+            <a:solidFill>
+              <a:srgbClr val="FF0000"/>
+            </a:solidFill>
+          </a:ln>
+        </p:spPr>
+        <p:style>
+          <a:lnRef idx="2">
+            <a:schemeClr val="accent1">
+              <a:shade val="50000"/>
+            </a:schemeClr>
+          </a:lnRef>
+          <a:fillRef idx="1">
+            <a:schemeClr val="accent1"/>
+          </a:fillRef>
+          <a:effectRef idx="0">
+            <a:schemeClr val="accent1"/>
+          </a:effectRef>
+          <a:fontRef idx="minor"/>
+        </p:style>
+      </p:sp>
+      <p:sp>
+        <p:nvSpPr>
+          <p:cNvPr id="120" name="CustomShape 13"/>
+          <p:cNvSpPr/>
+          <p:nvPr/>
+        </p:nvSpPr>
+        <p:spPr>
+          <a:xfrm>
+            <a:off x="4745160" y="5109480"/>
+            <a:ext cx="4670280" cy="639000"/>
           </a:xfrm>
           <a:prstGeom prst="rect">
             <a:avLst/>
@@ -9015,13 +10751,41 @@
               </a:lnSpc>
             </a:pPr>
             <a:r>
+              <a:rPr lang="es-ES" sz="1800" b="1" i="1" strike="noStrike" spc="-1">
+                <a:solidFill>
+                  <a:srgbClr val="000000"/>
+                </a:solidFill>
+                <a:latin typeface="LM Roman 10"/>
+              </a:rPr>
+              <a:t>Gasolineras de España </a:t>
+            </a:r>
+            <a:endParaRPr lang="es-ES" sz="1800" b="0" strike="noStrike" spc="-1">
+              <a:latin typeface="Arial"/>
+            </a:endParaRPr>
+          </a:p>
+          <a:p>
+            <a:pPr>
+              <a:lnSpc>
+                <a:spcPct val="100000"/>
+              </a:lnSpc>
+            </a:pPr>
+            <a:r>
+              <a:rPr lang="es-ES" sz="1800" b="1" i="1" strike="noStrike" spc="-1">
+                <a:solidFill>
+                  <a:srgbClr val="000000"/>
+                </a:solidFill>
+                <a:latin typeface="LM Roman 10"/>
+              </a:rPr>
+              <a:t>- </a:t>
+            </a:r>
+            <a:r>
               <a:rPr lang="es-ES" sz="1800" b="0" strike="noStrike" spc="-1">
                 <a:solidFill>
                   <a:srgbClr val="000000"/>
                 </a:solidFill>
                 <a:latin typeface="LM Roman 10"/>
               </a:rPr>
-              <a:t>Salida para monitorización</a:t>
+              <a:t>Nombre, dirección, coordenadas, ??</a:t>
             </a:r>
             <a:endParaRPr lang="es-ES" sz="1800" b="0" strike="noStrike" spc="-1">
               <a:latin typeface="Arial"/>
@@ -9083,14 +10847,14 @@
       </p:grpSpPr>
       <p:sp>
         <p:nvSpPr>
-          <p:cNvPr id="162" name="TextShape 1"/>
+          <p:cNvPr id="121" name="TextShape 1"/>
           <p:cNvSpPr txBox="1"/>
           <p:nvPr/>
         </p:nvSpPr>
         <p:spPr>
           <a:xfrm>
-            <a:off x="838080" y="365040"/>
-            <a:ext cx="10515240" cy="379080"/>
+            <a:off x="4712040" y="352080"/>
+            <a:ext cx="2767680" cy="813960"/>
           </a:xfrm>
           <a:prstGeom prst="rect">
             <a:avLst/>
@@ -9101,26 +10865,24 @@
           </a:ln>
         </p:spPr>
         <p:txBody>
-          <a:bodyPr anchor="ctr">
-            <a:normAutofit/>
-          </a:bodyPr>
+          <a:bodyPr anchor="ctr"/>
           <a:lstStyle/>
           <a:p>
-            <a:pPr algn="ctr">
+            <a:pPr>
               <a:lnSpc>
                 <a:spcPct val="90000"/>
               </a:lnSpc>
             </a:pPr>
             <a:r>
-              <a:rPr lang="es-ES" sz="2400" b="1" strike="noStrike" spc="-1">
+              <a:rPr lang="es-ES" sz="4400" b="0" strike="noStrike" spc="-1">
                 <a:solidFill>
                   <a:srgbClr val="000000"/>
                 </a:solidFill>
-                <a:latin typeface="Calibri Light"/>
+                <a:latin typeface="LM Roman 10"/>
               </a:rPr>
-              <a:t>OPTIMIZAR, ¿QUÉ?</a:t>
+              <a:t>Modelo</a:t>
             </a:r>
-            <a:endParaRPr lang="es-ES" sz="2400" b="0" strike="noStrike" spc="-1">
+            <a:endParaRPr lang="es-ES" sz="4400" b="0" strike="noStrike" spc="-1">
               <a:solidFill>
                 <a:srgbClr val="000000"/>
               </a:solidFill>
@@ -9131,57 +10893,1105 @@
       </p:sp>
       <p:sp>
         <p:nvSpPr>
-          <p:cNvPr id="164" name="TextShape 3"/>
-          <p:cNvSpPr txBox="1"/>
+          <p:cNvPr id="122" name="CustomShape 2"/>
+          <p:cNvSpPr/>
           <p:nvPr/>
         </p:nvSpPr>
         <p:spPr>
           <a:xfrm>
-            <a:off x="838080" y="847620"/>
-            <a:ext cx="10515240" cy="5162760"/>
-          </a:xfrm>
-          <a:prstGeom prst="rect">
-            <a:avLst/>
-          </a:prstGeom>
-          <a:blipFill rotWithShape="0">
-            <a:blip r:embed="rId2"/>
-            <a:stretch>
-              <a:fillRect/>
-            </a:stretch>
-          </a:blipFill>
+            <a:off x="1409400" y="1404720"/>
+            <a:ext cx="9672120" cy="4956120"/>
+          </a:xfrm>
+          <a:prstGeom prst="rect">
+            <a:avLst/>
+          </a:prstGeom>
+          <a:noFill/>
+          <a:ln w="38160">
+            <a:solidFill>
+              <a:schemeClr val="tx1"/>
+            </a:solidFill>
+          </a:ln>
+        </p:spPr>
+        <p:style>
+          <a:lnRef idx="2">
+            <a:schemeClr val="accent1">
+              <a:shade val="50000"/>
+            </a:schemeClr>
+          </a:lnRef>
+          <a:fillRef idx="1">
+            <a:schemeClr val="accent1"/>
+          </a:fillRef>
+          <a:effectRef idx="0">
+            <a:schemeClr val="accent1"/>
+          </a:effectRef>
+          <a:fontRef idx="minor"/>
+        </p:style>
+      </p:sp>
+      <p:sp>
+        <p:nvSpPr>
+          <p:cNvPr id="123" name="CustomShape 3"/>
+          <p:cNvSpPr/>
+          <p:nvPr/>
+        </p:nvSpPr>
+        <p:spPr>
+          <a:xfrm>
+            <a:off x="4591440" y="2823120"/>
+            <a:ext cx="1601280" cy="2245680"/>
+          </a:xfrm>
+          <a:prstGeom prst="rect">
+            <a:avLst/>
+          </a:prstGeom>
+          <a:noFill/>
+          <a:ln w="38160">
+            <a:solidFill>
+              <a:schemeClr val="tx1"/>
+            </a:solidFill>
+          </a:ln>
+        </p:spPr>
+        <p:style>
+          <a:lnRef idx="2">
+            <a:schemeClr val="accent1">
+              <a:shade val="50000"/>
+            </a:schemeClr>
+          </a:lnRef>
+          <a:fillRef idx="1">
+            <a:schemeClr val="accent1"/>
+          </a:fillRef>
+          <a:effectRef idx="0">
+            <a:schemeClr val="accent1"/>
+          </a:effectRef>
+          <a:fontRef idx="minor"/>
+        </p:style>
+      </p:sp>
+      <p:sp>
+        <p:nvSpPr>
+          <p:cNvPr id="124" name="CustomShape 4"/>
+          <p:cNvSpPr/>
+          <p:nvPr/>
+        </p:nvSpPr>
+        <p:spPr>
+          <a:xfrm>
+            <a:off x="6755760" y="2906280"/>
+            <a:ext cx="1666440" cy="2284200"/>
+          </a:xfrm>
+          <a:prstGeom prst="rect">
+            <a:avLst/>
+          </a:prstGeom>
+          <a:noFill/>
           <a:ln>
             <a:noFill/>
           </a:ln>
         </p:spPr>
+        <p:style>
+          <a:lnRef idx="0">
+            <a:scrgbClr r="0" g="0" b="0"/>
+          </a:lnRef>
+          <a:fillRef idx="0">
+            <a:scrgbClr r="0" g="0" b="0"/>
+          </a:fillRef>
+          <a:effectRef idx="0">
+            <a:scrgbClr r="0" g="0" b="0"/>
+          </a:effectRef>
+          <a:fontRef idx="minor"/>
+        </p:style>
         <p:txBody>
-          <a:bodyPr/>
+          <a:bodyPr lIns="90000" tIns="45000" rIns="90000" bIns="45000"/>
           <a:lstStyle/>
           <a:p>
-            <a:pPr marL="360">
+            <a:pPr>
               <a:lnSpc>
-                <a:spcPct val="90000"/>
+                <a:spcPct val="100000"/>
               </a:lnSpc>
-              <a:spcBef>
-                <a:spcPts val="1001"/>
-              </a:spcBef>
-              <a:buClr>
-                <a:srgbClr val="000000"/>
-              </a:buClr>
             </a:pPr>
             <a:r>
-              <a:rPr lang="es-ES" sz="2800" b="0" strike="noStrike" spc="-1" dirty="0">
-                <a:latin typeface="Calibri"/>
+              <a:rPr lang="es-ES" sz="1800" b="0" strike="noStrike" spc="-1">
+                <a:solidFill>
+                  <a:srgbClr val="000000"/>
+                </a:solidFill>
+                <a:latin typeface="LM Roman 10"/>
               </a:rPr>
-              <a:t> </a:t>
+              <a:t>Definir la función </a:t>
             </a:r>
-            <a:endParaRPr lang="es-ES" sz="2800" b="0" strike="noStrike" spc="-1" dirty="0">
-              <a:solidFill>
-                <a:srgbClr val="000000"/>
-              </a:solidFill>
-              <a:latin typeface="Calibri"/>
+            <a:endParaRPr lang="es-ES" sz="1800" b="0" strike="noStrike" spc="-1">
+              <a:latin typeface="Arial"/>
+            </a:endParaRPr>
+          </a:p>
+          <a:p>
+            <a:pPr>
+              <a:lnSpc>
+                <a:spcPct val="100000"/>
+              </a:lnSpc>
+            </a:pPr>
+            <a:r>
+              <a:rPr lang="es-ES" sz="1800" b="0" strike="noStrike" spc="-1">
+                <a:solidFill>
+                  <a:srgbClr val="000000"/>
+                </a:solidFill>
+                <a:latin typeface="LM Roman 10"/>
+              </a:rPr>
+              <a:t>Objetivo (aka fitness</a:t>
+            </a:r>
+            <a:endParaRPr lang="es-ES" sz="1800" b="0" strike="noStrike" spc="-1">
+              <a:latin typeface="Arial"/>
+            </a:endParaRPr>
+          </a:p>
+          <a:p>
+            <a:pPr>
+              <a:lnSpc>
+                <a:spcPct val="100000"/>
+              </a:lnSpc>
+            </a:pPr>
+            <a:r>
+              <a:rPr lang="es-ES" sz="1800" b="0" strike="noStrike" spc="-1">
+                <a:solidFill>
+                  <a:srgbClr val="000000"/>
+                </a:solidFill>
+                <a:latin typeface="LM Roman 10"/>
+              </a:rPr>
+              <a:t>Function) y las </a:t>
+            </a:r>
+            <a:endParaRPr lang="es-ES" sz="1800" b="0" strike="noStrike" spc="-1">
+              <a:latin typeface="Arial"/>
+            </a:endParaRPr>
+          </a:p>
+          <a:p>
+            <a:pPr>
+              <a:lnSpc>
+                <a:spcPct val="100000"/>
+              </a:lnSpc>
+            </a:pPr>
+            <a:r>
+              <a:rPr lang="es-ES" sz="1800" b="0" strike="noStrike" spc="-1">
+                <a:solidFill>
+                  <a:srgbClr val="000000"/>
+                </a:solidFill>
+                <a:latin typeface="LM Roman 10"/>
+              </a:rPr>
+              <a:t>Restricciones.</a:t>
+            </a:r>
+            <a:endParaRPr lang="es-ES" sz="1800" b="0" strike="noStrike" spc="-1">
+              <a:latin typeface="Arial"/>
             </a:endParaRPr>
           </a:p>
         </p:txBody>
+      </p:sp>
+      <p:sp>
+        <p:nvSpPr>
+          <p:cNvPr id="125" name="CustomShape 5"/>
+          <p:cNvSpPr/>
+          <p:nvPr/>
+        </p:nvSpPr>
+        <p:spPr>
+          <a:xfrm>
+            <a:off x="285120" y="3882960"/>
+            <a:ext cx="1123920" cy="360"/>
+          </a:xfrm>
+          <a:custGeom>
+            <a:avLst/>
+            <a:gdLst/>
+            <a:ahLst/>
+            <a:cxnLst/>
+            <a:rect l="l" t="t" r="r" b="b"/>
+            <a:pathLst>
+              <a:path w="21600" h="21600">
+                <a:moveTo>
+                  <a:pt x="0" y="0"/>
+                </a:moveTo>
+                <a:lnTo>
+                  <a:pt x="21600" y="21600"/>
+                </a:lnTo>
+              </a:path>
+            </a:pathLst>
+          </a:custGeom>
+          <a:noFill/>
+          <a:ln w="38160">
+            <a:tailEnd type="triangle" w="med" len="med"/>
+          </a:ln>
+        </p:spPr>
+        <p:style>
+          <a:lnRef idx="1">
+            <a:schemeClr val="dk1"/>
+          </a:lnRef>
+          <a:fillRef idx="0">
+            <a:schemeClr val="dk1"/>
+          </a:fillRef>
+          <a:effectRef idx="0">
+            <a:schemeClr val="dk1"/>
+          </a:effectRef>
+          <a:fontRef idx="minor"/>
+        </p:style>
+      </p:sp>
+      <p:sp>
+        <p:nvSpPr>
+          <p:cNvPr id="126" name="CustomShape 6"/>
+          <p:cNvSpPr/>
+          <p:nvPr/>
+        </p:nvSpPr>
+        <p:spPr>
+          <a:xfrm>
+            <a:off x="4102200" y="2055600"/>
+            <a:ext cx="6579720" cy="3489480"/>
+          </a:xfrm>
+          <a:prstGeom prst="rect">
+            <a:avLst/>
+          </a:prstGeom>
+          <a:noFill/>
+          <a:ln w="38160">
+            <a:solidFill>
+              <a:schemeClr val="tx1"/>
+            </a:solidFill>
+          </a:ln>
+        </p:spPr>
+        <p:style>
+          <a:lnRef idx="2">
+            <a:schemeClr val="accent1">
+              <a:shade val="50000"/>
+            </a:schemeClr>
+          </a:lnRef>
+          <a:fillRef idx="1">
+            <a:schemeClr val="accent1"/>
+          </a:fillRef>
+          <a:effectRef idx="0">
+            <a:schemeClr val="accent1"/>
+          </a:effectRef>
+          <a:fontRef idx="minor"/>
+        </p:style>
+      </p:sp>
+      <p:sp>
+        <p:nvSpPr>
+          <p:cNvPr id="127" name="CustomShape 7"/>
+          <p:cNvSpPr/>
+          <p:nvPr/>
+        </p:nvSpPr>
+        <p:spPr>
+          <a:xfrm>
+            <a:off x="4677840" y="2231280"/>
+            <a:ext cx="5844240" cy="364680"/>
+          </a:xfrm>
+          <a:prstGeom prst="rect">
+            <a:avLst/>
+          </a:prstGeom>
+          <a:noFill/>
+          <a:ln>
+            <a:noFill/>
+          </a:ln>
+        </p:spPr>
+        <p:style>
+          <a:lnRef idx="0">
+            <a:scrgbClr r="0" g="0" b="0"/>
+          </a:lnRef>
+          <a:fillRef idx="0">
+            <a:scrgbClr r="0" g="0" b="0"/>
+          </a:fillRef>
+          <a:effectRef idx="0">
+            <a:scrgbClr r="0" g="0" b="0"/>
+          </a:effectRef>
+          <a:fontRef idx="minor"/>
+        </p:style>
+        <p:txBody>
+          <a:bodyPr wrap="none" lIns="90000" tIns="45000" rIns="90000" bIns="45000"/>
+          <a:lstStyle/>
+          <a:p>
+            <a:pPr>
+              <a:lnSpc>
+                <a:spcPct val="100000"/>
+              </a:lnSpc>
+            </a:pPr>
+            <a:r>
+              <a:rPr lang="es-ES" sz="1800" b="0" strike="noStrike" spc="-1">
+                <a:solidFill>
+                  <a:srgbClr val="000000"/>
+                </a:solidFill>
+                <a:latin typeface="LM Roman 10"/>
+              </a:rPr>
+              <a:t>Modelo optimización ruta -&gt; Problema del viajero</a:t>
+            </a:r>
+            <a:endParaRPr lang="es-ES" sz="1800" b="0" strike="noStrike" spc="-1">
+              <a:latin typeface="Arial"/>
+            </a:endParaRPr>
+          </a:p>
+        </p:txBody>
+      </p:sp>
+      <p:sp>
+        <p:nvSpPr>
+          <p:cNvPr id="128" name="CustomShape 8"/>
+          <p:cNvSpPr/>
+          <p:nvPr/>
+        </p:nvSpPr>
+        <p:spPr>
+          <a:xfrm>
+            <a:off x="1641960" y="2055600"/>
+            <a:ext cx="1393560" cy="3489480"/>
+          </a:xfrm>
+          <a:prstGeom prst="rect">
+            <a:avLst/>
+          </a:prstGeom>
+          <a:noFill/>
+          <a:ln w="38160">
+            <a:solidFill>
+              <a:schemeClr val="tx1"/>
+            </a:solidFill>
+          </a:ln>
+        </p:spPr>
+        <p:style>
+          <a:lnRef idx="2">
+            <a:schemeClr val="accent1">
+              <a:shade val="50000"/>
+            </a:schemeClr>
+          </a:lnRef>
+          <a:fillRef idx="1">
+            <a:schemeClr val="accent1"/>
+          </a:fillRef>
+          <a:effectRef idx="0">
+            <a:schemeClr val="accent1"/>
+          </a:effectRef>
+          <a:fontRef idx="minor"/>
+        </p:style>
+      </p:sp>
+      <p:sp>
+        <p:nvSpPr>
+          <p:cNvPr id="129" name="CustomShape 9"/>
+          <p:cNvSpPr/>
+          <p:nvPr/>
+        </p:nvSpPr>
+        <p:spPr>
+          <a:xfrm>
+            <a:off x="1712520" y="2116080"/>
+            <a:ext cx="1329480" cy="3930120"/>
+          </a:xfrm>
+          <a:prstGeom prst="rect">
+            <a:avLst/>
+          </a:prstGeom>
+          <a:noFill/>
+          <a:ln>
+            <a:noFill/>
+          </a:ln>
+        </p:spPr>
+        <p:style>
+          <a:lnRef idx="0">
+            <a:scrgbClr r="0" g="0" b="0"/>
+          </a:lnRef>
+          <a:fillRef idx="0">
+            <a:scrgbClr r="0" g="0" b="0"/>
+          </a:fillRef>
+          <a:effectRef idx="0">
+            <a:scrgbClr r="0" g="0" b="0"/>
+          </a:effectRef>
+          <a:fontRef idx="minor"/>
+        </p:style>
+        <p:txBody>
+          <a:bodyPr lIns="90000" tIns="45000" rIns="90000" bIns="45000"/>
+          <a:lstStyle/>
+          <a:p>
+            <a:pPr>
+              <a:lnSpc>
+                <a:spcPct val="100000"/>
+              </a:lnSpc>
+            </a:pPr>
+            <a:r>
+              <a:rPr lang="es-ES" sz="1800" b="0" strike="noStrike" spc="-1">
+                <a:solidFill>
+                  <a:srgbClr val="000000"/>
+                </a:solidFill>
+                <a:latin typeface="LM Roman 10"/>
+              </a:rPr>
+              <a:t>Predicción modelo ML puntos de recarga: predecir cuales son los puntos de recarga adicionales que convendría instalar.</a:t>
+            </a:r>
+            <a:endParaRPr lang="es-ES" sz="1800" b="0" strike="noStrike" spc="-1">
+              <a:latin typeface="Arial"/>
+            </a:endParaRPr>
+          </a:p>
+        </p:txBody>
+      </p:sp>
+      <p:sp>
+        <p:nvSpPr>
+          <p:cNvPr id="130" name="CustomShape 10"/>
+          <p:cNvSpPr/>
+          <p:nvPr/>
+        </p:nvSpPr>
+        <p:spPr>
+          <a:xfrm>
+            <a:off x="6682320" y="2820960"/>
+            <a:ext cx="1666440" cy="2247840"/>
+          </a:xfrm>
+          <a:prstGeom prst="rect">
+            <a:avLst/>
+          </a:prstGeom>
+          <a:noFill/>
+          <a:ln w="38160">
+            <a:solidFill>
+              <a:schemeClr val="tx1"/>
+            </a:solidFill>
+          </a:ln>
+        </p:spPr>
+        <p:style>
+          <a:lnRef idx="2">
+            <a:schemeClr val="accent1">
+              <a:shade val="50000"/>
+            </a:schemeClr>
+          </a:lnRef>
+          <a:fillRef idx="1">
+            <a:schemeClr val="accent1"/>
+          </a:fillRef>
+          <a:effectRef idx="0">
+            <a:schemeClr val="accent1"/>
+          </a:effectRef>
+          <a:fontRef idx="minor"/>
+        </p:style>
+      </p:sp>
+      <p:sp>
+        <p:nvSpPr>
+          <p:cNvPr id="131" name="CustomShape 11"/>
+          <p:cNvSpPr/>
+          <p:nvPr/>
+        </p:nvSpPr>
+        <p:spPr>
+          <a:xfrm>
+            <a:off x="8783280" y="2823120"/>
+            <a:ext cx="1666440" cy="2245680"/>
+          </a:xfrm>
+          <a:prstGeom prst="rect">
+            <a:avLst/>
+          </a:prstGeom>
+          <a:noFill/>
+          <a:ln w="38160">
+            <a:solidFill>
+              <a:schemeClr val="tx1"/>
+            </a:solidFill>
+          </a:ln>
+        </p:spPr>
+        <p:style>
+          <a:lnRef idx="2">
+            <a:schemeClr val="accent1">
+              <a:shade val="50000"/>
+            </a:schemeClr>
+          </a:lnRef>
+          <a:fillRef idx="1">
+            <a:schemeClr val="accent1"/>
+          </a:fillRef>
+          <a:effectRef idx="0">
+            <a:schemeClr val="accent1"/>
+          </a:effectRef>
+          <a:fontRef idx="minor"/>
+        </p:style>
+      </p:sp>
+      <p:sp>
+        <p:nvSpPr>
+          <p:cNvPr id="132" name="CustomShape 12"/>
+          <p:cNvSpPr/>
+          <p:nvPr/>
+        </p:nvSpPr>
+        <p:spPr>
+          <a:xfrm>
+            <a:off x="11081880" y="2708280"/>
+            <a:ext cx="947520" cy="360"/>
+          </a:xfrm>
+          <a:custGeom>
+            <a:avLst/>
+            <a:gdLst/>
+            <a:ahLst/>
+            <a:cxnLst/>
+            <a:rect l="l" t="t" r="r" b="b"/>
+            <a:pathLst>
+              <a:path w="21600" h="21600">
+                <a:moveTo>
+                  <a:pt x="0" y="0"/>
+                </a:moveTo>
+                <a:lnTo>
+                  <a:pt x="21600" y="21600"/>
+                </a:lnTo>
+              </a:path>
+            </a:pathLst>
+          </a:custGeom>
+          <a:noFill/>
+          <a:ln w="38160">
+            <a:solidFill>
+              <a:srgbClr val="FF0000"/>
+            </a:solidFill>
+            <a:tailEnd type="triangle" w="med" len="med"/>
+          </a:ln>
+        </p:spPr>
+        <p:style>
+          <a:lnRef idx="1">
+            <a:schemeClr val="dk1"/>
+          </a:lnRef>
+          <a:fillRef idx="0">
+            <a:schemeClr val="dk1"/>
+          </a:fillRef>
+          <a:effectRef idx="0">
+            <a:schemeClr val="dk1"/>
+          </a:effectRef>
+          <a:fontRef idx="minor"/>
+        </p:style>
+      </p:sp>
+      <p:sp>
+        <p:nvSpPr>
+          <p:cNvPr id="133" name="CustomShape 13"/>
+          <p:cNvSpPr/>
+          <p:nvPr/>
+        </p:nvSpPr>
+        <p:spPr>
+          <a:xfrm>
+            <a:off x="3039120" y="2906280"/>
+            <a:ext cx="1062720" cy="22680"/>
+          </a:xfrm>
+          <a:custGeom>
+            <a:avLst/>
+            <a:gdLst/>
+            <a:ahLst/>
+            <a:cxnLst/>
+            <a:rect l="l" t="t" r="r" b="b"/>
+            <a:pathLst>
+              <a:path w="21600" h="21600">
+                <a:moveTo>
+                  <a:pt x="0" y="0"/>
+                </a:moveTo>
+                <a:lnTo>
+                  <a:pt x="21600" y="21600"/>
+                </a:lnTo>
+              </a:path>
+            </a:pathLst>
+          </a:custGeom>
+          <a:noFill/>
+          <a:ln w="38160">
+            <a:solidFill>
+              <a:srgbClr val="FF0000"/>
+            </a:solidFill>
+            <a:tailEnd type="triangle" w="med" len="med"/>
+          </a:ln>
+        </p:spPr>
+        <p:style>
+          <a:lnRef idx="1">
+            <a:schemeClr val="dk1"/>
+          </a:lnRef>
+          <a:fillRef idx="0">
+            <a:schemeClr val="dk1"/>
+          </a:fillRef>
+          <a:effectRef idx="0">
+            <a:schemeClr val="dk1"/>
+          </a:effectRef>
+          <a:fontRef idx="minor"/>
+        </p:style>
+      </p:sp>
+      <p:sp>
+        <p:nvSpPr>
+          <p:cNvPr id="134" name="CustomShape 14"/>
+          <p:cNvSpPr/>
+          <p:nvPr/>
+        </p:nvSpPr>
+        <p:spPr>
+          <a:xfrm>
+            <a:off x="3042360" y="4530240"/>
+            <a:ext cx="1059480" cy="360"/>
+          </a:xfrm>
+          <a:custGeom>
+            <a:avLst/>
+            <a:gdLst/>
+            <a:ahLst/>
+            <a:cxnLst/>
+            <a:rect l="l" t="t" r="r" b="b"/>
+            <a:pathLst>
+              <a:path w="21600" h="21600">
+                <a:moveTo>
+                  <a:pt x="0" y="0"/>
+                </a:moveTo>
+                <a:lnTo>
+                  <a:pt x="21600" y="21600"/>
+                </a:lnTo>
+              </a:path>
+            </a:pathLst>
+          </a:custGeom>
+          <a:noFill/>
+          <a:ln w="38160">
+            <a:solidFill>
+              <a:srgbClr val="00B0F0"/>
+            </a:solidFill>
+            <a:tailEnd type="triangle" w="med" len="med"/>
+          </a:ln>
+        </p:spPr>
+        <p:style>
+          <a:lnRef idx="1">
+            <a:schemeClr val="dk1"/>
+          </a:lnRef>
+          <a:fillRef idx="0">
+            <a:schemeClr val="dk1"/>
+          </a:fillRef>
+          <a:effectRef idx="0">
+            <a:schemeClr val="dk1"/>
+          </a:effectRef>
+          <a:fontRef idx="minor"/>
+        </p:style>
+      </p:sp>
+      <p:sp>
+        <p:nvSpPr>
+          <p:cNvPr id="135" name="CustomShape 15"/>
+          <p:cNvSpPr/>
+          <p:nvPr/>
+        </p:nvSpPr>
+        <p:spPr>
+          <a:xfrm>
+            <a:off x="8868960" y="2929320"/>
+            <a:ext cx="1666440" cy="2010600"/>
+          </a:xfrm>
+          <a:prstGeom prst="rect">
+            <a:avLst/>
+          </a:prstGeom>
+          <a:noFill/>
+          <a:ln>
+            <a:noFill/>
+          </a:ln>
+        </p:spPr>
+        <p:style>
+          <a:lnRef idx="0">
+            <a:scrgbClr r="0" g="0" b="0"/>
+          </a:lnRef>
+          <a:fillRef idx="0">
+            <a:scrgbClr r="0" g="0" b="0"/>
+          </a:fillRef>
+          <a:effectRef idx="0">
+            <a:scrgbClr r="0" g="0" b="0"/>
+          </a:effectRef>
+          <a:fontRef idx="minor"/>
+        </p:style>
+        <p:txBody>
+          <a:bodyPr lIns="90000" tIns="45000" rIns="90000" bIns="45000"/>
+          <a:lstStyle/>
+          <a:p>
+            <a:pPr>
+              <a:lnSpc>
+                <a:spcPct val="100000"/>
+              </a:lnSpc>
+            </a:pPr>
+            <a:r>
+              <a:rPr lang="es-ES" sz="1800" b="0" strike="noStrike" spc="-1">
+                <a:solidFill>
+                  <a:srgbClr val="000000"/>
+                </a:solidFill>
+                <a:latin typeface="LM Roman 10"/>
+              </a:rPr>
+              <a:t>Aplicar el modelo de optimización al problema definido y obtener ruta deseada.</a:t>
+            </a:r>
+            <a:endParaRPr lang="es-ES" sz="1800" b="0" strike="noStrike" spc="-1">
+              <a:latin typeface="Arial"/>
+            </a:endParaRPr>
+          </a:p>
+        </p:txBody>
+      </p:sp>
+      <p:sp>
+        <p:nvSpPr>
+          <p:cNvPr id="136" name="CustomShape 16"/>
+          <p:cNvSpPr/>
+          <p:nvPr/>
+        </p:nvSpPr>
+        <p:spPr>
+          <a:xfrm>
+            <a:off x="4591440" y="2946960"/>
+            <a:ext cx="1601280" cy="2558520"/>
+          </a:xfrm>
+          <a:prstGeom prst="rect">
+            <a:avLst/>
+          </a:prstGeom>
+          <a:noFill/>
+          <a:ln>
+            <a:noFill/>
+          </a:ln>
+        </p:spPr>
+        <p:style>
+          <a:lnRef idx="0">
+            <a:scrgbClr r="0" g="0" b="0"/>
+          </a:lnRef>
+          <a:fillRef idx="0">
+            <a:scrgbClr r="0" g="0" b="0"/>
+          </a:fillRef>
+          <a:effectRef idx="0">
+            <a:scrgbClr r="0" g="0" b="0"/>
+          </a:effectRef>
+          <a:fontRef idx="minor"/>
+        </p:style>
+        <p:txBody>
+          <a:bodyPr lIns="90000" tIns="45000" rIns="90000" bIns="45000"/>
+          <a:lstStyle/>
+          <a:p>
+            <a:pPr>
+              <a:lnSpc>
+                <a:spcPct val="100000"/>
+              </a:lnSpc>
+            </a:pPr>
+            <a:r>
+              <a:rPr lang="es-ES" sz="1800" b="0" strike="noStrike" spc="-1">
+                <a:solidFill>
+                  <a:srgbClr val="000000"/>
+                </a:solidFill>
+                <a:latin typeface="LM Roman 10"/>
+              </a:rPr>
+              <a:t>Transformar las variables para adecuarlas al problema de optimización.</a:t>
+            </a:r>
+            <a:endParaRPr lang="es-ES" sz="1800" b="0" strike="noStrike" spc="-1">
+              <a:latin typeface="Arial"/>
+            </a:endParaRPr>
+          </a:p>
+        </p:txBody>
+      </p:sp>
+      <p:sp>
+        <p:nvSpPr>
+          <p:cNvPr id="137" name="CustomShape 17"/>
+          <p:cNvSpPr/>
+          <p:nvPr/>
+        </p:nvSpPr>
+        <p:spPr>
+          <a:xfrm>
+            <a:off x="11081880" y="4861440"/>
+            <a:ext cx="947520" cy="360"/>
+          </a:xfrm>
+          <a:custGeom>
+            <a:avLst/>
+            <a:gdLst/>
+            <a:ahLst/>
+            <a:cxnLst/>
+            <a:rect l="l" t="t" r="r" b="b"/>
+            <a:pathLst>
+              <a:path w="21600" h="21600">
+                <a:moveTo>
+                  <a:pt x="0" y="0"/>
+                </a:moveTo>
+                <a:lnTo>
+                  <a:pt x="21600" y="21600"/>
+                </a:lnTo>
+              </a:path>
+            </a:pathLst>
+          </a:custGeom>
+          <a:noFill/>
+          <a:ln w="38160">
+            <a:solidFill>
+              <a:srgbClr val="00B0F0"/>
+            </a:solidFill>
+            <a:tailEnd type="triangle" w="med" len="med"/>
+          </a:ln>
+        </p:spPr>
+        <p:style>
+          <a:lnRef idx="1">
+            <a:schemeClr val="dk1"/>
+          </a:lnRef>
+          <a:fillRef idx="0">
+            <a:schemeClr val="dk1"/>
+          </a:fillRef>
+          <a:effectRef idx="0">
+            <a:schemeClr val="dk1"/>
+          </a:effectRef>
+          <a:fontRef idx="minor"/>
+        </p:style>
+      </p:sp>
+      <p:sp>
+        <p:nvSpPr>
+          <p:cNvPr id="138" name="CustomShape 18"/>
+          <p:cNvSpPr/>
+          <p:nvPr/>
+        </p:nvSpPr>
+        <p:spPr>
+          <a:xfrm>
+            <a:off x="3112560" y="2242080"/>
+            <a:ext cx="886320" cy="577080"/>
+          </a:xfrm>
+          <a:prstGeom prst="rect">
+            <a:avLst/>
+          </a:prstGeom>
+          <a:noFill/>
+          <a:ln>
+            <a:noFill/>
+          </a:ln>
+        </p:spPr>
+        <p:style>
+          <a:lnRef idx="0">
+            <a:scrgbClr r="0" g="0" b="0"/>
+          </a:lnRef>
+          <a:fillRef idx="0">
+            <a:scrgbClr r="0" g="0" b="0"/>
+          </a:fillRef>
+          <a:effectRef idx="0">
+            <a:scrgbClr r="0" g="0" b="0"/>
+          </a:effectRef>
+          <a:fontRef idx="minor"/>
+        </p:style>
+        <p:txBody>
+          <a:bodyPr lIns="90000" tIns="45000" rIns="90000" bIns="45000"/>
+          <a:lstStyle/>
+          <a:p>
+            <a:pPr>
+              <a:lnSpc>
+                <a:spcPct val="100000"/>
+              </a:lnSpc>
+            </a:pPr>
+            <a:r>
+              <a:rPr lang="es-ES" sz="1600" b="0" strike="noStrike" spc="-1">
+                <a:solidFill>
+                  <a:srgbClr val="FF0000"/>
+                </a:solidFill>
+                <a:latin typeface="LM Roman 10"/>
+              </a:rPr>
+              <a:t>Puntos reales</a:t>
+            </a:r>
+            <a:endParaRPr lang="es-ES" sz="1600" b="0" strike="noStrike" spc="-1">
+              <a:latin typeface="Arial"/>
+            </a:endParaRPr>
+          </a:p>
+        </p:txBody>
+      </p:sp>
+      <p:sp>
+        <p:nvSpPr>
+          <p:cNvPr id="139" name="CustomShape 19"/>
+          <p:cNvSpPr/>
+          <p:nvPr/>
+        </p:nvSpPr>
+        <p:spPr>
+          <a:xfrm>
+            <a:off x="3077640" y="3575520"/>
+            <a:ext cx="1030680" cy="1063080"/>
+          </a:xfrm>
+          <a:prstGeom prst="rect">
+            <a:avLst/>
+          </a:prstGeom>
+          <a:noFill/>
+          <a:ln>
+            <a:noFill/>
+          </a:ln>
+        </p:spPr>
+        <p:style>
+          <a:lnRef idx="0">
+            <a:scrgbClr r="0" g="0" b="0"/>
+          </a:lnRef>
+          <a:fillRef idx="0">
+            <a:scrgbClr r="0" g="0" b="0"/>
+          </a:fillRef>
+          <a:effectRef idx="0">
+            <a:scrgbClr r="0" g="0" b="0"/>
+          </a:effectRef>
+          <a:fontRef idx="minor"/>
+        </p:style>
+        <p:txBody>
+          <a:bodyPr lIns="90000" tIns="45000" rIns="90000" bIns="45000"/>
+          <a:lstStyle/>
+          <a:p>
+            <a:pPr>
+              <a:lnSpc>
+                <a:spcPct val="100000"/>
+              </a:lnSpc>
+            </a:pPr>
+            <a:r>
+              <a:rPr lang="es-ES" sz="1600" b="0" strike="noStrike" spc="-1">
+                <a:solidFill>
+                  <a:srgbClr val="00B0F0"/>
+                </a:solidFill>
+                <a:latin typeface="LM Roman 10"/>
+              </a:rPr>
+              <a:t>Puntos reales + predichos</a:t>
+            </a:r>
+            <a:endParaRPr lang="es-ES" sz="1600" b="0" strike="noStrike" spc="-1">
+              <a:latin typeface="Arial"/>
+            </a:endParaRPr>
+          </a:p>
+        </p:txBody>
+      </p:sp>
+      <p:sp>
+        <p:nvSpPr>
+          <p:cNvPr id="140" name="CustomShape 20"/>
+          <p:cNvSpPr/>
+          <p:nvPr/>
+        </p:nvSpPr>
+        <p:spPr>
+          <a:xfrm>
+            <a:off x="11116800" y="3926160"/>
+            <a:ext cx="1030680" cy="1063080"/>
+          </a:xfrm>
+          <a:prstGeom prst="rect">
+            <a:avLst/>
+          </a:prstGeom>
+          <a:noFill/>
+          <a:ln>
+            <a:noFill/>
+          </a:ln>
+        </p:spPr>
+        <p:style>
+          <a:lnRef idx="0">
+            <a:scrgbClr r="0" g="0" b="0"/>
+          </a:lnRef>
+          <a:fillRef idx="0">
+            <a:scrgbClr r="0" g="0" b="0"/>
+          </a:fillRef>
+          <a:effectRef idx="0">
+            <a:scrgbClr r="0" g="0" b="0"/>
+          </a:effectRef>
+          <a:fontRef idx="minor"/>
+        </p:style>
+        <p:txBody>
+          <a:bodyPr lIns="90000" tIns="45000" rIns="90000" bIns="45000"/>
+          <a:lstStyle/>
+          <a:p>
+            <a:pPr>
+              <a:lnSpc>
+                <a:spcPct val="100000"/>
+              </a:lnSpc>
+            </a:pPr>
+            <a:r>
+              <a:rPr lang="es-ES" sz="1600" b="0" strike="noStrike" spc="-1">
+                <a:solidFill>
+                  <a:srgbClr val="00B0F0"/>
+                </a:solidFill>
+                <a:latin typeface="LM Roman 10"/>
+              </a:rPr>
+              <a:t>Puntos reales + predichos</a:t>
+            </a:r>
+            <a:endParaRPr lang="es-ES" sz="1600" b="0" strike="noStrike" spc="-1">
+              <a:latin typeface="Arial"/>
+            </a:endParaRPr>
+          </a:p>
+        </p:txBody>
+      </p:sp>
+      <p:sp>
+        <p:nvSpPr>
+          <p:cNvPr id="141" name="CustomShape 21"/>
+          <p:cNvSpPr/>
+          <p:nvPr/>
+        </p:nvSpPr>
+        <p:spPr>
+          <a:xfrm>
+            <a:off x="11189160" y="1277280"/>
+            <a:ext cx="886320" cy="1307160"/>
+          </a:xfrm>
+          <a:prstGeom prst="rect">
+            <a:avLst/>
+          </a:prstGeom>
+          <a:noFill/>
+          <a:ln>
+            <a:noFill/>
+          </a:ln>
+        </p:spPr>
+        <p:style>
+          <a:lnRef idx="0">
+            <a:scrgbClr r="0" g="0" b="0"/>
+          </a:lnRef>
+          <a:fillRef idx="0">
+            <a:scrgbClr r="0" g="0" b="0"/>
+          </a:fillRef>
+          <a:effectRef idx="0">
+            <a:scrgbClr r="0" g="0" b="0"/>
+          </a:effectRef>
+          <a:fontRef idx="minor"/>
+        </p:style>
+        <p:txBody>
+          <a:bodyPr lIns="90000" tIns="45000" rIns="90000" bIns="45000"/>
+          <a:lstStyle/>
+          <a:p>
+            <a:pPr>
+              <a:lnSpc>
+                <a:spcPct val="100000"/>
+              </a:lnSpc>
+            </a:pPr>
+            <a:r>
+              <a:rPr lang="es-ES" sz="1600" b="0" strike="noStrike" spc="-1">
+                <a:solidFill>
+                  <a:srgbClr val="FF0000"/>
+                </a:solidFill>
+                <a:latin typeface="LM Roman 10"/>
+              </a:rPr>
+              <a:t>Ruta óptima con puntos reales</a:t>
+            </a:r>
+            <a:endParaRPr lang="es-ES" sz="1600" b="0" strike="noStrike" spc="-1">
+              <a:latin typeface="Arial"/>
+            </a:endParaRPr>
+          </a:p>
+        </p:txBody>
+      </p:sp>
+      <p:sp>
+        <p:nvSpPr>
+          <p:cNvPr id="142" name="CustomShape 22"/>
+          <p:cNvSpPr/>
+          <p:nvPr/>
+        </p:nvSpPr>
+        <p:spPr>
+          <a:xfrm>
+            <a:off x="6193080" y="3944880"/>
+            <a:ext cx="488880" cy="360"/>
+          </a:xfrm>
+          <a:custGeom>
+            <a:avLst/>
+            <a:gdLst/>
+            <a:ahLst/>
+            <a:cxnLst/>
+            <a:rect l="l" t="t" r="r" b="b"/>
+            <a:pathLst>
+              <a:path w="21600" h="21600">
+                <a:moveTo>
+                  <a:pt x="0" y="0"/>
+                </a:moveTo>
+                <a:lnTo>
+                  <a:pt x="21600" y="21600"/>
+                </a:lnTo>
+              </a:path>
+            </a:pathLst>
+          </a:custGeom>
+          <a:noFill/>
+          <a:ln w="38160">
+            <a:tailEnd type="triangle" w="med" len="med"/>
+          </a:ln>
+        </p:spPr>
+        <p:style>
+          <a:lnRef idx="1">
+            <a:schemeClr val="dk1"/>
+          </a:lnRef>
+          <a:fillRef idx="0">
+            <a:schemeClr val="dk1"/>
+          </a:fillRef>
+          <a:effectRef idx="0">
+            <a:schemeClr val="dk1"/>
+          </a:effectRef>
+          <a:fontRef idx="minor"/>
+        </p:style>
+      </p:sp>
+      <p:sp>
+        <p:nvSpPr>
+          <p:cNvPr id="143" name="CustomShape 23"/>
+          <p:cNvSpPr/>
+          <p:nvPr/>
+        </p:nvSpPr>
+        <p:spPr>
+          <a:xfrm>
+            <a:off x="8349480" y="3944880"/>
+            <a:ext cx="433800" cy="720"/>
+          </a:xfrm>
+          <a:custGeom>
+            <a:avLst/>
+            <a:gdLst/>
+            <a:ahLst/>
+            <a:cxnLst/>
+            <a:rect l="l" t="t" r="r" b="b"/>
+            <a:pathLst>
+              <a:path w="21600" h="21600">
+                <a:moveTo>
+                  <a:pt x="0" y="0"/>
+                </a:moveTo>
+                <a:lnTo>
+                  <a:pt x="21600" y="21600"/>
+                </a:lnTo>
+              </a:path>
+            </a:pathLst>
+          </a:custGeom>
+          <a:noFill/>
+          <a:ln w="38160">
+            <a:tailEnd type="triangle" w="med" len="med"/>
+          </a:ln>
+        </p:spPr>
+        <p:style>
+          <a:lnRef idx="1">
+            <a:schemeClr val="dk1"/>
+          </a:lnRef>
+          <a:fillRef idx="0">
+            <a:schemeClr val="dk1"/>
+          </a:fillRef>
+          <a:effectRef idx="0">
+            <a:schemeClr val="dk1"/>
+          </a:effectRef>
+          <a:fontRef idx="minor"/>
+        </p:style>
       </p:sp>
     </p:spTree>
   </p:cSld>
@@ -9237,24 +12047,19 @@
       </p:grpSpPr>
       <p:sp>
         <p:nvSpPr>
-          <p:cNvPr id="166" name="TextShape 2"/>
+          <p:cNvPr id="144" name="TextShape 1"/>
           <p:cNvSpPr txBox="1"/>
           <p:nvPr/>
         </p:nvSpPr>
         <p:spPr>
           <a:xfrm>
-            <a:off x="838080" y="534108"/>
-            <a:ext cx="10515240" cy="444240"/>
-          </a:xfrm>
-          <a:prstGeom prst="rect">
-            <a:avLst/>
-          </a:prstGeom>
-          <a:blipFill rotWithShape="0">
-            <a:blip r:embed="rId2"/>
-            <a:stretch>
-              <a:fillRect/>
-            </a:stretch>
-          </a:blipFill>
+            <a:off x="4492800" y="229680"/>
+            <a:ext cx="2385720" cy="813960"/>
+          </a:xfrm>
+          <a:prstGeom prst="rect">
+            <a:avLst/>
+          </a:prstGeom>
+          <a:noFill/>
           <a:ln>
             <a:noFill/>
           </a:ln>
@@ -9270,9 +12075,12 @@
             </a:pPr>
             <a:r>
               <a:rPr lang="es-ES" sz="4400" b="0" strike="noStrike" spc="-1">
-                <a:latin typeface="Calibri Light"/>
+                <a:solidFill>
+                  <a:srgbClr val="000000"/>
+                </a:solidFill>
+                <a:latin typeface="LM Roman 10"/>
               </a:rPr>
-              <a:t> </a:t>
+              <a:t>Output</a:t>
             </a:r>
             <a:endParaRPr lang="es-ES" sz="4400" b="0" strike="noStrike" spc="-1">
               <a:solidFill>
@@ -9285,54 +12093,637 @@
       </p:sp>
       <p:sp>
         <p:nvSpPr>
-          <p:cNvPr id="168" name="TextShape 4"/>
-          <p:cNvSpPr txBox="1"/>
+          <p:cNvPr id="145" name="CustomShape 2"/>
+          <p:cNvSpPr/>
           <p:nvPr/>
         </p:nvSpPr>
         <p:spPr>
           <a:xfrm>
-            <a:off x="838080" y="1377950"/>
-            <a:ext cx="10515240" cy="4350960"/>
-          </a:xfrm>
-          <a:prstGeom prst="rect">
-            <a:avLst/>
-          </a:prstGeom>
-          <a:blipFill rotWithShape="0">
-            <a:blip r:embed="rId3"/>
-            <a:stretch>
-              <a:fillRect/>
-            </a:stretch>
-          </a:blipFill>
+            <a:off x="1921680" y="1231920"/>
+            <a:ext cx="7448400" cy="4925160"/>
+          </a:xfrm>
+          <a:prstGeom prst="rect">
+            <a:avLst/>
+          </a:prstGeom>
+          <a:noFill/>
+          <a:ln w="38160">
+            <a:solidFill>
+              <a:schemeClr val="tx1"/>
+            </a:solidFill>
+          </a:ln>
+        </p:spPr>
+        <p:style>
+          <a:lnRef idx="2">
+            <a:schemeClr val="accent1">
+              <a:shade val="50000"/>
+            </a:schemeClr>
+          </a:lnRef>
+          <a:fillRef idx="1">
+            <a:schemeClr val="accent1"/>
+          </a:fillRef>
+          <a:effectRef idx="0">
+            <a:schemeClr val="accent1"/>
+          </a:effectRef>
+          <a:fontRef idx="minor"/>
+        </p:style>
+      </p:sp>
+      <p:sp>
+        <p:nvSpPr>
+          <p:cNvPr id="146" name="CustomShape 3"/>
+          <p:cNvSpPr/>
+          <p:nvPr/>
+        </p:nvSpPr>
+        <p:spPr>
+          <a:xfrm>
+            <a:off x="3362760" y="1539360"/>
+            <a:ext cx="4245120" cy="1473120"/>
+          </a:xfrm>
+          <a:prstGeom prst="rect">
+            <a:avLst/>
+          </a:prstGeom>
+          <a:noFill/>
+          <a:ln w="38160">
+            <a:solidFill>
+              <a:schemeClr val="tx1"/>
+            </a:solidFill>
+          </a:ln>
+        </p:spPr>
+        <p:style>
+          <a:lnRef idx="2">
+            <a:schemeClr val="accent1">
+              <a:shade val="50000"/>
+            </a:schemeClr>
+          </a:lnRef>
+          <a:fillRef idx="1">
+            <a:schemeClr val="accent1"/>
+          </a:fillRef>
+          <a:effectRef idx="0">
+            <a:schemeClr val="accent1"/>
+          </a:effectRef>
+          <a:fontRef idx="minor"/>
+        </p:style>
+      </p:sp>
+      <p:sp>
+        <p:nvSpPr>
+          <p:cNvPr id="147" name="CustomShape 4"/>
+          <p:cNvSpPr/>
+          <p:nvPr/>
+        </p:nvSpPr>
+        <p:spPr>
+          <a:xfrm>
+            <a:off x="973440" y="2901240"/>
+            <a:ext cx="947520" cy="360"/>
+          </a:xfrm>
+          <a:custGeom>
+            <a:avLst/>
+            <a:gdLst/>
+            <a:ahLst/>
+            <a:cxnLst/>
+            <a:rect l="l" t="t" r="r" b="b"/>
+            <a:pathLst>
+              <a:path w="21600" h="21600">
+                <a:moveTo>
+                  <a:pt x="0" y="0"/>
+                </a:moveTo>
+                <a:lnTo>
+                  <a:pt x="21600" y="21600"/>
+                </a:lnTo>
+              </a:path>
+            </a:pathLst>
+          </a:custGeom>
+          <a:noFill/>
+          <a:ln w="38160">
+            <a:solidFill>
+              <a:srgbClr val="FF0000"/>
+            </a:solidFill>
+            <a:tailEnd type="triangle" w="med" len="med"/>
+          </a:ln>
+        </p:spPr>
+        <p:style>
+          <a:lnRef idx="1">
+            <a:schemeClr val="dk1"/>
+          </a:lnRef>
+          <a:fillRef idx="0">
+            <a:schemeClr val="dk1"/>
+          </a:fillRef>
+          <a:effectRef idx="0">
+            <a:schemeClr val="dk1"/>
+          </a:effectRef>
+          <a:fontRef idx="minor"/>
+        </p:style>
+      </p:sp>
+      <p:sp>
+        <p:nvSpPr>
+          <p:cNvPr id="148" name="CustomShape 5"/>
+          <p:cNvSpPr/>
+          <p:nvPr/>
+        </p:nvSpPr>
+        <p:spPr>
+          <a:xfrm>
+            <a:off x="973440" y="4676760"/>
+            <a:ext cx="947520" cy="360"/>
+          </a:xfrm>
+          <a:custGeom>
+            <a:avLst/>
+            <a:gdLst/>
+            <a:ahLst/>
+            <a:cxnLst/>
+            <a:rect l="l" t="t" r="r" b="b"/>
+            <a:pathLst>
+              <a:path w="21600" h="21600">
+                <a:moveTo>
+                  <a:pt x="0" y="0"/>
+                </a:moveTo>
+                <a:lnTo>
+                  <a:pt x="21600" y="21600"/>
+                </a:lnTo>
+              </a:path>
+            </a:pathLst>
+          </a:custGeom>
+          <a:noFill/>
+          <a:ln w="38160">
+            <a:solidFill>
+              <a:srgbClr val="00B0F0"/>
+            </a:solidFill>
+            <a:tailEnd type="triangle" w="med" len="med"/>
+          </a:ln>
+        </p:spPr>
+        <p:style>
+          <a:lnRef idx="1">
+            <a:schemeClr val="dk1"/>
+          </a:lnRef>
+          <a:fillRef idx="0">
+            <a:schemeClr val="dk1"/>
+          </a:fillRef>
+          <a:effectRef idx="0">
+            <a:schemeClr val="dk1"/>
+          </a:effectRef>
+          <a:fontRef idx="minor"/>
+        </p:style>
+      </p:sp>
+      <p:sp>
+        <p:nvSpPr>
+          <p:cNvPr id="149" name="CustomShape 6"/>
+          <p:cNvSpPr/>
+          <p:nvPr/>
+        </p:nvSpPr>
+        <p:spPr>
+          <a:xfrm>
+            <a:off x="1034640" y="1483920"/>
+            <a:ext cx="886320" cy="1307160"/>
+          </a:xfrm>
+          <a:prstGeom prst="rect">
+            <a:avLst/>
+          </a:prstGeom>
+          <a:noFill/>
           <a:ln>
             <a:noFill/>
           </a:ln>
         </p:spPr>
+        <p:style>
+          <a:lnRef idx="0">
+            <a:scrgbClr r="0" g="0" b="0"/>
+          </a:lnRef>
+          <a:fillRef idx="0">
+            <a:scrgbClr r="0" g="0" b="0"/>
+          </a:fillRef>
+          <a:effectRef idx="0">
+            <a:scrgbClr r="0" g="0" b="0"/>
+          </a:effectRef>
+          <a:fontRef idx="minor"/>
+        </p:style>
         <p:txBody>
-          <a:bodyPr/>
+          <a:bodyPr lIns="90000" tIns="45000" rIns="90000" bIns="45000"/>
           <a:lstStyle/>
           <a:p>
-            <a:pPr marL="360">
+            <a:pPr>
               <a:lnSpc>
-                <a:spcPct val="90000"/>
+                <a:spcPct val="100000"/>
               </a:lnSpc>
-              <a:spcBef>
-                <a:spcPts val="1001"/>
-              </a:spcBef>
-              <a:buClr>
-                <a:srgbClr val="000000"/>
-              </a:buClr>
             </a:pPr>
             <a:r>
-              <a:rPr lang="es-ES" sz="2800" b="0" strike="noStrike" spc="-1" dirty="0">
-                <a:latin typeface="Calibri"/>
+              <a:rPr lang="es-ES" sz="1600" b="0" strike="noStrike" spc="-1">
+                <a:solidFill>
+                  <a:srgbClr val="FF0000"/>
+                </a:solidFill>
+                <a:latin typeface="LM Roman 10"/>
               </a:rPr>
-              <a:t> </a:t>
+              <a:t>Ruta óptima con puntos reales</a:t>
             </a:r>
-            <a:endParaRPr lang="es-ES" sz="2800" b="0" strike="noStrike" spc="-1" dirty="0">
-              <a:solidFill>
-                <a:srgbClr val="000000"/>
-              </a:solidFill>
-              <a:latin typeface="Calibri"/>
+            <a:endParaRPr lang="es-ES" sz="1600" b="0" strike="noStrike" spc="-1">
+              <a:latin typeface="Arial"/>
+            </a:endParaRPr>
+          </a:p>
+        </p:txBody>
+      </p:sp>
+      <p:sp>
+        <p:nvSpPr>
+          <p:cNvPr id="150" name="CustomShape 7"/>
+          <p:cNvSpPr/>
+          <p:nvPr/>
+        </p:nvSpPr>
+        <p:spPr>
+          <a:xfrm>
+            <a:off x="890640" y="3751920"/>
+            <a:ext cx="1030680" cy="1063080"/>
+          </a:xfrm>
+          <a:prstGeom prst="rect">
+            <a:avLst/>
+          </a:prstGeom>
+          <a:noFill/>
+          <a:ln>
+            <a:noFill/>
+          </a:ln>
+        </p:spPr>
+        <p:style>
+          <a:lnRef idx="0">
+            <a:scrgbClr r="0" g="0" b="0"/>
+          </a:lnRef>
+          <a:fillRef idx="0">
+            <a:scrgbClr r="0" g="0" b="0"/>
+          </a:fillRef>
+          <a:effectRef idx="0">
+            <a:scrgbClr r="0" g="0" b="0"/>
+          </a:effectRef>
+          <a:fontRef idx="minor"/>
+        </p:style>
+        <p:txBody>
+          <a:bodyPr lIns="90000" tIns="45000" rIns="90000" bIns="45000"/>
+          <a:lstStyle/>
+          <a:p>
+            <a:pPr>
+              <a:lnSpc>
+                <a:spcPct val="100000"/>
+              </a:lnSpc>
+            </a:pPr>
+            <a:r>
+              <a:rPr lang="es-ES" sz="1600" b="0" strike="noStrike" spc="-1">
+                <a:solidFill>
+                  <a:srgbClr val="00B0F0"/>
+                </a:solidFill>
+                <a:latin typeface="LM Roman 10"/>
+              </a:rPr>
+              <a:t>Puntos reales + predichos</a:t>
+            </a:r>
+            <a:endParaRPr lang="es-ES" sz="1600" b="0" strike="noStrike" spc="-1">
+              <a:latin typeface="Arial"/>
+            </a:endParaRPr>
+          </a:p>
+        </p:txBody>
+      </p:sp>
+      <p:sp>
+        <p:nvSpPr>
+          <p:cNvPr id="151" name="CustomShape 8"/>
+          <p:cNvSpPr/>
+          <p:nvPr/>
+        </p:nvSpPr>
+        <p:spPr>
+          <a:xfrm>
+            <a:off x="3629520" y="1953000"/>
+            <a:ext cx="3492360" cy="912600"/>
+          </a:xfrm>
+          <a:prstGeom prst="rect">
+            <a:avLst/>
+          </a:prstGeom>
+          <a:noFill/>
+          <a:ln>
+            <a:noFill/>
+          </a:ln>
+        </p:spPr>
+        <p:style>
+          <a:lnRef idx="0">
+            <a:scrgbClr r="0" g="0" b="0"/>
+          </a:lnRef>
+          <a:fillRef idx="0">
+            <a:scrgbClr r="0" g="0" b="0"/>
+          </a:fillRef>
+          <a:effectRef idx="0">
+            <a:scrgbClr r="0" g="0" b="0"/>
+          </a:effectRef>
+          <a:fontRef idx="minor"/>
+        </p:style>
+        <p:txBody>
+          <a:bodyPr lIns="90000" tIns="45000" rIns="90000" bIns="45000"/>
+          <a:lstStyle/>
+          <a:p>
+            <a:pPr>
+              <a:lnSpc>
+                <a:spcPct val="100000"/>
+              </a:lnSpc>
+            </a:pPr>
+            <a:r>
+              <a:rPr lang="es-ES" sz="1800" b="0" strike="noStrike" spc="-1">
+                <a:solidFill>
+                  <a:srgbClr val="000000"/>
+                </a:solidFill>
+                <a:latin typeface="LM Roman 10"/>
+              </a:rPr>
+              <a:t>Comparación de rutas y volcado de datos de salida al usuario</a:t>
+            </a:r>
+            <a:endParaRPr lang="es-ES" sz="1800" b="0" strike="noStrike" spc="-1">
+              <a:latin typeface="Arial"/>
+            </a:endParaRPr>
+          </a:p>
+        </p:txBody>
+      </p:sp>
+      <p:sp>
+        <p:nvSpPr>
+          <p:cNvPr id="152" name="CustomShape 9"/>
+          <p:cNvSpPr/>
+          <p:nvPr/>
+        </p:nvSpPr>
+        <p:spPr>
+          <a:xfrm>
+            <a:off x="3607560" y="4259520"/>
+            <a:ext cx="3755520" cy="639000"/>
+          </a:xfrm>
+          <a:prstGeom prst="rect">
+            <a:avLst/>
+          </a:prstGeom>
+          <a:noFill/>
+          <a:ln>
+            <a:noFill/>
+          </a:ln>
+        </p:spPr>
+        <p:style>
+          <a:lnRef idx="0">
+            <a:scrgbClr r="0" g="0" b="0"/>
+          </a:lnRef>
+          <a:fillRef idx="0">
+            <a:scrgbClr r="0" g="0" b="0"/>
+          </a:fillRef>
+          <a:effectRef idx="0">
+            <a:scrgbClr r="0" g="0" b="0"/>
+          </a:effectRef>
+          <a:fontRef idx="minor"/>
+        </p:style>
+        <p:txBody>
+          <a:bodyPr lIns="90000" tIns="45000" rIns="90000" bIns="45000"/>
+          <a:lstStyle/>
+          <a:p>
+            <a:pPr>
+              <a:lnSpc>
+                <a:spcPct val="100000"/>
+              </a:lnSpc>
+            </a:pPr>
+            <a:r>
+              <a:rPr lang="es-ES" sz="1800" b="0" strike="noStrike" spc="-1">
+                <a:solidFill>
+                  <a:srgbClr val="000000"/>
+                </a:solidFill>
+                <a:latin typeface="LM Roman 10"/>
+              </a:rPr>
+              <a:t>Volcado de datos (queries) a la </a:t>
+            </a:r>
+            <a:r>
+              <a:rPr lang="es-ES" sz="1800" b="1" i="1" strike="noStrike" spc="-1">
+                <a:solidFill>
+                  <a:srgbClr val="000000"/>
+                </a:solidFill>
+                <a:latin typeface="LM Roman 10"/>
+              </a:rPr>
+              <a:t>BBDD de monitorización</a:t>
+            </a:r>
+            <a:endParaRPr lang="es-ES" sz="1800" b="0" strike="noStrike" spc="-1">
+              <a:latin typeface="Arial"/>
+            </a:endParaRPr>
+          </a:p>
+        </p:txBody>
+      </p:sp>
+      <p:sp>
+        <p:nvSpPr>
+          <p:cNvPr id="153" name="CustomShape 10"/>
+          <p:cNvSpPr/>
+          <p:nvPr/>
+        </p:nvSpPr>
+        <p:spPr>
+          <a:xfrm>
+            <a:off x="3362760" y="3940200"/>
+            <a:ext cx="4245120" cy="1473120"/>
+          </a:xfrm>
+          <a:prstGeom prst="rect">
+            <a:avLst/>
+          </a:prstGeom>
+          <a:noFill/>
+          <a:ln w="38160">
+            <a:solidFill>
+              <a:schemeClr val="tx1"/>
+            </a:solidFill>
+          </a:ln>
+        </p:spPr>
+        <p:style>
+          <a:lnRef idx="2">
+            <a:schemeClr val="accent1">
+              <a:shade val="50000"/>
+            </a:schemeClr>
+          </a:lnRef>
+          <a:fillRef idx="1">
+            <a:schemeClr val="accent1"/>
+          </a:fillRef>
+          <a:effectRef idx="0">
+            <a:schemeClr val="accent1"/>
+          </a:effectRef>
+          <a:fontRef idx="minor"/>
+        </p:style>
+      </p:sp>
+      <p:sp>
+        <p:nvSpPr>
+          <p:cNvPr id="154" name="CustomShape 11"/>
+          <p:cNvSpPr/>
+          <p:nvPr/>
+        </p:nvSpPr>
+        <p:spPr>
+          <a:xfrm>
+            <a:off x="9370440" y="2950560"/>
+            <a:ext cx="1734480" cy="360"/>
+          </a:xfrm>
+          <a:custGeom>
+            <a:avLst/>
+            <a:gdLst/>
+            <a:ahLst/>
+            <a:cxnLst/>
+            <a:rect l="l" t="t" r="r" b="b"/>
+            <a:pathLst>
+              <a:path w="21600" h="21600">
+                <a:moveTo>
+                  <a:pt x="0" y="0"/>
+                </a:moveTo>
+                <a:lnTo>
+                  <a:pt x="21600" y="21600"/>
+                </a:lnTo>
+              </a:path>
+            </a:pathLst>
+          </a:custGeom>
+          <a:noFill/>
+          <a:ln w="38160">
+            <a:tailEnd type="triangle" w="med" len="med"/>
+          </a:ln>
+        </p:spPr>
+        <p:style>
+          <a:lnRef idx="1">
+            <a:schemeClr val="dk1"/>
+          </a:lnRef>
+          <a:fillRef idx="0">
+            <a:schemeClr val="dk1"/>
+          </a:fillRef>
+          <a:effectRef idx="0">
+            <a:schemeClr val="dk1"/>
+          </a:effectRef>
+          <a:fontRef idx="minor"/>
+        </p:style>
+      </p:sp>
+      <p:sp>
+        <p:nvSpPr>
+          <p:cNvPr id="155" name="CustomShape 12"/>
+          <p:cNvSpPr/>
+          <p:nvPr/>
+        </p:nvSpPr>
+        <p:spPr>
+          <a:xfrm>
+            <a:off x="9370440" y="4650480"/>
+            <a:ext cx="1734480" cy="360"/>
+          </a:xfrm>
+          <a:custGeom>
+            <a:avLst/>
+            <a:gdLst/>
+            <a:ahLst/>
+            <a:cxnLst/>
+            <a:rect l="l" t="t" r="r" b="b"/>
+            <a:pathLst>
+              <a:path w="21600" h="21600">
+                <a:moveTo>
+                  <a:pt x="0" y="0"/>
+                </a:moveTo>
+                <a:lnTo>
+                  <a:pt x="21600" y="21600"/>
+                </a:lnTo>
+              </a:path>
+            </a:pathLst>
+          </a:custGeom>
+          <a:noFill/>
+          <a:ln w="38160">
+            <a:tailEnd type="triangle" w="med" len="med"/>
+          </a:ln>
+        </p:spPr>
+        <p:style>
+          <a:lnRef idx="1">
+            <a:schemeClr val="dk1"/>
+          </a:lnRef>
+          <a:fillRef idx="0">
+            <a:schemeClr val="dk1"/>
+          </a:fillRef>
+          <a:effectRef idx="0">
+            <a:schemeClr val="dk1"/>
+          </a:effectRef>
+          <a:fontRef idx="minor"/>
+        </p:style>
+      </p:sp>
+      <p:sp>
+        <p:nvSpPr>
+          <p:cNvPr id="156" name="CustomShape 13"/>
+          <p:cNvSpPr/>
+          <p:nvPr/>
+        </p:nvSpPr>
+        <p:spPr>
+          <a:xfrm>
+            <a:off x="9398160" y="2444760"/>
+            <a:ext cx="1884600" cy="638280"/>
+          </a:xfrm>
+          <a:prstGeom prst="rect">
+            <a:avLst/>
+          </a:prstGeom>
+          <a:noFill/>
+          <a:ln>
+            <a:noFill/>
+          </a:ln>
+        </p:spPr>
+        <p:style>
+          <a:lnRef idx="0">
+            <a:scrgbClr r="0" g="0" b="0"/>
+          </a:lnRef>
+          <a:fillRef idx="0">
+            <a:scrgbClr r="0" g="0" b="0"/>
+          </a:fillRef>
+          <a:effectRef idx="0">
+            <a:scrgbClr r="0" g="0" b="0"/>
+          </a:effectRef>
+          <a:fontRef idx="minor"/>
+        </p:style>
+        <p:txBody>
+          <a:bodyPr lIns="90000" tIns="45000" rIns="90000" bIns="45000"/>
+          <a:lstStyle/>
+          <a:p>
+            <a:pPr>
+              <a:lnSpc>
+                <a:spcPct val="100000"/>
+              </a:lnSpc>
+            </a:pPr>
+            <a:r>
+              <a:rPr lang="es-ES" sz="1800" b="0" strike="noStrike" spc="-1">
+                <a:solidFill>
+                  <a:srgbClr val="000000"/>
+                </a:solidFill>
+                <a:latin typeface="LM Roman 10"/>
+              </a:rPr>
+              <a:t>Salida al usuario</a:t>
+            </a:r>
+            <a:endParaRPr lang="es-ES" sz="1800" b="0" strike="noStrike" spc="-1">
+              <a:latin typeface="Arial"/>
+            </a:endParaRPr>
+          </a:p>
+        </p:txBody>
+      </p:sp>
+      <p:sp>
+        <p:nvSpPr>
+          <p:cNvPr id="157" name="CustomShape 14"/>
+          <p:cNvSpPr/>
+          <p:nvPr/>
+        </p:nvSpPr>
+        <p:spPr>
+          <a:xfrm>
+            <a:off x="9398160" y="3907440"/>
+            <a:ext cx="1706760" cy="912600"/>
+          </a:xfrm>
+          <a:prstGeom prst="rect">
+            <a:avLst/>
+          </a:prstGeom>
+          <a:noFill/>
+          <a:ln>
+            <a:noFill/>
+          </a:ln>
+        </p:spPr>
+        <p:style>
+          <a:lnRef idx="0">
+            <a:scrgbClr r="0" g="0" b="0"/>
+          </a:lnRef>
+          <a:fillRef idx="0">
+            <a:scrgbClr r="0" g="0" b="0"/>
+          </a:fillRef>
+          <a:effectRef idx="0">
+            <a:scrgbClr r="0" g="0" b="0"/>
+          </a:effectRef>
+          <a:fontRef idx="minor"/>
+        </p:style>
+        <p:txBody>
+          <a:bodyPr lIns="90000" tIns="45000" rIns="90000" bIns="45000"/>
+          <a:lstStyle/>
+          <a:p>
+            <a:pPr>
+              <a:lnSpc>
+                <a:spcPct val="100000"/>
+              </a:lnSpc>
+            </a:pPr>
+            <a:r>
+              <a:rPr lang="es-ES" sz="1800" b="0" strike="noStrike" spc="-1">
+                <a:solidFill>
+                  <a:srgbClr val="000000"/>
+                </a:solidFill>
+                <a:latin typeface="LM Roman 10"/>
+              </a:rPr>
+              <a:t>Salida para monitorización</a:t>
+            </a:r>
+            <a:endParaRPr lang="es-ES" sz="1800" b="0" strike="noStrike" spc="-1">
+              <a:latin typeface="Arial"/>
             </a:endParaRPr>
           </a:p>
         </p:txBody>
@@ -9391,14 +12782,14 @@
       </p:grpSpPr>
       <p:sp>
         <p:nvSpPr>
-          <p:cNvPr id="169" name="TextShape 1"/>
+          <p:cNvPr id="162" name="TextShape 1"/>
           <p:cNvSpPr txBox="1"/>
           <p:nvPr/>
         </p:nvSpPr>
         <p:spPr>
           <a:xfrm>
             <a:off x="838080" y="365040"/>
-            <a:ext cx="10515240" cy="392040"/>
+            <a:ext cx="10515240" cy="379080"/>
           </a:xfrm>
           <a:prstGeom prst="rect">
             <a:avLst/>
@@ -9410,7 +12801,7 @@
         </p:spPr>
         <p:txBody>
           <a:bodyPr anchor="ctr">
-            <a:normAutofit/>
+            <a:normAutofit fontScale="92500" lnSpcReduction="10000"/>
           </a:bodyPr>
           <a:lstStyle/>
           <a:p>
@@ -9420,15 +12811,15 @@
               </a:lnSpc>
             </a:pPr>
             <a:r>
-              <a:rPr lang="es-ES" sz="2800" b="1" strike="noStrike" spc="-1">
+              <a:rPr lang="es-ES" sz="2400" b="1" strike="noStrike" spc="-1">
                 <a:solidFill>
                   <a:srgbClr val="000000"/>
                 </a:solidFill>
                 <a:latin typeface="Calibri Light"/>
               </a:rPr>
-              <a:t>RESTRICCIONES OBLIGATORIAS</a:t>
+              <a:t>OPTIMIZAR, ¿QUÉ?</a:t>
             </a:r>
-            <a:endParaRPr lang="es-ES" sz="2800" b="0" strike="noStrike" spc="-1">
+            <a:endParaRPr lang="es-ES" sz="2400" b="0" strike="noStrike" spc="-1">
               <a:solidFill>
                 <a:srgbClr val="000000"/>
               </a:solidFill>
@@ -9439,14 +12830,14 @@
       </p:sp>
       <p:sp>
         <p:nvSpPr>
-          <p:cNvPr id="171" name="TextShape 3"/>
+          <p:cNvPr id="164" name="TextShape 3"/>
           <p:cNvSpPr txBox="1"/>
           <p:nvPr/>
         </p:nvSpPr>
         <p:spPr>
           <a:xfrm>
-            <a:off x="1139921" y="1125822"/>
-            <a:ext cx="10515240" cy="4350960"/>
+            <a:off x="838080" y="847620"/>
+            <a:ext cx="10515240" cy="5162760"/>
           </a:xfrm>
           <a:prstGeom prst="rect">
             <a:avLst/>
@@ -9545,44 +12936,44 @@
       </p:grpSpPr>
       <p:sp>
         <p:nvSpPr>
-          <p:cNvPr id="172" name="TextShape 1"/>
+          <p:cNvPr id="166" name="TextShape 2"/>
           <p:cNvSpPr txBox="1"/>
           <p:nvPr/>
         </p:nvSpPr>
         <p:spPr>
           <a:xfrm>
-            <a:off x="838080" y="365040"/>
-            <a:ext cx="10515240" cy="405360"/>
-          </a:xfrm>
-          <a:prstGeom prst="rect">
-            <a:avLst/>
-          </a:prstGeom>
-          <a:noFill/>
+            <a:off x="838080" y="534108"/>
+            <a:ext cx="10515240" cy="444240"/>
+          </a:xfrm>
+          <a:prstGeom prst="rect">
+            <a:avLst/>
+          </a:prstGeom>
+          <a:blipFill rotWithShape="0">
+            <a:blip r:embed="rId2"/>
+            <a:stretch>
+              <a:fillRect/>
+            </a:stretch>
+          </a:blipFill>
           <a:ln>
             <a:noFill/>
           </a:ln>
         </p:spPr>
         <p:txBody>
-          <a:bodyPr anchor="ctr">
-            <a:normAutofit/>
-          </a:bodyPr>
+          <a:bodyPr anchor="ctr"/>
           <a:lstStyle/>
           <a:p>
-            <a:pPr algn="ctr">
+            <a:pPr>
               <a:lnSpc>
                 <a:spcPct val="90000"/>
               </a:lnSpc>
             </a:pPr>
             <a:r>
-              <a:rPr lang="es-ES" sz="2400" b="1" strike="noStrike" spc="-1">
-                <a:solidFill>
-                  <a:srgbClr val="000000"/>
-                </a:solidFill>
+              <a:rPr lang="es-ES" sz="4400" b="0" strike="noStrike" spc="-1">
                 <a:latin typeface="Calibri Light"/>
               </a:rPr>
-              <a:t>DATOS USUARIO</a:t>
+              <a:t> </a:t>
             </a:r>
-            <a:endParaRPr lang="es-ES" sz="2400" b="0" strike="noStrike" spc="-1">
+            <a:endParaRPr lang="es-ES" sz="4400" b="0" strike="noStrike" spc="-1">
               <a:solidFill>
                 <a:srgbClr val="000000"/>
               </a:solidFill>
@@ -9593,19 +12984,24 @@
       </p:sp>
       <p:sp>
         <p:nvSpPr>
-          <p:cNvPr id="173" name="TextShape 2"/>
+          <p:cNvPr id="168" name="TextShape 4"/>
           <p:cNvSpPr txBox="1"/>
           <p:nvPr/>
         </p:nvSpPr>
         <p:spPr>
           <a:xfrm>
-            <a:off x="733680" y="1028880"/>
+            <a:off x="838080" y="1377950"/>
             <a:ext cx="10515240" cy="4350960"/>
           </a:xfrm>
           <a:prstGeom prst="rect">
             <a:avLst/>
           </a:prstGeom>
-          <a:noFill/>
+          <a:blipFill rotWithShape="0">
+            <a:blip r:embed="rId3"/>
+            <a:stretch>
+              <a:fillRect/>
+            </a:stretch>
+          </a:blipFill>
           <a:ln>
             <a:noFill/>
           </a:ln>
@@ -9614,26 +13010,7 @@
           <a:bodyPr/>
           <a:lstStyle/>
           <a:p>
-            <a:pPr>
-              <a:lnSpc>
-                <a:spcPct val="90000"/>
-              </a:lnSpc>
-              <a:spcBef>
-                <a:spcPts val="1001"/>
-              </a:spcBef>
-            </a:pPr>
-            <a:r>
-              <a:rPr lang="es-ES" sz="2800" b="0" strike="noStrike" spc="-1">
-                <a:solidFill>
-                  <a:srgbClr val="000000"/>
-                </a:solidFill>
-                <a:latin typeface="Calibri"/>
-              </a:rPr>
-              <a:t>A partir de la info que nos proporcione el usuario, calcular la autonomía real del coche. Dependerá de:</a:t>
-            </a:r>
-          </a:p>
-          <a:p>
-            <a:pPr marL="228600" indent="-228240">
+            <a:pPr marL="360">
               <a:lnSpc>
                 <a:spcPct val="90000"/>
               </a:lnSpc>
@@ -9643,133 +13020,19 @@
               <a:buClr>
                 <a:srgbClr val="000000"/>
               </a:buClr>
-              <a:buFont typeface="Wingdings" charset="2"/>
-              <a:buChar char=""/>
             </a:pPr>
             <a:r>
-              <a:rPr lang="es-ES" sz="2800" b="0" strike="noStrike" spc="-1">
-                <a:solidFill>
-                  <a:srgbClr val="000000"/>
-                </a:solidFill>
+              <a:rPr lang="es-ES" sz="2800" b="0" strike="noStrike" spc="-1" dirty="0">
                 <a:latin typeface="Calibri"/>
               </a:rPr>
-              <a:t> El tipo de coche</a:t>
+              <a:t> </a:t>
             </a:r>
-          </a:p>
-          <a:p>
-            <a:pPr marL="228600" indent="-228240">
-              <a:lnSpc>
-                <a:spcPct val="90000"/>
-              </a:lnSpc>
-              <a:spcBef>
-                <a:spcPts val="1001"/>
-              </a:spcBef>
-              <a:buClr>
+            <a:endParaRPr lang="es-ES" sz="2800" b="0" strike="noStrike" spc="-1" dirty="0">
+              <a:solidFill>
                 <a:srgbClr val="000000"/>
-              </a:buClr>
-              <a:buFont typeface="Wingdings" charset="2"/>
-              <a:buChar char=""/>
-            </a:pPr>
-            <a:r>
-              <a:rPr lang="es-ES" sz="2800" b="0" strike="noStrike" spc="-1">
-                <a:solidFill>
-                  <a:srgbClr val="000000"/>
-                </a:solidFill>
-                <a:latin typeface="Calibri"/>
-              </a:rPr>
-              <a:t> Velocidad media</a:t>
-            </a:r>
-          </a:p>
-          <a:p>
-            <a:pPr marL="228600" indent="-228240">
-              <a:lnSpc>
-                <a:spcPct val="90000"/>
-              </a:lnSpc>
-              <a:spcBef>
-                <a:spcPts val="1001"/>
-              </a:spcBef>
-              <a:buClr>
-                <a:srgbClr val="000000"/>
-              </a:buClr>
-              <a:buFont typeface="Wingdings" charset="2"/>
-              <a:buChar char=""/>
-            </a:pPr>
-            <a:r>
-              <a:rPr lang="es-ES" sz="2800" b="0" strike="noStrike" spc="-1">
-                <a:solidFill>
-                  <a:srgbClr val="000000"/>
-                </a:solidFill>
-                <a:latin typeface="Calibri"/>
-              </a:rPr>
-              <a:t> Carga del coche</a:t>
-            </a:r>
-          </a:p>
-          <a:p>
-            <a:pPr marL="228600" indent="-228240">
-              <a:lnSpc>
-                <a:spcPct val="90000"/>
-              </a:lnSpc>
-              <a:spcBef>
-                <a:spcPts val="1001"/>
-              </a:spcBef>
-              <a:buClr>
-                <a:srgbClr val="000000"/>
-              </a:buClr>
-              <a:buFont typeface="Wingdings" charset="2"/>
-              <a:buChar char=""/>
-            </a:pPr>
-            <a:r>
-              <a:rPr lang="es-ES" sz="2800" b="0" strike="noStrike" spc="-1">
-                <a:solidFill>
-                  <a:srgbClr val="000000"/>
-                </a:solidFill>
-                <a:latin typeface="Calibri"/>
-              </a:rPr>
-              <a:t> ¿Clima?</a:t>
-            </a:r>
-          </a:p>
-          <a:p>
-            <a:pPr marL="228600" indent="-228240">
-              <a:lnSpc>
-                <a:spcPct val="90000"/>
-              </a:lnSpc>
-              <a:spcBef>
-                <a:spcPts val="1001"/>
-              </a:spcBef>
-              <a:buClr>
-                <a:srgbClr val="000000"/>
-              </a:buClr>
-              <a:buFont typeface="Wingdings" charset="2"/>
-              <a:buChar char=""/>
-            </a:pPr>
-            <a:r>
-              <a:rPr lang="es-ES" sz="2800" b="0" strike="noStrike" spc="-1">
-                <a:solidFill>
-                  <a:srgbClr val="000000"/>
-                </a:solidFill>
-                <a:latin typeface="Calibri"/>
-              </a:rPr>
-              <a:t> ¿Algo más…?</a:t>
-            </a:r>
-          </a:p>
-          <a:p>
-            <a:pPr algn="ctr">
-              <a:lnSpc>
-                <a:spcPct val="90000"/>
-              </a:lnSpc>
-              <a:spcBef>
-                <a:spcPts val="1001"/>
-              </a:spcBef>
-            </a:pPr>
-            <a:r>
-              <a:rPr lang="es-ES" sz="2800" b="0" strike="noStrike" spc="-1">
-                <a:solidFill>
-                  <a:srgbClr val="000000"/>
-                </a:solidFill>
-                <a:latin typeface="Calibri"/>
-              </a:rPr>
-              <a:t>¿Cómo lo ponderamos?</a:t>
-            </a:r>
+              </a:solidFill>
+              <a:latin typeface="Calibri"/>
+            </a:endParaRPr>
           </a:p>
         </p:txBody>
       </p:sp>

--- a/Documentacion/PlanteamientoProblema/Diseño funcional y modelos.pptx
+++ b/Documentacion/PlanteamientoProblema/Diseño funcional y modelos.pptx
@@ -10,15 +10,16 @@
     <p:sldId id="257" r:id="rId4"/>
     <p:sldId id="267" r:id="rId5"/>
     <p:sldId id="268" r:id="rId6"/>
-    <p:sldId id="258" r:id="rId7"/>
-    <p:sldId id="259" r:id="rId8"/>
-    <p:sldId id="260" r:id="rId9"/>
-    <p:sldId id="263" r:id="rId10"/>
-    <p:sldId id="264" r:id="rId11"/>
-    <p:sldId id="265" r:id="rId12"/>
-    <p:sldId id="266" r:id="rId13"/>
-    <p:sldId id="261" r:id="rId14"/>
-    <p:sldId id="262" r:id="rId15"/>
+    <p:sldId id="269" r:id="rId7"/>
+    <p:sldId id="258" r:id="rId8"/>
+    <p:sldId id="259" r:id="rId9"/>
+    <p:sldId id="260" r:id="rId10"/>
+    <p:sldId id="263" r:id="rId11"/>
+    <p:sldId id="264" r:id="rId12"/>
+    <p:sldId id="265" r:id="rId13"/>
+    <p:sldId id="266" r:id="rId14"/>
+    <p:sldId id="261" r:id="rId15"/>
+    <p:sldId id="262" r:id="rId16"/>
   </p:sldIdLst>
   <p:sldSz cx="12192000" cy="6858000"/>
   <p:notesSz cx="7559675" cy="10691813"/>
@@ -3223,7 +3224,7 @@
                 </a:solidFill>
                 <a:latin typeface="Calibri"/>
               </a:rPr>
-              <a:t>10/02/2021</a:t>
+              <a:t>13/02/2021</a:t>
             </a:fld>
             <a:endParaRPr lang="es-ES" sz="1200" b="0" strike="noStrike" spc="-1">
               <a:latin typeface="Times New Roman"/>
@@ -4033,7 +4034,7 @@
                 </a:solidFill>
                 <a:latin typeface="Calibri"/>
               </a:rPr>
-              <a:t>10/02/2021</a:t>
+              <a:t>13/02/2021</a:t>
             </a:fld>
             <a:endParaRPr lang="es-ES" sz="1200" b="0" strike="noStrike" spc="-1">
               <a:latin typeface="Times New Roman"/>
@@ -4576,44 +4577,44 @@
       </p:grpSpPr>
       <p:sp>
         <p:nvSpPr>
-          <p:cNvPr id="169" name="TextShape 1"/>
+          <p:cNvPr id="166" name="TextShape 2"/>
           <p:cNvSpPr txBox="1"/>
           <p:nvPr/>
         </p:nvSpPr>
         <p:spPr>
           <a:xfrm>
-            <a:off x="838080" y="365040"/>
-            <a:ext cx="10515240" cy="392040"/>
-          </a:xfrm>
-          <a:prstGeom prst="rect">
-            <a:avLst/>
-          </a:prstGeom>
-          <a:noFill/>
+            <a:off x="838080" y="534108"/>
+            <a:ext cx="10515240" cy="444240"/>
+          </a:xfrm>
+          <a:prstGeom prst="rect">
+            <a:avLst/>
+          </a:prstGeom>
+          <a:blipFill rotWithShape="0">
+            <a:blip r:embed="rId2"/>
+            <a:stretch>
+              <a:fillRect/>
+            </a:stretch>
+          </a:blipFill>
           <a:ln>
             <a:noFill/>
           </a:ln>
         </p:spPr>
         <p:txBody>
-          <a:bodyPr anchor="ctr">
-            <a:normAutofit fontScale="92500" lnSpcReduction="20000"/>
-          </a:bodyPr>
+          <a:bodyPr anchor="ctr"/>
           <a:lstStyle/>
           <a:p>
-            <a:pPr algn="ctr">
+            <a:pPr>
               <a:lnSpc>
                 <a:spcPct val="90000"/>
               </a:lnSpc>
             </a:pPr>
             <a:r>
-              <a:rPr lang="es-ES" sz="2800" b="1" strike="noStrike" spc="-1">
-                <a:solidFill>
-                  <a:srgbClr val="000000"/>
-                </a:solidFill>
+              <a:rPr lang="es-ES" sz="4400" b="0" strike="noStrike" spc="-1">
                 <a:latin typeface="Calibri Light"/>
               </a:rPr>
-              <a:t>RESTRICCIONES OBLIGATORIAS</a:t>
+              <a:t> </a:t>
             </a:r>
-            <a:endParaRPr lang="es-ES" sz="2800" b="0" strike="noStrike" spc="-1">
+            <a:endParaRPr lang="es-ES" sz="4400" b="0" strike="noStrike" spc="-1">
               <a:solidFill>
                 <a:srgbClr val="000000"/>
               </a:solidFill>
@@ -4624,20 +4625,20 @@
       </p:sp>
       <p:sp>
         <p:nvSpPr>
-          <p:cNvPr id="171" name="TextShape 3"/>
+          <p:cNvPr id="168" name="TextShape 4"/>
           <p:cNvSpPr txBox="1"/>
           <p:nvPr/>
         </p:nvSpPr>
         <p:spPr>
           <a:xfrm>
-            <a:off x="1139921" y="1125822"/>
+            <a:off x="838080" y="1377950"/>
             <a:ext cx="10515240" cy="4350960"/>
           </a:xfrm>
           <a:prstGeom prst="rect">
             <a:avLst/>
           </a:prstGeom>
           <a:blipFill rotWithShape="0">
-            <a:blip r:embed="rId2"/>
+            <a:blip r:embed="rId3"/>
             <a:stretch>
               <a:fillRect/>
             </a:stretch>
@@ -4730,14 +4731,14 @@
       </p:grpSpPr>
       <p:sp>
         <p:nvSpPr>
-          <p:cNvPr id="172" name="TextShape 1"/>
+          <p:cNvPr id="169" name="TextShape 1"/>
           <p:cNvSpPr txBox="1"/>
           <p:nvPr/>
         </p:nvSpPr>
         <p:spPr>
           <a:xfrm>
             <a:off x="838080" y="365040"/>
-            <a:ext cx="10515240" cy="405360"/>
+            <a:ext cx="10515240" cy="392040"/>
           </a:xfrm>
           <a:prstGeom prst="rect">
             <a:avLst/>
@@ -4749,7 +4750,7 @@
         </p:spPr>
         <p:txBody>
           <a:bodyPr anchor="ctr">
-            <a:normAutofit lnSpcReduction="10000"/>
+            <a:normAutofit fontScale="92500" lnSpcReduction="20000"/>
           </a:bodyPr>
           <a:lstStyle/>
           <a:p>
@@ -4759,15 +4760,15 @@
               </a:lnSpc>
             </a:pPr>
             <a:r>
-              <a:rPr lang="es-ES" sz="2400" b="1" strike="noStrike" spc="-1">
+              <a:rPr lang="es-ES" sz="2800" b="1" strike="noStrike" spc="-1">
                 <a:solidFill>
                   <a:srgbClr val="000000"/>
                 </a:solidFill>
                 <a:latin typeface="Calibri Light"/>
               </a:rPr>
-              <a:t>DATOS USUARIO</a:t>
+              <a:t>RESTRICCIONES OBLIGATORIAS</a:t>
             </a:r>
-            <a:endParaRPr lang="es-ES" sz="2400" b="0" strike="noStrike" spc="-1">
+            <a:endParaRPr lang="es-ES" sz="2800" b="0" strike="noStrike" spc="-1">
               <a:solidFill>
                 <a:srgbClr val="000000"/>
               </a:solidFill>
@@ -4778,19 +4779,24 @@
       </p:sp>
       <p:sp>
         <p:nvSpPr>
-          <p:cNvPr id="173" name="TextShape 2"/>
+          <p:cNvPr id="171" name="TextShape 3"/>
           <p:cNvSpPr txBox="1"/>
           <p:nvPr/>
         </p:nvSpPr>
         <p:spPr>
           <a:xfrm>
-            <a:off x="733680" y="1028880"/>
+            <a:off x="1139921" y="1125822"/>
             <a:ext cx="10515240" cy="4350960"/>
           </a:xfrm>
           <a:prstGeom prst="rect">
             <a:avLst/>
           </a:prstGeom>
-          <a:noFill/>
+          <a:blipFill rotWithShape="0">
+            <a:blip r:embed="rId2"/>
+            <a:stretch>
+              <a:fillRect/>
+            </a:stretch>
+          </a:blipFill>
           <a:ln>
             <a:noFill/>
           </a:ln>
@@ -4799,26 +4805,7 @@
           <a:bodyPr/>
           <a:lstStyle/>
           <a:p>
-            <a:pPr>
-              <a:lnSpc>
-                <a:spcPct val="90000"/>
-              </a:lnSpc>
-              <a:spcBef>
-                <a:spcPts val="1001"/>
-              </a:spcBef>
-            </a:pPr>
-            <a:r>
-              <a:rPr lang="es-ES" sz="2800" b="0" strike="noStrike" spc="-1">
-                <a:solidFill>
-                  <a:srgbClr val="000000"/>
-                </a:solidFill>
-                <a:latin typeface="Calibri"/>
-              </a:rPr>
-              <a:t>A partir de la info que nos proporcione el usuario, calcular la autonomía real del coche. Dependerá de:</a:t>
-            </a:r>
-          </a:p>
-          <a:p>
-            <a:pPr marL="228600" indent="-228240">
+            <a:pPr marL="360">
               <a:lnSpc>
                 <a:spcPct val="90000"/>
               </a:lnSpc>
@@ -4828,133 +4815,19 @@
               <a:buClr>
                 <a:srgbClr val="000000"/>
               </a:buClr>
-              <a:buFont typeface="Wingdings" charset="2"/>
-              <a:buChar char=""/>
             </a:pPr>
             <a:r>
-              <a:rPr lang="es-ES" sz="2800" b="0" strike="noStrike" spc="-1">
-                <a:solidFill>
-                  <a:srgbClr val="000000"/>
-                </a:solidFill>
+              <a:rPr lang="es-ES" sz="2800" b="0" strike="noStrike" spc="-1" dirty="0">
                 <a:latin typeface="Calibri"/>
               </a:rPr>
-              <a:t> El tipo de coche</a:t>
+              <a:t> </a:t>
             </a:r>
-          </a:p>
-          <a:p>
-            <a:pPr marL="228600" indent="-228240">
-              <a:lnSpc>
-                <a:spcPct val="90000"/>
-              </a:lnSpc>
-              <a:spcBef>
-                <a:spcPts val="1001"/>
-              </a:spcBef>
-              <a:buClr>
+            <a:endParaRPr lang="es-ES" sz="2800" b="0" strike="noStrike" spc="-1" dirty="0">
+              <a:solidFill>
                 <a:srgbClr val="000000"/>
-              </a:buClr>
-              <a:buFont typeface="Wingdings" charset="2"/>
-              <a:buChar char=""/>
-            </a:pPr>
-            <a:r>
-              <a:rPr lang="es-ES" sz="2800" b="0" strike="noStrike" spc="-1">
-                <a:solidFill>
-                  <a:srgbClr val="000000"/>
-                </a:solidFill>
-                <a:latin typeface="Calibri"/>
-              </a:rPr>
-              <a:t> Velocidad media</a:t>
-            </a:r>
-          </a:p>
-          <a:p>
-            <a:pPr marL="228600" indent="-228240">
-              <a:lnSpc>
-                <a:spcPct val="90000"/>
-              </a:lnSpc>
-              <a:spcBef>
-                <a:spcPts val="1001"/>
-              </a:spcBef>
-              <a:buClr>
-                <a:srgbClr val="000000"/>
-              </a:buClr>
-              <a:buFont typeface="Wingdings" charset="2"/>
-              <a:buChar char=""/>
-            </a:pPr>
-            <a:r>
-              <a:rPr lang="es-ES" sz="2800" b="0" strike="noStrike" spc="-1">
-                <a:solidFill>
-                  <a:srgbClr val="000000"/>
-                </a:solidFill>
-                <a:latin typeface="Calibri"/>
-              </a:rPr>
-              <a:t> Carga del coche</a:t>
-            </a:r>
-          </a:p>
-          <a:p>
-            <a:pPr marL="228600" indent="-228240">
-              <a:lnSpc>
-                <a:spcPct val="90000"/>
-              </a:lnSpc>
-              <a:spcBef>
-                <a:spcPts val="1001"/>
-              </a:spcBef>
-              <a:buClr>
-                <a:srgbClr val="000000"/>
-              </a:buClr>
-              <a:buFont typeface="Wingdings" charset="2"/>
-              <a:buChar char=""/>
-            </a:pPr>
-            <a:r>
-              <a:rPr lang="es-ES" sz="2800" b="0" strike="noStrike" spc="-1">
-                <a:solidFill>
-                  <a:srgbClr val="000000"/>
-                </a:solidFill>
-                <a:latin typeface="Calibri"/>
-              </a:rPr>
-              <a:t> ¿Clima?</a:t>
-            </a:r>
-          </a:p>
-          <a:p>
-            <a:pPr marL="228600" indent="-228240">
-              <a:lnSpc>
-                <a:spcPct val="90000"/>
-              </a:lnSpc>
-              <a:spcBef>
-                <a:spcPts val="1001"/>
-              </a:spcBef>
-              <a:buClr>
-                <a:srgbClr val="000000"/>
-              </a:buClr>
-              <a:buFont typeface="Wingdings" charset="2"/>
-              <a:buChar char=""/>
-            </a:pPr>
-            <a:r>
-              <a:rPr lang="es-ES" sz="2800" b="0" strike="noStrike" spc="-1">
-                <a:solidFill>
-                  <a:srgbClr val="000000"/>
-                </a:solidFill>
-                <a:latin typeface="Calibri"/>
-              </a:rPr>
-              <a:t> ¿Algo más…?</a:t>
-            </a:r>
-          </a:p>
-          <a:p>
-            <a:pPr algn="ctr">
-              <a:lnSpc>
-                <a:spcPct val="90000"/>
-              </a:lnSpc>
-              <a:spcBef>
-                <a:spcPts val="1001"/>
-              </a:spcBef>
-            </a:pPr>
-            <a:r>
-              <a:rPr lang="es-ES" sz="2800" b="0" strike="noStrike" spc="-1">
-                <a:solidFill>
-                  <a:srgbClr val="000000"/>
-                </a:solidFill>
-                <a:latin typeface="Calibri"/>
-              </a:rPr>
-              <a:t>¿Cómo lo ponderamos?</a:t>
-            </a:r>
+              </a:solidFill>
+              <a:latin typeface="Calibri"/>
+            </a:endParaRPr>
           </a:p>
         </p:txBody>
       </p:sp>
@@ -5012,14 +4885,14 @@
       </p:grpSpPr>
       <p:sp>
         <p:nvSpPr>
-          <p:cNvPr id="158" name="TextShape 1"/>
+          <p:cNvPr id="172" name="TextShape 1"/>
           <p:cNvSpPr txBox="1"/>
           <p:nvPr/>
         </p:nvSpPr>
         <p:spPr>
           <a:xfrm>
-            <a:off x="1924920" y="124200"/>
-            <a:ext cx="10515240" cy="1325160"/>
+            <a:off x="838080" y="365040"/>
+            <a:ext cx="10515240" cy="405360"/>
           </a:xfrm>
           <a:prstGeom prst="rect">
             <a:avLst/>
@@ -5030,24 +4903,26 @@
           </a:ln>
         </p:spPr>
         <p:txBody>
-          <a:bodyPr anchor="ctr"/>
+          <a:bodyPr anchor="ctr">
+            <a:normAutofit lnSpcReduction="10000"/>
+          </a:bodyPr>
           <a:lstStyle/>
           <a:p>
-            <a:pPr>
+            <a:pPr algn="ctr">
               <a:lnSpc>
                 <a:spcPct val="90000"/>
               </a:lnSpc>
             </a:pPr>
             <a:r>
-              <a:rPr lang="es-ES" sz="4400" b="0" strike="noStrike" spc="-1">
+              <a:rPr lang="es-ES" sz="2400" b="1" strike="noStrike" spc="-1">
                 <a:solidFill>
                   <a:srgbClr val="000000"/>
                 </a:solidFill>
-                <a:latin typeface="LM Roman 10"/>
+                <a:latin typeface="Calibri Light"/>
               </a:rPr>
-              <a:t>Python optimization algorithm </a:t>
+              <a:t>DATOS USUARIO</a:t>
             </a:r>
-            <a:endParaRPr lang="es-ES" sz="4400" b="0" strike="noStrike" spc="-1">
+            <a:endParaRPr lang="es-ES" sz="2400" b="0" strike="noStrike" spc="-1">
               <a:solidFill>
                 <a:srgbClr val="000000"/>
               </a:solidFill>
@@ -5058,14 +4933,14 @@
       </p:sp>
       <p:sp>
         <p:nvSpPr>
-          <p:cNvPr id="159" name="TextShape 2"/>
+          <p:cNvPr id="173" name="TextShape 2"/>
           <p:cNvSpPr txBox="1"/>
           <p:nvPr/>
         </p:nvSpPr>
         <p:spPr>
           <a:xfrm>
-            <a:off x="838080" y="1343880"/>
-            <a:ext cx="10515240" cy="5069880"/>
+            <a:off x="733680" y="1028880"/>
+            <a:ext cx="10515240" cy="4350960"/>
           </a:xfrm>
           <a:prstGeom prst="rect">
             <a:avLst/>
@@ -5078,6 +4953,25 @@
         <p:txBody>
           <a:bodyPr/>
           <a:lstStyle/>
+          <a:p>
+            <a:pPr>
+              <a:lnSpc>
+                <a:spcPct val="90000"/>
+              </a:lnSpc>
+              <a:spcBef>
+                <a:spcPts val="1001"/>
+              </a:spcBef>
+            </a:pPr>
+            <a:r>
+              <a:rPr lang="es-ES" sz="2800" b="0" strike="noStrike" spc="-1">
+                <a:solidFill>
+                  <a:srgbClr val="000000"/>
+                </a:solidFill>
+                <a:latin typeface="Calibri"/>
+              </a:rPr>
+              <a:t>A partir de la info que nos proporcione el usuario, calcular la autonomía real del coche. Dependerá de:</a:t>
+            </a:r>
+          </a:p>
           <a:p>
             <a:pPr marL="228600" indent="-228240">
               <a:lnSpc>
@@ -5089,26 +4983,18 @@
               <a:buClr>
                 <a:srgbClr val="000000"/>
               </a:buClr>
-              <a:buFont typeface="Arial"/>
-              <a:buChar char="•"/>
+              <a:buFont typeface="Wingdings" charset="2"/>
+              <a:buChar char=""/>
             </a:pPr>
             <a:r>
-              <a:rPr lang="es-ES" sz="2800" b="1" u="sng" strike="noStrike" spc="-1">
+              <a:rPr lang="es-ES" sz="2800" b="0" strike="noStrike" spc="-1">
                 <a:solidFill>
-                  <a:srgbClr val="0563C1"/>
+                  <a:srgbClr val="000000"/>
                 </a:solidFill>
-                <a:uFillTx/>
-                <a:latin typeface="LM Roman 10"/>
-                <a:hlinkClick r:id="rId2"/>
+                <a:latin typeface="Calibri"/>
               </a:rPr>
-              <a:t>Librería: mlrose</a:t>
+              <a:t> El tipo de coche</a:t>
             </a:r>
-            <a:endParaRPr lang="es-ES" sz="2800" b="0" strike="noStrike" spc="-1">
-              <a:solidFill>
-                <a:srgbClr val="000000"/>
-              </a:solidFill>
-              <a:latin typeface="Calibri"/>
-            </a:endParaRPr>
           </a:p>
           <a:p>
             <a:pPr marL="228600" indent="-228240">
@@ -5121,26 +5007,18 @@
               <a:buClr>
                 <a:srgbClr val="000000"/>
               </a:buClr>
-              <a:buFont typeface="Arial"/>
-              <a:buChar char="•"/>
+              <a:buFont typeface="Wingdings" charset="2"/>
+              <a:buChar char=""/>
             </a:pPr>
             <a:r>
-              <a:rPr lang="es-ES" sz="2800" b="0" u="sng" strike="noStrike" spc="-1">
+              <a:rPr lang="es-ES" sz="2800" b="0" strike="noStrike" spc="-1">
                 <a:solidFill>
-                  <a:srgbClr val="0563C1"/>
+                  <a:srgbClr val="000000"/>
                 </a:solidFill>
-                <a:uFillTx/>
-                <a:latin typeface="LM Roman 10"/>
-                <a:hlinkClick r:id="rId2"/>
+                <a:latin typeface="Calibri"/>
               </a:rPr>
-              <a:t>https://towardsdatascience.com/getting-started-with-randomized-optimization-in-python-f7df46babff0</a:t>
+              <a:t> Velocidad media</a:t>
             </a:r>
-            <a:endParaRPr lang="es-ES" sz="2800" b="0" strike="noStrike" spc="-1">
-              <a:solidFill>
-                <a:srgbClr val="000000"/>
-              </a:solidFill>
-              <a:latin typeface="Calibri"/>
-            </a:endParaRPr>
           </a:p>
           <a:p>
             <a:pPr marL="228600" indent="-228240">
@@ -5153,26 +5031,18 @@
               <a:buClr>
                 <a:srgbClr val="000000"/>
               </a:buClr>
-              <a:buFont typeface="Arial"/>
-              <a:buChar char="•"/>
+              <a:buFont typeface="Wingdings" charset="2"/>
+              <a:buChar char=""/>
             </a:pPr>
             <a:r>
-              <a:rPr lang="es-ES" sz="2800" b="0" u="sng" strike="noStrike" spc="-1">
+              <a:rPr lang="es-ES" sz="2800" b="0" strike="noStrike" spc="-1">
                 <a:solidFill>
-                  <a:srgbClr val="0563C1"/>
+                  <a:srgbClr val="000000"/>
                 </a:solidFill>
-                <a:uFillTx/>
-                <a:latin typeface="LM Roman 10"/>
-                <a:hlinkClick r:id="rId3"/>
+                <a:latin typeface="Calibri"/>
               </a:rPr>
-              <a:t>https://towardsdatascience.com/solving-travelling-salesperson-problems-with-python-5de7e883d847</a:t>
+              <a:t> Carga del coche</a:t>
             </a:r>
-            <a:endParaRPr lang="es-ES" sz="2800" b="0" strike="noStrike" spc="-1">
-              <a:solidFill>
-                <a:srgbClr val="000000"/>
-              </a:solidFill>
-              <a:latin typeface="Calibri"/>
-            </a:endParaRPr>
           </a:p>
           <a:p>
             <a:pPr marL="228600" indent="-228240">
@@ -5185,25 +5055,18 @@
               <a:buClr>
                 <a:srgbClr val="000000"/>
               </a:buClr>
-              <a:buFont typeface="Arial"/>
-              <a:buChar char="•"/>
+              <a:buFont typeface="Wingdings" charset="2"/>
+              <a:buChar char=""/>
             </a:pPr>
             <a:r>
-              <a:rPr lang="es-ES" sz="2800" b="1" u="sng" strike="noStrike" spc="-1">
+              <a:rPr lang="es-ES" sz="2800" b="0" strike="noStrike" spc="-1">
                 <a:solidFill>
                   <a:srgbClr val="000000"/>
                 </a:solidFill>
-                <a:uFillTx/>
-                <a:latin typeface="LM Roman 10"/>
+                <a:latin typeface="Calibri"/>
               </a:rPr>
-              <a:t>Librería: scipy.optimize</a:t>
+              <a:t> ¿Clima?</a:t>
             </a:r>
-            <a:endParaRPr lang="es-ES" sz="2800" b="0" strike="noStrike" spc="-1">
-              <a:solidFill>
-                <a:srgbClr val="000000"/>
-              </a:solidFill>
-              <a:latin typeface="Calibri"/>
-            </a:endParaRPr>
           </a:p>
           <a:p>
             <a:pPr marL="228600" indent="-228240">
@@ -5216,29 +5079,21 @@
               <a:buClr>
                 <a:srgbClr val="000000"/>
               </a:buClr>
-              <a:buFont typeface="Arial"/>
-              <a:buChar char="•"/>
+              <a:buFont typeface="Wingdings" charset="2"/>
+              <a:buChar char=""/>
             </a:pPr>
             <a:r>
-              <a:rPr lang="es-ES" sz="2800" b="0" u="sng" strike="noStrike" spc="-1">
+              <a:rPr lang="es-ES" sz="2800" b="0" strike="noStrike" spc="-1">
                 <a:solidFill>
-                  <a:srgbClr val="0563C1"/>
+                  <a:srgbClr val="000000"/>
                 </a:solidFill>
-                <a:uFillTx/>
-                <a:latin typeface="LM Roman 10"/>
-                <a:hlinkClick r:id="rId4"/>
+                <a:latin typeface="Calibri"/>
               </a:rPr>
-              <a:t>https://docs.scipy.org/doc/scipy/reference/tutorial/optimize.html</a:t>
+              <a:t> ¿Algo más…?</a:t>
             </a:r>
-            <a:endParaRPr lang="es-ES" sz="2800" b="0" strike="noStrike" spc="-1">
-              <a:solidFill>
-                <a:srgbClr val="000000"/>
-              </a:solidFill>
-              <a:latin typeface="Calibri"/>
-            </a:endParaRPr>
-          </a:p>
-          <a:p>
-            <a:pPr>
+          </a:p>
+          <a:p>
+            <a:pPr algn="ctr">
               <a:lnSpc>
                 <a:spcPct val="90000"/>
               </a:lnSpc>
@@ -5246,28 +5101,15 @@
                 <a:spcPts val="1001"/>
               </a:spcBef>
             </a:pPr>
-            <a:endParaRPr lang="es-ES" sz="2800" b="0" strike="noStrike" spc="-1">
-              <a:solidFill>
-                <a:srgbClr val="000000"/>
-              </a:solidFill>
-              <a:latin typeface="Calibri"/>
-            </a:endParaRPr>
-          </a:p>
-          <a:p>
-            <a:pPr>
-              <a:lnSpc>
-                <a:spcPct val="90000"/>
-              </a:lnSpc>
-              <a:spcBef>
-                <a:spcPts val="1001"/>
-              </a:spcBef>
-            </a:pPr>
-            <a:endParaRPr lang="es-ES" sz="2800" b="0" strike="noStrike" spc="-1">
-              <a:solidFill>
-                <a:srgbClr val="000000"/>
-              </a:solidFill>
-              <a:latin typeface="Calibri"/>
-            </a:endParaRPr>
+            <a:r>
+              <a:rPr lang="es-ES" sz="2800" b="0" strike="noStrike" spc="-1">
+                <a:solidFill>
+                  <a:srgbClr val="000000"/>
+                </a:solidFill>
+                <a:latin typeface="Calibri"/>
+              </a:rPr>
+              <a:t>¿Cómo lo ponderamos?</a:t>
+            </a:r>
           </a:p>
         </p:txBody>
       </p:sp>
@@ -5307,6 +5149,319 @@
 </file>
 
 <file path=ppt/slides/slide13.xml><?xml version="1.0" encoding="utf-8"?>
+<p:sld xmlns:a="http://schemas.openxmlformats.org/drawingml/2006/main" xmlns:r="http://schemas.openxmlformats.org/officeDocument/2006/relationships" xmlns:p="http://schemas.openxmlformats.org/presentationml/2006/main">
+  <p:cSld>
+    <p:spTree>
+      <p:nvGrpSpPr>
+        <p:cNvPr id="1" name=""/>
+        <p:cNvGrpSpPr/>
+        <p:nvPr/>
+      </p:nvGrpSpPr>
+      <p:grpSpPr>
+        <a:xfrm>
+          <a:off x="0" y="0"/>
+          <a:ext cx="0" cy="0"/>
+          <a:chOff x="0" y="0"/>
+          <a:chExt cx="0" cy="0"/>
+        </a:xfrm>
+      </p:grpSpPr>
+      <p:sp>
+        <p:nvSpPr>
+          <p:cNvPr id="158" name="TextShape 1"/>
+          <p:cNvSpPr txBox="1"/>
+          <p:nvPr/>
+        </p:nvSpPr>
+        <p:spPr>
+          <a:xfrm>
+            <a:off x="1924920" y="124200"/>
+            <a:ext cx="10515240" cy="1325160"/>
+          </a:xfrm>
+          <a:prstGeom prst="rect">
+            <a:avLst/>
+          </a:prstGeom>
+          <a:noFill/>
+          <a:ln>
+            <a:noFill/>
+          </a:ln>
+        </p:spPr>
+        <p:txBody>
+          <a:bodyPr anchor="ctr"/>
+          <a:lstStyle/>
+          <a:p>
+            <a:pPr>
+              <a:lnSpc>
+                <a:spcPct val="90000"/>
+              </a:lnSpc>
+            </a:pPr>
+            <a:r>
+              <a:rPr lang="es-ES" sz="4400" b="0" strike="noStrike" spc="-1">
+                <a:solidFill>
+                  <a:srgbClr val="000000"/>
+                </a:solidFill>
+                <a:latin typeface="LM Roman 10"/>
+              </a:rPr>
+              <a:t>Python optimization algorithm </a:t>
+            </a:r>
+            <a:endParaRPr lang="es-ES" sz="4400" b="0" strike="noStrike" spc="-1">
+              <a:solidFill>
+                <a:srgbClr val="000000"/>
+              </a:solidFill>
+              <a:latin typeface="Calibri"/>
+            </a:endParaRPr>
+          </a:p>
+        </p:txBody>
+      </p:sp>
+      <p:sp>
+        <p:nvSpPr>
+          <p:cNvPr id="159" name="TextShape 2"/>
+          <p:cNvSpPr txBox="1"/>
+          <p:nvPr/>
+        </p:nvSpPr>
+        <p:spPr>
+          <a:xfrm>
+            <a:off x="838080" y="1343880"/>
+            <a:ext cx="10515240" cy="5069880"/>
+          </a:xfrm>
+          <a:prstGeom prst="rect">
+            <a:avLst/>
+          </a:prstGeom>
+          <a:noFill/>
+          <a:ln>
+            <a:noFill/>
+          </a:ln>
+        </p:spPr>
+        <p:txBody>
+          <a:bodyPr/>
+          <a:lstStyle/>
+          <a:p>
+            <a:pPr marL="228600" indent="-228240">
+              <a:lnSpc>
+                <a:spcPct val="90000"/>
+              </a:lnSpc>
+              <a:spcBef>
+                <a:spcPts val="1001"/>
+              </a:spcBef>
+              <a:buClr>
+                <a:srgbClr val="000000"/>
+              </a:buClr>
+              <a:buFont typeface="Arial"/>
+              <a:buChar char="•"/>
+            </a:pPr>
+            <a:r>
+              <a:rPr lang="es-ES" sz="2800" b="1" u="sng" strike="noStrike" spc="-1">
+                <a:solidFill>
+                  <a:srgbClr val="0563C1"/>
+                </a:solidFill>
+                <a:uFillTx/>
+                <a:latin typeface="LM Roman 10"/>
+                <a:hlinkClick r:id="rId2"/>
+              </a:rPr>
+              <a:t>Librería: mlrose</a:t>
+            </a:r>
+            <a:endParaRPr lang="es-ES" sz="2800" b="0" strike="noStrike" spc="-1">
+              <a:solidFill>
+                <a:srgbClr val="000000"/>
+              </a:solidFill>
+              <a:latin typeface="Calibri"/>
+            </a:endParaRPr>
+          </a:p>
+          <a:p>
+            <a:pPr marL="228600" indent="-228240">
+              <a:lnSpc>
+                <a:spcPct val="90000"/>
+              </a:lnSpc>
+              <a:spcBef>
+                <a:spcPts val="1001"/>
+              </a:spcBef>
+              <a:buClr>
+                <a:srgbClr val="000000"/>
+              </a:buClr>
+              <a:buFont typeface="Arial"/>
+              <a:buChar char="•"/>
+            </a:pPr>
+            <a:r>
+              <a:rPr lang="es-ES" sz="2800" b="0" u="sng" strike="noStrike" spc="-1">
+                <a:solidFill>
+                  <a:srgbClr val="0563C1"/>
+                </a:solidFill>
+                <a:uFillTx/>
+                <a:latin typeface="LM Roman 10"/>
+                <a:hlinkClick r:id="rId2"/>
+              </a:rPr>
+              <a:t>https://towardsdatascience.com/getting-started-with-randomized-optimization-in-python-f7df46babff0</a:t>
+            </a:r>
+            <a:endParaRPr lang="es-ES" sz="2800" b="0" strike="noStrike" spc="-1">
+              <a:solidFill>
+                <a:srgbClr val="000000"/>
+              </a:solidFill>
+              <a:latin typeface="Calibri"/>
+            </a:endParaRPr>
+          </a:p>
+          <a:p>
+            <a:pPr marL="228600" indent="-228240">
+              <a:lnSpc>
+                <a:spcPct val="90000"/>
+              </a:lnSpc>
+              <a:spcBef>
+                <a:spcPts val="1001"/>
+              </a:spcBef>
+              <a:buClr>
+                <a:srgbClr val="000000"/>
+              </a:buClr>
+              <a:buFont typeface="Arial"/>
+              <a:buChar char="•"/>
+            </a:pPr>
+            <a:r>
+              <a:rPr lang="es-ES" sz="2800" b="0" u="sng" strike="noStrike" spc="-1">
+                <a:solidFill>
+                  <a:srgbClr val="0563C1"/>
+                </a:solidFill>
+                <a:uFillTx/>
+                <a:latin typeface="LM Roman 10"/>
+                <a:hlinkClick r:id="rId3"/>
+              </a:rPr>
+              <a:t>https://towardsdatascience.com/solving-travelling-salesperson-problems-with-python-5de7e883d847</a:t>
+            </a:r>
+            <a:endParaRPr lang="es-ES" sz="2800" b="0" strike="noStrike" spc="-1">
+              <a:solidFill>
+                <a:srgbClr val="000000"/>
+              </a:solidFill>
+              <a:latin typeface="Calibri"/>
+            </a:endParaRPr>
+          </a:p>
+          <a:p>
+            <a:pPr marL="228600" indent="-228240">
+              <a:lnSpc>
+                <a:spcPct val="90000"/>
+              </a:lnSpc>
+              <a:spcBef>
+                <a:spcPts val="1001"/>
+              </a:spcBef>
+              <a:buClr>
+                <a:srgbClr val="000000"/>
+              </a:buClr>
+              <a:buFont typeface="Arial"/>
+              <a:buChar char="•"/>
+            </a:pPr>
+            <a:r>
+              <a:rPr lang="es-ES" sz="2800" b="1" u="sng" strike="noStrike" spc="-1">
+                <a:solidFill>
+                  <a:srgbClr val="000000"/>
+                </a:solidFill>
+                <a:uFillTx/>
+                <a:latin typeface="LM Roman 10"/>
+              </a:rPr>
+              <a:t>Librería: scipy.optimize</a:t>
+            </a:r>
+            <a:endParaRPr lang="es-ES" sz="2800" b="0" strike="noStrike" spc="-1">
+              <a:solidFill>
+                <a:srgbClr val="000000"/>
+              </a:solidFill>
+              <a:latin typeface="Calibri"/>
+            </a:endParaRPr>
+          </a:p>
+          <a:p>
+            <a:pPr marL="228600" indent="-228240">
+              <a:lnSpc>
+                <a:spcPct val="90000"/>
+              </a:lnSpc>
+              <a:spcBef>
+                <a:spcPts val="1001"/>
+              </a:spcBef>
+              <a:buClr>
+                <a:srgbClr val="000000"/>
+              </a:buClr>
+              <a:buFont typeface="Arial"/>
+              <a:buChar char="•"/>
+            </a:pPr>
+            <a:r>
+              <a:rPr lang="es-ES" sz="2800" b="0" u="sng" strike="noStrike" spc="-1">
+                <a:solidFill>
+                  <a:srgbClr val="0563C1"/>
+                </a:solidFill>
+                <a:uFillTx/>
+                <a:latin typeface="LM Roman 10"/>
+                <a:hlinkClick r:id="rId4"/>
+              </a:rPr>
+              <a:t>https://docs.scipy.org/doc/scipy/reference/tutorial/optimize.html</a:t>
+            </a:r>
+            <a:endParaRPr lang="es-ES" sz="2800" b="0" strike="noStrike" spc="-1">
+              <a:solidFill>
+                <a:srgbClr val="000000"/>
+              </a:solidFill>
+              <a:latin typeface="Calibri"/>
+            </a:endParaRPr>
+          </a:p>
+          <a:p>
+            <a:pPr>
+              <a:lnSpc>
+                <a:spcPct val="90000"/>
+              </a:lnSpc>
+              <a:spcBef>
+                <a:spcPts val="1001"/>
+              </a:spcBef>
+            </a:pPr>
+            <a:endParaRPr lang="es-ES" sz="2800" b="0" strike="noStrike" spc="-1">
+              <a:solidFill>
+                <a:srgbClr val="000000"/>
+              </a:solidFill>
+              <a:latin typeface="Calibri"/>
+            </a:endParaRPr>
+          </a:p>
+          <a:p>
+            <a:pPr>
+              <a:lnSpc>
+                <a:spcPct val="90000"/>
+              </a:lnSpc>
+              <a:spcBef>
+                <a:spcPts val="1001"/>
+              </a:spcBef>
+            </a:pPr>
+            <a:endParaRPr lang="es-ES" sz="2800" b="0" strike="noStrike" spc="-1">
+              <a:solidFill>
+                <a:srgbClr val="000000"/>
+              </a:solidFill>
+              <a:latin typeface="Calibri"/>
+            </a:endParaRPr>
+          </a:p>
+        </p:txBody>
+      </p:sp>
+    </p:spTree>
+  </p:cSld>
+  <p:clrMapOvr>
+    <a:masterClrMapping/>
+  </p:clrMapOvr>
+  <p:timing>
+    <p:tnLst>
+      <p:par>
+        <p:cTn id="1" dur="indefinite" restart="never" nodeType="tmRoot">
+          <p:childTnLst>
+            <p:seq>
+              <p:cTn id="2" dur="indefinite" nodeType="mainSeq"/>
+              <p:prevCondLst>
+                <p:cond evt="onPrev" delay="0">
+                  <p:tgtEl>
+                    <p:sldTgt/>
+                  </p:tgtEl>
+                </p:cond>
+              </p:prevCondLst>
+              <p:nextCondLst>
+                <p:cond evt="onNext" delay="0">
+                  <p:tgtEl>
+                    <p:sldTgt/>
+                  </p:tgtEl>
+                </p:cond>
+              </p:nextCondLst>
+            </p:seq>
+          </p:childTnLst>
+        </p:cTn>
+      </p:par>
+    </p:tnLst>
+  </p:timing>
+</p:sld>
+</file>
+
+<file path=ppt/slides/slide14.xml><?xml version="1.0" encoding="utf-8"?>
 <p:sld xmlns:a="http://schemas.openxmlformats.org/drawingml/2006/main" xmlns:r="http://schemas.openxmlformats.org/officeDocument/2006/relationships" xmlns:p="http://schemas.openxmlformats.org/presentationml/2006/main">
   <p:cSld>
     <p:spTree>
@@ -9969,6 +10124,733 @@
       </p:grpSpPr>
       <p:sp>
         <p:nvSpPr>
+          <p:cNvPr id="4" name="TextShape 2">
+            <a:extLst>
+              <a:ext uri="{FF2B5EF4-FFF2-40B4-BE49-F238E27FC236}">
+                <a16:creationId xmlns:a16="http://schemas.microsoft.com/office/drawing/2014/main" id="{2B8AFF3A-4B02-4956-B1C7-306B7AD475AA}"/>
+              </a:ext>
+            </a:extLst>
+          </p:cNvPr>
+          <p:cNvSpPr txBox="1"/>
+          <p:nvPr/>
+        </p:nvSpPr>
+        <p:spPr>
+          <a:xfrm>
+            <a:off x="1482571" y="135720"/>
+            <a:ext cx="9339309" cy="1062766"/>
+          </a:xfrm>
+          <a:prstGeom prst="rect">
+            <a:avLst/>
+          </a:prstGeom>
+          <a:noFill/>
+          <a:ln>
+            <a:noFill/>
+          </a:ln>
+        </p:spPr>
+        <p:txBody>
+          <a:bodyPr anchor="ctr">
+            <a:normAutofit fontScale="92500"/>
+          </a:bodyPr>
+          <a:lstStyle/>
+          <a:p>
+            <a:pPr>
+              <a:lnSpc>
+                <a:spcPct val="90000"/>
+              </a:lnSpc>
+            </a:pPr>
+            <a:r>
+              <a:rPr lang="es-ES" sz="4400" spc="-1" dirty="0">
+                <a:solidFill>
+                  <a:srgbClr val="000000"/>
+                </a:solidFill>
+                <a:latin typeface="Calibri" panose="020F0502020204030204" pitchFamily="34" charset="0"/>
+                <a:cs typeface="Calibri" panose="020F0502020204030204" pitchFamily="34" charset="0"/>
+              </a:rPr>
+              <a:t>Contenedores Docker y Docker-</a:t>
+            </a:r>
+            <a:r>
+              <a:rPr lang="es-ES" sz="4400" spc="-1" dirty="0" err="1">
+                <a:solidFill>
+                  <a:srgbClr val="000000"/>
+                </a:solidFill>
+                <a:latin typeface="Calibri" panose="020F0502020204030204" pitchFamily="34" charset="0"/>
+                <a:cs typeface="Calibri" panose="020F0502020204030204" pitchFamily="34" charset="0"/>
+              </a:rPr>
+              <a:t>Compose</a:t>
+            </a:r>
+            <a:endParaRPr lang="es-ES" sz="4400" b="0" strike="noStrike" spc="-1" dirty="0">
+              <a:solidFill>
+                <a:srgbClr val="000000"/>
+              </a:solidFill>
+              <a:latin typeface="Calibri" panose="020F0502020204030204" pitchFamily="34" charset="0"/>
+              <a:cs typeface="Calibri" panose="020F0502020204030204" pitchFamily="34" charset="0"/>
+            </a:endParaRPr>
+          </a:p>
+        </p:txBody>
+      </p:sp>
+      <p:sp>
+        <p:nvSpPr>
+          <p:cNvPr id="5" name="Rectángulo: esquinas redondeadas 4">
+            <a:extLst>
+              <a:ext uri="{FF2B5EF4-FFF2-40B4-BE49-F238E27FC236}">
+                <a16:creationId xmlns:a16="http://schemas.microsoft.com/office/drawing/2014/main" id="{12B69376-A5CF-40EC-B561-4D3629694A65}"/>
+              </a:ext>
+            </a:extLst>
+          </p:cNvPr>
+          <p:cNvSpPr/>
+          <p:nvPr/>
+        </p:nvSpPr>
+        <p:spPr>
+          <a:xfrm>
+            <a:off x="2241611" y="1123353"/>
+            <a:ext cx="7457243" cy="4706724"/>
+          </a:xfrm>
+          <a:prstGeom prst="roundRect">
+            <a:avLst/>
+          </a:prstGeom>
+          <a:solidFill>
+            <a:schemeClr val="bg1">
+              <a:lumMod val="85000"/>
+            </a:schemeClr>
+          </a:solidFill>
+          <a:ln w="38100">
+            <a:solidFill>
+              <a:schemeClr val="tx1"/>
+            </a:solidFill>
+          </a:ln>
+        </p:spPr>
+        <p:style>
+          <a:lnRef idx="2">
+            <a:schemeClr val="accent1">
+              <a:shade val="50000"/>
+            </a:schemeClr>
+          </a:lnRef>
+          <a:fillRef idx="1">
+            <a:schemeClr val="accent1"/>
+          </a:fillRef>
+          <a:effectRef idx="0">
+            <a:schemeClr val="accent1"/>
+          </a:effectRef>
+          <a:fontRef idx="minor">
+            <a:schemeClr val="lt1"/>
+          </a:fontRef>
+        </p:style>
+        <p:txBody>
+          <a:bodyPr rtlCol="0" anchor="ctr"/>
+          <a:lstStyle/>
+          <a:p>
+            <a:pPr algn="ctr"/>
+            <a:endParaRPr lang="es-ES" dirty="0"/>
+          </a:p>
+        </p:txBody>
+      </p:sp>
+      <p:sp>
+        <p:nvSpPr>
+          <p:cNvPr id="10" name="Rectángulo: esquinas redondeadas 9">
+            <a:extLst>
+              <a:ext uri="{FF2B5EF4-FFF2-40B4-BE49-F238E27FC236}">
+                <a16:creationId xmlns:a16="http://schemas.microsoft.com/office/drawing/2014/main" id="{FB7FB317-6119-4706-9B5B-88776AC0B30A}"/>
+              </a:ext>
+            </a:extLst>
+          </p:cNvPr>
+          <p:cNvSpPr/>
+          <p:nvPr/>
+        </p:nvSpPr>
+        <p:spPr>
+          <a:xfrm>
+            <a:off x="2867487" y="1329157"/>
+            <a:ext cx="6205492" cy="3423761"/>
+          </a:xfrm>
+          <a:prstGeom prst="roundRect">
+            <a:avLst/>
+          </a:prstGeom>
+          <a:solidFill>
+            <a:schemeClr val="accent5">
+              <a:lumMod val="20000"/>
+              <a:lumOff val="80000"/>
+            </a:schemeClr>
+          </a:solidFill>
+          <a:ln w="38100">
+            <a:solidFill>
+              <a:schemeClr val="tx1"/>
+            </a:solidFill>
+          </a:ln>
+        </p:spPr>
+        <p:style>
+          <a:lnRef idx="2">
+            <a:schemeClr val="accent1">
+              <a:shade val="50000"/>
+            </a:schemeClr>
+          </a:lnRef>
+          <a:fillRef idx="1">
+            <a:schemeClr val="accent1"/>
+          </a:fillRef>
+          <a:effectRef idx="0">
+            <a:schemeClr val="accent1"/>
+          </a:effectRef>
+          <a:fontRef idx="minor">
+            <a:schemeClr val="lt1"/>
+          </a:fontRef>
+        </p:style>
+        <p:txBody>
+          <a:bodyPr rtlCol="0" anchor="ctr"/>
+          <a:lstStyle/>
+          <a:p>
+            <a:pPr algn="ctr"/>
+            <a:endParaRPr lang="es-ES" dirty="0"/>
+          </a:p>
+        </p:txBody>
+      </p:sp>
+      <p:pic>
+        <p:nvPicPr>
+          <p:cNvPr id="20" name="Imagen 19">
+            <a:extLst>
+              <a:ext uri="{FF2B5EF4-FFF2-40B4-BE49-F238E27FC236}">
+                <a16:creationId xmlns:a16="http://schemas.microsoft.com/office/drawing/2014/main" id="{ED2011A3-F92D-4A12-AD0B-41F8BE17C12E}"/>
+              </a:ext>
+            </a:extLst>
+          </p:cNvPr>
+          <p:cNvPicPr>
+            <a:picLocks noChangeAspect="1"/>
+          </p:cNvPicPr>
+          <p:nvPr/>
+        </p:nvPicPr>
+        <p:blipFill>
+          <a:blip r:embed="rId2">
+            <a:extLst>
+              <a:ext uri="{28A0092B-C50C-407E-A947-70E740481C1C}">
+                <a14:useLocalDpi xmlns:a14="http://schemas.microsoft.com/office/drawing/2010/main" val="0"/>
+              </a:ext>
+            </a:extLst>
+          </a:blip>
+          <a:stretch>
+            <a:fillRect/>
+          </a:stretch>
+        </p:blipFill>
+        <p:spPr>
+          <a:xfrm>
+            <a:off x="5407178" y="4844140"/>
+            <a:ext cx="1079607" cy="887052"/>
+          </a:xfrm>
+          <a:prstGeom prst="rect">
+            <a:avLst/>
+          </a:prstGeom>
+        </p:spPr>
+      </p:pic>
+      <p:grpSp>
+        <p:nvGrpSpPr>
+          <p:cNvPr id="23" name="Grupo 22">
+            <a:extLst>
+              <a:ext uri="{FF2B5EF4-FFF2-40B4-BE49-F238E27FC236}">
+                <a16:creationId xmlns:a16="http://schemas.microsoft.com/office/drawing/2014/main" id="{63A07A6E-BCF9-4BBC-B2D7-1A6EEC5F8B18}"/>
+              </a:ext>
+            </a:extLst>
+          </p:cNvPr>
+          <p:cNvGrpSpPr/>
+          <p:nvPr/>
+        </p:nvGrpSpPr>
+        <p:grpSpPr>
+          <a:xfrm>
+            <a:off x="3127282" y="1710387"/>
+            <a:ext cx="1542371" cy="2027112"/>
+            <a:chOff x="10660604" y="2523262"/>
+            <a:chExt cx="1542371" cy="2027112"/>
+          </a:xfrm>
+        </p:grpSpPr>
+        <p:sp>
+          <p:nvSpPr>
+            <p:cNvPr id="6" name="CustomShape 3">
+              <a:extLst>
+                <a:ext uri="{FF2B5EF4-FFF2-40B4-BE49-F238E27FC236}">
+                  <a16:creationId xmlns:a16="http://schemas.microsoft.com/office/drawing/2014/main" id="{CE462F19-B240-46C5-B794-935554E85C95}"/>
+                </a:ext>
+              </a:extLst>
+            </p:cNvPr>
+            <p:cNvSpPr/>
+            <p:nvPr/>
+          </p:nvSpPr>
+          <p:spPr>
+            <a:xfrm>
+              <a:off x="10660604" y="2523262"/>
+              <a:ext cx="1542371" cy="2027112"/>
+            </a:xfrm>
+            <a:prstGeom prst="roundRect">
+              <a:avLst/>
+            </a:prstGeom>
+            <a:solidFill>
+              <a:schemeClr val="bg1">
+                <a:lumMod val="85000"/>
+              </a:schemeClr>
+            </a:solidFill>
+            <a:ln w="38160">
+              <a:solidFill>
+                <a:schemeClr val="tx1"/>
+              </a:solidFill>
+            </a:ln>
+          </p:spPr>
+          <p:style>
+            <a:lnRef idx="2">
+              <a:schemeClr val="accent1">
+                <a:shade val="50000"/>
+              </a:schemeClr>
+            </a:lnRef>
+            <a:fillRef idx="1">
+              <a:schemeClr val="accent1"/>
+            </a:fillRef>
+            <a:effectRef idx="0">
+              <a:schemeClr val="accent1"/>
+            </a:effectRef>
+            <a:fontRef idx="minor"/>
+          </p:style>
+          <p:txBody>
+            <a:bodyPr lIns="90000" tIns="45000" rIns="90000" bIns="45000" anchor="ctr"/>
+            <a:lstStyle/>
+            <a:p>
+              <a:pPr algn="ctr">
+                <a:lnSpc>
+                  <a:spcPct val="100000"/>
+                </a:lnSpc>
+              </a:pPr>
+              <a:r>
+                <a:rPr lang="es-ES" b="1" spc="-1" dirty="0">
+                  <a:solidFill>
+                    <a:srgbClr val="000000"/>
+                  </a:solidFill>
+                  <a:latin typeface="Calibri"/>
+                </a:rPr>
+                <a:t>FLASK APP</a:t>
+              </a:r>
+              <a:endParaRPr lang="es-ES" b="1" strike="noStrike" spc="-1" dirty="0">
+                <a:solidFill>
+                  <a:srgbClr val="000000"/>
+                </a:solidFill>
+                <a:latin typeface="Calibri"/>
+              </a:endParaRPr>
+            </a:p>
+          </p:txBody>
+        </p:sp>
+        <p:pic>
+          <p:nvPicPr>
+            <p:cNvPr id="19" name="Imagen 18">
+              <a:extLst>
+                <a:ext uri="{FF2B5EF4-FFF2-40B4-BE49-F238E27FC236}">
+                  <a16:creationId xmlns:a16="http://schemas.microsoft.com/office/drawing/2014/main" id="{1E08B55F-5B4D-4265-8E62-C23EFF65CA45}"/>
+                </a:ext>
+              </a:extLst>
+            </p:cNvPr>
+            <p:cNvPicPr>
+              <a:picLocks noChangeAspect="1"/>
+            </p:cNvPicPr>
+            <p:nvPr/>
+          </p:nvPicPr>
+          <p:blipFill>
+            <a:blip r:embed="rId2">
+              <a:extLst>
+                <a:ext uri="{28A0092B-C50C-407E-A947-70E740481C1C}">
+                  <a14:useLocalDpi xmlns:a14="http://schemas.microsoft.com/office/drawing/2010/main" val="0"/>
+                </a:ext>
+              </a:extLst>
+            </a:blip>
+            <a:stretch>
+              <a:fillRect/>
+            </a:stretch>
+          </p:blipFill>
+          <p:spPr>
+            <a:xfrm>
+              <a:off x="10991946" y="2596219"/>
+              <a:ext cx="836951" cy="687675"/>
+            </a:xfrm>
+            <a:prstGeom prst="rect">
+              <a:avLst/>
+            </a:prstGeom>
+          </p:spPr>
+        </p:pic>
+      </p:grpSp>
+      <p:pic>
+        <p:nvPicPr>
+          <p:cNvPr id="31" name="Imagen 30">
+            <a:extLst>
+              <a:ext uri="{FF2B5EF4-FFF2-40B4-BE49-F238E27FC236}">
+                <a16:creationId xmlns:a16="http://schemas.microsoft.com/office/drawing/2014/main" id="{EC4A5CD6-099F-4428-9A38-7261B7260074}"/>
+              </a:ext>
+            </a:extLst>
+          </p:cNvPr>
+          <p:cNvPicPr>
+            <a:picLocks noChangeAspect="1"/>
+          </p:cNvPicPr>
+          <p:nvPr/>
+        </p:nvPicPr>
+        <p:blipFill>
+          <a:blip r:embed="rId3">
+            <a:extLst>
+              <a:ext uri="{28A0092B-C50C-407E-A947-70E740481C1C}">
+                <a14:useLocalDpi xmlns:a14="http://schemas.microsoft.com/office/drawing/2010/main" val="0"/>
+              </a:ext>
+            </a:extLst>
+          </a:blip>
+          <a:stretch>
+            <a:fillRect/>
+          </a:stretch>
+        </p:blipFill>
+        <p:spPr>
+          <a:xfrm>
+            <a:off x="3887360" y="2945745"/>
+            <a:ext cx="707960" cy="530970"/>
+          </a:xfrm>
+          <a:prstGeom prst="rect">
+            <a:avLst/>
+          </a:prstGeom>
+        </p:spPr>
+      </p:pic>
+      <p:pic>
+        <p:nvPicPr>
+          <p:cNvPr id="32" name="Imagen 57">
+            <a:extLst>
+              <a:ext uri="{FF2B5EF4-FFF2-40B4-BE49-F238E27FC236}">
+                <a16:creationId xmlns:a16="http://schemas.microsoft.com/office/drawing/2014/main" id="{D0596C54-66E6-4807-9CA3-D98B49F844E5}"/>
+              </a:ext>
+            </a:extLst>
+          </p:cNvPr>
+          <p:cNvPicPr/>
+          <p:nvPr/>
+        </p:nvPicPr>
+        <p:blipFill>
+          <a:blip r:embed="rId4"/>
+          <a:stretch/>
+        </p:blipFill>
+        <p:spPr>
+          <a:xfrm>
+            <a:off x="3247289" y="3011741"/>
+            <a:ext cx="565828" cy="530970"/>
+          </a:xfrm>
+          <a:prstGeom prst="rect">
+            <a:avLst/>
+          </a:prstGeom>
+          <a:ln>
+            <a:noFill/>
+          </a:ln>
+        </p:spPr>
+      </p:pic>
+      <p:sp>
+        <p:nvSpPr>
+          <p:cNvPr id="37" name="CustomShape 3">
+            <a:extLst>
+              <a:ext uri="{FF2B5EF4-FFF2-40B4-BE49-F238E27FC236}">
+                <a16:creationId xmlns:a16="http://schemas.microsoft.com/office/drawing/2014/main" id="{2752AC38-5299-4A57-A313-2F8CFEDC3A28}"/>
+              </a:ext>
+            </a:extLst>
+          </p:cNvPr>
+          <p:cNvSpPr/>
+          <p:nvPr/>
+        </p:nvSpPr>
+        <p:spPr>
+          <a:xfrm>
+            <a:off x="5175797" y="1710387"/>
+            <a:ext cx="1542371" cy="2027112"/>
+          </a:xfrm>
+          <a:prstGeom prst="roundRect">
+            <a:avLst/>
+          </a:prstGeom>
+          <a:solidFill>
+            <a:schemeClr val="bg1">
+              <a:lumMod val="85000"/>
+            </a:schemeClr>
+          </a:solidFill>
+          <a:ln w="38160">
+            <a:solidFill>
+              <a:schemeClr val="tx1"/>
+            </a:solidFill>
+          </a:ln>
+        </p:spPr>
+        <p:style>
+          <a:lnRef idx="2">
+            <a:schemeClr val="accent1">
+              <a:shade val="50000"/>
+            </a:schemeClr>
+          </a:lnRef>
+          <a:fillRef idx="1">
+            <a:schemeClr val="accent1"/>
+          </a:fillRef>
+          <a:effectRef idx="0">
+            <a:schemeClr val="accent1"/>
+          </a:effectRef>
+          <a:fontRef idx="minor"/>
+        </p:style>
+        <p:txBody>
+          <a:bodyPr lIns="90000" tIns="45000" rIns="90000" bIns="45000" anchor="ctr"/>
+          <a:lstStyle/>
+          <a:p>
+            <a:pPr algn="ctr">
+              <a:lnSpc>
+                <a:spcPct val="100000"/>
+              </a:lnSpc>
+            </a:pPr>
+            <a:r>
+              <a:rPr lang="es-ES" b="1" spc="-1" dirty="0">
+                <a:solidFill>
+                  <a:srgbClr val="000000"/>
+                </a:solidFill>
+                <a:latin typeface="Calibri"/>
+              </a:rPr>
+              <a:t>DB</a:t>
+            </a:r>
+            <a:endParaRPr lang="es-ES" b="1" strike="noStrike" spc="-1" dirty="0">
+              <a:solidFill>
+                <a:srgbClr val="000000"/>
+              </a:solidFill>
+              <a:latin typeface="Calibri"/>
+            </a:endParaRPr>
+          </a:p>
+        </p:txBody>
+      </p:sp>
+      <p:sp>
+        <p:nvSpPr>
+          <p:cNvPr id="40" name="CustomShape 3">
+            <a:extLst>
+              <a:ext uri="{FF2B5EF4-FFF2-40B4-BE49-F238E27FC236}">
+                <a16:creationId xmlns:a16="http://schemas.microsoft.com/office/drawing/2014/main" id="{459EA922-79DB-4501-B1D8-6044AF1F57A3}"/>
+              </a:ext>
+            </a:extLst>
+          </p:cNvPr>
+          <p:cNvSpPr/>
+          <p:nvPr/>
+        </p:nvSpPr>
+        <p:spPr>
+          <a:xfrm>
+            <a:off x="7224313" y="1710387"/>
+            <a:ext cx="1542371" cy="2027112"/>
+          </a:xfrm>
+          <a:prstGeom prst="roundRect">
+            <a:avLst/>
+          </a:prstGeom>
+          <a:solidFill>
+            <a:schemeClr val="bg1">
+              <a:lumMod val="85000"/>
+            </a:schemeClr>
+          </a:solidFill>
+          <a:ln w="38160">
+            <a:solidFill>
+              <a:schemeClr val="tx1"/>
+            </a:solidFill>
+          </a:ln>
+        </p:spPr>
+        <p:style>
+          <a:lnRef idx="2">
+            <a:schemeClr val="accent1">
+              <a:shade val="50000"/>
+            </a:schemeClr>
+          </a:lnRef>
+          <a:fillRef idx="1">
+            <a:schemeClr val="accent1"/>
+          </a:fillRef>
+          <a:effectRef idx="0">
+            <a:schemeClr val="accent1"/>
+          </a:effectRef>
+          <a:fontRef idx="minor"/>
+        </p:style>
+        <p:txBody>
+          <a:bodyPr lIns="90000" tIns="45000" rIns="90000" bIns="45000" anchor="ctr"/>
+          <a:lstStyle/>
+          <a:p>
+            <a:pPr algn="ctr">
+              <a:lnSpc>
+                <a:spcPct val="100000"/>
+              </a:lnSpc>
+            </a:pPr>
+            <a:r>
+              <a:rPr lang="es-ES" b="1" spc="-1" dirty="0">
+                <a:solidFill>
+                  <a:srgbClr val="000000"/>
+                </a:solidFill>
+                <a:latin typeface="Calibri"/>
+              </a:rPr>
+              <a:t>GRAFANA</a:t>
+            </a:r>
+            <a:endParaRPr lang="es-ES" b="1" strike="noStrike" spc="-1" dirty="0">
+              <a:solidFill>
+                <a:srgbClr val="000000"/>
+              </a:solidFill>
+              <a:latin typeface="Calibri"/>
+            </a:endParaRPr>
+          </a:p>
+        </p:txBody>
+      </p:sp>
+      <p:pic>
+        <p:nvPicPr>
+          <p:cNvPr id="33" name="Imagen 32" descr="Logotipo&#10;&#10;Descripción generada automáticamente">
+            <a:extLst>
+              <a:ext uri="{FF2B5EF4-FFF2-40B4-BE49-F238E27FC236}">
+                <a16:creationId xmlns:a16="http://schemas.microsoft.com/office/drawing/2014/main" id="{3E0E54AB-74EA-4002-A0F6-73FF90601A90}"/>
+              </a:ext>
+            </a:extLst>
+          </p:cNvPr>
+          <p:cNvPicPr>
+            <a:picLocks noChangeAspect="1"/>
+          </p:cNvPicPr>
+          <p:nvPr/>
+        </p:nvPicPr>
+        <p:blipFill>
+          <a:blip r:embed="rId5">
+            <a:extLst>
+              <a:ext uri="{28A0092B-C50C-407E-A947-70E740481C1C}">
+                <a14:useLocalDpi xmlns:a14="http://schemas.microsoft.com/office/drawing/2010/main" val="0"/>
+              </a:ext>
+            </a:extLst>
+          </a:blip>
+          <a:stretch>
+            <a:fillRect/>
+          </a:stretch>
+        </p:blipFill>
+        <p:spPr>
+          <a:xfrm>
+            <a:off x="5482987" y="1923700"/>
+            <a:ext cx="1054389" cy="547319"/>
+          </a:xfrm>
+          <a:prstGeom prst="rect">
+            <a:avLst/>
+          </a:prstGeom>
+        </p:spPr>
+      </p:pic>
+      <p:pic>
+        <p:nvPicPr>
+          <p:cNvPr id="34" name="Imagen 33">
+            <a:extLst>
+              <a:ext uri="{FF2B5EF4-FFF2-40B4-BE49-F238E27FC236}">
+                <a16:creationId xmlns:a16="http://schemas.microsoft.com/office/drawing/2014/main" id="{509C044F-4CC8-45D2-B755-63CEFC6D789E}"/>
+              </a:ext>
+            </a:extLst>
+          </p:cNvPr>
+          <p:cNvPicPr>
+            <a:picLocks noChangeAspect="1"/>
+          </p:cNvPicPr>
+          <p:nvPr/>
+        </p:nvPicPr>
+        <p:blipFill>
+          <a:blip r:embed="rId6">
+            <a:extLst>
+              <a:ext uri="{28A0092B-C50C-407E-A947-70E740481C1C}">
+                <a14:useLocalDpi xmlns:a14="http://schemas.microsoft.com/office/drawing/2010/main" val="0"/>
+              </a:ext>
+            </a:extLst>
+          </a:blip>
+          <a:stretch>
+            <a:fillRect/>
+          </a:stretch>
+        </p:blipFill>
+        <p:spPr>
+          <a:xfrm>
+            <a:off x="7696621" y="1861311"/>
+            <a:ext cx="597753" cy="609708"/>
+          </a:xfrm>
+          <a:prstGeom prst="rect">
+            <a:avLst/>
+          </a:prstGeom>
+        </p:spPr>
+      </p:pic>
+      <p:pic>
+        <p:nvPicPr>
+          <p:cNvPr id="42" name="Imagen 41" descr="Interfaz de usuario gráfica, Aplicación, Chat o mensaje de texto&#10;&#10;Descripción generada automáticamente">
+            <a:extLst>
+              <a:ext uri="{FF2B5EF4-FFF2-40B4-BE49-F238E27FC236}">
+                <a16:creationId xmlns:a16="http://schemas.microsoft.com/office/drawing/2014/main" id="{01B7BA30-8B4F-4734-A55D-E936D6897013}"/>
+              </a:ext>
+            </a:extLst>
+          </p:cNvPr>
+          <p:cNvPicPr>
+            <a:picLocks noChangeAspect="1"/>
+          </p:cNvPicPr>
+          <p:nvPr/>
+        </p:nvPicPr>
+        <p:blipFill>
+          <a:blip r:embed="rId7">
+            <a:extLst>
+              <a:ext uri="{28A0092B-C50C-407E-A947-70E740481C1C}">
+                <a14:useLocalDpi xmlns:a14="http://schemas.microsoft.com/office/drawing/2010/main" val="0"/>
+              </a:ext>
+            </a:extLst>
+          </a:blip>
+          <a:stretch>
+            <a:fillRect/>
+          </a:stretch>
+        </p:blipFill>
+        <p:spPr>
+          <a:xfrm>
+            <a:off x="6558830" y="3861785"/>
+            <a:ext cx="1330965" cy="766847"/>
+          </a:xfrm>
+          <a:prstGeom prst="rect">
+            <a:avLst/>
+          </a:prstGeom>
+        </p:spPr>
+      </p:pic>
+      <p:pic>
+        <p:nvPicPr>
+          <p:cNvPr id="55" name="Imagen 54">
+            <a:extLst>
+              <a:ext uri="{FF2B5EF4-FFF2-40B4-BE49-F238E27FC236}">
+                <a16:creationId xmlns:a16="http://schemas.microsoft.com/office/drawing/2014/main" id="{BDE785FC-8639-4A05-8939-C6A0574A2351}"/>
+              </a:ext>
+            </a:extLst>
+          </p:cNvPr>
+          <p:cNvPicPr>
+            <a:picLocks noChangeAspect="1"/>
+          </p:cNvPicPr>
+          <p:nvPr/>
+        </p:nvPicPr>
+        <p:blipFill>
+          <a:blip r:embed="rId8">
+            <a:extLst>
+              <a:ext uri="{28A0092B-C50C-407E-A947-70E740481C1C}">
+                <a14:useLocalDpi xmlns:a14="http://schemas.microsoft.com/office/drawing/2010/main" val="0"/>
+              </a:ext>
+            </a:extLst>
+          </a:blip>
+          <a:stretch>
+            <a:fillRect/>
+          </a:stretch>
+        </p:blipFill>
+        <p:spPr>
+          <a:xfrm>
+            <a:off x="4492131" y="3857390"/>
+            <a:ext cx="1022463" cy="766847"/>
+          </a:xfrm>
+          <a:prstGeom prst="rect">
+            <a:avLst/>
+          </a:prstGeom>
+        </p:spPr>
+      </p:pic>
+    </p:spTree>
+    <p:extLst>
+      <p:ext uri="{BB962C8B-B14F-4D97-AF65-F5344CB8AC3E}">
+        <p14:creationId xmlns:p14="http://schemas.microsoft.com/office/powerpoint/2010/main" val="3072139884"/>
+      </p:ext>
+    </p:extLst>
+  </p:cSld>
+  <p:clrMapOvr>
+    <a:masterClrMapping/>
+  </p:clrMapOvr>
+</p:sld>
+</file>
+
+<file path=ppt/slides/slide6.xml><?xml version="1.0" encoding="utf-8"?>
+<p:sld xmlns:a="http://schemas.openxmlformats.org/drawingml/2006/main" xmlns:r="http://schemas.openxmlformats.org/officeDocument/2006/relationships" xmlns:p="http://schemas.openxmlformats.org/presentationml/2006/main">
+  <p:cSld>
+    <p:spTree>
+      <p:nvGrpSpPr>
+        <p:cNvPr id="1" name=""/>
+        <p:cNvGrpSpPr/>
+        <p:nvPr/>
+      </p:nvGrpSpPr>
+      <p:grpSpPr>
+        <a:xfrm>
+          <a:off x="0" y="0"/>
+          <a:ext cx="0" cy="0"/>
+          <a:chOff x="0" y="0"/>
+          <a:chExt cx="0" cy="0"/>
+        </a:xfrm>
+      </p:grpSpPr>
+      <p:sp>
+        <p:nvSpPr>
           <p:cNvPr id="108" name="TextShape 1"/>
           <p:cNvSpPr txBox="1"/>
           <p:nvPr/>
@@ -10792,1206 +11674,6 @@
             </a:endParaRPr>
           </a:p>
         </p:txBody>
-      </p:sp>
-    </p:spTree>
-  </p:cSld>
-  <p:clrMapOvr>
-    <a:masterClrMapping/>
-  </p:clrMapOvr>
-  <p:timing>
-    <p:tnLst>
-      <p:par>
-        <p:cTn id="1" dur="indefinite" restart="never" nodeType="tmRoot">
-          <p:childTnLst>
-            <p:seq>
-              <p:cTn id="2" dur="indefinite" nodeType="mainSeq"/>
-              <p:prevCondLst>
-                <p:cond evt="onPrev" delay="0">
-                  <p:tgtEl>
-                    <p:sldTgt/>
-                  </p:tgtEl>
-                </p:cond>
-              </p:prevCondLst>
-              <p:nextCondLst>
-                <p:cond evt="onNext" delay="0">
-                  <p:tgtEl>
-                    <p:sldTgt/>
-                  </p:tgtEl>
-                </p:cond>
-              </p:nextCondLst>
-            </p:seq>
-          </p:childTnLst>
-        </p:cTn>
-      </p:par>
-    </p:tnLst>
-  </p:timing>
-</p:sld>
-</file>
-
-<file path=ppt/slides/slide6.xml><?xml version="1.0" encoding="utf-8"?>
-<p:sld xmlns:a="http://schemas.openxmlformats.org/drawingml/2006/main" xmlns:r="http://schemas.openxmlformats.org/officeDocument/2006/relationships" xmlns:p="http://schemas.openxmlformats.org/presentationml/2006/main">
-  <p:cSld>
-    <p:spTree>
-      <p:nvGrpSpPr>
-        <p:cNvPr id="1" name=""/>
-        <p:cNvGrpSpPr/>
-        <p:nvPr/>
-      </p:nvGrpSpPr>
-      <p:grpSpPr>
-        <a:xfrm>
-          <a:off x="0" y="0"/>
-          <a:ext cx="0" cy="0"/>
-          <a:chOff x="0" y="0"/>
-          <a:chExt cx="0" cy="0"/>
-        </a:xfrm>
-      </p:grpSpPr>
-      <p:sp>
-        <p:nvSpPr>
-          <p:cNvPr id="121" name="TextShape 1"/>
-          <p:cNvSpPr txBox="1"/>
-          <p:nvPr/>
-        </p:nvSpPr>
-        <p:spPr>
-          <a:xfrm>
-            <a:off x="4712040" y="352080"/>
-            <a:ext cx="2767680" cy="813960"/>
-          </a:xfrm>
-          <a:prstGeom prst="rect">
-            <a:avLst/>
-          </a:prstGeom>
-          <a:noFill/>
-          <a:ln>
-            <a:noFill/>
-          </a:ln>
-        </p:spPr>
-        <p:txBody>
-          <a:bodyPr anchor="ctr"/>
-          <a:lstStyle/>
-          <a:p>
-            <a:pPr>
-              <a:lnSpc>
-                <a:spcPct val="90000"/>
-              </a:lnSpc>
-            </a:pPr>
-            <a:r>
-              <a:rPr lang="es-ES" sz="4400" b="0" strike="noStrike" spc="-1">
-                <a:solidFill>
-                  <a:srgbClr val="000000"/>
-                </a:solidFill>
-                <a:latin typeface="LM Roman 10"/>
-              </a:rPr>
-              <a:t>Modelo</a:t>
-            </a:r>
-            <a:endParaRPr lang="es-ES" sz="4400" b="0" strike="noStrike" spc="-1">
-              <a:solidFill>
-                <a:srgbClr val="000000"/>
-              </a:solidFill>
-              <a:latin typeface="Calibri"/>
-            </a:endParaRPr>
-          </a:p>
-        </p:txBody>
-      </p:sp>
-      <p:sp>
-        <p:nvSpPr>
-          <p:cNvPr id="122" name="CustomShape 2"/>
-          <p:cNvSpPr/>
-          <p:nvPr/>
-        </p:nvSpPr>
-        <p:spPr>
-          <a:xfrm>
-            <a:off x="1409400" y="1404720"/>
-            <a:ext cx="9672120" cy="4956120"/>
-          </a:xfrm>
-          <a:prstGeom prst="rect">
-            <a:avLst/>
-          </a:prstGeom>
-          <a:noFill/>
-          <a:ln w="38160">
-            <a:solidFill>
-              <a:schemeClr val="tx1"/>
-            </a:solidFill>
-          </a:ln>
-        </p:spPr>
-        <p:style>
-          <a:lnRef idx="2">
-            <a:schemeClr val="accent1">
-              <a:shade val="50000"/>
-            </a:schemeClr>
-          </a:lnRef>
-          <a:fillRef idx="1">
-            <a:schemeClr val="accent1"/>
-          </a:fillRef>
-          <a:effectRef idx="0">
-            <a:schemeClr val="accent1"/>
-          </a:effectRef>
-          <a:fontRef idx="minor"/>
-        </p:style>
-      </p:sp>
-      <p:sp>
-        <p:nvSpPr>
-          <p:cNvPr id="123" name="CustomShape 3"/>
-          <p:cNvSpPr/>
-          <p:nvPr/>
-        </p:nvSpPr>
-        <p:spPr>
-          <a:xfrm>
-            <a:off x="4591440" y="2823120"/>
-            <a:ext cx="1601280" cy="2245680"/>
-          </a:xfrm>
-          <a:prstGeom prst="rect">
-            <a:avLst/>
-          </a:prstGeom>
-          <a:noFill/>
-          <a:ln w="38160">
-            <a:solidFill>
-              <a:schemeClr val="tx1"/>
-            </a:solidFill>
-          </a:ln>
-        </p:spPr>
-        <p:style>
-          <a:lnRef idx="2">
-            <a:schemeClr val="accent1">
-              <a:shade val="50000"/>
-            </a:schemeClr>
-          </a:lnRef>
-          <a:fillRef idx="1">
-            <a:schemeClr val="accent1"/>
-          </a:fillRef>
-          <a:effectRef idx="0">
-            <a:schemeClr val="accent1"/>
-          </a:effectRef>
-          <a:fontRef idx="minor"/>
-        </p:style>
-      </p:sp>
-      <p:sp>
-        <p:nvSpPr>
-          <p:cNvPr id="124" name="CustomShape 4"/>
-          <p:cNvSpPr/>
-          <p:nvPr/>
-        </p:nvSpPr>
-        <p:spPr>
-          <a:xfrm>
-            <a:off x="6755760" y="2906280"/>
-            <a:ext cx="1666440" cy="2284200"/>
-          </a:xfrm>
-          <a:prstGeom prst="rect">
-            <a:avLst/>
-          </a:prstGeom>
-          <a:noFill/>
-          <a:ln>
-            <a:noFill/>
-          </a:ln>
-        </p:spPr>
-        <p:style>
-          <a:lnRef idx="0">
-            <a:scrgbClr r="0" g="0" b="0"/>
-          </a:lnRef>
-          <a:fillRef idx="0">
-            <a:scrgbClr r="0" g="0" b="0"/>
-          </a:fillRef>
-          <a:effectRef idx="0">
-            <a:scrgbClr r="0" g="0" b="0"/>
-          </a:effectRef>
-          <a:fontRef idx="minor"/>
-        </p:style>
-        <p:txBody>
-          <a:bodyPr lIns="90000" tIns="45000" rIns="90000" bIns="45000"/>
-          <a:lstStyle/>
-          <a:p>
-            <a:pPr>
-              <a:lnSpc>
-                <a:spcPct val="100000"/>
-              </a:lnSpc>
-            </a:pPr>
-            <a:r>
-              <a:rPr lang="es-ES" sz="1800" b="0" strike="noStrike" spc="-1">
-                <a:solidFill>
-                  <a:srgbClr val="000000"/>
-                </a:solidFill>
-                <a:latin typeface="LM Roman 10"/>
-              </a:rPr>
-              <a:t>Definir la función </a:t>
-            </a:r>
-            <a:endParaRPr lang="es-ES" sz="1800" b="0" strike="noStrike" spc="-1">
-              <a:latin typeface="Arial"/>
-            </a:endParaRPr>
-          </a:p>
-          <a:p>
-            <a:pPr>
-              <a:lnSpc>
-                <a:spcPct val="100000"/>
-              </a:lnSpc>
-            </a:pPr>
-            <a:r>
-              <a:rPr lang="es-ES" sz="1800" b="0" strike="noStrike" spc="-1">
-                <a:solidFill>
-                  <a:srgbClr val="000000"/>
-                </a:solidFill>
-                <a:latin typeface="LM Roman 10"/>
-              </a:rPr>
-              <a:t>Objetivo (aka fitness</a:t>
-            </a:r>
-            <a:endParaRPr lang="es-ES" sz="1800" b="0" strike="noStrike" spc="-1">
-              <a:latin typeface="Arial"/>
-            </a:endParaRPr>
-          </a:p>
-          <a:p>
-            <a:pPr>
-              <a:lnSpc>
-                <a:spcPct val="100000"/>
-              </a:lnSpc>
-            </a:pPr>
-            <a:r>
-              <a:rPr lang="es-ES" sz="1800" b="0" strike="noStrike" spc="-1">
-                <a:solidFill>
-                  <a:srgbClr val="000000"/>
-                </a:solidFill>
-                <a:latin typeface="LM Roman 10"/>
-              </a:rPr>
-              <a:t>Function) y las </a:t>
-            </a:r>
-            <a:endParaRPr lang="es-ES" sz="1800" b="0" strike="noStrike" spc="-1">
-              <a:latin typeface="Arial"/>
-            </a:endParaRPr>
-          </a:p>
-          <a:p>
-            <a:pPr>
-              <a:lnSpc>
-                <a:spcPct val="100000"/>
-              </a:lnSpc>
-            </a:pPr>
-            <a:r>
-              <a:rPr lang="es-ES" sz="1800" b="0" strike="noStrike" spc="-1">
-                <a:solidFill>
-                  <a:srgbClr val="000000"/>
-                </a:solidFill>
-                <a:latin typeface="LM Roman 10"/>
-              </a:rPr>
-              <a:t>Restricciones.</a:t>
-            </a:r>
-            <a:endParaRPr lang="es-ES" sz="1800" b="0" strike="noStrike" spc="-1">
-              <a:latin typeface="Arial"/>
-            </a:endParaRPr>
-          </a:p>
-        </p:txBody>
-      </p:sp>
-      <p:sp>
-        <p:nvSpPr>
-          <p:cNvPr id="125" name="CustomShape 5"/>
-          <p:cNvSpPr/>
-          <p:nvPr/>
-        </p:nvSpPr>
-        <p:spPr>
-          <a:xfrm>
-            <a:off x="285120" y="3882960"/>
-            <a:ext cx="1123920" cy="360"/>
-          </a:xfrm>
-          <a:custGeom>
-            <a:avLst/>
-            <a:gdLst/>
-            <a:ahLst/>
-            <a:cxnLst/>
-            <a:rect l="l" t="t" r="r" b="b"/>
-            <a:pathLst>
-              <a:path w="21600" h="21600">
-                <a:moveTo>
-                  <a:pt x="0" y="0"/>
-                </a:moveTo>
-                <a:lnTo>
-                  <a:pt x="21600" y="21600"/>
-                </a:lnTo>
-              </a:path>
-            </a:pathLst>
-          </a:custGeom>
-          <a:noFill/>
-          <a:ln w="38160">
-            <a:tailEnd type="triangle" w="med" len="med"/>
-          </a:ln>
-        </p:spPr>
-        <p:style>
-          <a:lnRef idx="1">
-            <a:schemeClr val="dk1"/>
-          </a:lnRef>
-          <a:fillRef idx="0">
-            <a:schemeClr val="dk1"/>
-          </a:fillRef>
-          <a:effectRef idx="0">
-            <a:schemeClr val="dk1"/>
-          </a:effectRef>
-          <a:fontRef idx="minor"/>
-        </p:style>
-      </p:sp>
-      <p:sp>
-        <p:nvSpPr>
-          <p:cNvPr id="126" name="CustomShape 6"/>
-          <p:cNvSpPr/>
-          <p:nvPr/>
-        </p:nvSpPr>
-        <p:spPr>
-          <a:xfrm>
-            <a:off x="4102200" y="2055600"/>
-            <a:ext cx="6579720" cy="3489480"/>
-          </a:xfrm>
-          <a:prstGeom prst="rect">
-            <a:avLst/>
-          </a:prstGeom>
-          <a:noFill/>
-          <a:ln w="38160">
-            <a:solidFill>
-              <a:schemeClr val="tx1"/>
-            </a:solidFill>
-          </a:ln>
-        </p:spPr>
-        <p:style>
-          <a:lnRef idx="2">
-            <a:schemeClr val="accent1">
-              <a:shade val="50000"/>
-            </a:schemeClr>
-          </a:lnRef>
-          <a:fillRef idx="1">
-            <a:schemeClr val="accent1"/>
-          </a:fillRef>
-          <a:effectRef idx="0">
-            <a:schemeClr val="accent1"/>
-          </a:effectRef>
-          <a:fontRef idx="minor"/>
-        </p:style>
-      </p:sp>
-      <p:sp>
-        <p:nvSpPr>
-          <p:cNvPr id="127" name="CustomShape 7"/>
-          <p:cNvSpPr/>
-          <p:nvPr/>
-        </p:nvSpPr>
-        <p:spPr>
-          <a:xfrm>
-            <a:off x="4677840" y="2231280"/>
-            <a:ext cx="5844240" cy="364680"/>
-          </a:xfrm>
-          <a:prstGeom prst="rect">
-            <a:avLst/>
-          </a:prstGeom>
-          <a:noFill/>
-          <a:ln>
-            <a:noFill/>
-          </a:ln>
-        </p:spPr>
-        <p:style>
-          <a:lnRef idx="0">
-            <a:scrgbClr r="0" g="0" b="0"/>
-          </a:lnRef>
-          <a:fillRef idx="0">
-            <a:scrgbClr r="0" g="0" b="0"/>
-          </a:fillRef>
-          <a:effectRef idx="0">
-            <a:scrgbClr r="0" g="0" b="0"/>
-          </a:effectRef>
-          <a:fontRef idx="minor"/>
-        </p:style>
-        <p:txBody>
-          <a:bodyPr wrap="none" lIns="90000" tIns="45000" rIns="90000" bIns="45000"/>
-          <a:lstStyle/>
-          <a:p>
-            <a:pPr>
-              <a:lnSpc>
-                <a:spcPct val="100000"/>
-              </a:lnSpc>
-            </a:pPr>
-            <a:r>
-              <a:rPr lang="es-ES" sz="1800" b="0" strike="noStrike" spc="-1">
-                <a:solidFill>
-                  <a:srgbClr val="000000"/>
-                </a:solidFill>
-                <a:latin typeface="LM Roman 10"/>
-              </a:rPr>
-              <a:t>Modelo optimización ruta -&gt; Problema del viajero</a:t>
-            </a:r>
-            <a:endParaRPr lang="es-ES" sz="1800" b="0" strike="noStrike" spc="-1">
-              <a:latin typeface="Arial"/>
-            </a:endParaRPr>
-          </a:p>
-        </p:txBody>
-      </p:sp>
-      <p:sp>
-        <p:nvSpPr>
-          <p:cNvPr id="128" name="CustomShape 8"/>
-          <p:cNvSpPr/>
-          <p:nvPr/>
-        </p:nvSpPr>
-        <p:spPr>
-          <a:xfrm>
-            <a:off x="1641960" y="2055600"/>
-            <a:ext cx="1393560" cy="3489480"/>
-          </a:xfrm>
-          <a:prstGeom prst="rect">
-            <a:avLst/>
-          </a:prstGeom>
-          <a:noFill/>
-          <a:ln w="38160">
-            <a:solidFill>
-              <a:schemeClr val="tx1"/>
-            </a:solidFill>
-          </a:ln>
-        </p:spPr>
-        <p:style>
-          <a:lnRef idx="2">
-            <a:schemeClr val="accent1">
-              <a:shade val="50000"/>
-            </a:schemeClr>
-          </a:lnRef>
-          <a:fillRef idx="1">
-            <a:schemeClr val="accent1"/>
-          </a:fillRef>
-          <a:effectRef idx="0">
-            <a:schemeClr val="accent1"/>
-          </a:effectRef>
-          <a:fontRef idx="minor"/>
-        </p:style>
-      </p:sp>
-      <p:sp>
-        <p:nvSpPr>
-          <p:cNvPr id="129" name="CustomShape 9"/>
-          <p:cNvSpPr/>
-          <p:nvPr/>
-        </p:nvSpPr>
-        <p:spPr>
-          <a:xfrm>
-            <a:off x="1712520" y="2116080"/>
-            <a:ext cx="1329480" cy="3930120"/>
-          </a:xfrm>
-          <a:prstGeom prst="rect">
-            <a:avLst/>
-          </a:prstGeom>
-          <a:noFill/>
-          <a:ln>
-            <a:noFill/>
-          </a:ln>
-        </p:spPr>
-        <p:style>
-          <a:lnRef idx="0">
-            <a:scrgbClr r="0" g="0" b="0"/>
-          </a:lnRef>
-          <a:fillRef idx="0">
-            <a:scrgbClr r="0" g="0" b="0"/>
-          </a:fillRef>
-          <a:effectRef idx="0">
-            <a:scrgbClr r="0" g="0" b="0"/>
-          </a:effectRef>
-          <a:fontRef idx="minor"/>
-        </p:style>
-        <p:txBody>
-          <a:bodyPr lIns="90000" tIns="45000" rIns="90000" bIns="45000"/>
-          <a:lstStyle/>
-          <a:p>
-            <a:pPr>
-              <a:lnSpc>
-                <a:spcPct val="100000"/>
-              </a:lnSpc>
-            </a:pPr>
-            <a:r>
-              <a:rPr lang="es-ES" sz="1800" b="0" strike="noStrike" spc="-1">
-                <a:solidFill>
-                  <a:srgbClr val="000000"/>
-                </a:solidFill>
-                <a:latin typeface="LM Roman 10"/>
-              </a:rPr>
-              <a:t>Predicción modelo ML puntos de recarga: predecir cuales son los puntos de recarga adicionales que convendría instalar.</a:t>
-            </a:r>
-            <a:endParaRPr lang="es-ES" sz="1800" b="0" strike="noStrike" spc="-1">
-              <a:latin typeface="Arial"/>
-            </a:endParaRPr>
-          </a:p>
-        </p:txBody>
-      </p:sp>
-      <p:sp>
-        <p:nvSpPr>
-          <p:cNvPr id="130" name="CustomShape 10"/>
-          <p:cNvSpPr/>
-          <p:nvPr/>
-        </p:nvSpPr>
-        <p:spPr>
-          <a:xfrm>
-            <a:off x="6682320" y="2820960"/>
-            <a:ext cx="1666440" cy="2247840"/>
-          </a:xfrm>
-          <a:prstGeom prst="rect">
-            <a:avLst/>
-          </a:prstGeom>
-          <a:noFill/>
-          <a:ln w="38160">
-            <a:solidFill>
-              <a:schemeClr val="tx1"/>
-            </a:solidFill>
-          </a:ln>
-        </p:spPr>
-        <p:style>
-          <a:lnRef idx="2">
-            <a:schemeClr val="accent1">
-              <a:shade val="50000"/>
-            </a:schemeClr>
-          </a:lnRef>
-          <a:fillRef idx="1">
-            <a:schemeClr val="accent1"/>
-          </a:fillRef>
-          <a:effectRef idx="0">
-            <a:schemeClr val="accent1"/>
-          </a:effectRef>
-          <a:fontRef idx="minor"/>
-        </p:style>
-      </p:sp>
-      <p:sp>
-        <p:nvSpPr>
-          <p:cNvPr id="131" name="CustomShape 11"/>
-          <p:cNvSpPr/>
-          <p:nvPr/>
-        </p:nvSpPr>
-        <p:spPr>
-          <a:xfrm>
-            <a:off x="8783280" y="2823120"/>
-            <a:ext cx="1666440" cy="2245680"/>
-          </a:xfrm>
-          <a:prstGeom prst="rect">
-            <a:avLst/>
-          </a:prstGeom>
-          <a:noFill/>
-          <a:ln w="38160">
-            <a:solidFill>
-              <a:schemeClr val="tx1"/>
-            </a:solidFill>
-          </a:ln>
-        </p:spPr>
-        <p:style>
-          <a:lnRef idx="2">
-            <a:schemeClr val="accent1">
-              <a:shade val="50000"/>
-            </a:schemeClr>
-          </a:lnRef>
-          <a:fillRef idx="1">
-            <a:schemeClr val="accent1"/>
-          </a:fillRef>
-          <a:effectRef idx="0">
-            <a:schemeClr val="accent1"/>
-          </a:effectRef>
-          <a:fontRef idx="minor"/>
-        </p:style>
-      </p:sp>
-      <p:sp>
-        <p:nvSpPr>
-          <p:cNvPr id="132" name="CustomShape 12"/>
-          <p:cNvSpPr/>
-          <p:nvPr/>
-        </p:nvSpPr>
-        <p:spPr>
-          <a:xfrm>
-            <a:off x="11081880" y="2708280"/>
-            <a:ext cx="947520" cy="360"/>
-          </a:xfrm>
-          <a:custGeom>
-            <a:avLst/>
-            <a:gdLst/>
-            <a:ahLst/>
-            <a:cxnLst/>
-            <a:rect l="l" t="t" r="r" b="b"/>
-            <a:pathLst>
-              <a:path w="21600" h="21600">
-                <a:moveTo>
-                  <a:pt x="0" y="0"/>
-                </a:moveTo>
-                <a:lnTo>
-                  <a:pt x="21600" y="21600"/>
-                </a:lnTo>
-              </a:path>
-            </a:pathLst>
-          </a:custGeom>
-          <a:noFill/>
-          <a:ln w="38160">
-            <a:solidFill>
-              <a:srgbClr val="FF0000"/>
-            </a:solidFill>
-            <a:tailEnd type="triangle" w="med" len="med"/>
-          </a:ln>
-        </p:spPr>
-        <p:style>
-          <a:lnRef idx="1">
-            <a:schemeClr val="dk1"/>
-          </a:lnRef>
-          <a:fillRef idx="0">
-            <a:schemeClr val="dk1"/>
-          </a:fillRef>
-          <a:effectRef idx="0">
-            <a:schemeClr val="dk1"/>
-          </a:effectRef>
-          <a:fontRef idx="minor"/>
-        </p:style>
-      </p:sp>
-      <p:sp>
-        <p:nvSpPr>
-          <p:cNvPr id="133" name="CustomShape 13"/>
-          <p:cNvSpPr/>
-          <p:nvPr/>
-        </p:nvSpPr>
-        <p:spPr>
-          <a:xfrm>
-            <a:off x="3039120" y="2906280"/>
-            <a:ext cx="1062720" cy="22680"/>
-          </a:xfrm>
-          <a:custGeom>
-            <a:avLst/>
-            <a:gdLst/>
-            <a:ahLst/>
-            <a:cxnLst/>
-            <a:rect l="l" t="t" r="r" b="b"/>
-            <a:pathLst>
-              <a:path w="21600" h="21600">
-                <a:moveTo>
-                  <a:pt x="0" y="0"/>
-                </a:moveTo>
-                <a:lnTo>
-                  <a:pt x="21600" y="21600"/>
-                </a:lnTo>
-              </a:path>
-            </a:pathLst>
-          </a:custGeom>
-          <a:noFill/>
-          <a:ln w="38160">
-            <a:solidFill>
-              <a:srgbClr val="FF0000"/>
-            </a:solidFill>
-            <a:tailEnd type="triangle" w="med" len="med"/>
-          </a:ln>
-        </p:spPr>
-        <p:style>
-          <a:lnRef idx="1">
-            <a:schemeClr val="dk1"/>
-          </a:lnRef>
-          <a:fillRef idx="0">
-            <a:schemeClr val="dk1"/>
-          </a:fillRef>
-          <a:effectRef idx="0">
-            <a:schemeClr val="dk1"/>
-          </a:effectRef>
-          <a:fontRef idx="minor"/>
-        </p:style>
-      </p:sp>
-      <p:sp>
-        <p:nvSpPr>
-          <p:cNvPr id="134" name="CustomShape 14"/>
-          <p:cNvSpPr/>
-          <p:nvPr/>
-        </p:nvSpPr>
-        <p:spPr>
-          <a:xfrm>
-            <a:off x="3042360" y="4530240"/>
-            <a:ext cx="1059480" cy="360"/>
-          </a:xfrm>
-          <a:custGeom>
-            <a:avLst/>
-            <a:gdLst/>
-            <a:ahLst/>
-            <a:cxnLst/>
-            <a:rect l="l" t="t" r="r" b="b"/>
-            <a:pathLst>
-              <a:path w="21600" h="21600">
-                <a:moveTo>
-                  <a:pt x="0" y="0"/>
-                </a:moveTo>
-                <a:lnTo>
-                  <a:pt x="21600" y="21600"/>
-                </a:lnTo>
-              </a:path>
-            </a:pathLst>
-          </a:custGeom>
-          <a:noFill/>
-          <a:ln w="38160">
-            <a:solidFill>
-              <a:srgbClr val="00B0F0"/>
-            </a:solidFill>
-            <a:tailEnd type="triangle" w="med" len="med"/>
-          </a:ln>
-        </p:spPr>
-        <p:style>
-          <a:lnRef idx="1">
-            <a:schemeClr val="dk1"/>
-          </a:lnRef>
-          <a:fillRef idx="0">
-            <a:schemeClr val="dk1"/>
-          </a:fillRef>
-          <a:effectRef idx="0">
-            <a:schemeClr val="dk1"/>
-          </a:effectRef>
-          <a:fontRef idx="minor"/>
-        </p:style>
-      </p:sp>
-      <p:sp>
-        <p:nvSpPr>
-          <p:cNvPr id="135" name="CustomShape 15"/>
-          <p:cNvSpPr/>
-          <p:nvPr/>
-        </p:nvSpPr>
-        <p:spPr>
-          <a:xfrm>
-            <a:off x="8868960" y="2929320"/>
-            <a:ext cx="1666440" cy="2010600"/>
-          </a:xfrm>
-          <a:prstGeom prst="rect">
-            <a:avLst/>
-          </a:prstGeom>
-          <a:noFill/>
-          <a:ln>
-            <a:noFill/>
-          </a:ln>
-        </p:spPr>
-        <p:style>
-          <a:lnRef idx="0">
-            <a:scrgbClr r="0" g="0" b="0"/>
-          </a:lnRef>
-          <a:fillRef idx="0">
-            <a:scrgbClr r="0" g="0" b="0"/>
-          </a:fillRef>
-          <a:effectRef idx="0">
-            <a:scrgbClr r="0" g="0" b="0"/>
-          </a:effectRef>
-          <a:fontRef idx="minor"/>
-        </p:style>
-        <p:txBody>
-          <a:bodyPr lIns="90000" tIns="45000" rIns="90000" bIns="45000"/>
-          <a:lstStyle/>
-          <a:p>
-            <a:pPr>
-              <a:lnSpc>
-                <a:spcPct val="100000"/>
-              </a:lnSpc>
-            </a:pPr>
-            <a:r>
-              <a:rPr lang="es-ES" sz="1800" b="0" strike="noStrike" spc="-1">
-                <a:solidFill>
-                  <a:srgbClr val="000000"/>
-                </a:solidFill>
-                <a:latin typeface="LM Roman 10"/>
-              </a:rPr>
-              <a:t>Aplicar el modelo de optimización al problema definido y obtener ruta deseada.</a:t>
-            </a:r>
-            <a:endParaRPr lang="es-ES" sz="1800" b="0" strike="noStrike" spc="-1">
-              <a:latin typeface="Arial"/>
-            </a:endParaRPr>
-          </a:p>
-        </p:txBody>
-      </p:sp>
-      <p:sp>
-        <p:nvSpPr>
-          <p:cNvPr id="136" name="CustomShape 16"/>
-          <p:cNvSpPr/>
-          <p:nvPr/>
-        </p:nvSpPr>
-        <p:spPr>
-          <a:xfrm>
-            <a:off x="4591440" y="2946960"/>
-            <a:ext cx="1601280" cy="2558520"/>
-          </a:xfrm>
-          <a:prstGeom prst="rect">
-            <a:avLst/>
-          </a:prstGeom>
-          <a:noFill/>
-          <a:ln>
-            <a:noFill/>
-          </a:ln>
-        </p:spPr>
-        <p:style>
-          <a:lnRef idx="0">
-            <a:scrgbClr r="0" g="0" b="0"/>
-          </a:lnRef>
-          <a:fillRef idx="0">
-            <a:scrgbClr r="0" g="0" b="0"/>
-          </a:fillRef>
-          <a:effectRef idx="0">
-            <a:scrgbClr r="0" g="0" b="0"/>
-          </a:effectRef>
-          <a:fontRef idx="minor"/>
-        </p:style>
-        <p:txBody>
-          <a:bodyPr lIns="90000" tIns="45000" rIns="90000" bIns="45000"/>
-          <a:lstStyle/>
-          <a:p>
-            <a:pPr>
-              <a:lnSpc>
-                <a:spcPct val="100000"/>
-              </a:lnSpc>
-            </a:pPr>
-            <a:r>
-              <a:rPr lang="es-ES" sz="1800" b="0" strike="noStrike" spc="-1">
-                <a:solidFill>
-                  <a:srgbClr val="000000"/>
-                </a:solidFill>
-                <a:latin typeface="LM Roman 10"/>
-              </a:rPr>
-              <a:t>Transformar las variables para adecuarlas al problema de optimización.</a:t>
-            </a:r>
-            <a:endParaRPr lang="es-ES" sz="1800" b="0" strike="noStrike" spc="-1">
-              <a:latin typeface="Arial"/>
-            </a:endParaRPr>
-          </a:p>
-        </p:txBody>
-      </p:sp>
-      <p:sp>
-        <p:nvSpPr>
-          <p:cNvPr id="137" name="CustomShape 17"/>
-          <p:cNvSpPr/>
-          <p:nvPr/>
-        </p:nvSpPr>
-        <p:spPr>
-          <a:xfrm>
-            <a:off x="11081880" y="4861440"/>
-            <a:ext cx="947520" cy="360"/>
-          </a:xfrm>
-          <a:custGeom>
-            <a:avLst/>
-            <a:gdLst/>
-            <a:ahLst/>
-            <a:cxnLst/>
-            <a:rect l="l" t="t" r="r" b="b"/>
-            <a:pathLst>
-              <a:path w="21600" h="21600">
-                <a:moveTo>
-                  <a:pt x="0" y="0"/>
-                </a:moveTo>
-                <a:lnTo>
-                  <a:pt x="21600" y="21600"/>
-                </a:lnTo>
-              </a:path>
-            </a:pathLst>
-          </a:custGeom>
-          <a:noFill/>
-          <a:ln w="38160">
-            <a:solidFill>
-              <a:srgbClr val="00B0F0"/>
-            </a:solidFill>
-            <a:tailEnd type="triangle" w="med" len="med"/>
-          </a:ln>
-        </p:spPr>
-        <p:style>
-          <a:lnRef idx="1">
-            <a:schemeClr val="dk1"/>
-          </a:lnRef>
-          <a:fillRef idx="0">
-            <a:schemeClr val="dk1"/>
-          </a:fillRef>
-          <a:effectRef idx="0">
-            <a:schemeClr val="dk1"/>
-          </a:effectRef>
-          <a:fontRef idx="minor"/>
-        </p:style>
-      </p:sp>
-      <p:sp>
-        <p:nvSpPr>
-          <p:cNvPr id="138" name="CustomShape 18"/>
-          <p:cNvSpPr/>
-          <p:nvPr/>
-        </p:nvSpPr>
-        <p:spPr>
-          <a:xfrm>
-            <a:off x="3112560" y="2242080"/>
-            <a:ext cx="886320" cy="577080"/>
-          </a:xfrm>
-          <a:prstGeom prst="rect">
-            <a:avLst/>
-          </a:prstGeom>
-          <a:noFill/>
-          <a:ln>
-            <a:noFill/>
-          </a:ln>
-        </p:spPr>
-        <p:style>
-          <a:lnRef idx="0">
-            <a:scrgbClr r="0" g="0" b="0"/>
-          </a:lnRef>
-          <a:fillRef idx="0">
-            <a:scrgbClr r="0" g="0" b="0"/>
-          </a:fillRef>
-          <a:effectRef idx="0">
-            <a:scrgbClr r="0" g="0" b="0"/>
-          </a:effectRef>
-          <a:fontRef idx="minor"/>
-        </p:style>
-        <p:txBody>
-          <a:bodyPr lIns="90000" tIns="45000" rIns="90000" bIns="45000"/>
-          <a:lstStyle/>
-          <a:p>
-            <a:pPr>
-              <a:lnSpc>
-                <a:spcPct val="100000"/>
-              </a:lnSpc>
-            </a:pPr>
-            <a:r>
-              <a:rPr lang="es-ES" sz="1600" b="0" strike="noStrike" spc="-1">
-                <a:solidFill>
-                  <a:srgbClr val="FF0000"/>
-                </a:solidFill>
-                <a:latin typeface="LM Roman 10"/>
-              </a:rPr>
-              <a:t>Puntos reales</a:t>
-            </a:r>
-            <a:endParaRPr lang="es-ES" sz="1600" b="0" strike="noStrike" spc="-1">
-              <a:latin typeface="Arial"/>
-            </a:endParaRPr>
-          </a:p>
-        </p:txBody>
-      </p:sp>
-      <p:sp>
-        <p:nvSpPr>
-          <p:cNvPr id="139" name="CustomShape 19"/>
-          <p:cNvSpPr/>
-          <p:nvPr/>
-        </p:nvSpPr>
-        <p:spPr>
-          <a:xfrm>
-            <a:off x="3077640" y="3575520"/>
-            <a:ext cx="1030680" cy="1063080"/>
-          </a:xfrm>
-          <a:prstGeom prst="rect">
-            <a:avLst/>
-          </a:prstGeom>
-          <a:noFill/>
-          <a:ln>
-            <a:noFill/>
-          </a:ln>
-        </p:spPr>
-        <p:style>
-          <a:lnRef idx="0">
-            <a:scrgbClr r="0" g="0" b="0"/>
-          </a:lnRef>
-          <a:fillRef idx="0">
-            <a:scrgbClr r="0" g="0" b="0"/>
-          </a:fillRef>
-          <a:effectRef idx="0">
-            <a:scrgbClr r="0" g="0" b="0"/>
-          </a:effectRef>
-          <a:fontRef idx="minor"/>
-        </p:style>
-        <p:txBody>
-          <a:bodyPr lIns="90000" tIns="45000" rIns="90000" bIns="45000"/>
-          <a:lstStyle/>
-          <a:p>
-            <a:pPr>
-              <a:lnSpc>
-                <a:spcPct val="100000"/>
-              </a:lnSpc>
-            </a:pPr>
-            <a:r>
-              <a:rPr lang="es-ES" sz="1600" b="0" strike="noStrike" spc="-1">
-                <a:solidFill>
-                  <a:srgbClr val="00B0F0"/>
-                </a:solidFill>
-                <a:latin typeface="LM Roman 10"/>
-              </a:rPr>
-              <a:t>Puntos reales + predichos</a:t>
-            </a:r>
-            <a:endParaRPr lang="es-ES" sz="1600" b="0" strike="noStrike" spc="-1">
-              <a:latin typeface="Arial"/>
-            </a:endParaRPr>
-          </a:p>
-        </p:txBody>
-      </p:sp>
-      <p:sp>
-        <p:nvSpPr>
-          <p:cNvPr id="140" name="CustomShape 20"/>
-          <p:cNvSpPr/>
-          <p:nvPr/>
-        </p:nvSpPr>
-        <p:spPr>
-          <a:xfrm>
-            <a:off x="11116800" y="3926160"/>
-            <a:ext cx="1030680" cy="1063080"/>
-          </a:xfrm>
-          <a:prstGeom prst="rect">
-            <a:avLst/>
-          </a:prstGeom>
-          <a:noFill/>
-          <a:ln>
-            <a:noFill/>
-          </a:ln>
-        </p:spPr>
-        <p:style>
-          <a:lnRef idx="0">
-            <a:scrgbClr r="0" g="0" b="0"/>
-          </a:lnRef>
-          <a:fillRef idx="0">
-            <a:scrgbClr r="0" g="0" b="0"/>
-          </a:fillRef>
-          <a:effectRef idx="0">
-            <a:scrgbClr r="0" g="0" b="0"/>
-          </a:effectRef>
-          <a:fontRef idx="minor"/>
-        </p:style>
-        <p:txBody>
-          <a:bodyPr lIns="90000" tIns="45000" rIns="90000" bIns="45000"/>
-          <a:lstStyle/>
-          <a:p>
-            <a:pPr>
-              <a:lnSpc>
-                <a:spcPct val="100000"/>
-              </a:lnSpc>
-            </a:pPr>
-            <a:r>
-              <a:rPr lang="es-ES" sz="1600" b="0" strike="noStrike" spc="-1">
-                <a:solidFill>
-                  <a:srgbClr val="00B0F0"/>
-                </a:solidFill>
-                <a:latin typeface="LM Roman 10"/>
-              </a:rPr>
-              <a:t>Puntos reales + predichos</a:t>
-            </a:r>
-            <a:endParaRPr lang="es-ES" sz="1600" b="0" strike="noStrike" spc="-1">
-              <a:latin typeface="Arial"/>
-            </a:endParaRPr>
-          </a:p>
-        </p:txBody>
-      </p:sp>
-      <p:sp>
-        <p:nvSpPr>
-          <p:cNvPr id="141" name="CustomShape 21"/>
-          <p:cNvSpPr/>
-          <p:nvPr/>
-        </p:nvSpPr>
-        <p:spPr>
-          <a:xfrm>
-            <a:off x="11189160" y="1277280"/>
-            <a:ext cx="886320" cy="1307160"/>
-          </a:xfrm>
-          <a:prstGeom prst="rect">
-            <a:avLst/>
-          </a:prstGeom>
-          <a:noFill/>
-          <a:ln>
-            <a:noFill/>
-          </a:ln>
-        </p:spPr>
-        <p:style>
-          <a:lnRef idx="0">
-            <a:scrgbClr r="0" g="0" b="0"/>
-          </a:lnRef>
-          <a:fillRef idx="0">
-            <a:scrgbClr r="0" g="0" b="0"/>
-          </a:fillRef>
-          <a:effectRef idx="0">
-            <a:scrgbClr r="0" g="0" b="0"/>
-          </a:effectRef>
-          <a:fontRef idx="minor"/>
-        </p:style>
-        <p:txBody>
-          <a:bodyPr lIns="90000" tIns="45000" rIns="90000" bIns="45000"/>
-          <a:lstStyle/>
-          <a:p>
-            <a:pPr>
-              <a:lnSpc>
-                <a:spcPct val="100000"/>
-              </a:lnSpc>
-            </a:pPr>
-            <a:r>
-              <a:rPr lang="es-ES" sz="1600" b="0" strike="noStrike" spc="-1">
-                <a:solidFill>
-                  <a:srgbClr val="FF0000"/>
-                </a:solidFill>
-                <a:latin typeface="LM Roman 10"/>
-              </a:rPr>
-              <a:t>Ruta óptima con puntos reales</a:t>
-            </a:r>
-            <a:endParaRPr lang="es-ES" sz="1600" b="0" strike="noStrike" spc="-1">
-              <a:latin typeface="Arial"/>
-            </a:endParaRPr>
-          </a:p>
-        </p:txBody>
-      </p:sp>
-      <p:sp>
-        <p:nvSpPr>
-          <p:cNvPr id="142" name="CustomShape 22"/>
-          <p:cNvSpPr/>
-          <p:nvPr/>
-        </p:nvSpPr>
-        <p:spPr>
-          <a:xfrm>
-            <a:off x="6193080" y="3944880"/>
-            <a:ext cx="488880" cy="360"/>
-          </a:xfrm>
-          <a:custGeom>
-            <a:avLst/>
-            <a:gdLst/>
-            <a:ahLst/>
-            <a:cxnLst/>
-            <a:rect l="l" t="t" r="r" b="b"/>
-            <a:pathLst>
-              <a:path w="21600" h="21600">
-                <a:moveTo>
-                  <a:pt x="0" y="0"/>
-                </a:moveTo>
-                <a:lnTo>
-                  <a:pt x="21600" y="21600"/>
-                </a:lnTo>
-              </a:path>
-            </a:pathLst>
-          </a:custGeom>
-          <a:noFill/>
-          <a:ln w="38160">
-            <a:tailEnd type="triangle" w="med" len="med"/>
-          </a:ln>
-        </p:spPr>
-        <p:style>
-          <a:lnRef idx="1">
-            <a:schemeClr val="dk1"/>
-          </a:lnRef>
-          <a:fillRef idx="0">
-            <a:schemeClr val="dk1"/>
-          </a:fillRef>
-          <a:effectRef idx="0">
-            <a:schemeClr val="dk1"/>
-          </a:effectRef>
-          <a:fontRef idx="minor"/>
-        </p:style>
-      </p:sp>
-      <p:sp>
-        <p:nvSpPr>
-          <p:cNvPr id="143" name="CustomShape 23"/>
-          <p:cNvSpPr/>
-          <p:nvPr/>
-        </p:nvSpPr>
-        <p:spPr>
-          <a:xfrm>
-            <a:off x="8349480" y="3944880"/>
-            <a:ext cx="433800" cy="720"/>
-          </a:xfrm>
-          <a:custGeom>
-            <a:avLst/>
-            <a:gdLst/>
-            <a:ahLst/>
-            <a:cxnLst/>
-            <a:rect l="l" t="t" r="r" b="b"/>
-            <a:pathLst>
-              <a:path w="21600" h="21600">
-                <a:moveTo>
-                  <a:pt x="0" y="0"/>
-                </a:moveTo>
-                <a:lnTo>
-                  <a:pt x="21600" y="21600"/>
-                </a:lnTo>
-              </a:path>
-            </a:pathLst>
-          </a:custGeom>
-          <a:noFill/>
-          <a:ln w="38160">
-            <a:tailEnd type="triangle" w="med" len="med"/>
-          </a:ln>
-        </p:spPr>
-        <p:style>
-          <a:lnRef idx="1">
-            <a:schemeClr val="dk1"/>
-          </a:lnRef>
-          <a:fillRef idx="0">
-            <a:schemeClr val="dk1"/>
-          </a:fillRef>
-          <a:effectRef idx="0">
-            <a:schemeClr val="dk1"/>
-          </a:effectRef>
-          <a:fontRef idx="minor"/>
-        </p:style>
       </p:sp>
     </p:spTree>
   </p:cSld>
@@ -12047,14 +11729,14 @@
       </p:grpSpPr>
       <p:sp>
         <p:nvSpPr>
-          <p:cNvPr id="144" name="TextShape 1"/>
+          <p:cNvPr id="121" name="TextShape 1"/>
           <p:cNvSpPr txBox="1"/>
           <p:nvPr/>
         </p:nvSpPr>
         <p:spPr>
           <a:xfrm>
-            <a:off x="4492800" y="229680"/>
-            <a:ext cx="2385720" cy="813960"/>
+            <a:off x="4712040" y="352080"/>
+            <a:ext cx="2767680" cy="813960"/>
           </a:xfrm>
           <a:prstGeom prst="rect">
             <a:avLst/>
@@ -12080,7 +11762,7 @@
                 </a:solidFill>
                 <a:latin typeface="LM Roman 10"/>
               </a:rPr>
-              <a:t>Output</a:t>
+              <a:t>Modelo</a:t>
             </a:r>
             <a:endParaRPr lang="es-ES" sz="4400" b="0" strike="noStrike" spc="-1">
               <a:solidFill>
@@ -12093,14 +11775,14 @@
       </p:sp>
       <p:sp>
         <p:nvSpPr>
-          <p:cNvPr id="145" name="CustomShape 2"/>
+          <p:cNvPr id="122" name="CustomShape 2"/>
           <p:cNvSpPr/>
           <p:nvPr/>
         </p:nvSpPr>
         <p:spPr>
           <a:xfrm>
-            <a:off x="1921680" y="1231920"/>
-            <a:ext cx="7448400" cy="4925160"/>
+            <a:off x="1409400" y="1404720"/>
+            <a:ext cx="9672120" cy="4956120"/>
           </a:xfrm>
           <a:prstGeom prst="rect">
             <a:avLst/>
@@ -12129,14 +11811,14 @@
       </p:sp>
       <p:sp>
         <p:nvSpPr>
-          <p:cNvPr id="146" name="CustomShape 3"/>
+          <p:cNvPr id="123" name="CustomShape 3"/>
           <p:cNvSpPr/>
           <p:nvPr/>
         </p:nvSpPr>
         <p:spPr>
           <a:xfrm>
-            <a:off x="3362760" y="1539360"/>
-            <a:ext cx="4245120" cy="1473120"/>
+            <a:off x="4591440" y="2823120"/>
+            <a:ext cx="1601280" cy="2245680"/>
           </a:xfrm>
           <a:prstGeom prst="rect">
             <a:avLst/>
@@ -12165,13 +11847,425 @@
       </p:sp>
       <p:sp>
         <p:nvSpPr>
-          <p:cNvPr id="147" name="CustomShape 4"/>
+          <p:cNvPr id="124" name="CustomShape 4"/>
           <p:cNvSpPr/>
           <p:nvPr/>
         </p:nvSpPr>
         <p:spPr>
           <a:xfrm>
-            <a:off x="973440" y="2901240"/>
+            <a:off x="6755760" y="2906280"/>
+            <a:ext cx="1666440" cy="2284200"/>
+          </a:xfrm>
+          <a:prstGeom prst="rect">
+            <a:avLst/>
+          </a:prstGeom>
+          <a:noFill/>
+          <a:ln>
+            <a:noFill/>
+          </a:ln>
+        </p:spPr>
+        <p:style>
+          <a:lnRef idx="0">
+            <a:scrgbClr r="0" g="0" b="0"/>
+          </a:lnRef>
+          <a:fillRef idx="0">
+            <a:scrgbClr r="0" g="0" b="0"/>
+          </a:fillRef>
+          <a:effectRef idx="0">
+            <a:scrgbClr r="0" g="0" b="0"/>
+          </a:effectRef>
+          <a:fontRef idx="minor"/>
+        </p:style>
+        <p:txBody>
+          <a:bodyPr lIns="90000" tIns="45000" rIns="90000" bIns="45000"/>
+          <a:lstStyle/>
+          <a:p>
+            <a:pPr>
+              <a:lnSpc>
+                <a:spcPct val="100000"/>
+              </a:lnSpc>
+            </a:pPr>
+            <a:r>
+              <a:rPr lang="es-ES" sz="1800" b="0" strike="noStrike" spc="-1">
+                <a:solidFill>
+                  <a:srgbClr val="000000"/>
+                </a:solidFill>
+                <a:latin typeface="LM Roman 10"/>
+              </a:rPr>
+              <a:t>Definir la función </a:t>
+            </a:r>
+            <a:endParaRPr lang="es-ES" sz="1800" b="0" strike="noStrike" spc="-1">
+              <a:latin typeface="Arial"/>
+            </a:endParaRPr>
+          </a:p>
+          <a:p>
+            <a:pPr>
+              <a:lnSpc>
+                <a:spcPct val="100000"/>
+              </a:lnSpc>
+            </a:pPr>
+            <a:r>
+              <a:rPr lang="es-ES" sz="1800" b="0" strike="noStrike" spc="-1">
+                <a:solidFill>
+                  <a:srgbClr val="000000"/>
+                </a:solidFill>
+                <a:latin typeface="LM Roman 10"/>
+              </a:rPr>
+              <a:t>Objetivo (aka fitness</a:t>
+            </a:r>
+            <a:endParaRPr lang="es-ES" sz="1800" b="0" strike="noStrike" spc="-1">
+              <a:latin typeface="Arial"/>
+            </a:endParaRPr>
+          </a:p>
+          <a:p>
+            <a:pPr>
+              <a:lnSpc>
+                <a:spcPct val="100000"/>
+              </a:lnSpc>
+            </a:pPr>
+            <a:r>
+              <a:rPr lang="es-ES" sz="1800" b="0" strike="noStrike" spc="-1">
+                <a:solidFill>
+                  <a:srgbClr val="000000"/>
+                </a:solidFill>
+                <a:latin typeface="LM Roman 10"/>
+              </a:rPr>
+              <a:t>Function) y las </a:t>
+            </a:r>
+            <a:endParaRPr lang="es-ES" sz="1800" b="0" strike="noStrike" spc="-1">
+              <a:latin typeface="Arial"/>
+            </a:endParaRPr>
+          </a:p>
+          <a:p>
+            <a:pPr>
+              <a:lnSpc>
+                <a:spcPct val="100000"/>
+              </a:lnSpc>
+            </a:pPr>
+            <a:r>
+              <a:rPr lang="es-ES" sz="1800" b="0" strike="noStrike" spc="-1">
+                <a:solidFill>
+                  <a:srgbClr val="000000"/>
+                </a:solidFill>
+                <a:latin typeface="LM Roman 10"/>
+              </a:rPr>
+              <a:t>Restricciones.</a:t>
+            </a:r>
+            <a:endParaRPr lang="es-ES" sz="1800" b="0" strike="noStrike" spc="-1">
+              <a:latin typeface="Arial"/>
+            </a:endParaRPr>
+          </a:p>
+        </p:txBody>
+      </p:sp>
+      <p:sp>
+        <p:nvSpPr>
+          <p:cNvPr id="125" name="CustomShape 5"/>
+          <p:cNvSpPr/>
+          <p:nvPr/>
+        </p:nvSpPr>
+        <p:spPr>
+          <a:xfrm>
+            <a:off x="285120" y="3882960"/>
+            <a:ext cx="1123920" cy="360"/>
+          </a:xfrm>
+          <a:custGeom>
+            <a:avLst/>
+            <a:gdLst/>
+            <a:ahLst/>
+            <a:cxnLst/>
+            <a:rect l="l" t="t" r="r" b="b"/>
+            <a:pathLst>
+              <a:path w="21600" h="21600">
+                <a:moveTo>
+                  <a:pt x="0" y="0"/>
+                </a:moveTo>
+                <a:lnTo>
+                  <a:pt x="21600" y="21600"/>
+                </a:lnTo>
+              </a:path>
+            </a:pathLst>
+          </a:custGeom>
+          <a:noFill/>
+          <a:ln w="38160">
+            <a:tailEnd type="triangle" w="med" len="med"/>
+          </a:ln>
+        </p:spPr>
+        <p:style>
+          <a:lnRef idx="1">
+            <a:schemeClr val="dk1"/>
+          </a:lnRef>
+          <a:fillRef idx="0">
+            <a:schemeClr val="dk1"/>
+          </a:fillRef>
+          <a:effectRef idx="0">
+            <a:schemeClr val="dk1"/>
+          </a:effectRef>
+          <a:fontRef idx="minor"/>
+        </p:style>
+      </p:sp>
+      <p:sp>
+        <p:nvSpPr>
+          <p:cNvPr id="126" name="CustomShape 6"/>
+          <p:cNvSpPr/>
+          <p:nvPr/>
+        </p:nvSpPr>
+        <p:spPr>
+          <a:xfrm>
+            <a:off x="4102200" y="2055600"/>
+            <a:ext cx="6579720" cy="3489480"/>
+          </a:xfrm>
+          <a:prstGeom prst="rect">
+            <a:avLst/>
+          </a:prstGeom>
+          <a:noFill/>
+          <a:ln w="38160">
+            <a:solidFill>
+              <a:schemeClr val="tx1"/>
+            </a:solidFill>
+          </a:ln>
+        </p:spPr>
+        <p:style>
+          <a:lnRef idx="2">
+            <a:schemeClr val="accent1">
+              <a:shade val="50000"/>
+            </a:schemeClr>
+          </a:lnRef>
+          <a:fillRef idx="1">
+            <a:schemeClr val="accent1"/>
+          </a:fillRef>
+          <a:effectRef idx="0">
+            <a:schemeClr val="accent1"/>
+          </a:effectRef>
+          <a:fontRef idx="minor"/>
+        </p:style>
+      </p:sp>
+      <p:sp>
+        <p:nvSpPr>
+          <p:cNvPr id="127" name="CustomShape 7"/>
+          <p:cNvSpPr/>
+          <p:nvPr/>
+        </p:nvSpPr>
+        <p:spPr>
+          <a:xfrm>
+            <a:off x="4677840" y="2231280"/>
+            <a:ext cx="5844240" cy="364680"/>
+          </a:xfrm>
+          <a:prstGeom prst="rect">
+            <a:avLst/>
+          </a:prstGeom>
+          <a:noFill/>
+          <a:ln>
+            <a:noFill/>
+          </a:ln>
+        </p:spPr>
+        <p:style>
+          <a:lnRef idx="0">
+            <a:scrgbClr r="0" g="0" b="0"/>
+          </a:lnRef>
+          <a:fillRef idx="0">
+            <a:scrgbClr r="0" g="0" b="0"/>
+          </a:fillRef>
+          <a:effectRef idx="0">
+            <a:scrgbClr r="0" g="0" b="0"/>
+          </a:effectRef>
+          <a:fontRef idx="minor"/>
+        </p:style>
+        <p:txBody>
+          <a:bodyPr wrap="none" lIns="90000" tIns="45000" rIns="90000" bIns="45000"/>
+          <a:lstStyle/>
+          <a:p>
+            <a:pPr>
+              <a:lnSpc>
+                <a:spcPct val="100000"/>
+              </a:lnSpc>
+            </a:pPr>
+            <a:r>
+              <a:rPr lang="es-ES" sz="1800" b="0" strike="noStrike" spc="-1">
+                <a:solidFill>
+                  <a:srgbClr val="000000"/>
+                </a:solidFill>
+                <a:latin typeface="LM Roman 10"/>
+              </a:rPr>
+              <a:t>Modelo optimización ruta -&gt; Problema del viajero</a:t>
+            </a:r>
+            <a:endParaRPr lang="es-ES" sz="1800" b="0" strike="noStrike" spc="-1">
+              <a:latin typeface="Arial"/>
+            </a:endParaRPr>
+          </a:p>
+        </p:txBody>
+      </p:sp>
+      <p:sp>
+        <p:nvSpPr>
+          <p:cNvPr id="128" name="CustomShape 8"/>
+          <p:cNvSpPr/>
+          <p:nvPr/>
+        </p:nvSpPr>
+        <p:spPr>
+          <a:xfrm>
+            <a:off x="1641960" y="2055600"/>
+            <a:ext cx="1393560" cy="3489480"/>
+          </a:xfrm>
+          <a:prstGeom prst="rect">
+            <a:avLst/>
+          </a:prstGeom>
+          <a:noFill/>
+          <a:ln w="38160">
+            <a:solidFill>
+              <a:schemeClr val="tx1"/>
+            </a:solidFill>
+          </a:ln>
+        </p:spPr>
+        <p:style>
+          <a:lnRef idx="2">
+            <a:schemeClr val="accent1">
+              <a:shade val="50000"/>
+            </a:schemeClr>
+          </a:lnRef>
+          <a:fillRef idx="1">
+            <a:schemeClr val="accent1"/>
+          </a:fillRef>
+          <a:effectRef idx="0">
+            <a:schemeClr val="accent1"/>
+          </a:effectRef>
+          <a:fontRef idx="minor"/>
+        </p:style>
+      </p:sp>
+      <p:sp>
+        <p:nvSpPr>
+          <p:cNvPr id="129" name="CustomShape 9"/>
+          <p:cNvSpPr/>
+          <p:nvPr/>
+        </p:nvSpPr>
+        <p:spPr>
+          <a:xfrm>
+            <a:off x="1712520" y="2116080"/>
+            <a:ext cx="1329480" cy="3930120"/>
+          </a:xfrm>
+          <a:prstGeom prst="rect">
+            <a:avLst/>
+          </a:prstGeom>
+          <a:noFill/>
+          <a:ln>
+            <a:noFill/>
+          </a:ln>
+        </p:spPr>
+        <p:style>
+          <a:lnRef idx="0">
+            <a:scrgbClr r="0" g="0" b="0"/>
+          </a:lnRef>
+          <a:fillRef idx="0">
+            <a:scrgbClr r="0" g="0" b="0"/>
+          </a:fillRef>
+          <a:effectRef idx="0">
+            <a:scrgbClr r="0" g="0" b="0"/>
+          </a:effectRef>
+          <a:fontRef idx="minor"/>
+        </p:style>
+        <p:txBody>
+          <a:bodyPr lIns="90000" tIns="45000" rIns="90000" bIns="45000"/>
+          <a:lstStyle/>
+          <a:p>
+            <a:pPr>
+              <a:lnSpc>
+                <a:spcPct val="100000"/>
+              </a:lnSpc>
+            </a:pPr>
+            <a:r>
+              <a:rPr lang="es-ES" sz="1800" b="0" strike="noStrike" spc="-1">
+                <a:solidFill>
+                  <a:srgbClr val="000000"/>
+                </a:solidFill>
+                <a:latin typeface="LM Roman 10"/>
+              </a:rPr>
+              <a:t>Predicción modelo ML puntos de recarga: predecir cuales son los puntos de recarga adicionales que convendría instalar.</a:t>
+            </a:r>
+            <a:endParaRPr lang="es-ES" sz="1800" b="0" strike="noStrike" spc="-1">
+              <a:latin typeface="Arial"/>
+            </a:endParaRPr>
+          </a:p>
+        </p:txBody>
+      </p:sp>
+      <p:sp>
+        <p:nvSpPr>
+          <p:cNvPr id="130" name="CustomShape 10"/>
+          <p:cNvSpPr/>
+          <p:nvPr/>
+        </p:nvSpPr>
+        <p:spPr>
+          <a:xfrm>
+            <a:off x="6682320" y="2820960"/>
+            <a:ext cx="1666440" cy="2247840"/>
+          </a:xfrm>
+          <a:prstGeom prst="rect">
+            <a:avLst/>
+          </a:prstGeom>
+          <a:noFill/>
+          <a:ln w="38160">
+            <a:solidFill>
+              <a:schemeClr val="tx1"/>
+            </a:solidFill>
+          </a:ln>
+        </p:spPr>
+        <p:style>
+          <a:lnRef idx="2">
+            <a:schemeClr val="accent1">
+              <a:shade val="50000"/>
+            </a:schemeClr>
+          </a:lnRef>
+          <a:fillRef idx="1">
+            <a:schemeClr val="accent1"/>
+          </a:fillRef>
+          <a:effectRef idx="0">
+            <a:schemeClr val="accent1"/>
+          </a:effectRef>
+          <a:fontRef idx="minor"/>
+        </p:style>
+      </p:sp>
+      <p:sp>
+        <p:nvSpPr>
+          <p:cNvPr id="131" name="CustomShape 11"/>
+          <p:cNvSpPr/>
+          <p:nvPr/>
+        </p:nvSpPr>
+        <p:spPr>
+          <a:xfrm>
+            <a:off x="8783280" y="2823120"/>
+            <a:ext cx="1666440" cy="2245680"/>
+          </a:xfrm>
+          <a:prstGeom prst="rect">
+            <a:avLst/>
+          </a:prstGeom>
+          <a:noFill/>
+          <a:ln w="38160">
+            <a:solidFill>
+              <a:schemeClr val="tx1"/>
+            </a:solidFill>
+          </a:ln>
+        </p:spPr>
+        <p:style>
+          <a:lnRef idx="2">
+            <a:schemeClr val="accent1">
+              <a:shade val="50000"/>
+            </a:schemeClr>
+          </a:lnRef>
+          <a:fillRef idx="1">
+            <a:schemeClr val="accent1"/>
+          </a:fillRef>
+          <a:effectRef idx="0">
+            <a:schemeClr val="accent1"/>
+          </a:effectRef>
+          <a:fontRef idx="minor"/>
+        </p:style>
+      </p:sp>
+      <p:sp>
+        <p:nvSpPr>
+          <p:cNvPr id="132" name="CustomShape 12"/>
+          <p:cNvSpPr/>
+          <p:nvPr/>
+        </p:nvSpPr>
+        <p:spPr>
+          <a:xfrm>
+            <a:off x="11081880" y="2708280"/>
             <a:ext cx="947520" cy="360"/>
           </a:xfrm>
           <a:custGeom>
@@ -12214,14 +12308,63 @@
       </p:sp>
       <p:sp>
         <p:nvSpPr>
-          <p:cNvPr id="148" name="CustomShape 5"/>
+          <p:cNvPr id="133" name="CustomShape 13"/>
           <p:cNvSpPr/>
           <p:nvPr/>
         </p:nvSpPr>
         <p:spPr>
           <a:xfrm>
-            <a:off x="973440" y="4676760"/>
-            <a:ext cx="947520" cy="360"/>
+            <a:off x="3039120" y="2906280"/>
+            <a:ext cx="1062720" cy="22680"/>
+          </a:xfrm>
+          <a:custGeom>
+            <a:avLst/>
+            <a:gdLst/>
+            <a:ahLst/>
+            <a:cxnLst/>
+            <a:rect l="l" t="t" r="r" b="b"/>
+            <a:pathLst>
+              <a:path w="21600" h="21600">
+                <a:moveTo>
+                  <a:pt x="0" y="0"/>
+                </a:moveTo>
+                <a:lnTo>
+                  <a:pt x="21600" y="21600"/>
+                </a:lnTo>
+              </a:path>
+            </a:pathLst>
+          </a:custGeom>
+          <a:noFill/>
+          <a:ln w="38160">
+            <a:solidFill>
+              <a:srgbClr val="FF0000"/>
+            </a:solidFill>
+            <a:tailEnd type="triangle" w="med" len="med"/>
+          </a:ln>
+        </p:spPr>
+        <p:style>
+          <a:lnRef idx="1">
+            <a:schemeClr val="dk1"/>
+          </a:lnRef>
+          <a:fillRef idx="0">
+            <a:schemeClr val="dk1"/>
+          </a:fillRef>
+          <a:effectRef idx="0">
+            <a:schemeClr val="dk1"/>
+          </a:effectRef>
+          <a:fontRef idx="minor"/>
+        </p:style>
+      </p:sp>
+      <p:sp>
+        <p:nvSpPr>
+          <p:cNvPr id="134" name="CustomShape 14"/>
+          <p:cNvSpPr/>
+          <p:nvPr/>
+        </p:nvSpPr>
+        <p:spPr>
+          <a:xfrm>
+            <a:off x="3042360" y="4530240"/>
+            <a:ext cx="1059480" cy="360"/>
           </a:xfrm>
           <a:custGeom>
             <a:avLst/>
@@ -12263,13 +12406,337 @@
       </p:sp>
       <p:sp>
         <p:nvSpPr>
-          <p:cNvPr id="149" name="CustomShape 6"/>
+          <p:cNvPr id="135" name="CustomShape 15"/>
           <p:cNvSpPr/>
           <p:nvPr/>
         </p:nvSpPr>
         <p:spPr>
           <a:xfrm>
-            <a:off x="1034640" y="1483920"/>
+            <a:off x="8868960" y="2929320"/>
+            <a:ext cx="1666440" cy="2010600"/>
+          </a:xfrm>
+          <a:prstGeom prst="rect">
+            <a:avLst/>
+          </a:prstGeom>
+          <a:noFill/>
+          <a:ln>
+            <a:noFill/>
+          </a:ln>
+        </p:spPr>
+        <p:style>
+          <a:lnRef idx="0">
+            <a:scrgbClr r="0" g="0" b="0"/>
+          </a:lnRef>
+          <a:fillRef idx="0">
+            <a:scrgbClr r="0" g="0" b="0"/>
+          </a:fillRef>
+          <a:effectRef idx="0">
+            <a:scrgbClr r="0" g="0" b="0"/>
+          </a:effectRef>
+          <a:fontRef idx="minor"/>
+        </p:style>
+        <p:txBody>
+          <a:bodyPr lIns="90000" tIns="45000" rIns="90000" bIns="45000"/>
+          <a:lstStyle/>
+          <a:p>
+            <a:pPr>
+              <a:lnSpc>
+                <a:spcPct val="100000"/>
+              </a:lnSpc>
+            </a:pPr>
+            <a:r>
+              <a:rPr lang="es-ES" sz="1800" b="0" strike="noStrike" spc="-1">
+                <a:solidFill>
+                  <a:srgbClr val="000000"/>
+                </a:solidFill>
+                <a:latin typeface="LM Roman 10"/>
+              </a:rPr>
+              <a:t>Aplicar el modelo de optimización al problema definido y obtener ruta deseada.</a:t>
+            </a:r>
+            <a:endParaRPr lang="es-ES" sz="1800" b="0" strike="noStrike" spc="-1">
+              <a:latin typeface="Arial"/>
+            </a:endParaRPr>
+          </a:p>
+        </p:txBody>
+      </p:sp>
+      <p:sp>
+        <p:nvSpPr>
+          <p:cNvPr id="136" name="CustomShape 16"/>
+          <p:cNvSpPr/>
+          <p:nvPr/>
+        </p:nvSpPr>
+        <p:spPr>
+          <a:xfrm>
+            <a:off x="4591440" y="2946960"/>
+            <a:ext cx="1601280" cy="2558520"/>
+          </a:xfrm>
+          <a:prstGeom prst="rect">
+            <a:avLst/>
+          </a:prstGeom>
+          <a:noFill/>
+          <a:ln>
+            <a:noFill/>
+          </a:ln>
+        </p:spPr>
+        <p:style>
+          <a:lnRef idx="0">
+            <a:scrgbClr r="0" g="0" b="0"/>
+          </a:lnRef>
+          <a:fillRef idx="0">
+            <a:scrgbClr r="0" g="0" b="0"/>
+          </a:fillRef>
+          <a:effectRef idx="0">
+            <a:scrgbClr r="0" g="0" b="0"/>
+          </a:effectRef>
+          <a:fontRef idx="minor"/>
+        </p:style>
+        <p:txBody>
+          <a:bodyPr lIns="90000" tIns="45000" rIns="90000" bIns="45000"/>
+          <a:lstStyle/>
+          <a:p>
+            <a:pPr>
+              <a:lnSpc>
+                <a:spcPct val="100000"/>
+              </a:lnSpc>
+            </a:pPr>
+            <a:r>
+              <a:rPr lang="es-ES" sz="1800" b="0" strike="noStrike" spc="-1">
+                <a:solidFill>
+                  <a:srgbClr val="000000"/>
+                </a:solidFill>
+                <a:latin typeface="LM Roman 10"/>
+              </a:rPr>
+              <a:t>Transformar las variables para adecuarlas al problema de optimización.</a:t>
+            </a:r>
+            <a:endParaRPr lang="es-ES" sz="1800" b="0" strike="noStrike" spc="-1">
+              <a:latin typeface="Arial"/>
+            </a:endParaRPr>
+          </a:p>
+        </p:txBody>
+      </p:sp>
+      <p:sp>
+        <p:nvSpPr>
+          <p:cNvPr id="137" name="CustomShape 17"/>
+          <p:cNvSpPr/>
+          <p:nvPr/>
+        </p:nvSpPr>
+        <p:spPr>
+          <a:xfrm>
+            <a:off x="11081880" y="4861440"/>
+            <a:ext cx="947520" cy="360"/>
+          </a:xfrm>
+          <a:custGeom>
+            <a:avLst/>
+            <a:gdLst/>
+            <a:ahLst/>
+            <a:cxnLst/>
+            <a:rect l="l" t="t" r="r" b="b"/>
+            <a:pathLst>
+              <a:path w="21600" h="21600">
+                <a:moveTo>
+                  <a:pt x="0" y="0"/>
+                </a:moveTo>
+                <a:lnTo>
+                  <a:pt x="21600" y="21600"/>
+                </a:lnTo>
+              </a:path>
+            </a:pathLst>
+          </a:custGeom>
+          <a:noFill/>
+          <a:ln w="38160">
+            <a:solidFill>
+              <a:srgbClr val="00B0F0"/>
+            </a:solidFill>
+            <a:tailEnd type="triangle" w="med" len="med"/>
+          </a:ln>
+        </p:spPr>
+        <p:style>
+          <a:lnRef idx="1">
+            <a:schemeClr val="dk1"/>
+          </a:lnRef>
+          <a:fillRef idx="0">
+            <a:schemeClr val="dk1"/>
+          </a:fillRef>
+          <a:effectRef idx="0">
+            <a:schemeClr val="dk1"/>
+          </a:effectRef>
+          <a:fontRef idx="minor"/>
+        </p:style>
+      </p:sp>
+      <p:sp>
+        <p:nvSpPr>
+          <p:cNvPr id="138" name="CustomShape 18"/>
+          <p:cNvSpPr/>
+          <p:nvPr/>
+        </p:nvSpPr>
+        <p:spPr>
+          <a:xfrm>
+            <a:off x="3112560" y="2242080"/>
+            <a:ext cx="886320" cy="577080"/>
+          </a:xfrm>
+          <a:prstGeom prst="rect">
+            <a:avLst/>
+          </a:prstGeom>
+          <a:noFill/>
+          <a:ln>
+            <a:noFill/>
+          </a:ln>
+        </p:spPr>
+        <p:style>
+          <a:lnRef idx="0">
+            <a:scrgbClr r="0" g="0" b="0"/>
+          </a:lnRef>
+          <a:fillRef idx="0">
+            <a:scrgbClr r="0" g="0" b="0"/>
+          </a:fillRef>
+          <a:effectRef idx="0">
+            <a:scrgbClr r="0" g="0" b="0"/>
+          </a:effectRef>
+          <a:fontRef idx="minor"/>
+        </p:style>
+        <p:txBody>
+          <a:bodyPr lIns="90000" tIns="45000" rIns="90000" bIns="45000"/>
+          <a:lstStyle/>
+          <a:p>
+            <a:pPr>
+              <a:lnSpc>
+                <a:spcPct val="100000"/>
+              </a:lnSpc>
+            </a:pPr>
+            <a:r>
+              <a:rPr lang="es-ES" sz="1600" b="0" strike="noStrike" spc="-1">
+                <a:solidFill>
+                  <a:srgbClr val="FF0000"/>
+                </a:solidFill>
+                <a:latin typeface="LM Roman 10"/>
+              </a:rPr>
+              <a:t>Puntos reales</a:t>
+            </a:r>
+            <a:endParaRPr lang="es-ES" sz="1600" b="0" strike="noStrike" spc="-1">
+              <a:latin typeface="Arial"/>
+            </a:endParaRPr>
+          </a:p>
+        </p:txBody>
+      </p:sp>
+      <p:sp>
+        <p:nvSpPr>
+          <p:cNvPr id="139" name="CustomShape 19"/>
+          <p:cNvSpPr/>
+          <p:nvPr/>
+        </p:nvSpPr>
+        <p:spPr>
+          <a:xfrm>
+            <a:off x="3077640" y="3575520"/>
+            <a:ext cx="1030680" cy="1063080"/>
+          </a:xfrm>
+          <a:prstGeom prst="rect">
+            <a:avLst/>
+          </a:prstGeom>
+          <a:noFill/>
+          <a:ln>
+            <a:noFill/>
+          </a:ln>
+        </p:spPr>
+        <p:style>
+          <a:lnRef idx="0">
+            <a:scrgbClr r="0" g="0" b="0"/>
+          </a:lnRef>
+          <a:fillRef idx="0">
+            <a:scrgbClr r="0" g="0" b="0"/>
+          </a:fillRef>
+          <a:effectRef idx="0">
+            <a:scrgbClr r="0" g="0" b="0"/>
+          </a:effectRef>
+          <a:fontRef idx="minor"/>
+        </p:style>
+        <p:txBody>
+          <a:bodyPr lIns="90000" tIns="45000" rIns="90000" bIns="45000"/>
+          <a:lstStyle/>
+          <a:p>
+            <a:pPr>
+              <a:lnSpc>
+                <a:spcPct val="100000"/>
+              </a:lnSpc>
+            </a:pPr>
+            <a:r>
+              <a:rPr lang="es-ES" sz="1600" b="0" strike="noStrike" spc="-1">
+                <a:solidFill>
+                  <a:srgbClr val="00B0F0"/>
+                </a:solidFill>
+                <a:latin typeface="LM Roman 10"/>
+              </a:rPr>
+              <a:t>Puntos reales + predichos</a:t>
+            </a:r>
+            <a:endParaRPr lang="es-ES" sz="1600" b="0" strike="noStrike" spc="-1">
+              <a:latin typeface="Arial"/>
+            </a:endParaRPr>
+          </a:p>
+        </p:txBody>
+      </p:sp>
+      <p:sp>
+        <p:nvSpPr>
+          <p:cNvPr id="140" name="CustomShape 20"/>
+          <p:cNvSpPr/>
+          <p:nvPr/>
+        </p:nvSpPr>
+        <p:spPr>
+          <a:xfrm>
+            <a:off x="11116800" y="3926160"/>
+            <a:ext cx="1030680" cy="1063080"/>
+          </a:xfrm>
+          <a:prstGeom prst="rect">
+            <a:avLst/>
+          </a:prstGeom>
+          <a:noFill/>
+          <a:ln>
+            <a:noFill/>
+          </a:ln>
+        </p:spPr>
+        <p:style>
+          <a:lnRef idx="0">
+            <a:scrgbClr r="0" g="0" b="0"/>
+          </a:lnRef>
+          <a:fillRef idx="0">
+            <a:scrgbClr r="0" g="0" b="0"/>
+          </a:fillRef>
+          <a:effectRef idx="0">
+            <a:scrgbClr r="0" g="0" b="0"/>
+          </a:effectRef>
+          <a:fontRef idx="minor"/>
+        </p:style>
+        <p:txBody>
+          <a:bodyPr lIns="90000" tIns="45000" rIns="90000" bIns="45000"/>
+          <a:lstStyle/>
+          <a:p>
+            <a:pPr>
+              <a:lnSpc>
+                <a:spcPct val="100000"/>
+              </a:lnSpc>
+            </a:pPr>
+            <a:r>
+              <a:rPr lang="es-ES" sz="1600" b="0" strike="noStrike" spc="-1">
+                <a:solidFill>
+                  <a:srgbClr val="00B0F0"/>
+                </a:solidFill>
+                <a:latin typeface="LM Roman 10"/>
+              </a:rPr>
+              <a:t>Puntos reales + predichos</a:t>
+            </a:r>
+            <a:endParaRPr lang="es-ES" sz="1600" b="0" strike="noStrike" spc="-1">
+              <a:latin typeface="Arial"/>
+            </a:endParaRPr>
+          </a:p>
+        </p:txBody>
+      </p:sp>
+      <p:sp>
+        <p:nvSpPr>
+          <p:cNvPr id="141" name="CustomShape 21"/>
+          <p:cNvSpPr/>
+          <p:nvPr/>
+        </p:nvSpPr>
+        <p:spPr>
+          <a:xfrm>
+            <a:off x="11189160" y="1277280"/>
             <a:ext cx="886320" cy="1307160"/>
           </a:xfrm>
           <a:prstGeom prst="rect">
@@ -12318,224 +12785,14 @@
       </p:sp>
       <p:sp>
         <p:nvSpPr>
-          <p:cNvPr id="150" name="CustomShape 7"/>
+          <p:cNvPr id="142" name="CustomShape 22"/>
           <p:cNvSpPr/>
           <p:nvPr/>
         </p:nvSpPr>
         <p:spPr>
           <a:xfrm>
-            <a:off x="890640" y="3751920"/>
-            <a:ext cx="1030680" cy="1063080"/>
-          </a:xfrm>
-          <a:prstGeom prst="rect">
-            <a:avLst/>
-          </a:prstGeom>
-          <a:noFill/>
-          <a:ln>
-            <a:noFill/>
-          </a:ln>
-        </p:spPr>
-        <p:style>
-          <a:lnRef idx="0">
-            <a:scrgbClr r="0" g="0" b="0"/>
-          </a:lnRef>
-          <a:fillRef idx="0">
-            <a:scrgbClr r="0" g="0" b="0"/>
-          </a:fillRef>
-          <a:effectRef idx="0">
-            <a:scrgbClr r="0" g="0" b="0"/>
-          </a:effectRef>
-          <a:fontRef idx="minor"/>
-        </p:style>
-        <p:txBody>
-          <a:bodyPr lIns="90000" tIns="45000" rIns="90000" bIns="45000"/>
-          <a:lstStyle/>
-          <a:p>
-            <a:pPr>
-              <a:lnSpc>
-                <a:spcPct val="100000"/>
-              </a:lnSpc>
-            </a:pPr>
-            <a:r>
-              <a:rPr lang="es-ES" sz="1600" b="0" strike="noStrike" spc="-1">
-                <a:solidFill>
-                  <a:srgbClr val="00B0F0"/>
-                </a:solidFill>
-                <a:latin typeface="LM Roman 10"/>
-              </a:rPr>
-              <a:t>Puntos reales + predichos</a:t>
-            </a:r>
-            <a:endParaRPr lang="es-ES" sz="1600" b="0" strike="noStrike" spc="-1">
-              <a:latin typeface="Arial"/>
-            </a:endParaRPr>
-          </a:p>
-        </p:txBody>
-      </p:sp>
-      <p:sp>
-        <p:nvSpPr>
-          <p:cNvPr id="151" name="CustomShape 8"/>
-          <p:cNvSpPr/>
-          <p:nvPr/>
-        </p:nvSpPr>
-        <p:spPr>
-          <a:xfrm>
-            <a:off x="3629520" y="1953000"/>
-            <a:ext cx="3492360" cy="912600"/>
-          </a:xfrm>
-          <a:prstGeom prst="rect">
-            <a:avLst/>
-          </a:prstGeom>
-          <a:noFill/>
-          <a:ln>
-            <a:noFill/>
-          </a:ln>
-        </p:spPr>
-        <p:style>
-          <a:lnRef idx="0">
-            <a:scrgbClr r="0" g="0" b="0"/>
-          </a:lnRef>
-          <a:fillRef idx="0">
-            <a:scrgbClr r="0" g="0" b="0"/>
-          </a:fillRef>
-          <a:effectRef idx="0">
-            <a:scrgbClr r="0" g="0" b="0"/>
-          </a:effectRef>
-          <a:fontRef idx="minor"/>
-        </p:style>
-        <p:txBody>
-          <a:bodyPr lIns="90000" tIns="45000" rIns="90000" bIns="45000"/>
-          <a:lstStyle/>
-          <a:p>
-            <a:pPr>
-              <a:lnSpc>
-                <a:spcPct val="100000"/>
-              </a:lnSpc>
-            </a:pPr>
-            <a:r>
-              <a:rPr lang="es-ES" sz="1800" b="0" strike="noStrike" spc="-1">
-                <a:solidFill>
-                  <a:srgbClr val="000000"/>
-                </a:solidFill>
-                <a:latin typeface="LM Roman 10"/>
-              </a:rPr>
-              <a:t>Comparación de rutas y volcado de datos de salida al usuario</a:t>
-            </a:r>
-            <a:endParaRPr lang="es-ES" sz="1800" b="0" strike="noStrike" spc="-1">
-              <a:latin typeface="Arial"/>
-            </a:endParaRPr>
-          </a:p>
-        </p:txBody>
-      </p:sp>
-      <p:sp>
-        <p:nvSpPr>
-          <p:cNvPr id="152" name="CustomShape 9"/>
-          <p:cNvSpPr/>
-          <p:nvPr/>
-        </p:nvSpPr>
-        <p:spPr>
-          <a:xfrm>
-            <a:off x="3607560" y="4259520"/>
-            <a:ext cx="3755520" cy="639000"/>
-          </a:xfrm>
-          <a:prstGeom prst="rect">
-            <a:avLst/>
-          </a:prstGeom>
-          <a:noFill/>
-          <a:ln>
-            <a:noFill/>
-          </a:ln>
-        </p:spPr>
-        <p:style>
-          <a:lnRef idx="0">
-            <a:scrgbClr r="0" g="0" b="0"/>
-          </a:lnRef>
-          <a:fillRef idx="0">
-            <a:scrgbClr r="0" g="0" b="0"/>
-          </a:fillRef>
-          <a:effectRef idx="0">
-            <a:scrgbClr r="0" g="0" b="0"/>
-          </a:effectRef>
-          <a:fontRef idx="minor"/>
-        </p:style>
-        <p:txBody>
-          <a:bodyPr lIns="90000" tIns="45000" rIns="90000" bIns="45000"/>
-          <a:lstStyle/>
-          <a:p>
-            <a:pPr>
-              <a:lnSpc>
-                <a:spcPct val="100000"/>
-              </a:lnSpc>
-            </a:pPr>
-            <a:r>
-              <a:rPr lang="es-ES" sz="1800" b="0" strike="noStrike" spc="-1">
-                <a:solidFill>
-                  <a:srgbClr val="000000"/>
-                </a:solidFill>
-                <a:latin typeface="LM Roman 10"/>
-              </a:rPr>
-              <a:t>Volcado de datos (queries) a la </a:t>
-            </a:r>
-            <a:r>
-              <a:rPr lang="es-ES" sz="1800" b="1" i="1" strike="noStrike" spc="-1">
-                <a:solidFill>
-                  <a:srgbClr val="000000"/>
-                </a:solidFill>
-                <a:latin typeface="LM Roman 10"/>
-              </a:rPr>
-              <a:t>BBDD de monitorización</a:t>
-            </a:r>
-            <a:endParaRPr lang="es-ES" sz="1800" b="0" strike="noStrike" spc="-1">
-              <a:latin typeface="Arial"/>
-            </a:endParaRPr>
-          </a:p>
-        </p:txBody>
-      </p:sp>
-      <p:sp>
-        <p:nvSpPr>
-          <p:cNvPr id="153" name="CustomShape 10"/>
-          <p:cNvSpPr/>
-          <p:nvPr/>
-        </p:nvSpPr>
-        <p:spPr>
-          <a:xfrm>
-            <a:off x="3362760" y="3940200"/>
-            <a:ext cx="4245120" cy="1473120"/>
-          </a:xfrm>
-          <a:prstGeom prst="rect">
-            <a:avLst/>
-          </a:prstGeom>
-          <a:noFill/>
-          <a:ln w="38160">
-            <a:solidFill>
-              <a:schemeClr val="tx1"/>
-            </a:solidFill>
-          </a:ln>
-        </p:spPr>
-        <p:style>
-          <a:lnRef idx="2">
-            <a:schemeClr val="accent1">
-              <a:shade val="50000"/>
-            </a:schemeClr>
-          </a:lnRef>
-          <a:fillRef idx="1">
-            <a:schemeClr val="accent1"/>
-          </a:fillRef>
-          <a:effectRef idx="0">
-            <a:schemeClr val="accent1"/>
-          </a:effectRef>
-          <a:fontRef idx="minor"/>
-        </p:style>
-      </p:sp>
-      <p:sp>
-        <p:nvSpPr>
-          <p:cNvPr id="154" name="CustomShape 11"/>
-          <p:cNvSpPr/>
-          <p:nvPr/>
-        </p:nvSpPr>
-        <p:spPr>
-          <a:xfrm>
-            <a:off x="9370440" y="2950560"/>
-            <a:ext cx="1734480" cy="360"/>
+            <a:off x="6193080" y="3944880"/>
+            <a:ext cx="488880" cy="360"/>
           </a:xfrm>
           <a:custGeom>
             <a:avLst/>
@@ -12574,14 +12831,14 @@
       </p:sp>
       <p:sp>
         <p:nvSpPr>
-          <p:cNvPr id="155" name="CustomShape 12"/>
+          <p:cNvPr id="143" name="CustomShape 23"/>
           <p:cNvSpPr/>
           <p:nvPr/>
         </p:nvSpPr>
         <p:spPr>
           <a:xfrm>
-            <a:off x="9370440" y="4650480"/>
-            <a:ext cx="1734480" cy="360"/>
+            <a:off x="8349480" y="3944880"/>
+            <a:ext cx="433800" cy="720"/>
           </a:xfrm>
           <a:custGeom>
             <a:avLst/>
@@ -12617,116 +12874,6 @@
           </a:effectRef>
           <a:fontRef idx="minor"/>
         </p:style>
-      </p:sp>
-      <p:sp>
-        <p:nvSpPr>
-          <p:cNvPr id="156" name="CustomShape 13"/>
-          <p:cNvSpPr/>
-          <p:nvPr/>
-        </p:nvSpPr>
-        <p:spPr>
-          <a:xfrm>
-            <a:off x="9398160" y="2444760"/>
-            <a:ext cx="1884600" cy="638280"/>
-          </a:xfrm>
-          <a:prstGeom prst="rect">
-            <a:avLst/>
-          </a:prstGeom>
-          <a:noFill/>
-          <a:ln>
-            <a:noFill/>
-          </a:ln>
-        </p:spPr>
-        <p:style>
-          <a:lnRef idx="0">
-            <a:scrgbClr r="0" g="0" b="0"/>
-          </a:lnRef>
-          <a:fillRef idx="0">
-            <a:scrgbClr r="0" g="0" b="0"/>
-          </a:fillRef>
-          <a:effectRef idx="0">
-            <a:scrgbClr r="0" g="0" b="0"/>
-          </a:effectRef>
-          <a:fontRef idx="minor"/>
-        </p:style>
-        <p:txBody>
-          <a:bodyPr lIns="90000" tIns="45000" rIns="90000" bIns="45000"/>
-          <a:lstStyle/>
-          <a:p>
-            <a:pPr>
-              <a:lnSpc>
-                <a:spcPct val="100000"/>
-              </a:lnSpc>
-            </a:pPr>
-            <a:r>
-              <a:rPr lang="es-ES" sz="1800" b="0" strike="noStrike" spc="-1">
-                <a:solidFill>
-                  <a:srgbClr val="000000"/>
-                </a:solidFill>
-                <a:latin typeface="LM Roman 10"/>
-              </a:rPr>
-              <a:t>Salida al usuario</a:t>
-            </a:r>
-            <a:endParaRPr lang="es-ES" sz="1800" b="0" strike="noStrike" spc="-1">
-              <a:latin typeface="Arial"/>
-            </a:endParaRPr>
-          </a:p>
-        </p:txBody>
-      </p:sp>
-      <p:sp>
-        <p:nvSpPr>
-          <p:cNvPr id="157" name="CustomShape 14"/>
-          <p:cNvSpPr/>
-          <p:nvPr/>
-        </p:nvSpPr>
-        <p:spPr>
-          <a:xfrm>
-            <a:off x="9398160" y="3907440"/>
-            <a:ext cx="1706760" cy="912600"/>
-          </a:xfrm>
-          <a:prstGeom prst="rect">
-            <a:avLst/>
-          </a:prstGeom>
-          <a:noFill/>
-          <a:ln>
-            <a:noFill/>
-          </a:ln>
-        </p:spPr>
-        <p:style>
-          <a:lnRef idx="0">
-            <a:scrgbClr r="0" g="0" b="0"/>
-          </a:lnRef>
-          <a:fillRef idx="0">
-            <a:scrgbClr r="0" g="0" b="0"/>
-          </a:fillRef>
-          <a:effectRef idx="0">
-            <a:scrgbClr r="0" g="0" b="0"/>
-          </a:effectRef>
-          <a:fontRef idx="minor"/>
-        </p:style>
-        <p:txBody>
-          <a:bodyPr lIns="90000" tIns="45000" rIns="90000" bIns="45000"/>
-          <a:lstStyle/>
-          <a:p>
-            <a:pPr>
-              <a:lnSpc>
-                <a:spcPct val="100000"/>
-              </a:lnSpc>
-            </a:pPr>
-            <a:r>
-              <a:rPr lang="es-ES" sz="1800" b="0" strike="noStrike" spc="-1">
-                <a:solidFill>
-                  <a:srgbClr val="000000"/>
-                </a:solidFill>
-                <a:latin typeface="LM Roman 10"/>
-              </a:rPr>
-              <a:t>Salida para monitorización</a:t>
-            </a:r>
-            <a:endParaRPr lang="es-ES" sz="1800" b="0" strike="noStrike" spc="-1">
-              <a:latin typeface="Arial"/>
-            </a:endParaRPr>
-          </a:p>
-        </p:txBody>
       </p:sp>
     </p:spTree>
   </p:cSld>
@@ -12782,14 +12929,14 @@
       </p:grpSpPr>
       <p:sp>
         <p:nvSpPr>
-          <p:cNvPr id="162" name="TextShape 1"/>
+          <p:cNvPr id="144" name="TextShape 1"/>
           <p:cNvSpPr txBox="1"/>
           <p:nvPr/>
         </p:nvSpPr>
         <p:spPr>
           <a:xfrm>
-            <a:off x="838080" y="365040"/>
-            <a:ext cx="10515240" cy="379080"/>
+            <a:off x="4492800" y="229680"/>
+            <a:ext cx="2385720" cy="813960"/>
           </a:xfrm>
           <a:prstGeom prst="rect">
             <a:avLst/>
@@ -12800,26 +12947,24 @@
           </a:ln>
         </p:spPr>
         <p:txBody>
-          <a:bodyPr anchor="ctr">
-            <a:normAutofit fontScale="92500" lnSpcReduction="10000"/>
-          </a:bodyPr>
+          <a:bodyPr anchor="ctr"/>
           <a:lstStyle/>
           <a:p>
-            <a:pPr algn="ctr">
+            <a:pPr>
               <a:lnSpc>
                 <a:spcPct val="90000"/>
               </a:lnSpc>
             </a:pPr>
             <a:r>
-              <a:rPr lang="es-ES" sz="2400" b="1" strike="noStrike" spc="-1">
+              <a:rPr lang="es-ES" sz="4400" b="0" strike="noStrike" spc="-1">
                 <a:solidFill>
                   <a:srgbClr val="000000"/>
                 </a:solidFill>
-                <a:latin typeface="Calibri Light"/>
+                <a:latin typeface="LM Roman 10"/>
               </a:rPr>
-              <a:t>OPTIMIZAR, ¿QUÉ?</a:t>
+              <a:t>Output</a:t>
             </a:r>
-            <a:endParaRPr lang="es-ES" sz="2400" b="0" strike="noStrike" spc="-1">
+            <a:endParaRPr lang="es-ES" sz="4400" b="0" strike="noStrike" spc="-1">
               <a:solidFill>
                 <a:srgbClr val="000000"/>
               </a:solidFill>
@@ -12830,54 +12975,637 @@
       </p:sp>
       <p:sp>
         <p:nvSpPr>
-          <p:cNvPr id="164" name="TextShape 3"/>
-          <p:cNvSpPr txBox="1"/>
+          <p:cNvPr id="145" name="CustomShape 2"/>
+          <p:cNvSpPr/>
           <p:nvPr/>
         </p:nvSpPr>
         <p:spPr>
           <a:xfrm>
-            <a:off x="838080" y="847620"/>
-            <a:ext cx="10515240" cy="5162760"/>
-          </a:xfrm>
-          <a:prstGeom prst="rect">
-            <a:avLst/>
-          </a:prstGeom>
-          <a:blipFill rotWithShape="0">
-            <a:blip r:embed="rId2"/>
-            <a:stretch>
-              <a:fillRect/>
-            </a:stretch>
-          </a:blipFill>
+            <a:off x="1921680" y="1231920"/>
+            <a:ext cx="7448400" cy="4925160"/>
+          </a:xfrm>
+          <a:prstGeom prst="rect">
+            <a:avLst/>
+          </a:prstGeom>
+          <a:noFill/>
+          <a:ln w="38160">
+            <a:solidFill>
+              <a:schemeClr val="tx1"/>
+            </a:solidFill>
+          </a:ln>
+        </p:spPr>
+        <p:style>
+          <a:lnRef idx="2">
+            <a:schemeClr val="accent1">
+              <a:shade val="50000"/>
+            </a:schemeClr>
+          </a:lnRef>
+          <a:fillRef idx="1">
+            <a:schemeClr val="accent1"/>
+          </a:fillRef>
+          <a:effectRef idx="0">
+            <a:schemeClr val="accent1"/>
+          </a:effectRef>
+          <a:fontRef idx="minor"/>
+        </p:style>
+      </p:sp>
+      <p:sp>
+        <p:nvSpPr>
+          <p:cNvPr id="146" name="CustomShape 3"/>
+          <p:cNvSpPr/>
+          <p:nvPr/>
+        </p:nvSpPr>
+        <p:spPr>
+          <a:xfrm>
+            <a:off x="3362760" y="1539360"/>
+            <a:ext cx="4245120" cy="1473120"/>
+          </a:xfrm>
+          <a:prstGeom prst="rect">
+            <a:avLst/>
+          </a:prstGeom>
+          <a:noFill/>
+          <a:ln w="38160">
+            <a:solidFill>
+              <a:schemeClr val="tx1"/>
+            </a:solidFill>
+          </a:ln>
+        </p:spPr>
+        <p:style>
+          <a:lnRef idx="2">
+            <a:schemeClr val="accent1">
+              <a:shade val="50000"/>
+            </a:schemeClr>
+          </a:lnRef>
+          <a:fillRef idx="1">
+            <a:schemeClr val="accent1"/>
+          </a:fillRef>
+          <a:effectRef idx="0">
+            <a:schemeClr val="accent1"/>
+          </a:effectRef>
+          <a:fontRef idx="minor"/>
+        </p:style>
+      </p:sp>
+      <p:sp>
+        <p:nvSpPr>
+          <p:cNvPr id="147" name="CustomShape 4"/>
+          <p:cNvSpPr/>
+          <p:nvPr/>
+        </p:nvSpPr>
+        <p:spPr>
+          <a:xfrm>
+            <a:off x="973440" y="2901240"/>
+            <a:ext cx="947520" cy="360"/>
+          </a:xfrm>
+          <a:custGeom>
+            <a:avLst/>
+            <a:gdLst/>
+            <a:ahLst/>
+            <a:cxnLst/>
+            <a:rect l="l" t="t" r="r" b="b"/>
+            <a:pathLst>
+              <a:path w="21600" h="21600">
+                <a:moveTo>
+                  <a:pt x="0" y="0"/>
+                </a:moveTo>
+                <a:lnTo>
+                  <a:pt x="21600" y="21600"/>
+                </a:lnTo>
+              </a:path>
+            </a:pathLst>
+          </a:custGeom>
+          <a:noFill/>
+          <a:ln w="38160">
+            <a:solidFill>
+              <a:srgbClr val="FF0000"/>
+            </a:solidFill>
+            <a:tailEnd type="triangle" w="med" len="med"/>
+          </a:ln>
+        </p:spPr>
+        <p:style>
+          <a:lnRef idx="1">
+            <a:schemeClr val="dk1"/>
+          </a:lnRef>
+          <a:fillRef idx="0">
+            <a:schemeClr val="dk1"/>
+          </a:fillRef>
+          <a:effectRef idx="0">
+            <a:schemeClr val="dk1"/>
+          </a:effectRef>
+          <a:fontRef idx="minor"/>
+        </p:style>
+      </p:sp>
+      <p:sp>
+        <p:nvSpPr>
+          <p:cNvPr id="148" name="CustomShape 5"/>
+          <p:cNvSpPr/>
+          <p:nvPr/>
+        </p:nvSpPr>
+        <p:spPr>
+          <a:xfrm>
+            <a:off x="973440" y="4676760"/>
+            <a:ext cx="947520" cy="360"/>
+          </a:xfrm>
+          <a:custGeom>
+            <a:avLst/>
+            <a:gdLst/>
+            <a:ahLst/>
+            <a:cxnLst/>
+            <a:rect l="l" t="t" r="r" b="b"/>
+            <a:pathLst>
+              <a:path w="21600" h="21600">
+                <a:moveTo>
+                  <a:pt x="0" y="0"/>
+                </a:moveTo>
+                <a:lnTo>
+                  <a:pt x="21600" y="21600"/>
+                </a:lnTo>
+              </a:path>
+            </a:pathLst>
+          </a:custGeom>
+          <a:noFill/>
+          <a:ln w="38160">
+            <a:solidFill>
+              <a:srgbClr val="00B0F0"/>
+            </a:solidFill>
+            <a:tailEnd type="triangle" w="med" len="med"/>
+          </a:ln>
+        </p:spPr>
+        <p:style>
+          <a:lnRef idx="1">
+            <a:schemeClr val="dk1"/>
+          </a:lnRef>
+          <a:fillRef idx="0">
+            <a:schemeClr val="dk1"/>
+          </a:fillRef>
+          <a:effectRef idx="0">
+            <a:schemeClr val="dk1"/>
+          </a:effectRef>
+          <a:fontRef idx="minor"/>
+        </p:style>
+      </p:sp>
+      <p:sp>
+        <p:nvSpPr>
+          <p:cNvPr id="149" name="CustomShape 6"/>
+          <p:cNvSpPr/>
+          <p:nvPr/>
+        </p:nvSpPr>
+        <p:spPr>
+          <a:xfrm>
+            <a:off x="1034640" y="1483920"/>
+            <a:ext cx="886320" cy="1307160"/>
+          </a:xfrm>
+          <a:prstGeom prst="rect">
+            <a:avLst/>
+          </a:prstGeom>
+          <a:noFill/>
           <a:ln>
             <a:noFill/>
           </a:ln>
         </p:spPr>
+        <p:style>
+          <a:lnRef idx="0">
+            <a:scrgbClr r="0" g="0" b="0"/>
+          </a:lnRef>
+          <a:fillRef idx="0">
+            <a:scrgbClr r="0" g="0" b="0"/>
+          </a:fillRef>
+          <a:effectRef idx="0">
+            <a:scrgbClr r="0" g="0" b="0"/>
+          </a:effectRef>
+          <a:fontRef idx="minor"/>
+        </p:style>
         <p:txBody>
-          <a:bodyPr/>
+          <a:bodyPr lIns="90000" tIns="45000" rIns="90000" bIns="45000"/>
           <a:lstStyle/>
           <a:p>
-            <a:pPr marL="360">
+            <a:pPr>
               <a:lnSpc>
-                <a:spcPct val="90000"/>
+                <a:spcPct val="100000"/>
               </a:lnSpc>
-              <a:spcBef>
-                <a:spcPts val="1001"/>
-              </a:spcBef>
-              <a:buClr>
-                <a:srgbClr val="000000"/>
-              </a:buClr>
             </a:pPr>
             <a:r>
-              <a:rPr lang="es-ES" sz="2800" b="0" strike="noStrike" spc="-1" dirty="0">
-                <a:latin typeface="Calibri"/>
+              <a:rPr lang="es-ES" sz="1600" b="0" strike="noStrike" spc="-1">
+                <a:solidFill>
+                  <a:srgbClr val="FF0000"/>
+                </a:solidFill>
+                <a:latin typeface="LM Roman 10"/>
               </a:rPr>
-              <a:t> </a:t>
+              <a:t>Ruta óptima con puntos reales</a:t>
             </a:r>
-            <a:endParaRPr lang="es-ES" sz="2800" b="0" strike="noStrike" spc="-1" dirty="0">
-              <a:solidFill>
-                <a:srgbClr val="000000"/>
-              </a:solidFill>
-              <a:latin typeface="Calibri"/>
+            <a:endParaRPr lang="es-ES" sz="1600" b="0" strike="noStrike" spc="-1">
+              <a:latin typeface="Arial"/>
+            </a:endParaRPr>
+          </a:p>
+        </p:txBody>
+      </p:sp>
+      <p:sp>
+        <p:nvSpPr>
+          <p:cNvPr id="150" name="CustomShape 7"/>
+          <p:cNvSpPr/>
+          <p:nvPr/>
+        </p:nvSpPr>
+        <p:spPr>
+          <a:xfrm>
+            <a:off x="890640" y="3751920"/>
+            <a:ext cx="1030680" cy="1063080"/>
+          </a:xfrm>
+          <a:prstGeom prst="rect">
+            <a:avLst/>
+          </a:prstGeom>
+          <a:noFill/>
+          <a:ln>
+            <a:noFill/>
+          </a:ln>
+        </p:spPr>
+        <p:style>
+          <a:lnRef idx="0">
+            <a:scrgbClr r="0" g="0" b="0"/>
+          </a:lnRef>
+          <a:fillRef idx="0">
+            <a:scrgbClr r="0" g="0" b="0"/>
+          </a:fillRef>
+          <a:effectRef idx="0">
+            <a:scrgbClr r="0" g="0" b="0"/>
+          </a:effectRef>
+          <a:fontRef idx="minor"/>
+        </p:style>
+        <p:txBody>
+          <a:bodyPr lIns="90000" tIns="45000" rIns="90000" bIns="45000"/>
+          <a:lstStyle/>
+          <a:p>
+            <a:pPr>
+              <a:lnSpc>
+                <a:spcPct val="100000"/>
+              </a:lnSpc>
+            </a:pPr>
+            <a:r>
+              <a:rPr lang="es-ES" sz="1600" b="0" strike="noStrike" spc="-1">
+                <a:solidFill>
+                  <a:srgbClr val="00B0F0"/>
+                </a:solidFill>
+                <a:latin typeface="LM Roman 10"/>
+              </a:rPr>
+              <a:t>Puntos reales + predichos</a:t>
+            </a:r>
+            <a:endParaRPr lang="es-ES" sz="1600" b="0" strike="noStrike" spc="-1">
+              <a:latin typeface="Arial"/>
+            </a:endParaRPr>
+          </a:p>
+        </p:txBody>
+      </p:sp>
+      <p:sp>
+        <p:nvSpPr>
+          <p:cNvPr id="151" name="CustomShape 8"/>
+          <p:cNvSpPr/>
+          <p:nvPr/>
+        </p:nvSpPr>
+        <p:spPr>
+          <a:xfrm>
+            <a:off x="3629520" y="1953000"/>
+            <a:ext cx="3492360" cy="912600"/>
+          </a:xfrm>
+          <a:prstGeom prst="rect">
+            <a:avLst/>
+          </a:prstGeom>
+          <a:noFill/>
+          <a:ln>
+            <a:noFill/>
+          </a:ln>
+        </p:spPr>
+        <p:style>
+          <a:lnRef idx="0">
+            <a:scrgbClr r="0" g="0" b="0"/>
+          </a:lnRef>
+          <a:fillRef idx="0">
+            <a:scrgbClr r="0" g="0" b="0"/>
+          </a:fillRef>
+          <a:effectRef idx="0">
+            <a:scrgbClr r="0" g="0" b="0"/>
+          </a:effectRef>
+          <a:fontRef idx="minor"/>
+        </p:style>
+        <p:txBody>
+          <a:bodyPr lIns="90000" tIns="45000" rIns="90000" bIns="45000"/>
+          <a:lstStyle/>
+          <a:p>
+            <a:pPr>
+              <a:lnSpc>
+                <a:spcPct val="100000"/>
+              </a:lnSpc>
+            </a:pPr>
+            <a:r>
+              <a:rPr lang="es-ES" sz="1800" b="0" strike="noStrike" spc="-1">
+                <a:solidFill>
+                  <a:srgbClr val="000000"/>
+                </a:solidFill>
+                <a:latin typeface="LM Roman 10"/>
+              </a:rPr>
+              <a:t>Comparación de rutas y volcado de datos de salida al usuario</a:t>
+            </a:r>
+            <a:endParaRPr lang="es-ES" sz="1800" b="0" strike="noStrike" spc="-1">
+              <a:latin typeface="Arial"/>
+            </a:endParaRPr>
+          </a:p>
+        </p:txBody>
+      </p:sp>
+      <p:sp>
+        <p:nvSpPr>
+          <p:cNvPr id="152" name="CustomShape 9"/>
+          <p:cNvSpPr/>
+          <p:nvPr/>
+        </p:nvSpPr>
+        <p:spPr>
+          <a:xfrm>
+            <a:off x="3607560" y="4259520"/>
+            <a:ext cx="3755520" cy="639000"/>
+          </a:xfrm>
+          <a:prstGeom prst="rect">
+            <a:avLst/>
+          </a:prstGeom>
+          <a:noFill/>
+          <a:ln>
+            <a:noFill/>
+          </a:ln>
+        </p:spPr>
+        <p:style>
+          <a:lnRef idx="0">
+            <a:scrgbClr r="0" g="0" b="0"/>
+          </a:lnRef>
+          <a:fillRef idx="0">
+            <a:scrgbClr r="0" g="0" b="0"/>
+          </a:fillRef>
+          <a:effectRef idx="0">
+            <a:scrgbClr r="0" g="0" b="0"/>
+          </a:effectRef>
+          <a:fontRef idx="minor"/>
+        </p:style>
+        <p:txBody>
+          <a:bodyPr lIns="90000" tIns="45000" rIns="90000" bIns="45000"/>
+          <a:lstStyle/>
+          <a:p>
+            <a:pPr>
+              <a:lnSpc>
+                <a:spcPct val="100000"/>
+              </a:lnSpc>
+            </a:pPr>
+            <a:r>
+              <a:rPr lang="es-ES" sz="1800" b="0" strike="noStrike" spc="-1">
+                <a:solidFill>
+                  <a:srgbClr val="000000"/>
+                </a:solidFill>
+                <a:latin typeface="LM Roman 10"/>
+              </a:rPr>
+              <a:t>Volcado de datos (queries) a la </a:t>
+            </a:r>
+            <a:r>
+              <a:rPr lang="es-ES" sz="1800" b="1" i="1" strike="noStrike" spc="-1">
+                <a:solidFill>
+                  <a:srgbClr val="000000"/>
+                </a:solidFill>
+                <a:latin typeface="LM Roman 10"/>
+              </a:rPr>
+              <a:t>BBDD de monitorización</a:t>
+            </a:r>
+            <a:endParaRPr lang="es-ES" sz="1800" b="0" strike="noStrike" spc="-1">
+              <a:latin typeface="Arial"/>
+            </a:endParaRPr>
+          </a:p>
+        </p:txBody>
+      </p:sp>
+      <p:sp>
+        <p:nvSpPr>
+          <p:cNvPr id="153" name="CustomShape 10"/>
+          <p:cNvSpPr/>
+          <p:nvPr/>
+        </p:nvSpPr>
+        <p:spPr>
+          <a:xfrm>
+            <a:off x="3362760" y="3940200"/>
+            <a:ext cx="4245120" cy="1473120"/>
+          </a:xfrm>
+          <a:prstGeom prst="rect">
+            <a:avLst/>
+          </a:prstGeom>
+          <a:noFill/>
+          <a:ln w="38160">
+            <a:solidFill>
+              <a:schemeClr val="tx1"/>
+            </a:solidFill>
+          </a:ln>
+        </p:spPr>
+        <p:style>
+          <a:lnRef idx="2">
+            <a:schemeClr val="accent1">
+              <a:shade val="50000"/>
+            </a:schemeClr>
+          </a:lnRef>
+          <a:fillRef idx="1">
+            <a:schemeClr val="accent1"/>
+          </a:fillRef>
+          <a:effectRef idx="0">
+            <a:schemeClr val="accent1"/>
+          </a:effectRef>
+          <a:fontRef idx="minor"/>
+        </p:style>
+      </p:sp>
+      <p:sp>
+        <p:nvSpPr>
+          <p:cNvPr id="154" name="CustomShape 11"/>
+          <p:cNvSpPr/>
+          <p:nvPr/>
+        </p:nvSpPr>
+        <p:spPr>
+          <a:xfrm>
+            <a:off x="9370440" y="2950560"/>
+            <a:ext cx="1734480" cy="360"/>
+          </a:xfrm>
+          <a:custGeom>
+            <a:avLst/>
+            <a:gdLst/>
+            <a:ahLst/>
+            <a:cxnLst/>
+            <a:rect l="l" t="t" r="r" b="b"/>
+            <a:pathLst>
+              <a:path w="21600" h="21600">
+                <a:moveTo>
+                  <a:pt x="0" y="0"/>
+                </a:moveTo>
+                <a:lnTo>
+                  <a:pt x="21600" y="21600"/>
+                </a:lnTo>
+              </a:path>
+            </a:pathLst>
+          </a:custGeom>
+          <a:noFill/>
+          <a:ln w="38160">
+            <a:tailEnd type="triangle" w="med" len="med"/>
+          </a:ln>
+        </p:spPr>
+        <p:style>
+          <a:lnRef idx="1">
+            <a:schemeClr val="dk1"/>
+          </a:lnRef>
+          <a:fillRef idx="0">
+            <a:schemeClr val="dk1"/>
+          </a:fillRef>
+          <a:effectRef idx="0">
+            <a:schemeClr val="dk1"/>
+          </a:effectRef>
+          <a:fontRef idx="minor"/>
+        </p:style>
+      </p:sp>
+      <p:sp>
+        <p:nvSpPr>
+          <p:cNvPr id="155" name="CustomShape 12"/>
+          <p:cNvSpPr/>
+          <p:nvPr/>
+        </p:nvSpPr>
+        <p:spPr>
+          <a:xfrm>
+            <a:off x="9370440" y="4650480"/>
+            <a:ext cx="1734480" cy="360"/>
+          </a:xfrm>
+          <a:custGeom>
+            <a:avLst/>
+            <a:gdLst/>
+            <a:ahLst/>
+            <a:cxnLst/>
+            <a:rect l="l" t="t" r="r" b="b"/>
+            <a:pathLst>
+              <a:path w="21600" h="21600">
+                <a:moveTo>
+                  <a:pt x="0" y="0"/>
+                </a:moveTo>
+                <a:lnTo>
+                  <a:pt x="21600" y="21600"/>
+                </a:lnTo>
+              </a:path>
+            </a:pathLst>
+          </a:custGeom>
+          <a:noFill/>
+          <a:ln w="38160">
+            <a:tailEnd type="triangle" w="med" len="med"/>
+          </a:ln>
+        </p:spPr>
+        <p:style>
+          <a:lnRef idx="1">
+            <a:schemeClr val="dk1"/>
+          </a:lnRef>
+          <a:fillRef idx="0">
+            <a:schemeClr val="dk1"/>
+          </a:fillRef>
+          <a:effectRef idx="0">
+            <a:schemeClr val="dk1"/>
+          </a:effectRef>
+          <a:fontRef idx="minor"/>
+        </p:style>
+      </p:sp>
+      <p:sp>
+        <p:nvSpPr>
+          <p:cNvPr id="156" name="CustomShape 13"/>
+          <p:cNvSpPr/>
+          <p:nvPr/>
+        </p:nvSpPr>
+        <p:spPr>
+          <a:xfrm>
+            <a:off x="9398160" y="2444760"/>
+            <a:ext cx="1884600" cy="638280"/>
+          </a:xfrm>
+          <a:prstGeom prst="rect">
+            <a:avLst/>
+          </a:prstGeom>
+          <a:noFill/>
+          <a:ln>
+            <a:noFill/>
+          </a:ln>
+        </p:spPr>
+        <p:style>
+          <a:lnRef idx="0">
+            <a:scrgbClr r="0" g="0" b="0"/>
+          </a:lnRef>
+          <a:fillRef idx="0">
+            <a:scrgbClr r="0" g="0" b="0"/>
+          </a:fillRef>
+          <a:effectRef idx="0">
+            <a:scrgbClr r="0" g="0" b="0"/>
+          </a:effectRef>
+          <a:fontRef idx="minor"/>
+        </p:style>
+        <p:txBody>
+          <a:bodyPr lIns="90000" tIns="45000" rIns="90000" bIns="45000"/>
+          <a:lstStyle/>
+          <a:p>
+            <a:pPr>
+              <a:lnSpc>
+                <a:spcPct val="100000"/>
+              </a:lnSpc>
+            </a:pPr>
+            <a:r>
+              <a:rPr lang="es-ES" sz="1800" b="0" strike="noStrike" spc="-1">
+                <a:solidFill>
+                  <a:srgbClr val="000000"/>
+                </a:solidFill>
+                <a:latin typeface="LM Roman 10"/>
+              </a:rPr>
+              <a:t>Salida al usuario</a:t>
+            </a:r>
+            <a:endParaRPr lang="es-ES" sz="1800" b="0" strike="noStrike" spc="-1">
+              <a:latin typeface="Arial"/>
+            </a:endParaRPr>
+          </a:p>
+        </p:txBody>
+      </p:sp>
+      <p:sp>
+        <p:nvSpPr>
+          <p:cNvPr id="157" name="CustomShape 14"/>
+          <p:cNvSpPr/>
+          <p:nvPr/>
+        </p:nvSpPr>
+        <p:spPr>
+          <a:xfrm>
+            <a:off x="9398160" y="3907440"/>
+            <a:ext cx="1706760" cy="912600"/>
+          </a:xfrm>
+          <a:prstGeom prst="rect">
+            <a:avLst/>
+          </a:prstGeom>
+          <a:noFill/>
+          <a:ln>
+            <a:noFill/>
+          </a:ln>
+        </p:spPr>
+        <p:style>
+          <a:lnRef idx="0">
+            <a:scrgbClr r="0" g="0" b="0"/>
+          </a:lnRef>
+          <a:fillRef idx="0">
+            <a:scrgbClr r="0" g="0" b="0"/>
+          </a:fillRef>
+          <a:effectRef idx="0">
+            <a:scrgbClr r="0" g="0" b="0"/>
+          </a:effectRef>
+          <a:fontRef idx="minor"/>
+        </p:style>
+        <p:txBody>
+          <a:bodyPr lIns="90000" tIns="45000" rIns="90000" bIns="45000"/>
+          <a:lstStyle/>
+          <a:p>
+            <a:pPr>
+              <a:lnSpc>
+                <a:spcPct val="100000"/>
+              </a:lnSpc>
+            </a:pPr>
+            <a:r>
+              <a:rPr lang="es-ES" sz="1800" b="0" strike="noStrike" spc="-1">
+                <a:solidFill>
+                  <a:srgbClr val="000000"/>
+                </a:solidFill>
+                <a:latin typeface="LM Roman 10"/>
+              </a:rPr>
+              <a:t>Salida para monitorización</a:t>
+            </a:r>
+            <a:endParaRPr lang="es-ES" sz="1800" b="0" strike="noStrike" spc="-1">
+              <a:latin typeface="Arial"/>
             </a:endParaRPr>
           </a:p>
         </p:txBody>
@@ -12936,44 +13664,44 @@
       </p:grpSpPr>
       <p:sp>
         <p:nvSpPr>
-          <p:cNvPr id="166" name="TextShape 2"/>
+          <p:cNvPr id="162" name="TextShape 1"/>
           <p:cNvSpPr txBox="1"/>
           <p:nvPr/>
         </p:nvSpPr>
         <p:spPr>
           <a:xfrm>
-            <a:off x="838080" y="534108"/>
-            <a:ext cx="10515240" cy="444240"/>
-          </a:xfrm>
-          <a:prstGeom prst="rect">
-            <a:avLst/>
-          </a:prstGeom>
-          <a:blipFill rotWithShape="0">
-            <a:blip r:embed="rId2"/>
-            <a:stretch>
-              <a:fillRect/>
-            </a:stretch>
-          </a:blipFill>
+            <a:off x="838080" y="365040"/>
+            <a:ext cx="10515240" cy="379080"/>
+          </a:xfrm>
+          <a:prstGeom prst="rect">
+            <a:avLst/>
+          </a:prstGeom>
+          <a:noFill/>
           <a:ln>
             <a:noFill/>
           </a:ln>
         </p:spPr>
         <p:txBody>
-          <a:bodyPr anchor="ctr"/>
+          <a:bodyPr anchor="ctr">
+            <a:normAutofit fontScale="92500" lnSpcReduction="10000"/>
+          </a:bodyPr>
           <a:lstStyle/>
           <a:p>
-            <a:pPr>
+            <a:pPr algn="ctr">
               <a:lnSpc>
                 <a:spcPct val="90000"/>
               </a:lnSpc>
             </a:pPr>
             <a:r>
-              <a:rPr lang="es-ES" sz="4400" b="0" strike="noStrike" spc="-1">
+              <a:rPr lang="es-ES" sz="2400" b="1" strike="noStrike" spc="-1">
+                <a:solidFill>
+                  <a:srgbClr val="000000"/>
+                </a:solidFill>
                 <a:latin typeface="Calibri Light"/>
               </a:rPr>
-              <a:t> </a:t>
+              <a:t>OPTIMIZAR, ¿QUÉ?</a:t>
             </a:r>
-            <a:endParaRPr lang="es-ES" sz="4400" b="0" strike="noStrike" spc="-1">
+            <a:endParaRPr lang="es-ES" sz="2400" b="0" strike="noStrike" spc="-1">
               <a:solidFill>
                 <a:srgbClr val="000000"/>
               </a:solidFill>
@@ -12984,20 +13712,20 @@
       </p:sp>
       <p:sp>
         <p:nvSpPr>
-          <p:cNvPr id="168" name="TextShape 4"/>
+          <p:cNvPr id="164" name="TextShape 3"/>
           <p:cNvSpPr txBox="1"/>
           <p:nvPr/>
         </p:nvSpPr>
         <p:spPr>
           <a:xfrm>
-            <a:off x="838080" y="1377950"/>
-            <a:ext cx="10515240" cy="4350960"/>
+            <a:off x="838080" y="847620"/>
+            <a:ext cx="10515240" cy="5162760"/>
           </a:xfrm>
           <a:prstGeom prst="rect">
             <a:avLst/>
           </a:prstGeom>
           <a:blipFill rotWithShape="0">
-            <a:blip r:embed="rId3"/>
+            <a:blip r:embed="rId2"/>
             <a:stretch>
               <a:fillRect/>
             </a:stretch>
